--- a/lectures/lecture-14/Lecture-Live B00/Lecture 14 - Lecture.pptx
+++ b/lectures/lecture-14/Lecture-Live B00/Lecture 14 - Lecture.pptx
@@ -5192,7 +5192,7 @@
           <a:p>
             <a:fld id="{3A2BF66F-FEB0-48C1-A8B9-A73F54BB1A08}" type="datetimeFigureOut">
               <a:rPr lang="en-US" smtClean="0"/>
-              <a:t>11/3/2020</a:t>
+              <a:t>11/4/2020</a:t>
             </a:fld>
             <a:endParaRPr lang="en-US"/>
           </a:p>
@@ -5392,7 +5392,7 @@
           <a:p>
             <a:fld id="{3A2BF66F-FEB0-48C1-A8B9-A73F54BB1A08}" type="datetimeFigureOut">
               <a:rPr lang="en-US" smtClean="0"/>
-              <a:t>11/3/2020</a:t>
+              <a:t>11/4/2020</a:t>
             </a:fld>
             <a:endParaRPr lang="en-US"/>
           </a:p>
@@ -5602,7 +5602,7 @@
           <a:p>
             <a:fld id="{3A2BF66F-FEB0-48C1-A8B9-A73F54BB1A08}" type="datetimeFigureOut">
               <a:rPr lang="en-US" smtClean="0"/>
-              <a:t>11/3/2020</a:t>
+              <a:t>11/4/2020</a:t>
             </a:fld>
             <a:endParaRPr lang="en-US"/>
           </a:p>
@@ -6161,7 +6161,7 @@
           <a:p>
             <a:fld id="{3A2BF66F-FEB0-48C1-A8B9-A73F54BB1A08}" type="datetimeFigureOut">
               <a:rPr lang="en-US" smtClean="0"/>
-              <a:t>11/3/2020</a:t>
+              <a:t>11/4/2020</a:t>
             </a:fld>
             <a:endParaRPr lang="en-US"/>
           </a:p>
@@ -6438,7 +6438,7 @@
           <a:p>
             <a:fld id="{3A2BF66F-FEB0-48C1-A8B9-A73F54BB1A08}" type="datetimeFigureOut">
               <a:rPr lang="en-US" smtClean="0"/>
-              <a:t>11/3/2020</a:t>
+              <a:t>11/4/2020</a:t>
             </a:fld>
             <a:endParaRPr lang="en-US"/>
           </a:p>
@@ -6705,7 +6705,7 @@
           <a:p>
             <a:fld id="{3A2BF66F-FEB0-48C1-A8B9-A73F54BB1A08}" type="datetimeFigureOut">
               <a:rPr lang="en-US" smtClean="0"/>
-              <a:t>11/3/2020</a:t>
+              <a:t>11/4/2020</a:t>
             </a:fld>
             <a:endParaRPr lang="en-US"/>
           </a:p>
@@ -7119,7 +7119,7 @@
           <a:p>
             <a:fld id="{3A2BF66F-FEB0-48C1-A8B9-A73F54BB1A08}" type="datetimeFigureOut">
               <a:rPr lang="en-US" smtClean="0"/>
-              <a:t>11/3/2020</a:t>
+              <a:t>11/4/2020</a:t>
             </a:fld>
             <a:endParaRPr lang="en-US"/>
           </a:p>
@@ -7262,7 +7262,7 @@
           <a:p>
             <a:fld id="{3A2BF66F-FEB0-48C1-A8B9-A73F54BB1A08}" type="datetimeFigureOut">
               <a:rPr lang="en-US" smtClean="0"/>
-              <a:t>11/3/2020</a:t>
+              <a:t>11/4/2020</a:t>
             </a:fld>
             <a:endParaRPr lang="en-US"/>
           </a:p>
@@ -7377,7 +7377,7 @@
           <a:p>
             <a:fld id="{3A2BF66F-FEB0-48C1-A8B9-A73F54BB1A08}" type="datetimeFigureOut">
               <a:rPr lang="en-US" smtClean="0"/>
-              <a:t>11/3/2020</a:t>
+              <a:t>11/4/2020</a:t>
             </a:fld>
             <a:endParaRPr lang="en-US"/>
           </a:p>
@@ -7689,7 +7689,7 @@
           <a:p>
             <a:fld id="{3A2BF66F-FEB0-48C1-A8B9-A73F54BB1A08}" type="datetimeFigureOut">
               <a:rPr lang="en-US" smtClean="0"/>
-              <a:t>11/3/2020</a:t>
+              <a:t>11/4/2020</a:t>
             </a:fld>
             <a:endParaRPr lang="en-US"/>
           </a:p>
@@ -7979,7 +7979,7 @@
           <a:p>
             <a:fld id="{3A2BF66F-FEB0-48C1-A8B9-A73F54BB1A08}" type="datetimeFigureOut">
               <a:rPr lang="en-US" smtClean="0"/>
-              <a:t>11/3/2020</a:t>
+              <a:t>11/4/2020</a:t>
             </a:fld>
             <a:endParaRPr lang="en-US"/>
           </a:p>
@@ -8222,7 +8222,7 @@
           <a:p>
             <a:fld id="{3A2BF66F-FEB0-48C1-A8B9-A73F54BB1A08}" type="datetimeFigureOut">
               <a:rPr lang="en-US" smtClean="0"/>
-              <a:t>11/3/2020</a:t>
+              <a:t>11/4/2020</a:t>
             </a:fld>
             <a:endParaRPr lang="en-US"/>
           </a:p>
@@ -8835,7 +8835,7 @@
           <a:p>
             <a:r>
               <a:rPr lang="en-US" dirty="0"/>
-              <a:t>Quiz 14 due Friday @ </a:t>
+              <a:t>Quiz 13 due Wednesday @ </a:t>
             </a:r>
             <a:r>
               <a:rPr lang="en-US" dirty="0" err="1"/>
@@ -8968,8 +8968,13 @@
           <a:p>
             <a:r>
               <a:rPr lang="en-US" dirty="0"/>
-              <a:t>Sorting</a:t>
+              <a:t>Sorting </a:t>
             </a:r>
+            <a:r>
+              <a:rPr lang="en-US" dirty="0" err="1"/>
+              <a:t>Wrapup</a:t>
+            </a:r>
+            <a:endParaRPr lang="en-US" dirty="0"/>
           </a:p>
           <a:p>
             <a:r>

--- a/lectures/lecture-14/Lecture-Live B00/Lecture 14 - Lecture.pptx
+++ b/lectures/lecture-14/Lecture-Live B00/Lecture 14 - Lecture.pptx
@@ -8835,7 +8835,7 @@
           <a:p>
             <a:r>
               <a:rPr lang="en-US" dirty="0"/>
-              <a:t>Quiz 13 due Wednesday @ </a:t>
+              <a:t>Quiz 14 due Friday @ </a:t>
             </a:r>
             <a:r>
               <a:rPr lang="en-US" dirty="0" err="1"/>

--- a/lectures/lecture-14/Lecture-Live B00/Lecture 14 - Lecture.pptx
+++ b/lectures/lecture-14/Lecture-Live B00/Lecture 14 - Lecture.pptx
@@ -161,6 +161,1862 @@
         <inkml:traceFormat>
           <inkml:channel name="X" type="integer" min="-2.14748E9" max="2.14748E9" units="cm"/>
           <inkml:channel name="Y" type="integer" min="-2.14748E9" max="2.14748E9" units="cm"/>
+          <inkml:channel name="F" type="integer" max="32767" units="dev"/>
+          <inkml:channel name="OA" type="integer" max="360" units="deg"/>
+          <inkml:channel name="OE" type="integer" max="90" units="deg"/>
+        </inkml:traceFormat>
+        <inkml:channelProperties>
+          <inkml:channelProperty channel="X" name="resolution" value="1000" units="1/cm"/>
+          <inkml:channelProperty channel="Y" name="resolution" value="1000" units="1/cm"/>
+          <inkml:channelProperty channel="F" name="resolution" value="0" units="1/dev"/>
+          <inkml:channelProperty channel="OA" name="resolution" value="1000" units="1/deg"/>
+          <inkml:channelProperty channel="OE" name="resolution" value="1000" units="1/deg"/>
+        </inkml:channelProperties>
+      </inkml:inkSource>
+      <inkml:timestamp xml:id="ts0" timeString="2020-11-04T18:00:27.614"/>
+    </inkml:context>
+    <inkml:brush xml:id="br0">
+      <inkml:brushProperty name="width" value="0.05" units="cm"/>
+      <inkml:brushProperty name="height" value="0.05" units="cm"/>
+      <inkml:brushProperty name="color" value="#004F8B"/>
+    </inkml:brush>
+  </inkml:definitions>
+  <inkml:trace contextRef="#ctx0" brushRef="#br0">61 110 2760 0 0,'-1'-1'207'0'0,"-6"-2"641"0"0,0 1 286 0 0,6 2-1004 0 0,1 0 0 0 0,-1 0 1 0 0,0 0-1 0 0,1 0 1 0 0,-1-1-1 0 0,1 1 0 0 0,-1 0 1 0 0,1 0-1 0 0,-1 0 1 0 0,1-1-1 0 0,-1 1 0 0 0,1 0 1 0 0,-1-1-1 0 0,1 1 1 0 0,-1 0-1 0 0,1-1 0 0 0,-1 0 1 0 0,0 0 86 0 0,0 0 1 0 0,-1 0-1 0 0,1 0 1 0 0,0 0-1 0 0,-1 1 1 0 0,1-1-1 0 0,0 0 0 0 0,-1 1 1 0 0,-1-2-1 0 0,2 2 434 0 0,-18-10 6173 0 0,24 12-6553 0 0,0-1 1 0 0,1 1-1 0 0,-1-1 1 0 0,0-1-1 0 0,1 1 1 0 0,10-1-1 0 0,36-4 976 0 0,-17 0-740 0 0,0 2 301 0 0,59-13 0 0 0,48-7 370 0 0,-102 15-690 0 0,53 0 0 0 0,1-1 78 0 0,119-10 472 0 0,-183 19-896 0 0,-1 0-1 0 0,1 2 1 0 0,-1 1-1 0 0,0 1 0 0 0,36 11 1 0 0,213 56 519 0 0,112-17 891 0 0,-242-40-1017 0 0,-117-10-426 0 0,-12-2 39 0 0,33 2 0 0 0,-43-5-16 0 0,18-2-393 0 0,-15-7 830 0 0,-10 7-553 0 0,-1 2-15 0 0,-1-1 0 0 0,1 1 0 0 0,-1 0 1 0 0,1-1-1 0 0,-1 1 0 0 0,1-1 0 0 0,-1 1 0 0 0,0-1 1 0 0,1 1-1 0 0,-1-1 0 0 0,0 1 0 0 0,0-1 0 0 0,1 1 1 0 0,-1-1-1 0 0,0 0 0 0 0,0 1 0 0 0,1-2 0 0 0,-1 2-135 0 0</inkml:trace>
+</inkml:ink>
+</file>
+
+<file path=ppt/ink/ink10.xml><?xml version="1.0" encoding="utf-8"?>
+<inkml:ink xmlns:inkml="http://www.w3.org/2003/InkML">
+  <inkml:definitions>
+    <inkml:context xml:id="ctx0">
+      <inkml:inkSource xml:id="inkSrc0">
+        <inkml:traceFormat>
+          <inkml:channel name="X" type="integer" min="-2.14748E9" max="2.14748E9" units="cm"/>
+          <inkml:channel name="Y" type="integer" min="-2.14748E9" max="2.14748E9" units="cm"/>
+          <inkml:channel name="F" type="integer" max="32767" units="dev"/>
+          <inkml:channel name="OA" type="integer" max="360" units="deg"/>
+          <inkml:channel name="OE" type="integer" max="90" units="deg"/>
+        </inkml:traceFormat>
+        <inkml:channelProperties>
+          <inkml:channelProperty channel="X" name="resolution" value="1000" units="1/cm"/>
+          <inkml:channelProperty channel="Y" name="resolution" value="1000" units="1/cm"/>
+          <inkml:channelProperty channel="F" name="resolution" value="0" units="1/dev"/>
+          <inkml:channelProperty channel="OA" name="resolution" value="1000" units="1/deg"/>
+          <inkml:channelProperty channel="OE" name="resolution" value="1000" units="1/deg"/>
+        </inkml:channelProperties>
+      </inkml:inkSource>
+      <inkml:timestamp xml:id="ts0" timeString="2020-11-04T18:00:42.622"/>
+    </inkml:context>
+    <inkml:brush xml:id="br0">
+      <inkml:brushProperty name="width" value="0.05" units="cm"/>
+      <inkml:brushProperty name="height" value="0.05" units="cm"/>
+      <inkml:brushProperty name="color" value="#004F8B"/>
+    </inkml:brush>
+  </inkml:definitions>
+  <inkml:trace contextRef="#ctx0" brushRef="#br0">0 169 8288 0 0,'0'0'638'0'0,"7"5"-56"0"0,-6-5 10 0 0,1 1 1 0 0,-1 0 0 0 0,1-1-1 0 0,-1 1 1 0 0,1 0-1 0 0,0-1 1 0 0,-1 0 0 0 0,1 1-1 0 0,0-1 1 0 0,-1 0-1 0 0,3 0 1 0 0,-2 0-212 0 0,0-1 1 0 0,0 1-1 0 0,1 0 1 0 0,-1-1-1 0 0,0 0 1 0 0,-1 1-1 0 0,1-1 0 0 0,3-1 1 0 0,1-3-92 0 0,1 1 0 0 0,-1-1 0 0 0,0 0 0 0 0,6-7 0 0 0,10-8 1111 0 0,-9 9-1178 0 0,0-1 0 0 0,16-18-1 0 0,-27 27-108 0 0,0 0 0 0 0,0 0 0 0 0,0 1 0 0 0,0-2 0 0 0,-1 1 0 0 0,1 0 0 0 0,-1 0-1 0 0,0 0 1 0 0,0-1 0 0 0,0 1 0 0 0,1-5 0 0 0,-2 7-65 0 0,0 0 1 0 0,0 0-1 0 0,0 0 0 0 0,0 0 0 0 0,0 0 1 0 0,-1 0-1 0 0,1 0 0 0 0,0 0 0 0 0,0 0 1 0 0,-1 0-1 0 0,1 0 0 0 0,-1 0 0 0 0,1 0 1 0 0,-1 0-1 0 0,1 0 0 0 0,-1 0 1 0 0,1 0-1 0 0,-1 1 0 0 0,0-1 0 0 0,1 0 1 0 0,-1 0-1 0 0,0 1 0 0 0,0-1 0 0 0,1 1 1 0 0,-1-1-1 0 0,0 0 0 0 0,0 1 0 0 0,0 0 1 0 0,0-1-1 0 0,0 1 0 0 0,0-1 1 0 0,0 1-1 0 0,0 0 0 0 0,0 0 0 0 0,0 0 1 0 0,0 0-1 0 0,0 0 0 0 0,0 0 0 0 0,0 0 1 0 0,0 0-1 0 0,-2 0 0 0 0,0 0 6 0 0,0 0-1 0 0,0 0 0 0 0,0 1 1 0 0,0-1-1 0 0,0 1 1 0 0,0 0-1 0 0,0 0 1 0 0,0 0-1 0 0,0 0 1 0 0,0 0-1 0 0,0 1 0 0 0,0-1 1 0 0,1 1-1 0 0,-1-1 1 0 0,1 1-1 0 0,-3 2 1 0 0,-1 3 42 0 0,0 0 1 0 0,1-1 0 0 0,0 2-1 0 0,-6 9 1 0 0,-1 2 183 0 0,9-13-226 0 0,-1 1 1 0 0,1-1 0 0 0,-1 1-1 0 0,2-1 1 0 0,-1 1-1 0 0,1 0 1 0 0,0 0-1 0 0,1 0 1 0 0,-2 15 0 0 0,3-19-65 0 0,-1 0 0 0 0,2 0 0 0 0,-1 0 1 0 0,0 0-1 0 0,0 0 0 0 0,1 0 1 0 0,0 0-1 0 0,-1 0 0 0 0,1 0 0 0 0,1 0 1 0 0,-1 0-1 0 0,0 0 0 0 0,1-1 1 0 0,-1 1-1 0 0,1 0 0 0 0,0-1 1 0 0,0 1-1 0 0,0-1 0 0 0,0 0 0 0 0,0 0 1 0 0,0 1-1 0 0,1-1 0 0 0,-1-1 1 0 0,1 1-1 0 0,3 2 0 0 0,-4-4-73 0 0,0 1-1 0 0,0 0 1 0 0,0 0-1 0 0,0-1 1 0 0,0 1-1 0 0,1-1 1 0 0,-1 0-1 0 0,0 0 1 0 0,0 0 0 0 0,1 0-1 0 0,-1 0 1 0 0,0 0-1 0 0,3-1 1 0 0,1-1-965 0 0,0 1 0 0 0,0-1 1 0 0,8-4-1 0 0,3-3-7675 0 0</inkml:trace>
+</inkml:ink>
+</file>
+
+<file path=ppt/ink/ink100.xml><?xml version="1.0" encoding="utf-8"?>
+<inkml:ink xmlns:inkml="http://www.w3.org/2003/InkML">
+  <inkml:definitions>
+    <inkml:context xml:id="ctx0">
+      <inkml:inkSource xml:id="inkSrc0">
+        <inkml:traceFormat>
+          <inkml:channel name="X" type="integer" min="-2.14748E9" max="2.14748E9" units="cm"/>
+          <inkml:channel name="Y" type="integer" min="-2.14748E9" max="2.14748E9" units="cm"/>
+          <inkml:channel name="F" type="integer" max="32767" units="dev"/>
+          <inkml:channel name="OA" type="integer" max="360" units="deg"/>
+          <inkml:channel name="OE" type="integer" max="90" units="deg"/>
+        </inkml:traceFormat>
+        <inkml:channelProperties>
+          <inkml:channelProperty channel="X" name="resolution" value="1000" units="1/cm"/>
+          <inkml:channelProperty channel="Y" name="resolution" value="1000" units="1/cm"/>
+          <inkml:channelProperty channel="F" name="resolution" value="0" units="1/dev"/>
+          <inkml:channelProperty channel="OA" name="resolution" value="1000" units="1/deg"/>
+          <inkml:channelProperty channel="OE" name="resolution" value="1000" units="1/deg"/>
+        </inkml:channelProperties>
+      </inkml:inkSource>
+      <inkml:timestamp xml:id="ts0" timeString="2020-11-03T16:22:35.108"/>
+    </inkml:context>
+    <inkml:brush xml:id="br0">
+      <inkml:brushProperty name="width" value="0.05" units="cm"/>
+      <inkml:brushProperty name="height" value="0.05" units="cm"/>
+      <inkml:brushProperty name="color" value="#E71224"/>
+    </inkml:brush>
+  </inkml:definitions>
+  <inkml:trace contextRef="#ctx0" brushRef="#br0">117 18 13560 0 0,'0'0'1364'0'0,"-16"-14"1381"0"0,14 14-2601 0 0,0-1 1 0 0,0 0 0 0 0,0 1-1 0 0,0 0 1 0 0,0-1-1 0 0,0 1 1 0 0,0 0 0 0 0,0 0-1 0 0,0 0 1 0 0,0 0-1 0 0,0 0 1 0 0,0 0 0 0 0,0 1-1 0 0,0-1 1 0 0,0 1 0 0 0,0-1-1 0 0,1 1 1 0 0,-1 0-1 0 0,0 0 1 0 0,0 0 0 0 0,0 0-1 0 0,-1 2 1 0 0,-4 1 327 0 0,0 1-1 0 0,0 0 1 0 0,1 0 0 0 0,-7 8 0 0 0,12-11-464 0 0,-1 0 0 0 0,1 0-1 0 0,-1 0 1 0 0,1 0 0 0 0,0 0 0 0 0,-1 1 0 0 0,1-1 0 0 0,1 0-1 0 0,-1 1 1 0 0,0-1 0 0 0,0 1 0 0 0,1-1 0 0 0,0 1 0 0 0,-1-1-1 0 0,1 1 1 0 0,0 0 0 0 0,0 3 0 0 0,1 2 85 0 0,1 0 1 0 0,-1-1-1 0 0,1 1 1 0 0,4 10-1 0 0,-5-16-20 0 0,0 1 0 0 0,1-1 1 0 0,-1 0-1 0 0,0 1 0 0 0,1-1 1 0 0,0 0-1 0 0,-1 0 0 0 0,1 0 0 0 0,0 0 1 0 0,0 0-1 0 0,0 0 0 0 0,0-1 1 0 0,1 1-1 0 0,-1-1 0 0 0,0 1 0 0 0,1-1 1 0 0,-1 0-1 0 0,1 0 0 0 0,-1 0 0 0 0,1 0 1 0 0,-1-1-1 0 0,4 2 0 0 0,-4-2-75 0 0,0 0-1 0 0,0 0 1 0 0,0 0-1 0 0,0 0 0 0 0,0 0 1 0 0,0 0-1 0 0,0 0 1 0 0,0 0-1 0 0,0-1 0 0 0,0 1 1 0 0,0-1-1 0 0,0 0 1 0 0,0 1-1 0 0,0-1 1 0 0,-1 0-1 0 0,1 0 0 0 0,0 0 1 0 0,-1 0-1 0 0,1 0 1 0 0,0-1-1 0 0,-1 1 0 0 0,0 0 1 0 0,1-1-1 0 0,-1 1 1 0 0,0-1-1 0 0,0 0 1 0 0,1 1-1 0 0,-1-1 0 0 0,0 0 1 0 0,0-2-1 0 0,14-43 179 0 0,-8 20 1088 0 0,-2 9-656 0 0,-5 18-608 0 0,0-1 0 0 0,0 1 0 0 0,0 0 0 0 0,0-1 0 0 0,1 1 0 0 0,-1 0 0 0 0,0 0 0 0 0,0-1 0 0 0,0 1 0 0 0,1 0 0 0 0,-1-1 0 0 0,0 1 0 0 0,1 0 0 0 0,-1 0 0 0 0,0 0 0 0 0,0-1 0 0 0,1 1 0 0 0,-1 0 0 0 0,0 0 0 0 0,1 0 0 0 0,-1 0 0 0 0,1 0 0 0 0,-1 0 0 0 0,0 0 0 0 0,1 0 0 0 0,-1-1 0 0 0,0 1 0 0 0,1 0 0 0 0,-1 1 0 0 0,0-1 0 0 0,1 0 0 0 0,-1 0 0 0 0,0 0 0 0 0,1 0 0 0 0,-1 0 0 0 0,1 0 0 0 0,-1 0 0 0 0,0 0 0 0 0,1 1 0 0 0,-1-1 0 0 0,0 0 0 0 0,0 0 0 0 0,1 0 0 0 0,-1 1 0 0 0,1-1 0 0 0,3 4 13 0 0,1-1 1 0 0,-1 1-1 0 0,0-1 0 0 0,0 1 1 0 0,-1 0-1 0 0,1 1 0 0 0,-1-1 1 0 0,0 0-1 0 0,0 1 0 0 0,0 0 1 0 0,-1 0-1 0 0,0 0 0 0 0,0 0 1 0 0,0 0-1 0 0,0 0 0 0 0,-1 1 1 0 0,0-1-1 0 0,0 0 0 0 0,0 1 1 0 0,-1-1-1 0 0,0 11 0 0 0,0-8 111 0 0,1 0 9 0 0,-1 0 1 0 0,-1 0 0 0 0,1 0 0 0 0,-1 0 0 0 0,-1 0 0 0 0,-3 11-1 0 0,1-6-41 0 0,-1 0-1 0 0,-1-1 0 0 0,-10 18 0 0 0,14-26-71 0 0,-1-1 0 0 0,1 0 0 0 0,-1 1 0 0 0,0-1 1 0 0,0 0-1 0 0,0 0 0 0 0,0-1 0 0 0,-1 1 0 0 0,1-1 0 0 0,-1 1 0 0 0,1-1 1 0 0,-1 0-1 0 0,0 0 0 0 0,0-1 0 0 0,-7 3 0 0 0,4-3-401 0 0,1 0 0 0 0,-1 0 0 0 0,0 0 1 0 0,1-1-1 0 0,-9-1 0 0 0,13 1 227 0 0,0 0-1 0 0,-1 0 1 0 0,1-1 0 0 0,0 1 0 0 0,0-1-1 0 0,0 1 1 0 0,0-1 0 0 0,0 0-1 0 0,0 0 1 0 0,0 0 0 0 0,0 0 0 0 0,0 0-1 0 0,0 0 1 0 0,0 0 0 0 0,1-1 0 0 0,-1 1-1 0 0,1-1 1 0 0,-1 1 0 0 0,-2-4 0 0 0,4 4-30 0 0,0 1 0 0 0,-1-1 0 0 0,1 0 0 0 0,0 0 0 0 0,0 0 0 0 0,-1 0 0 0 0,1 0 0 0 0,0 0 0 0 0,0 0 0 0 0,0 0 0 0 0,0 0 1 0 0,0 0-1 0 0,1 0 0 0 0,-1 0 0 0 0,0 0 0 0 0,0 1 0 0 0,1-2 0 0 0,2-6-1495 0 0</inkml:trace>
+</inkml:ink>
+</file>
+
+<file path=ppt/ink/ink101.xml><?xml version="1.0" encoding="utf-8"?>
+<inkml:ink xmlns:inkml="http://www.w3.org/2003/InkML">
+  <inkml:definitions>
+    <inkml:context xml:id="ctx0">
+      <inkml:inkSource xml:id="inkSrc0">
+        <inkml:traceFormat>
+          <inkml:channel name="X" type="integer" min="-2.14748E9" max="2.14748E9" units="cm"/>
+          <inkml:channel name="Y" type="integer" min="-2.14748E9" max="2.14748E9" units="cm"/>
+          <inkml:channel name="F" type="integer" max="32767" units="dev"/>
+          <inkml:channel name="OA" type="integer" max="360" units="deg"/>
+          <inkml:channel name="OE" type="integer" max="90" units="deg"/>
+        </inkml:traceFormat>
+        <inkml:channelProperties>
+          <inkml:channelProperty channel="X" name="resolution" value="1000" units="1/cm"/>
+          <inkml:channelProperty channel="Y" name="resolution" value="1000" units="1/cm"/>
+          <inkml:channelProperty channel="F" name="resolution" value="0" units="1/dev"/>
+          <inkml:channelProperty channel="OA" name="resolution" value="1000" units="1/deg"/>
+          <inkml:channelProperty channel="OE" name="resolution" value="1000" units="1/deg"/>
+        </inkml:channelProperties>
+      </inkml:inkSource>
+      <inkml:timestamp xml:id="ts0" timeString="2020-11-03T16:22:35.444"/>
+    </inkml:context>
+    <inkml:brush xml:id="br0">
+      <inkml:brushProperty name="width" value="0.05" units="cm"/>
+      <inkml:brushProperty name="height" value="0.05" units="cm"/>
+      <inkml:brushProperty name="color" value="#E71224"/>
+    </inkml:brush>
+  </inkml:definitions>
+  <inkml:trace contextRef="#ctx0" brushRef="#br0">1 7 13824 0 0,'0'0'1246'0'0,"6"1"-864"0"0,1 0 505 0 0,0-1 0 0 0,0 0 0 0 0,0-1 0 0 0,0 1 0 0 0,8-3 0 0 0,24-1 2537 0 0,-36 4-3301 0 0,0 0 0 0 0,0 0 0 0 0,1 1-1 0 0,-1 0 1 0 0,0-1 0 0 0,-1 1 0 0 0,1 0 0 0 0,0 0 0 0 0,0 0 0 0 0,5 4 0 0 0,-6-4-122 0 0,-1 1-1 0 0,1-1 1 0 0,0 1 0 0 0,-1-1 0 0 0,0 1-1 0 0,1 0 1 0 0,-1 0 0 0 0,0-1-1 0 0,0 1 1 0 0,0 0 0 0 0,0 0 0 0 0,0 0-1 0 0,-1 0 1 0 0,1 1 0 0 0,-1-1 0 0 0,1 0-1 0 0,-1 0 1 0 0,0 0 0 0 0,1 0 0 0 0,-1 0-1 0 0,0 1 1 0 0,-1-1 0 0 0,1 0-1 0 0,0 0 1 0 0,-1 3 0 0 0,-2 7-2 0 0,0 1 0 0 0,-1-1 1 0 0,-5 13-1 0 0,6-17 2 0 0,-3 4-3 0 0,0 0 1 0 0,-1 0-1 0 0,0-1 0 0 0,-14 18 0 0 0,-4 5 263 0 0,25-34-248 0 0,0 0-1 0 0,0 0 1 0 0,0 1-1 0 0,0-1 1 0 0,-1 0-1 0 0,1 0 1 0 0,0 0-1 0 0,0 0 1 0 0,0 0-1 0 0,0 0 1 0 0,0 0-1 0 0,0 0 1 0 0,0 1-1 0 0,0-1 1 0 0,0 0-1 0 0,-1 0 1 0 0,1 0-1 0 0,0 0 1 0 0,0 0-1 0 0,0 1 1 0 0,0-1-1 0 0,0 0 1 0 0,0 0-1 0 0,0 0 1 0 0,0 0-1 0 0,0 0 1 0 0,0 1-1 0 0,0-1 1 0 0,0 0-1 0 0,0 0 1 0 0,0 0-1 0 0,0 0 1 0 0,1 0-1 0 0,-1 1 1 0 0,0-1-1 0 0,0 0 1 0 0,0 0-1 0 0,0 0 1 0 0,0 0 0 0 0,0 0-1 0 0,0 0 1 0 0,0 1-1 0 0,0-1 1 0 0,0 0-1 0 0,1 0 1 0 0,-1 0-1 0 0,0 0 1 0 0,0 0-1 0 0,0 0 1 0 0,0 0-1 0 0,0 0 1 0 0,0 0-1 0 0,1 0 1 0 0,-1 0-1 0 0,0 0 1 0 0,0 1-1 0 0,0-1 1 0 0,14-2-212 0 0,14-8-594 0 0,-21 7-74 0 0,0 0 0 0 0,0-1 1 0 0,-1 0-1 0 0,8-5 0 0 0,0-2-6928 0 0</inkml:trace>
+</inkml:ink>
+</file>
+
+<file path=ppt/ink/ink102.xml><?xml version="1.0" encoding="utf-8"?>
+<inkml:ink xmlns:inkml="http://www.w3.org/2003/InkML">
+  <inkml:definitions>
+    <inkml:context xml:id="ctx0">
+      <inkml:inkSource xml:id="inkSrc0">
+        <inkml:traceFormat>
+          <inkml:channel name="X" type="integer" min="-2.14748E9" max="2.14748E9" units="cm"/>
+          <inkml:channel name="Y" type="integer" min="-2.14748E9" max="2.14748E9" units="cm"/>
+          <inkml:channel name="F" type="integer" max="32767" units="dev"/>
+          <inkml:channel name="OA" type="integer" max="360" units="deg"/>
+          <inkml:channel name="OE" type="integer" max="90" units="deg"/>
+        </inkml:traceFormat>
+        <inkml:channelProperties>
+          <inkml:channelProperty channel="X" name="resolution" value="1000" units="1/cm"/>
+          <inkml:channelProperty channel="Y" name="resolution" value="1000" units="1/cm"/>
+          <inkml:channelProperty channel="F" name="resolution" value="0" units="1/dev"/>
+          <inkml:channelProperty channel="OA" name="resolution" value="1000" units="1/deg"/>
+          <inkml:channelProperty channel="OE" name="resolution" value="1000" units="1/deg"/>
+        </inkml:channelProperties>
+      </inkml:inkSource>
+      <inkml:timestamp xml:id="ts0" timeString="2020-11-03T16:22:35.910"/>
+    </inkml:context>
+    <inkml:brush xml:id="br0">
+      <inkml:brushProperty name="width" value="0.05" units="cm"/>
+      <inkml:brushProperty name="height" value="0.05" units="cm"/>
+      <inkml:brushProperty name="color" value="#E71224"/>
+    </inkml:brush>
+  </inkml:definitions>
+  <inkml:trace contextRef="#ctx0" brushRef="#br0">189 84 3224 0 0,'3'-13'312'0'0,"0"1"2681"0"0,-1 1 0 0 0,0-17 1 0 0,-2 27-2675 0 0,0 0 0 0 0,0 0 0 0 0,-1 0 0 0 0,1 0 0 0 0,0 0 0 0 0,-1 1 0 0 0,1-1 0 0 0,-1 0 0 0 0,1 0 0 0 0,-1 0 0 0 0,1 0 0 0 0,-1 1 0 0 0,1-1 0 0 0,-1 0 0 0 0,0 1 0 0 0,1-1 0 0 0,-1 0 0 0 0,0 1 0 0 0,0-1 0 0 0,-1 0 0 0 0,2 1-252 0 0,0 0 1 0 0,-1-1-1 0 0,1 1 1 0 0,0 0-1 0 0,-1 0 1 0 0,1 0-1 0 0,-1-1 1 0 0,1 1-1 0 0,0 0 1 0 0,-1 0-1 0 0,1 0 1 0 0,-1 0-1 0 0,1 0 1 0 0,0 0-1 0 0,-1 0 1 0 0,1 0-1 0 0,-1 0 1 0 0,1 0-1 0 0,0 0 1 0 0,-1 0-1 0 0,1 0 1 0 0,-1 0-1 0 0,1 1 1 0 0,0-1-1 0 0,-1 0 1 0 0,1 0-1 0 0,-1 0 1 0 0,1 1-1 0 0,0-1 1 0 0,-1 0-1 0 0,1 0 1 0 0,0 1-1 0 0,0-1 1 0 0,-1 0-1 0 0,1 1 1 0 0,0-1-1 0 0,0 0 1 0 0,-1 1-1 0 0,1-1 1 0 0,0 0-1 0 0,0 1 1 0 0,0-1-1 0 0,-1 0 1 0 0,1 1-1 0 0,0-1 1 0 0,0 1-1 0 0,-2 4 176 0 0,0 0-1 0 0,-1 0 1 0 0,1 0-1 0 0,-1 0 1 0 0,0-1-1 0 0,0 1 0 0 0,-1-1 1 0 0,1 0-1 0 0,-6 5 1 0 0,-10 12 340 0 0,5 1-343 0 0,0 0-1 0 0,1 0 1 0 0,1 2 0 0 0,2-1-1 0 0,0 1 1 0 0,1 1-1 0 0,2 0 1 0 0,0 0 0 0 0,-3 32-1 0 0,7-42-133 0 0,-1 8 200 0 0,-1 29-1 0 0,5-45-171 0 0,0 1-1 0 0,0 0 0 0 0,1 0 1 0 0,0-1-1 0 0,0 1 0 0 0,1-1 1 0 0,5 14-1 0 0,-6-19-163 0 0,0 0 0 0 0,0 1 1 0 0,1-1-1 0 0,-1 0 0 0 0,1 0 0 0 0,0 0 0 0 0,-1 0 0 0 0,1 0 0 0 0,0 0 1 0 0,0 0-1 0 0,0-1 0 0 0,0 1 0 0 0,0-1 0 0 0,1 0 0 0 0,-1 1 1 0 0,0-1-1 0 0,1 0 0 0 0,-1 0 0 0 0,1 0 0 0 0,-1-1 0 0 0,1 1 0 0 0,-1-1 1 0 0,1 1-1 0 0,0-1 0 0 0,-1 0 0 0 0,1 0 0 0 0,-1 0 0 0 0,1 0 1 0 0,0 0-1 0 0,-1-1 0 0 0,1 1 0 0 0,2-2 0 0 0,-1 2-190 0 0,-1-1 0 0 0,1 0-1 0 0,-1-1 1 0 0,0 1 0 0 0,1-1 0 0 0,-1 1-1 0 0,0-1 1 0 0,0 0 0 0 0,0 0 0 0 0,0 0 0 0 0,0-1-1 0 0,0 1 1 0 0,-1-1 0 0 0,1 1 0 0 0,-1-1-1 0 0,0 0 1 0 0,1 0 0 0 0,-1 0 0 0 0,-1 0-1 0 0,1 0 1 0 0,0-1 0 0 0,1-5 0 0 0,3-34-4076 0 0,0 21 2090 0 0</inkml:trace>
+</inkml:ink>
+</file>
+
+<file path=ppt/ink/ink103.xml><?xml version="1.0" encoding="utf-8"?>
+<inkml:ink xmlns:inkml="http://www.w3.org/2003/InkML">
+  <inkml:definitions>
+    <inkml:context xml:id="ctx0">
+      <inkml:inkSource xml:id="inkSrc0">
+        <inkml:traceFormat>
+          <inkml:channel name="X" type="integer" min="-2.14748E9" max="2.14748E9" units="cm"/>
+          <inkml:channel name="Y" type="integer" min="-2.14748E9" max="2.14748E9" units="cm"/>
+          <inkml:channel name="F" type="integer" max="32767" units="dev"/>
+          <inkml:channel name="OA" type="integer" max="360" units="deg"/>
+          <inkml:channel name="OE" type="integer" max="90" units="deg"/>
+        </inkml:traceFormat>
+        <inkml:channelProperties>
+          <inkml:channelProperty channel="X" name="resolution" value="1000" units="1/cm"/>
+          <inkml:channelProperty channel="Y" name="resolution" value="1000" units="1/cm"/>
+          <inkml:channelProperty channel="F" name="resolution" value="0" units="1/dev"/>
+          <inkml:channelProperty channel="OA" name="resolution" value="1000" units="1/deg"/>
+          <inkml:channelProperty channel="OE" name="resolution" value="1000" units="1/deg"/>
+        </inkml:channelProperties>
+      </inkml:inkSource>
+      <inkml:timestamp xml:id="ts0" timeString="2020-11-03T16:22:36.341"/>
+    </inkml:context>
+    <inkml:brush xml:id="br0">
+      <inkml:brushProperty name="width" value="0.05" units="cm"/>
+      <inkml:brushProperty name="height" value="0.05" units="cm"/>
+      <inkml:brushProperty name="color" value="#E71224"/>
+    </inkml:brush>
+  </inkml:definitions>
+  <inkml:trace contextRef="#ctx0" brushRef="#br0">1 158 6448 0 0,'0'0'8862'0'0,"7"-1"-7366"0"0,-3-1-1088 0 0,1 0 0 0 0,-1-1 0 0 0,1 1 0 0 0,-1-1 1 0 0,0 0-1 0 0,0 0 0 0 0,0-1 0 0 0,0 1 0 0 0,0-1 0 0 0,-1 0 0 0 0,0 0 0 0 0,5-6 0 0 0,1-6 811 0 0,0 1 0 0 0,8-21 0 0 0,-15 30-1013 0 0,10-30 1418 0 0,-12 43-1621 0 0,-1 0 1 0 0,1 0 0 0 0,0 0-1 0 0,1 1 1 0 0,2 7-1 0 0,9 45-7 0 0,-7-44 4 0 0,1-1 0 0 0,0 0 0 0 0,13 22 0 0 0,-19-36 18 0 0,1 1-1 0 0,0-1 0 0 0,0 0 1 0 0,0 0-1 0 0,-1 0 1 0 0,1 0-1 0 0,0 0 0 0 0,1 0 1 0 0,-1 0-1 0 0,0 0 1 0 0,0 0-1 0 0,0 0 0 0 0,1 0 1 0 0,-1-1-1 0 0,0 1 1 0 0,0-1-1 0 0,1 1 0 0 0,-1-1 1 0 0,3 1-1 0 0,-3-1-3 0 0,0 0 1 0 0,1 0-1 0 0,-1 0 0 0 0,0 0 1 0 0,0 0-1 0 0,0 0 0 0 0,0-1 1 0 0,0 1-1 0 0,0-1 0 0 0,0 1 1 0 0,0 0-1 0 0,0-1 0 0 0,0 1 0 0 0,0-1 1 0 0,-1 0-1 0 0,1 1 0 0 0,0-1 1 0 0,0 0-1 0 0,0 0 0 0 0,-1 1 1 0 0,1-1-1 0 0,0 0 0 0 0,-1 0 1 0 0,1 0-1 0 0,0-2 0 0 0,5-9 104 0 0,-1 0 1 0 0,0 0-1 0 0,-1 0 0 0 0,5-23 0 0 0,2-53-4278 0 0,-10 84 3561 0 0,1-5-5509 0 0,1-1-1687 0 0</inkml:trace>
+</inkml:ink>
+</file>
+
+<file path=ppt/ink/ink104.xml><?xml version="1.0" encoding="utf-8"?>
+<inkml:ink xmlns:inkml="http://www.w3.org/2003/InkML">
+  <inkml:definitions>
+    <inkml:context xml:id="ctx0">
+      <inkml:inkSource xml:id="inkSrc0">
+        <inkml:traceFormat>
+          <inkml:channel name="X" type="integer" min="-2.14748E9" max="2.14748E9" units="cm"/>
+          <inkml:channel name="Y" type="integer" min="-2.14748E9" max="2.14748E9" units="cm"/>
+          <inkml:channel name="F" type="integer" max="32767" units="dev"/>
+          <inkml:channel name="OA" type="integer" max="360" units="deg"/>
+          <inkml:channel name="OE" type="integer" max="90" units="deg"/>
+        </inkml:traceFormat>
+        <inkml:channelProperties>
+          <inkml:channelProperty channel="X" name="resolution" value="1000" units="1/cm"/>
+          <inkml:channelProperty channel="Y" name="resolution" value="1000" units="1/cm"/>
+          <inkml:channelProperty channel="F" name="resolution" value="0" units="1/dev"/>
+          <inkml:channelProperty channel="OA" name="resolution" value="1000" units="1/deg"/>
+          <inkml:channelProperty channel="OE" name="resolution" value="1000" units="1/deg"/>
+        </inkml:channelProperties>
+      </inkml:inkSource>
+      <inkml:timestamp xml:id="ts0" timeString="2020-11-03T16:22:36.672"/>
+    </inkml:context>
+    <inkml:brush xml:id="br0">
+      <inkml:brushProperty name="width" value="0.05" units="cm"/>
+      <inkml:brushProperty name="height" value="0.05" units="cm"/>
+      <inkml:brushProperty name="color" value="#E71224"/>
+    </inkml:brush>
+  </inkml:definitions>
+  <inkml:trace contextRef="#ctx0" brushRef="#br0">0 0 21191 0 0,'0'0'1606'0'0,"6"7"-904"0"0,3 4-529 0 0,0 1-1 0 0,-1 0 0 0 0,0 0 0 0 0,-1 0 1 0 0,0 1-1 0 0,-1 0 0 0 0,0 1 1 0 0,-1-1-1 0 0,-1 1 0 0 0,0 0 0 0 0,0 0 1 0 0,-2 0-1 0 0,2 27 0 0 0,-3-26 118 0 0,-2 1-1 0 0,1-1 0 0 0,-6 24 0 0 0,-13 46 188 0 0,16-72-427 0 0,1-5-110 0 0,0 0-1 0 0,0 0 1 0 0,0 0 0 0 0,-1-1-1 0 0,0 1 1 0 0,-1-1-1 0 0,0 0 1 0 0,0 0 0 0 0,-10 12-1 0 0,13-18-267 0 0</inkml:trace>
+</inkml:ink>
+</file>
+
+<file path=ppt/ink/ink105.xml><?xml version="1.0" encoding="utf-8"?>
+<inkml:ink xmlns:inkml="http://www.w3.org/2003/InkML">
+  <inkml:definitions>
+    <inkml:context xml:id="ctx0">
+      <inkml:inkSource xml:id="inkSrc0">
+        <inkml:traceFormat>
+          <inkml:channel name="X" type="integer" min="-2.14748E9" max="2.14748E9" units="cm"/>
+          <inkml:channel name="Y" type="integer" min="-2.14748E9" max="2.14748E9" units="cm"/>
+          <inkml:channel name="F" type="integer" max="32767" units="dev"/>
+          <inkml:channel name="OA" type="integer" max="360" units="deg"/>
+          <inkml:channel name="OE" type="integer" max="90" units="deg"/>
+        </inkml:traceFormat>
+        <inkml:channelProperties>
+          <inkml:channelProperty channel="X" name="resolution" value="1000" units="1/cm"/>
+          <inkml:channelProperty channel="Y" name="resolution" value="1000" units="1/cm"/>
+          <inkml:channelProperty channel="F" name="resolution" value="0" units="1/dev"/>
+          <inkml:channelProperty channel="OA" name="resolution" value="1000" units="1/deg"/>
+          <inkml:channelProperty channel="OE" name="resolution" value="1000" units="1/deg"/>
+        </inkml:channelProperties>
+      </inkml:inkSource>
+      <inkml:timestamp xml:id="ts0" timeString="2020-11-03T16:22:37.035"/>
+    </inkml:context>
+    <inkml:brush xml:id="br0">
+      <inkml:brushProperty name="width" value="0.05" units="cm"/>
+      <inkml:brushProperty name="height" value="0.05" units="cm"/>
+      <inkml:brushProperty name="color" value="#E71224"/>
+    </inkml:brush>
+  </inkml:definitions>
+  <inkml:trace contextRef="#ctx0" brushRef="#br0">1 5 17503 0 0,'0'0'1759'0'0,"1"0"-1614"0"0,0-1 87 0 0,1 0-1 0 0,-1 1 0 0 0,1-1 0 0 0,-1 1 0 0 0,1-1 0 0 0,-1 1 0 0 0,1 0 1 0 0,-1 0-1 0 0,4-1 0 0 0,-4 2-98 0 0,0-1 1 0 0,-1 1-1 0 0,1-1 1 0 0,0 0-1 0 0,0 1 0 0 0,0 0 1 0 0,-1-1-1 0 0,1 1 1 0 0,0-1-1 0 0,-1 1 0 0 0,1 0 1 0 0,1 1-1 0 0,0 0-408 0 0,3 6 510 0 0,1 0-1 0 0,-1 1 1 0 0,0 0 0 0 0,-1 0 0 0 0,0 0-1 0 0,-1 0 1 0 0,0 0 0 0 0,3 12 0 0 0,4 13 368 0 0,5 10 140 0 0,-2 0 1 0 0,12 80-1 0 0,-22-95-663 0 0,-1 0 0 0 0,-1 0 0 0 0,-1 0 0 0 0,-1 1-1 0 0,-8 40 1 0 0,3-42-76 0 0,-15 69 96 0 0,17-86-146 0 0,0 1-1 0 0,0-1 1 0 0,-1 0 0 0 0,0 0 0 0 0,-1-1-1 0 0,-8 11 1 0 0,1-5-1282 0 0,-3-3-5301 0 0,-1-3-2149 0 0</inkml:trace>
+</inkml:ink>
+</file>
+
+<file path=ppt/ink/ink106.xml><?xml version="1.0" encoding="utf-8"?>
+<inkml:ink xmlns:inkml="http://www.w3.org/2003/InkML">
+  <inkml:definitions>
+    <inkml:context xml:id="ctx0">
+      <inkml:inkSource xml:id="inkSrc0">
+        <inkml:traceFormat>
+          <inkml:channel name="X" type="integer" min="-2.14748E9" max="2.14748E9" units="cm"/>
+          <inkml:channel name="Y" type="integer" min="-2.14748E9" max="2.14748E9" units="cm"/>
+          <inkml:channel name="F" type="integer" max="32767" units="dev"/>
+          <inkml:channel name="OA" type="integer" max="360" units="deg"/>
+          <inkml:channel name="OE" type="integer" max="90" units="deg"/>
+        </inkml:traceFormat>
+        <inkml:channelProperties>
+          <inkml:channelProperty channel="X" name="resolution" value="1000" units="1/cm"/>
+          <inkml:channelProperty channel="Y" name="resolution" value="1000" units="1/cm"/>
+          <inkml:channelProperty channel="F" name="resolution" value="0" units="1/dev"/>
+          <inkml:channelProperty channel="OA" name="resolution" value="1000" units="1/deg"/>
+          <inkml:channelProperty channel="OE" name="resolution" value="1000" units="1/deg"/>
+        </inkml:channelProperties>
+      </inkml:inkSource>
+      <inkml:timestamp xml:id="ts0" timeString="2020-11-03T16:22:43.533"/>
+    </inkml:context>
+    <inkml:brush xml:id="br0">
+      <inkml:brushProperty name="width" value="0.05" units="cm"/>
+      <inkml:brushProperty name="height" value="0.05" units="cm"/>
+      <inkml:brushProperty name="color" value="#E71224"/>
+    </inkml:brush>
+  </inkml:definitions>
+  <inkml:trace contextRef="#ctx0" brushRef="#br0">337 65 6448 0 0,'0'0'585'0'0,"-5"-5"1975"0"0,-2-10-380 0 0,2 5-1041 0 0,4 8-961 0 0,0 0-1 0 0,1 0 1 0 0,-1 1 0 0 0,0-1 0 0 0,0 0 0 0 0,0 0 0 0 0,0 0 0 0 0,-1 1 0 0 0,1-1 0 0 0,0 1 0 0 0,-1-1 0 0 0,1 1-1 0 0,-1-1 1 0 0,1 1 0 0 0,-1 0 0 0 0,1 0 0 0 0,-1 0 0 0 0,0 0 0 0 0,0 0 0 0 0,0 0 0 0 0,0 0 0 0 0,0 1 0 0 0,0-1-1 0 0,1 1 1 0 0,-1-1 0 0 0,-1 1 0 0 0,1 0 0 0 0,0 0 0 0 0,0-1 0 0 0,0 2 0 0 0,-2-1 0 0 0,-3 0-22 0 0,1 1 0 0 0,-1 0 1 0 0,1 0-1 0 0,0 0 0 0 0,0 1 0 0 0,-1 0 0 0 0,1 0 1 0 0,0 0-1 0 0,0 1 0 0 0,1 0 0 0 0,-1 0 1 0 0,-9 8-1 0 0,7-6-114 0 0,1 1 0 0 0,1 1 0 0 0,-1 0 1 0 0,1 0-1 0 0,0 0 0 0 0,1 0 0 0 0,0 1 0 0 0,-6 12 0 0 0,-9 13 49 0 0,-4 10 58 0 0,10-11-64 0 0,2 1 0 0 0,0 0-1 0 0,3 1 1 0 0,0 0-1 0 0,3 0 1 0 0,0 1-1 0 0,3 0 1 0 0,0 67 0 0 0,6-71 115 0 0,1 0 1 0 0,1 0-1 0 0,2-1 1 0 0,0 0-1 0 0,3 0 1 0 0,13 32-1 0 0,-14-44-56 0 0,0 1 0 0 0,1-1-1 0 0,1-1 1 0 0,1 0-1 0 0,0 0 1 0 0,1-1-1 0 0,1-1 1 0 0,0 0-1 0 0,1-1 1 0 0,20 15-1 0 0,-29-25-90 0 0,-1-1 0 0 0,1 1 1 0 0,0-1-1 0 0,0 0 0 0 0,1-1 0 0 0,-1 1 0 0 0,1-1 0 0 0,-1-1 0 0 0,1 1 0 0 0,0-1 1 0 0,12 1-1 0 0,-10-2-29 0 0,0-1 1 0 0,0 0-1 0 0,-1 0 1 0 0,1-1 0 0 0,-1 0-1 0 0,1-1 1 0 0,-1 1-1 0 0,15-8 1 0 0,-1-2 85 0 0,1-1 0 0 0,-2-1 1 0 0,1-1-1 0 0,-2-1 0 0 0,0 0 1 0 0,-1-2-1 0 0,-1 0 0 0 0,-1-1 0 0 0,0-1 1 0 0,-2 0-1 0 0,0-2 0 0 0,-1 1 0 0 0,-1-2 1 0 0,-1 0-1 0 0,-1 0 0 0 0,8-27 0 0 0,-9 18-47 0 0,-1-1-1 0 0,-2 0 1 0 0,-1 0-1 0 0,2-41 1 0 0,-7 53-6 0 0,-1-1 0 0 0,-1 1 1 0 0,-1-1-1 0 0,-1 1 0 0 0,-1 0 1 0 0,-1 0-1 0 0,-12-34 0 0 0,7 31 14 0 0,0 0 0 0 0,-2 1-1 0 0,-15-24 1 0 0,22 39-45 0 0,0 1 0 0 0,-1 0 1 0 0,0 0-1 0 0,0 1 0 0 0,0 0 0 0 0,-1 0 1 0 0,0 0-1 0 0,0 1 0 0 0,0 0 0 0 0,-1 0 1 0 0,0 0-1 0 0,-13-5 0 0 0,12 7-11 0 0,0 1 1 0 0,-1 0-1 0 0,1 0 0 0 0,-1 1 0 0 0,1 0 1 0 0,-1 0-1 0 0,1 1 0 0 0,-1 0 0 0 0,0 1 1 0 0,1 0-1 0 0,-16 4 0 0 0,14-2-28 0 0,0 1-1 0 0,0 0 1 0 0,0 1 0 0 0,1 0-1 0 0,0 1 1 0 0,0 0 0 0 0,0 1-1 0 0,1 0 1 0 0,-11 9-1 0 0,12-9-327 0 0,0 1 0 0 0,0-1 0 0 0,0 1 0 0 0,1 1 0 0 0,0-1 0 0 0,1 1 0 0 0,0 1 0 0 0,-5 10 0 0 0,9-13-2207 0 0</inkml:trace>
+</inkml:ink>
+</file>
+
+<file path=ppt/ink/ink107.xml><?xml version="1.0" encoding="utf-8"?>
+<inkml:ink xmlns:inkml="http://www.w3.org/2003/InkML">
+  <inkml:definitions>
+    <inkml:context xml:id="ctx0">
+      <inkml:inkSource xml:id="inkSrc0">
+        <inkml:traceFormat>
+          <inkml:channel name="X" type="integer" min="-2.14748E9" max="2.14748E9" units="cm"/>
+          <inkml:channel name="Y" type="integer" min="-2.14748E9" max="2.14748E9" units="cm"/>
+          <inkml:channel name="F" type="integer" max="32767" units="dev"/>
+          <inkml:channel name="OA" type="integer" max="360" units="deg"/>
+          <inkml:channel name="OE" type="integer" max="90" units="deg"/>
+        </inkml:traceFormat>
+        <inkml:channelProperties>
+          <inkml:channelProperty channel="X" name="resolution" value="1000" units="1/cm"/>
+          <inkml:channelProperty channel="Y" name="resolution" value="1000" units="1/cm"/>
+          <inkml:channelProperty channel="F" name="resolution" value="0" units="1/dev"/>
+          <inkml:channelProperty channel="OA" name="resolution" value="1000" units="1/deg"/>
+          <inkml:channelProperty channel="OE" name="resolution" value="1000" units="1/deg"/>
+        </inkml:channelProperties>
+      </inkml:inkSource>
+      <inkml:timestamp xml:id="ts0" timeString="2020-11-03T16:22:44.250"/>
+    </inkml:context>
+    <inkml:brush xml:id="br0">
+      <inkml:brushProperty name="width" value="0.05" units="cm"/>
+      <inkml:brushProperty name="height" value="0.05" units="cm"/>
+      <inkml:brushProperty name="color" value="#E71224"/>
+    </inkml:brush>
+  </inkml:definitions>
+  <inkml:trace contextRef="#ctx0" brushRef="#br0">0 203 2304 0 0,'0'0'441'0'0,"5"-8"6409"0"0,-1 1-5563 0 0,8-10-91 0 0,1 0-1 0 0,1 1 1 0 0,0 0-1 0 0,2 1 1 0 0,29-22 0 0 0,-23 19-333 0 0,-13 11-458 0 0,1 0-1 0 0,1 0 0 0 0,11-4 0 0 0,-1-1 243 0 0,-20 11-602 0 0,1 1 0 0 0,-1-1-1 0 0,1 0 1 0 0,-1 0 0 0 0,1 0-1 0 0,-1 1 1 0 0,1-1 0 0 0,0 1-1 0 0,-1-1 1 0 0,1 1-1 0 0,0 0 1 0 0,-1 0 0 0 0,1 0-1 0 0,0 0 1 0 0,-1 0 0 0 0,1 0-1 0 0,0 0 1 0 0,0 0 0 0 0,-1 1-1 0 0,1-1 1 0 0,0 1 0 0 0,-1-1-1 0 0,1 1 1 0 0,-1-1 0 0 0,1 1-1 0 0,-1 0 1 0 0,1 0-1 0 0,-1 0 1 0 0,1 0 0 0 0,-1 0-1 0 0,0 0 1 0 0,0 0 0 0 0,1 1-1 0 0,-1-1 1 0 0,0 0 0 0 0,0 1-1 0 0,1 1 1 0 0,2 5 78 0 0,1 0 0 0 0,-2 1 0 0 0,1-1 0 0 0,-1 1-1 0 0,3 12 1 0 0,-4-15-85 0 0,3 14 336 0 0,0 0 65 0 0,1-1 0 0 0,14 31 0 0 0,-17-44-369 0 0,0-1 0 0 0,0 1 0 0 0,0-1 0 0 0,1 0 0 0 0,0-1 0 0 0,0 1 0 0 0,0-1 1 0 0,0 1-1 0 0,1-1 0 0 0,0 0 0 0 0,0-1 0 0 0,0 1 0 0 0,8 3 0 0 0,-10-6-24 0 0,0 0 0 0 0,0 0 1 0 0,0-1-1 0 0,0 1 0 0 0,0-1 0 0 0,0 0 0 0 0,0 1 0 0 0,0-1 0 0 0,0-1 0 0 0,1 1 1 0 0,4-1-1 0 0,36-12 273 0 0,-35 11-267 0 0,-2-1-24 0 0,0 0-1 0 0,-1 0 0 0 0,1 0 0 0 0,-1-1 0 0 0,0 0 0 0 0,0 0 0 0 0,10-8 0 0 0,0-4-25 0 0,17-20 0 0 0,-24 24-644 0 0,1 1-1 0 0,0 0 1 0 0,1 1 0 0 0,0 0 0 0 0,19-12-1 0 0,-11 12-1177 0 0</inkml:trace>
+</inkml:ink>
+</file>
+
+<file path=ppt/ink/ink108.xml><?xml version="1.0" encoding="utf-8"?>
+<inkml:ink xmlns:inkml="http://www.w3.org/2003/InkML">
+  <inkml:definitions>
+    <inkml:context xml:id="ctx0">
+      <inkml:inkSource xml:id="inkSrc0">
+        <inkml:traceFormat>
+          <inkml:channel name="X" type="integer" min="-2.14748E9" max="2.14748E9" units="cm"/>
+          <inkml:channel name="Y" type="integer" min="-2.14748E9" max="2.14748E9" units="cm"/>
+          <inkml:channel name="F" type="integer" max="32767" units="dev"/>
+          <inkml:channel name="OA" type="integer" max="360" units="deg"/>
+          <inkml:channel name="OE" type="integer" max="90" units="deg"/>
+        </inkml:traceFormat>
+        <inkml:channelProperties>
+          <inkml:channelProperty channel="X" name="resolution" value="1000" units="1/cm"/>
+          <inkml:channelProperty channel="Y" name="resolution" value="1000" units="1/cm"/>
+          <inkml:channelProperty channel="F" name="resolution" value="0" units="1/dev"/>
+          <inkml:channelProperty channel="OA" name="resolution" value="1000" units="1/deg"/>
+          <inkml:channelProperty channel="OE" name="resolution" value="1000" units="1/deg"/>
+        </inkml:channelProperties>
+      </inkml:inkSource>
+      <inkml:timestamp xml:id="ts0" timeString="2020-11-03T16:22:44.931"/>
+    </inkml:context>
+    <inkml:brush xml:id="br0">
+      <inkml:brushProperty name="width" value="0.05" units="cm"/>
+      <inkml:brushProperty name="height" value="0.05" units="cm"/>
+      <inkml:brushProperty name="color" value="#E71224"/>
+    </inkml:brush>
+  </inkml:definitions>
+  <inkml:trace contextRef="#ctx0" brushRef="#br0">205 1 8752 0 0,'0'0'673'0'0,"-13"3"1787"0"0,9-1-1987 0 0,-1 0 1 0 0,1 1-1 0 0,-1-1 0 0 0,1 1 1 0 0,0 0-1 0 0,0 1 0 0 0,0-1 1 0 0,1 1-1 0 0,-1 0 0 0 0,-5 8 1 0 0,-2 4-40 0 0,-13 27 0 0 0,17-31-211 0 0,-3 9 68 0 0,1 0 0 0 0,-13 44-1 0 0,-4 49 451 0 0,24-102-648 0 0,-10 58 642 0 0,3 0 1 0 0,3 1-1 0 0,3 0 0 0 0,3-1 1 0 0,3 1-1 0 0,16 90 1 0 0,-15-134-509 0 0,1 1 0 0 0,2-1 0 0 0,1 0 0 0 0,1-1 0 0 0,15 33 0 0 0,-21-54-223 0 0,0 0-1 0 0,0-1 0 0 0,0 1 1 0 0,1 0-1 0 0,-1-1 1 0 0,5 4-1 0 0,-6-6-16 0 0,0 0 1 0 0,0-1-1 0 0,0 1 0 0 0,0-1 0 0 0,0 0 0 0 0,1 0 1 0 0,-1 0-1 0 0,0 0 0 0 0,0 0 0 0 0,1 0 0 0 0,-1 0 1 0 0,1-1-1 0 0,-1 1 0 0 0,5-1 0 0 0,-6 0-143 0 0,0-1-1 0 0,0 1 0 0 0,0-1 1 0 0,0 1-1 0 0,0-1 1 0 0,0 1-1 0 0,-1-1 0 0 0,1 0 1 0 0,0 0-1 0 0,0 1 1 0 0,-1-1-1 0 0,1 0 1 0 0,0 0-1 0 0,-1 0 0 0 0,1 0 1 0 0,-1 0-1 0 0,1 0 1 0 0,-1 0-1 0 0,0 0 0 0 0,1 0 1 0 0,-1 0-1 0 0,0-1 1 0 0,1 1-345 0 0,2-13-7604 0 0</inkml:trace>
+</inkml:ink>
+</file>
+
+<file path=ppt/ink/ink109.xml><?xml version="1.0" encoding="utf-8"?>
+<inkml:ink xmlns:inkml="http://www.w3.org/2003/InkML">
+  <inkml:definitions>
+    <inkml:context xml:id="ctx0">
+      <inkml:inkSource xml:id="inkSrc0">
+        <inkml:traceFormat>
+          <inkml:channel name="X" type="integer" min="-2.14748E9" max="2.14748E9" units="cm"/>
+          <inkml:channel name="Y" type="integer" min="-2.14748E9" max="2.14748E9" units="cm"/>
+          <inkml:channel name="F" type="integer" max="32767" units="dev"/>
+          <inkml:channel name="OA" type="integer" max="360" units="deg"/>
+          <inkml:channel name="OE" type="integer" max="90" units="deg"/>
+        </inkml:traceFormat>
+        <inkml:channelProperties>
+          <inkml:channelProperty channel="X" name="resolution" value="1000" units="1/cm"/>
+          <inkml:channelProperty channel="Y" name="resolution" value="1000" units="1/cm"/>
+          <inkml:channelProperty channel="F" name="resolution" value="0" units="1/dev"/>
+          <inkml:channelProperty channel="OA" name="resolution" value="1000" units="1/deg"/>
+          <inkml:channelProperty channel="OE" name="resolution" value="1000" units="1/deg"/>
+        </inkml:channelProperties>
+      </inkml:inkSource>
+      <inkml:timestamp xml:id="ts0" timeString="2020-11-03T16:22:45.652"/>
+    </inkml:context>
+    <inkml:brush xml:id="br0">
+      <inkml:brushProperty name="width" value="0.05" units="cm"/>
+      <inkml:brushProperty name="height" value="0.05" units="cm"/>
+      <inkml:brushProperty name="color" value="#E71224"/>
+    </inkml:brush>
+  </inkml:definitions>
+  <inkml:trace contextRef="#ctx0" brushRef="#br0">1 395 2760 0 0,'0'0'12181'0'0,"6"-16"-9803"0"0,3-9-666 0 0,14-83 1239 0 0,-7 35-1582 0 0,-7 41-585 0 0,-6 25-421 0 0,-1 0-1 0 0,0-1 1 0 0,0 1 0 0 0,1-15 0 0 0,3 50-441 0 0,-7 70 25 0 0,2-75 100 0 0,1 0 1 0 0,1 0-1 0 0,1-1 1 0 0,9 32-1 0 0,-13-53-43 0 0,1 1-1 0 0,-1-1 1 0 0,1 0-1 0 0,-1 1 1 0 0,1-1-1 0 0,0 0 1 0 0,-1 0 0 0 0,1 1-1 0 0,0-1 1 0 0,0 0-1 0 0,0 0 1 0 0,0 0-1 0 0,0 0 1 0 0,0 0-1 0 0,0 0 1 0 0,0 0-1 0 0,1-1 1 0 0,-1 1 0 0 0,0 0-1 0 0,1 0 1 0 0,-1-1-1 0 0,0 1 1 0 0,1-1-1 0 0,-1 0 1 0 0,0 1-1 0 0,1-1 1 0 0,-1 0-1 0 0,3 0 1 0 0,-1 0-3 0 0,-1 0-1 0 0,1-1 1 0 0,-1 1 0 0 0,0-1-1 0 0,0 0 1 0 0,1 0 0 0 0,-1 0 0 0 0,0 0-1 0 0,0 0 1 0 0,0 0 0 0 0,0-1-1 0 0,0 1 1 0 0,0 0 0 0 0,0-1-1 0 0,-1 0 1 0 0,3-2 0 0 0,3-5 82 0 0,0-1 0 0 0,-1 0 0 0 0,0-1 0 0 0,0 0-1 0 0,-1 0 1 0 0,4-15 0 0 0,14-28 22 0 0,30-67 133 0 0,-28 58-328 0 0,-21 51-126 0 0,9-15-3860 0 0</inkml:trace>
+</inkml:ink>
+</file>
+
+<file path=ppt/ink/ink11.xml><?xml version="1.0" encoding="utf-8"?>
+<inkml:ink xmlns:inkml="http://www.w3.org/2003/InkML">
+  <inkml:definitions>
+    <inkml:context xml:id="ctx0">
+      <inkml:inkSource xml:id="inkSrc0">
+        <inkml:traceFormat>
+          <inkml:channel name="X" type="integer" min="-2.14748E9" max="2.14748E9" units="cm"/>
+          <inkml:channel name="Y" type="integer" min="-2.14748E9" max="2.14748E9" units="cm"/>
+          <inkml:channel name="F" type="integer" max="32767" units="dev"/>
+          <inkml:channel name="OA" type="integer" max="360" units="deg"/>
+          <inkml:channel name="OE" type="integer" max="90" units="deg"/>
+        </inkml:traceFormat>
+        <inkml:channelProperties>
+          <inkml:channelProperty channel="X" name="resolution" value="1000" units="1/cm"/>
+          <inkml:channelProperty channel="Y" name="resolution" value="1000" units="1/cm"/>
+          <inkml:channelProperty channel="F" name="resolution" value="0" units="1/dev"/>
+          <inkml:channelProperty channel="OA" name="resolution" value="1000" units="1/deg"/>
+          <inkml:channelProperty channel="OE" name="resolution" value="1000" units="1/deg"/>
+        </inkml:channelProperties>
+      </inkml:inkSource>
+      <inkml:timestamp xml:id="ts0" timeString="2020-11-04T18:00:42.987"/>
+    </inkml:context>
+    <inkml:brush xml:id="br0">
+      <inkml:brushProperty name="width" value="0.05" units="cm"/>
+      <inkml:brushProperty name="height" value="0.05" units="cm"/>
+      <inkml:brushProperty name="color" value="#004F8B"/>
+    </inkml:brush>
+  </inkml:definitions>
+  <inkml:trace contextRef="#ctx0" brushRef="#br0">170 258 15288 0 0,'-13'4'1655'0'0,"6"-2"-1304"0"0,1-1 0 0 0,0 2-1 0 0,0-1 1 0 0,0 1 0 0 0,0 0-1 0 0,0 0 1 0 0,0 0 0 0 0,1 1-1 0 0,-1 0 1 0 0,1 0 0 0 0,0 0-1 0 0,-7 9 1 0 0,-3 5 601 0 0,1 0 1 0 0,-15 26-1 0 0,26-38-808 0 0,0-1 0 0 0,1 1 0 0 0,0 1 1 0 0,0-1-1 0 0,1 0 0 0 0,0 0 0 0 0,0 1 0 0 0,0-1 0 0 0,1 0 0 0 0,0 1 0 0 0,1 8 0 0 0,-1-1 87 0 0,0-12-196 0 0,0 0 0 0 0,0 0 0 0 0,0 0-1 0 0,0 0 1 0 0,0 0 0 0 0,1 0 0 0 0,-1 0 0 0 0,1 0-1 0 0,0 0 1 0 0,-1 0 0 0 0,1 0 0 0 0,0 0 0 0 0,0 0-1 0 0,0 0 1 0 0,1-1 0 0 0,-1 1 0 0 0,0 0 0 0 0,0-1-1 0 0,3 2 1 0 0,-3-3-8 0 0,0 0 0 0 0,1 0-1 0 0,-1 0 1 0 0,0 0 0 0 0,0-1-1 0 0,1 1 1 0 0,-1-1 0 0 0,0 1-1 0 0,1 0 1 0 0,-1-1-1 0 0,0 0 1 0 0,0 1 0 0 0,0-1-1 0 0,2-1 1 0 0,5-5 44 0 0,-1 0 0 0 0,0 0 0 0 0,0 0 0 0 0,-1-1 0 0 0,0 1 0 0 0,6-11 0 0 0,3-3 16 0 0,67-107 320 0 0,-73 111-292 0 0,-1-1 1 0 0,0-1-1 0 0,-2 1 1 0 0,6-26-1 0 0,9-77 801 0 0,-15 81-576 0 0,-5 35-322 0 0,3-19 869 0 0,-1 20-429 0 0,0 14-341 0 0,-2 0-117 0 0,-1 0 0 0 0,0 0 0 0 0,-2 15 0 0 0,0 0 0 0 0,-15 99 0 0 0,4-38 0 0 0,6-36-61 0 0,2-19-579 0 0,-1 46 1 0 0,6-63 180 0 0,0-7-43 0 0,0 1 1 0 0,0-1-1 0 0,0 1 0 0 0,1-1 1 0 0,0 1-1 0 0,4 11 1 0 0,0-10-1573 0 0</inkml:trace>
+</inkml:ink>
+</file>
+
+<file path=ppt/ink/ink110.xml><?xml version="1.0" encoding="utf-8"?>
+<inkml:ink xmlns:inkml="http://www.w3.org/2003/InkML">
+  <inkml:definitions>
+    <inkml:context xml:id="ctx0">
+      <inkml:inkSource xml:id="inkSrc0">
+        <inkml:traceFormat>
+          <inkml:channel name="X" type="integer" min="-2.14748E9" max="2.14748E9" units="cm"/>
+          <inkml:channel name="Y" type="integer" min="-2.14748E9" max="2.14748E9" units="cm"/>
+          <inkml:channel name="F" type="integer" max="32767" units="dev"/>
+          <inkml:channel name="OA" type="integer" max="360" units="deg"/>
+          <inkml:channel name="OE" type="integer" max="90" units="deg"/>
+        </inkml:traceFormat>
+        <inkml:channelProperties>
+          <inkml:channelProperty channel="X" name="resolution" value="1000" units="1/cm"/>
+          <inkml:channelProperty channel="Y" name="resolution" value="1000" units="1/cm"/>
+          <inkml:channelProperty channel="F" name="resolution" value="0" units="1/dev"/>
+          <inkml:channelProperty channel="OA" name="resolution" value="1000" units="1/deg"/>
+          <inkml:channelProperty channel="OE" name="resolution" value="1000" units="1/deg"/>
+        </inkml:channelProperties>
+      </inkml:inkSource>
+      <inkml:timestamp xml:id="ts0" timeString="2020-11-03T16:22:47.015"/>
+    </inkml:context>
+    <inkml:brush xml:id="br0">
+      <inkml:brushProperty name="width" value="0.05" units="cm"/>
+      <inkml:brushProperty name="height" value="0.05" units="cm"/>
+      <inkml:brushProperty name="color" value="#E71224"/>
+    </inkml:brush>
+  </inkml:definitions>
+  <inkml:trace contextRef="#ctx0" brushRef="#br0">28 25 8432 0 0,'0'0'388'0'0,"6"-24"8998"0"0,-6 24-9213 0 0,7 5 1863 0 0,6 9-1660 0 0,-8-4-27 0 0,-1 0 0 0 0,0 0 0 0 0,0 0 0 0 0,-1 0-1 0 0,3 20 1 0 0,3 5 222 0 0,18 71 589 0 0,8 28-624 0 0,-20-96-296 0 0,-14-37-52 0 0,-2-3-334 0 0,1 0 0 0 0,-1-1 0 0 0,1 1 0 0 0,-1 0-1 0 0,0 0 1 0 0,0 0 0 0 0,0 0 0 0 0,0 0 0 0 0,0 0 0 0 0,0 0 0 0 0,-3-2-1 0 0,-15-19-2389 0 0,19 22 2493 0 0,-24-25-2478 0 0,12 12 1269 0 0,-22-20 0 0 0,18 19 1773 0 0,-28-31 0 0 0,44 45-428 0 0,-1 0 0 0 0,1 1 0 0 0,-1-1 0 0 0,1 1 0 0 0,0-1 0 0 0,-1 0 0 0 0,1 1 0 0 0,0-1 0 0 0,-1 0 0 0 0,1 1-1 0 0,0-1 1 0 0,0 0 0 0 0,0 0 0 0 0,0 1 0 0 0,-1-1 0 0 0,1 0 0 0 0,0 0 0 0 0,0 1 0 0 0,0-1 0 0 0,1 0 0 0 0,-1 1-1 0 0,0-1 1 0 0,0 0 0 0 0,0 0 0 0 0,0 1 0 0 0,1-1 0 0 0,-1 0 0 0 0,0 1 0 0 0,1-1 0 0 0,-1 0 0 0 0,1 1 0 0 0,-1-1-1 0 0,0 1 1 0 0,1-1 0 0 0,-1 0 0 0 0,1 1 0 0 0,0 0 0 0 0,-1-1 0 0 0,1 1 0 0 0,-1-1 0 0 0,1 1 0 0 0,1-1 0 0 0,4-3 321 0 0,0 1 0 0 0,1 0 1 0 0,12-4-1 0 0,-6 3-219 0 0,2-2 516 0 0,29-5-1 0 0,-39 10-556 0 0,5-2 13 0 0,-1 1 60 0 0,0 0 1 0 0,17-1-1 0 0,-25 3-131 0 0,7 10 54 0 0,-7-8-141 0 0,-1 1 0 0 0,0-1 0 0 0,0 0 0 0 0,0 0 0 0 0,0 1 0 0 0,-1-1 0 0 0,1 0 0 0 0,0 0 0 0 0,-1 0 1 0 0,0 0-1 0 0,0 0 0 0 0,1 1 0 0 0,-1-1 0 0 0,0 0 0 0 0,-1-1 0 0 0,1 1 0 0 0,0 0 0 0 0,0 0 0 0 0,-1 0 1 0 0,1-1-1 0 0,-1 1 0 0 0,-2 2 0 0 0,-3 1 30 0 0,1 0-1 0 0,-1 0 1 0 0,0-1 0 0 0,-13 7-1 0 0,15-8-38 0 0,-1 0 0 0 0,0-1 0 0 0,1 1 0 0 0,-1-1 0 0 0,0-1 0 0 0,0 1 0 0 0,0-1 0 0 0,0 0 0 0 0,0-1 0 0 0,-8 1 0 0 0,-17 4 11 0 0,30-5 133 0 0,2 0-139 0 0,-1 0 1 0 0,0 0-1 0 0,0-1 1 0 0,0 1-1 0 0,0 0 1 0 0,0 0 0 0 0,0 0-1 0 0,0 0 1 0 0,0 0-1 0 0,1 0 1 0 0,-1 0-1 0 0,0-1 1 0 0,0 1-1 0 0,0 0 1 0 0,0 0-1 0 0,0 0 1 0 0,0 0-1 0 0,0 0 1 0 0,0-1-1 0 0,0 1 1 0 0,0 0-1 0 0,0 0 1 0 0,0 0-1 0 0,0 0 1 0 0,0 0-1 0 0,0-1 1 0 0,0 1-1 0 0,0 0 1 0 0,0 0 0 0 0,0 0-1 0 0,0 0 1 0 0,0 0-1 0 0,0 0 1 0 0,-1-1-1 0 0,1 1 1 0 0,0 0-1 0 0,0 0 1 0 0,0 0-1 0 0,0 0 1 0 0,0 0-1 0 0,0 0 1 0 0,0 0-1 0 0,0 0 1 0 0,0-1-1 0 0,-1 1 1 0 0,1 0-1 0 0,0 0 1 0 0,0 0-1 0 0,0 0 1 0 0,0 0-1 0 0,0 0 1 0 0,-1 0-1 0 0,1 0 1 0 0,0 0 0 0 0,0 0-1 0 0,0 0 1 0 0,0 0-1 0 0,0 0 1 0 0,-1 0-1 0 0,14-9 107 0 0,-11 8-62 0 0,5-4 19 0 0,1 1 0 0 0,0 1 0 0 0,0-1 0 0 0,0 1 0 0 0,10-3 0 0 0,16-5 181 0 0,-25 8-324 0 0,-1 0-1 0 0,1 1 1 0 0,0 1-1 0 0,14-2 0 0 0,3 0-1468 0 0,14-2-1947 0 0,-28 4 1768 0 0</inkml:trace>
+</inkml:ink>
+</file>
+
+<file path=ppt/ink/ink111.xml><?xml version="1.0" encoding="utf-8"?>
+<inkml:ink xmlns:inkml="http://www.w3.org/2003/InkML">
+  <inkml:definitions>
+    <inkml:context xml:id="ctx0">
+      <inkml:inkSource xml:id="inkSrc0">
+        <inkml:traceFormat>
+          <inkml:channel name="X" type="integer" min="-2.14748E9" max="2.14748E9" units="cm"/>
+          <inkml:channel name="Y" type="integer" min="-2.14748E9" max="2.14748E9" units="cm"/>
+          <inkml:channel name="F" type="integer" max="32767" units="dev"/>
+          <inkml:channel name="OA" type="integer" max="360" units="deg"/>
+          <inkml:channel name="OE" type="integer" max="90" units="deg"/>
+        </inkml:traceFormat>
+        <inkml:channelProperties>
+          <inkml:channelProperty channel="X" name="resolution" value="1000" units="1/cm"/>
+          <inkml:channelProperty channel="Y" name="resolution" value="1000" units="1/cm"/>
+          <inkml:channelProperty channel="F" name="resolution" value="0" units="1/dev"/>
+          <inkml:channelProperty channel="OA" name="resolution" value="1000" units="1/deg"/>
+          <inkml:channelProperty channel="OE" name="resolution" value="1000" units="1/deg"/>
+        </inkml:channelProperties>
+      </inkml:inkSource>
+      <inkml:timestamp xml:id="ts0" timeString="2020-11-03T16:22:47.867"/>
+    </inkml:context>
+    <inkml:brush xml:id="br0">
+      <inkml:brushProperty name="width" value="0.05" units="cm"/>
+      <inkml:brushProperty name="height" value="0.05" units="cm"/>
+      <inkml:brushProperty name="color" value="#E71224"/>
+    </inkml:brush>
+  </inkml:definitions>
+  <inkml:trace contextRef="#ctx0" brushRef="#br0">14 0 7368 0 0,'0'0'7906'0'0,"-1"8"-6149"0"0,1 4-808 0 0,-1 1 0 0 0,4 23 0 0 0,-1 3-85 0 0,-14 241 1824 0 0,9-245-2605 0 0,1 1 0 0 0,5 56 0 0 0,-3-89-354 0 0,0 0 0 0 0,1-1 0 0 0,0 1 0 0 0,0 0 0 0 0,1 4 0 0 0,11-12-8016 0 0,-5 0 2329 0 0</inkml:trace>
+</inkml:ink>
+</file>
+
+<file path=ppt/ink/ink112.xml><?xml version="1.0" encoding="utf-8"?>
+<inkml:ink xmlns:inkml="http://www.w3.org/2003/InkML">
+  <inkml:definitions>
+    <inkml:context xml:id="ctx0">
+      <inkml:inkSource xml:id="inkSrc0">
+        <inkml:traceFormat>
+          <inkml:channel name="X" type="integer" min="-2.14748E9" max="2.14748E9" units="cm"/>
+          <inkml:channel name="Y" type="integer" min="-2.14748E9" max="2.14748E9" units="cm"/>
+          <inkml:channel name="F" type="integer" max="32767" units="dev"/>
+          <inkml:channel name="OA" type="integer" max="360" units="deg"/>
+          <inkml:channel name="OE" type="integer" max="90" units="deg"/>
+        </inkml:traceFormat>
+        <inkml:channelProperties>
+          <inkml:channelProperty channel="X" name="resolution" value="1000" units="1/cm"/>
+          <inkml:channelProperty channel="Y" name="resolution" value="1000" units="1/cm"/>
+          <inkml:channelProperty channel="F" name="resolution" value="0" units="1/dev"/>
+          <inkml:channelProperty channel="OA" name="resolution" value="1000" units="1/deg"/>
+          <inkml:channelProperty channel="OE" name="resolution" value="1000" units="1/deg"/>
+        </inkml:channelProperties>
+      </inkml:inkSource>
+      <inkml:timestamp xml:id="ts0" timeString="2020-11-03T16:22:48.203"/>
+    </inkml:context>
+    <inkml:brush xml:id="br0">
+      <inkml:brushProperty name="width" value="0.05" units="cm"/>
+      <inkml:brushProperty name="height" value="0.05" units="cm"/>
+      <inkml:brushProperty name="color" value="#E71224"/>
+    </inkml:brush>
+  </inkml:definitions>
+  <inkml:trace contextRef="#ctx0" brushRef="#br0">87 1 10912 0 0,'-4'1'189'0'0,"1"-1"0"0"0,-1 1 0 0 0,1 0 0 0 0,-1 0 0 0 0,1 0 0 0 0,0 0 0 0 0,-1 0 0 0 0,1 1 0 0 0,0 0 0 0 0,0-1 0 0 0,0 1 0 0 0,0 0 0 0 0,1 1 0 0 0,-1-1 0 0 0,0 0 0 0 0,-3 6 0 0 0,2-2 408 0 0,1 0 0 0 0,-1 0 1 0 0,2 0-1 0 0,-1 1 0 0 0,1-1 1 0 0,0 1-1 0 0,-2 12 0 0 0,2-11-101 0 0,0 0-1 0 0,1 0 0 0 0,1 0 0 0 0,0 9 0 0 0,0-13-289 0 0,0-1-1 0 0,1 1 1 0 0,-1-1-1 0 0,1 1 1 0 0,0-1-1 0 0,0 1 1 0 0,0-1 0 0 0,1 0-1 0 0,-1 1 1 0 0,1-1-1 0 0,4 5 1 0 0,-5-6-143 0 0,-1-1 1 0 0,1 1-1 0 0,1-1 1 0 0,-1 0-1 0 0,0 1 1 0 0,0-1-1 0 0,0 0 1 0 0,1 0-1 0 0,-1 0 1 0 0,0 0-1 0 0,1 0 1 0 0,-1 0-1 0 0,1 0 1 0 0,-1-1-1 0 0,1 1 1 0 0,-1 0-1 0 0,1-1 1 0 0,0 0-1 0 0,-1 1 1 0 0,1-1-1 0 0,0 0 1 0 0,-1 0-1 0 0,1 1 1 0 0,0-1-1 0 0,-1-1 1 0 0,1 1-1 0 0,0 0 1 0 0,-1 0-1 0 0,1-1 1 0 0,0 1-1 0 0,-1-1 1 0 0,1 1-1 0 0,0-1 1 0 0,-1 1-1 0 0,1-1 1 0 0,-1 0-1 0 0,0 0 1 0 0,1 0-1 0 0,1-1 1 0 0,4-4-15 0 0,-1-1-1 0 0,0 1 1 0 0,0-1 0 0 0,0 0 0 0 0,0 0-1 0 0,-1-1 1 0 0,-1 1 0 0 0,1-1-1 0 0,-1 0 1 0 0,4-11 0 0 0,3-13-91 0 0,10-43 0 0 0,-20 71-28 0 0</inkml:trace>
+</inkml:ink>
+</file>
+
+<file path=ppt/ink/ink113.xml><?xml version="1.0" encoding="utf-8"?>
+<inkml:ink xmlns:inkml="http://www.w3.org/2003/InkML">
+  <inkml:definitions>
+    <inkml:context xml:id="ctx0">
+      <inkml:inkSource xml:id="inkSrc0">
+        <inkml:traceFormat>
+          <inkml:channel name="X" type="integer" min="-2.14748E9" max="2.14748E9" units="cm"/>
+          <inkml:channel name="Y" type="integer" min="-2.14748E9" max="2.14748E9" units="cm"/>
+          <inkml:channel name="F" type="integer" max="32767" units="dev"/>
+          <inkml:channel name="OA" type="integer" max="360" units="deg"/>
+          <inkml:channel name="OE" type="integer" max="90" units="deg"/>
+        </inkml:traceFormat>
+        <inkml:channelProperties>
+          <inkml:channelProperty channel="X" name="resolution" value="1000" units="1/cm"/>
+          <inkml:channelProperty channel="Y" name="resolution" value="1000" units="1/cm"/>
+          <inkml:channelProperty channel="F" name="resolution" value="0" units="1/dev"/>
+          <inkml:channelProperty channel="OA" name="resolution" value="1000" units="1/deg"/>
+          <inkml:channelProperty channel="OE" name="resolution" value="1000" units="1/deg"/>
+        </inkml:channelProperties>
+      </inkml:inkSource>
+      <inkml:timestamp xml:id="ts0" timeString="2020-11-03T16:22:48.702"/>
+    </inkml:context>
+    <inkml:brush xml:id="br0">
+      <inkml:brushProperty name="width" value="0.05" units="cm"/>
+      <inkml:brushProperty name="height" value="0.05" units="cm"/>
+      <inkml:brushProperty name="color" value="#E71224"/>
+    </inkml:brush>
+  </inkml:definitions>
+  <inkml:trace contextRef="#ctx0" brushRef="#br0">163 18 1376 0 0,'0'0'8697'0'0,"0"-1"-8145"0"0,0 0-1 0 0,0 0 1 0 0,0 0-1 0 0,0 0 1 0 0,0 0-1 0 0,0 0 1 0 0,0 0 0 0 0,0 0-1 0 0,0 1 1 0 0,0-1-1 0 0,0 0 1 0 0,-1-1-1 0 0,-1 1-431 0 0,1 0-1 0 0,-1 1 1 0 0,0-1-1 0 0,0 1 1 0 0,1-1-1 0 0,-1 1 0 0 0,0 0 1 0 0,0 0-1 0 0,0 0 1 0 0,1 0-1 0 0,-1 0 0 0 0,0 0 1 0 0,0 0-1 0 0,0 1 1 0 0,1-1-1 0 0,-1 1 0 0 0,0-1 1 0 0,0 1-1 0 0,1 0 1 0 0,-1-1-1 0 0,1 1 0 0 0,-1 0 1 0 0,-1 2-1 0 0,-2 0 63 0 0,0 0 0 0 0,1 0-1 0 0,0 1 1 0 0,0 0-1 0 0,0 0 1 0 0,-5 6 0 0 0,5-6-105 0 0,1 1 1 0 0,0 0-1 0 0,0 0 1 0 0,0 0-1 0 0,0 1 1 0 0,1-1 0 0 0,0 1-1 0 0,0-1 1 0 0,0 1-1 0 0,1 0 1 0 0,-2 5-1 0 0,3-4 34 0 0,0 1 0 0 0,0-1-1 0 0,0 0 1 0 0,1 0-1 0 0,0 0 1 0 0,1 0-1 0 0,1 7 1 0 0,-2-12-56 0 0,0 1-1 0 0,0-1 1 0 0,0 1-1 0 0,1-1 1 0 0,-1 1-1 0 0,1-1 1 0 0,-1 1-1 0 0,1-1 1 0 0,2 3 0 0 0,-2-4-34 0 0,-1-1 1 0 0,0 1 0 0 0,0 0-1 0 0,0 0 1 0 0,0 0 0 0 0,1-1-1 0 0,-1 1 1 0 0,0-1 0 0 0,1 1-1 0 0,-1-1 1 0 0,0 1 0 0 0,1-1-1 0 0,-1 0 1 0 0,1 0 0 0 0,-1 0 0 0 0,0 0-1 0 0,1 0 1 0 0,-1 0 0 0 0,2 0-1 0 0,0-1 7 0 0,-1 1-1 0 0,1-1 1 0 0,-1 0 0 0 0,0 0-1 0 0,1 0 1 0 0,-1-1-1 0 0,0 1 1 0 0,0-1-1 0 0,0 1 1 0 0,0-1 0 0 0,0 1-1 0 0,0-1 1 0 0,-1 0-1 0 0,3-2 1 0 0,-2 1 22 0 0,1-1 0 0 0,-1 1 0 0 0,0-1 0 0 0,1 0 0 0 0,-2 1 0 0 0,1-1 0 0 0,1-5 0 0 0,0-1 89 0 0,1-1 1 0 0,-1 1 0 0 0,2 1-1 0 0,10-20 1 0 0,-15 28-118 0 0,1 0-1 0 0,-1 0 1 0 0,1 1-1 0 0,-1-1 1 0 0,1 0-1 0 0,0 0 1 0 0,-1 0-1 0 0,1 0 1 0 0,0 1-1 0 0,0-1 1 0 0,0 0-1 0 0,-1 1 1 0 0,1-1-1 0 0,0 0 1 0 0,0 1-1 0 0,0 0 1 0 0,0-1-1 0 0,0 1 1 0 0,0-1-1 0 0,0 1 1 0 0,0 0-1 0 0,0 0 1 0 0,0-1-1 0 0,0 1 1 0 0,0 0-1 0 0,0 0 1 0 0,1 0-1 0 0,-1 0 1 0 0,0 0-1 0 0,0 1 1 0 0,0-1 0 0 0,0 0-1 0 0,0 0 1 0 0,0 1-1 0 0,0-1 1 0 0,0 1-1 0 0,0-1 1 0 0,1 1-1 0 0,1 1 26 0 0,-1 1 1 0 0,1-1-1 0 0,-1 0 0 0 0,0 0 1 0 0,1 1-1 0 0,-1 0 0 0 0,-1-1 1 0 0,1 1-1 0 0,0 0 0 0 0,-1 0 1 0 0,2 3-1 0 0,-1 0-8 0 0,0 0 0 0 0,-1-1 0 0 0,1 1 0 0 0,-2 0 1 0 0,1 0-1 0 0,0-1 0 0 0,-1 1 0 0 0,0 0 0 0 0,-1 0 0 0 0,-1 10 1 0 0,-3 4 66 0 0,-11 33 0 0 0,11-38-76 0 0,1-4-19 0 0,0-1 0 0 0,-1 1 0 0 0,0-1 0 0 0,-1 0 1 0 0,0 0-1 0 0,0-1 0 0 0,-1 0 0 0 0,0 0 0 0 0,-1 0 0 0 0,0-1 0 0 0,0 0 0 0 0,-19 12 0 0 0,22-17-369 0 0,0-1-1 0 0,0 1 1 0 0,-1-1-1 0 0,1-1 0 0 0,-1 1 1 0 0,0-1-1 0 0,1 0 1 0 0,-1 0-1 0 0,0-1 1 0 0,0 0-1 0 0,-5 0 1 0 0,8 0 186 0 0,1 0 1 0 0,0 0 0 0 0,0-1-1 0 0,-1 1 1 0 0,1 0 0 0 0,0-1-1 0 0,0 0 1 0 0,0 1 0 0 0,-1-1 0 0 0,1 0-1 0 0,0 0 1 0 0,0 0 0 0 0,0 0-1 0 0,0-1 1 0 0,1 1 0 0 0,-1 0-1 0 0,0-1 1 0 0,0 1 0 0 0,1-1-1 0 0,-1 0 1 0 0,1 0 0 0 0,0 1 0 0 0,-1-1-1 0 0,1 0 1 0 0,0 0 0 0 0,0 0-1 0 0,0 0 1 0 0,0-1 0 0 0,1 1-1 0 0,-2-4 1 0 0,2-4-1887 0 0</inkml:trace>
+</inkml:ink>
+</file>
+
+<file path=ppt/ink/ink114.xml><?xml version="1.0" encoding="utf-8"?>
+<inkml:ink xmlns:inkml="http://www.w3.org/2003/InkML">
+  <inkml:definitions>
+    <inkml:context xml:id="ctx0">
+      <inkml:inkSource xml:id="inkSrc0">
+        <inkml:traceFormat>
+          <inkml:channel name="X" type="integer" min="-2.14748E9" max="2.14748E9" units="cm"/>
+          <inkml:channel name="Y" type="integer" min="-2.14748E9" max="2.14748E9" units="cm"/>
+          <inkml:channel name="F" type="integer" max="32767" units="dev"/>
+          <inkml:channel name="OA" type="integer" max="360" units="deg"/>
+          <inkml:channel name="OE" type="integer" max="90" units="deg"/>
+        </inkml:traceFormat>
+        <inkml:channelProperties>
+          <inkml:channelProperty channel="X" name="resolution" value="1000" units="1/cm"/>
+          <inkml:channelProperty channel="Y" name="resolution" value="1000" units="1/cm"/>
+          <inkml:channelProperty channel="F" name="resolution" value="0" units="1/dev"/>
+          <inkml:channelProperty channel="OA" name="resolution" value="1000" units="1/deg"/>
+          <inkml:channelProperty channel="OE" name="resolution" value="1000" units="1/deg"/>
+        </inkml:channelProperties>
+      </inkml:inkSource>
+      <inkml:timestamp xml:id="ts0" timeString="2020-11-03T16:22:49.399"/>
+    </inkml:context>
+    <inkml:brush xml:id="br0">
+      <inkml:brushProperty name="width" value="0.05" units="cm"/>
+      <inkml:brushProperty name="height" value="0.05" units="cm"/>
+      <inkml:brushProperty name="color" value="#E71224"/>
+    </inkml:brush>
+  </inkml:definitions>
+  <inkml:trace contextRef="#ctx0" brushRef="#br0">0 12 4608 0 0,'0'0'11285'0'0,"9"0"-9812"0"0,-4 1-943 0 0,0-1-1 0 0,0 0 1 0 0,0 0-1 0 0,1-1 0 0 0,-1 1 1 0 0,0-1-1 0 0,0 0 1 0 0,5-2-1 0 0,-4 1 54 0 0,1 0-1 0 0,-1 1 0 0 0,13-1 1 0 0,-18 2-562 0 0,0 0 0 0 0,0 1 1 0 0,1-1-1 0 0,-1 0 1 0 0,0 1-1 0 0,0-1 1 0 0,0 1-1 0 0,0-1 0 0 0,0 1 1 0 0,0-1-1 0 0,0 1 1 0 0,0 0-1 0 0,0-1 1 0 0,0 1-1 0 0,0 0 0 0 0,0 0 1 0 0,0 0-1 0 0,-1 0 1 0 0,1 0-1 0 0,0 0 1 0 0,-1 0-1 0 0,1 0 0 0 0,-1 0 1 0 0,1 0-1 0 0,-1 0 1 0 0,1 0-1 0 0,-1 0 1 0 0,0 1-1 0 0,1-1 1 0 0,-1 0-1 0 0,0 0 0 0 0,0 0 1 0 0,0 0-1 0 0,0 2 1 0 0,0 3-18 0 0,0-1 1 0 0,0 0-1 0 0,0 0 1 0 0,-1 1-1 0 0,0-1 0 0 0,-2 9 1 0 0,-2-1 15 0 0,-1-1 0 0 0,-10 18 0 0 0,-2 4-123 0 0,15-25 103 0 0,2 0 0 0 0,5-1 0 0 0,-2-7 5 0 0,0 0 1 0 0,-1 0-1 0 0,1 0 0 0 0,0-1 0 0 0,0 1 0 0 0,0 0 1 0 0,0-1-1 0 0,0 1 0 0 0,0-1 0 0 0,0 0 0 0 0,0 0 0 0 0,0 0 1 0 0,0 0-1 0 0,0 0 0 0 0,0 0 0 0 0,3-1 0 0 0,34-10-1065 0 0,-31 8 258 0 0,10-2-288 0 0</inkml:trace>
+</inkml:ink>
+</file>
+
+<file path=ppt/ink/ink115.xml><?xml version="1.0" encoding="utf-8"?>
+<inkml:ink xmlns:inkml="http://www.w3.org/2003/InkML">
+  <inkml:definitions>
+    <inkml:context xml:id="ctx0">
+      <inkml:inkSource xml:id="inkSrc0">
+        <inkml:traceFormat>
+          <inkml:channel name="X" type="integer" min="-2.14748E9" max="2.14748E9" units="cm"/>
+          <inkml:channel name="Y" type="integer" min="-2.14748E9" max="2.14748E9" units="cm"/>
+          <inkml:channel name="F" type="integer" max="32767" units="dev"/>
+          <inkml:channel name="OA" type="integer" max="360" units="deg"/>
+          <inkml:channel name="OE" type="integer" max="90" units="deg"/>
+        </inkml:traceFormat>
+        <inkml:channelProperties>
+          <inkml:channelProperty channel="X" name="resolution" value="1000" units="1/cm"/>
+          <inkml:channelProperty channel="Y" name="resolution" value="1000" units="1/cm"/>
+          <inkml:channelProperty channel="F" name="resolution" value="0" units="1/dev"/>
+          <inkml:channelProperty channel="OA" name="resolution" value="1000" units="1/deg"/>
+          <inkml:channelProperty channel="OE" name="resolution" value="1000" units="1/deg"/>
+        </inkml:channelProperties>
+      </inkml:inkSource>
+      <inkml:timestamp xml:id="ts0" timeString="2020-11-03T16:22:50.219"/>
+    </inkml:context>
+    <inkml:brush xml:id="br0">
+      <inkml:brushProperty name="width" value="0.05" units="cm"/>
+      <inkml:brushProperty name="height" value="0.05" units="cm"/>
+      <inkml:brushProperty name="color" value="#E71224"/>
+    </inkml:brush>
+  </inkml:definitions>
+  <inkml:trace contextRef="#ctx0" brushRef="#br0">198 0 1840 0 0,'0'0'11232'0'0,"-6"5"-9694"0"0,1-1-1175 0 0,-1 0 0 0 0,1 1 0 0 0,0 0 0 0 0,0 0 0 0 0,0 0 0 0 0,1 0 0 0 0,-8 12 0 0 0,-23 47 512 0 0,22-38-577 0 0,-8 15 174 0 0,-26 76 0 0 0,40-95-295 0 0,1 1-1 0 0,1 0 0 0 0,1 0 0 0 0,-2 41 0 0 0,6-53-45 0 0,0 1 0 0 0,0-1-1 0 0,1 0 1 0 0,1 0 0 0 0,0 0 0 0 0,0-1-1 0 0,1 1 1 0 0,1 0 0 0 0,0-1-1 0 0,0 0 1 0 0,1 0 0 0 0,7 11-1 0 0,-9-16-42 0 0,1 0 0 0 0,0-1 0 0 0,1 1 0 0 0,-1-1 0 0 0,1 0 0 0 0,-1 0-1 0 0,1 0 1 0 0,1-1 0 0 0,-1 0 0 0 0,0 0 0 0 0,9 4 0 0 0,-9-6-275 0 0,-1 1 0 0 0,1-1 1 0 0,0 0-1 0 0,-1 0 0 0 0,1 0 0 0 0,0-1 1 0 0,0 1-1 0 0,-1-1 0 0 0,1 0 0 0 0,0-1 1 0 0,-1 1-1 0 0,1-1 0 0 0,0 0 1 0 0,-1 0-1 0 0,8-3 0 0 0,0-4-4881 0 0,-3-1-1486 0 0</inkml:trace>
+</inkml:ink>
+</file>
+
+<file path=ppt/ink/ink116.xml><?xml version="1.0" encoding="utf-8"?>
+<inkml:ink xmlns:inkml="http://www.w3.org/2003/InkML">
+  <inkml:definitions>
+    <inkml:context xml:id="ctx0">
+      <inkml:inkSource xml:id="inkSrc0">
+        <inkml:traceFormat>
+          <inkml:channel name="X" type="integer" min="-2.14748E9" max="2.14748E9" units="cm"/>
+          <inkml:channel name="Y" type="integer" min="-2.14748E9" max="2.14748E9" units="cm"/>
+          <inkml:channel name="F" type="integer" max="32767" units="dev"/>
+          <inkml:channel name="OA" type="integer" max="360" units="deg"/>
+          <inkml:channel name="OE" type="integer" max="90" units="deg"/>
+        </inkml:traceFormat>
+        <inkml:channelProperties>
+          <inkml:channelProperty channel="X" name="resolution" value="1000" units="1/cm"/>
+          <inkml:channelProperty channel="Y" name="resolution" value="1000" units="1/cm"/>
+          <inkml:channelProperty channel="F" name="resolution" value="0" units="1/dev"/>
+          <inkml:channelProperty channel="OA" name="resolution" value="1000" units="1/deg"/>
+          <inkml:channelProperty channel="OE" name="resolution" value="1000" units="1/deg"/>
+        </inkml:channelProperties>
+      </inkml:inkSource>
+      <inkml:timestamp xml:id="ts0" timeString="2020-11-03T16:22:50.736"/>
+    </inkml:context>
+    <inkml:brush xml:id="br0">
+      <inkml:brushProperty name="width" value="0.05" units="cm"/>
+      <inkml:brushProperty name="height" value="0.05" units="cm"/>
+      <inkml:brushProperty name="color" value="#E71224"/>
+    </inkml:brush>
+  </inkml:definitions>
+  <inkml:trace contextRef="#ctx0" brushRef="#br0">1 208 1840 0 0,'0'0'13077'0'0,"4"-7"-11472"0"0,5-2-270 0 0,-4 5-910 0 0,-1 0 1 0 0,0 0-1 0 0,0 0 0 0 0,-1-1 1 0 0,1 1-1 0 0,-1-1 0 0 0,3-6 0 0 0,31-70 906 0 0,-23 55-996 0 0,-13 26-178 0 0,16 15 0 0 0,-13-10-146 0 0,-1 0-1 0 0,0 1 1 0 0,0-1-1 0 0,0 1 1 0 0,-1 0-1 0 0,4 10 0 0 0,5 14-11 0 0,11 31 76 0 0,-22-60 322 0 0,1-2-374 0 0,0 0-1 0 0,0 0 1 0 0,0 0-1 0 0,-1 0 0 0 0,1 0 1 0 0,0 0-1 0 0,-1 0 1 0 0,1 0-1 0 0,-1-1 0 0 0,1 1 1 0 0,-1 0-1 0 0,0 0 1 0 0,0-1-1 0 0,1-1 1 0 0,-1 1 6 0 0,8-38 16 0 0,4-61 0 0 0,-12 94-1127 0 0,1 1 0 0 0,0-1-1 0 0,3-10 1 0 0</inkml:trace>
+</inkml:ink>
+</file>
+
+<file path=ppt/ink/ink117.xml><?xml version="1.0" encoding="utf-8"?>
+<inkml:ink xmlns:inkml="http://www.w3.org/2003/InkML">
+  <inkml:definitions>
+    <inkml:context xml:id="ctx0">
+      <inkml:inkSource xml:id="inkSrc0">
+        <inkml:traceFormat>
+          <inkml:channel name="X" type="integer" min="-2.14748E9" max="2.14748E9" units="cm"/>
+          <inkml:channel name="Y" type="integer" min="-2.14748E9" max="2.14748E9" units="cm"/>
+          <inkml:channel name="F" type="integer" max="32767" units="dev"/>
+          <inkml:channel name="OA" type="integer" max="360" units="deg"/>
+          <inkml:channel name="OE" type="integer" max="90" units="deg"/>
+        </inkml:traceFormat>
+        <inkml:channelProperties>
+          <inkml:channelProperty channel="X" name="resolution" value="1000" units="1/cm"/>
+          <inkml:channelProperty channel="Y" name="resolution" value="1000" units="1/cm"/>
+          <inkml:channelProperty channel="F" name="resolution" value="0" units="1/dev"/>
+          <inkml:channelProperty channel="OA" name="resolution" value="1000" units="1/deg"/>
+          <inkml:channelProperty channel="OE" name="resolution" value="1000" units="1/deg"/>
+        </inkml:channelProperties>
+      </inkml:inkSource>
+      <inkml:timestamp xml:id="ts0" timeString="2020-11-03T16:22:51.120"/>
+    </inkml:context>
+    <inkml:brush xml:id="br0">
+      <inkml:brushProperty name="width" value="0.05" units="cm"/>
+      <inkml:brushProperty name="height" value="0.05" units="cm"/>
+      <inkml:brushProperty name="color" value="#E71224"/>
+    </inkml:brush>
+  </inkml:definitions>
+  <inkml:trace contextRef="#ctx0" brushRef="#br0">1 0 3224 0 0,'0'1'4383'0'0,"3"6"-1988"0"0,8 5 4934 0 0,10 4-4275 0 0,4 3-2052 0 0,-18-13-911 0 0,-1 0-1 0 0,1 1 1 0 0,-1 0-1 0 0,0 1 1 0 0,0-1-1 0 0,-1 1 1 0 0,0 0-1 0 0,-1 1 0 0 0,0-1 1 0 0,0 1-1 0 0,-1 0 1 0 0,3 12-1 0 0,-2-5-6 0 0,-2 1-1 0 0,0-1 1 0 0,-1 1-1 0 0,0 0 1 0 0,-2-1-1 0 0,0 1 1 0 0,-4 22-1 0 0,-6 51-160 0 0,11-89 63 0 0,-3 44-230 0 0,3-41-48 0 0,0-1 0 0 0,0 1 0 0 0,1 0 1 0 0,-1 0-1 0 0,1 0 0 0 0,0-1 0 0 0,0 1 1 0 0,0-1-1 0 0,2 5 0 0 0</inkml:trace>
+</inkml:ink>
+</file>
+
+<file path=ppt/ink/ink118.xml><?xml version="1.0" encoding="utf-8"?>
+<inkml:ink xmlns:inkml="http://www.w3.org/2003/InkML">
+  <inkml:definitions>
+    <inkml:context xml:id="ctx0">
+      <inkml:inkSource xml:id="inkSrc0">
+        <inkml:traceFormat>
+          <inkml:channel name="X" type="integer" min="-2.14748E9" max="2.14748E9" units="cm"/>
+          <inkml:channel name="Y" type="integer" min="-2.14748E9" max="2.14748E9" units="cm"/>
+          <inkml:channel name="F" type="integer" max="32767" units="dev"/>
+          <inkml:channel name="OA" type="integer" max="360" units="deg"/>
+          <inkml:channel name="OE" type="integer" max="90" units="deg"/>
+        </inkml:traceFormat>
+        <inkml:channelProperties>
+          <inkml:channelProperty channel="X" name="resolution" value="1000" units="1/cm"/>
+          <inkml:channelProperty channel="Y" name="resolution" value="1000" units="1/cm"/>
+          <inkml:channelProperty channel="F" name="resolution" value="0" units="1/dev"/>
+          <inkml:channelProperty channel="OA" name="resolution" value="1000" units="1/deg"/>
+          <inkml:channelProperty channel="OE" name="resolution" value="1000" units="1/deg"/>
+        </inkml:channelProperties>
+      </inkml:inkSource>
+      <inkml:timestamp xml:id="ts0" timeString="2020-11-03T16:22:51.485"/>
+    </inkml:context>
+    <inkml:brush xml:id="br0">
+      <inkml:brushProperty name="width" value="0.05" units="cm"/>
+      <inkml:brushProperty name="height" value="0.05" units="cm"/>
+      <inkml:brushProperty name="color" value="#E71224"/>
+    </inkml:brush>
+  </inkml:definitions>
+  <inkml:trace contextRef="#ctx0" brushRef="#br0">1 0 6912 0 0,'2'1'8751'0'0,"8"6"-6791"0"0,47 36 2176 0 0,-46-33-3952 0 0,0 1-1 0 0,0 0 1 0 0,-1 0-1 0 0,-1 1 1 0 0,0 0-1 0 0,0 1 1 0 0,-1-1-1 0 0,-1 2 1 0 0,0-1-1 0 0,-1 1 1 0 0,-1 0-1 0 0,0 1 1 0 0,-1-1-1 0 0,0 1 1 0 0,2 15-1 0 0,-4-6-89 0 0,-1 0 0 0 0,-3 45 0 0 0,-14 45-54 0 0,5-33-467 0 0,5-50-1401 0 0,-8 32 0 0 0,6-49-784 0 0,7-13 2344 0 0,-2 3-1203 0 0</inkml:trace>
+</inkml:ink>
+</file>
+
+<file path=ppt/ink/ink119.xml><?xml version="1.0" encoding="utf-8"?>
+<inkml:ink xmlns:inkml="http://www.w3.org/2003/InkML">
+  <inkml:definitions>
+    <inkml:context xml:id="ctx0">
+      <inkml:inkSource xml:id="inkSrc0">
+        <inkml:traceFormat>
+          <inkml:channel name="X" type="integer" min="-2.14748E9" max="2.14748E9" units="cm"/>
+          <inkml:channel name="Y" type="integer" min="-2.14748E9" max="2.14748E9" units="cm"/>
+          <inkml:channel name="F" type="integer" max="32767" units="dev"/>
+          <inkml:channel name="OA" type="integer" max="360" units="deg"/>
+          <inkml:channel name="OE" type="integer" max="90" units="deg"/>
+        </inkml:traceFormat>
+        <inkml:channelProperties>
+          <inkml:channelProperty channel="X" name="resolution" value="1000" units="1/cm"/>
+          <inkml:channelProperty channel="Y" name="resolution" value="1000" units="1/cm"/>
+          <inkml:channelProperty channel="F" name="resolution" value="0" units="1/dev"/>
+          <inkml:channelProperty channel="OA" name="resolution" value="1000" units="1/deg"/>
+          <inkml:channelProperty channel="OE" name="resolution" value="1000" units="1/deg"/>
+        </inkml:channelProperties>
+      </inkml:inkSource>
+      <inkml:timestamp xml:id="ts0" timeString="2020-11-03T16:23:06.867"/>
+    </inkml:context>
+    <inkml:brush xml:id="br0">
+      <inkml:brushProperty name="width" value="0.05" units="cm"/>
+      <inkml:brushProperty name="height" value="0.05" units="cm"/>
+      <inkml:brushProperty name="color" value="#E71224"/>
+    </inkml:brush>
+  </inkml:definitions>
+  <inkml:trace contextRef="#ctx0" brushRef="#br0">1 0 3224 0 0,'0'0'288'0'0</inkml:trace>
+</inkml:ink>
+</file>
+
+<file path=ppt/ink/ink12.xml><?xml version="1.0" encoding="utf-8"?>
+<inkml:ink xmlns:inkml="http://www.w3.org/2003/InkML">
+  <inkml:definitions>
+    <inkml:context xml:id="ctx0">
+      <inkml:inkSource xml:id="inkSrc0">
+        <inkml:traceFormat>
+          <inkml:channel name="X" type="integer" min="-2.14748E9" max="2.14748E9" units="cm"/>
+          <inkml:channel name="Y" type="integer" min="-2.14748E9" max="2.14748E9" units="cm"/>
+          <inkml:channel name="F" type="integer" max="32767" units="dev"/>
+          <inkml:channel name="OA" type="integer" max="360" units="deg"/>
+          <inkml:channel name="OE" type="integer" max="90" units="deg"/>
+        </inkml:traceFormat>
+        <inkml:channelProperties>
+          <inkml:channelProperty channel="X" name="resolution" value="1000" units="1/cm"/>
+          <inkml:channelProperty channel="Y" name="resolution" value="1000" units="1/cm"/>
+          <inkml:channelProperty channel="F" name="resolution" value="0" units="1/dev"/>
+          <inkml:channelProperty channel="OA" name="resolution" value="1000" units="1/deg"/>
+          <inkml:channelProperty channel="OE" name="resolution" value="1000" units="1/deg"/>
+        </inkml:channelProperties>
+      </inkml:inkSource>
+      <inkml:timestamp xml:id="ts0" timeString="2020-11-04T18:00:43.675"/>
+    </inkml:context>
+    <inkml:brush xml:id="br0">
+      <inkml:brushProperty name="width" value="0.05" units="cm"/>
+      <inkml:brushProperty name="height" value="0.05" units="cm"/>
+      <inkml:brushProperty name="color" value="#004F8B"/>
+    </inkml:brush>
+  </inkml:definitions>
+  <inkml:trace contextRef="#ctx0" brushRef="#br0">24 40 7832 0 0,'0'0'705'0'0,"0"1"-577"0"0,-2 2 157 0 0,1-1 429 0 0,0 1 0 0 0,1 0-1 0 0,-1-1 1 0 0,1 1-1 0 0,0-1 1 0 0,0 1-1 0 0,0 4 1 0 0,0 1 656 0 0,1 94 1599 0 0,0-44-2329 0 0,-1-53-592 0 0,3 105 1088 0 0,-4-55-544 0 0,-1-19 267 0 0,-3 9 1318 0 0,-3-73-1060 0 0,6 8-1117 0 0,-1-11 0 0 0,1-1 0 0 0,2 0 0 0 0,4-38 0 0 0,17-49 1024 0 0,-17 105-878 0 0,0 1 1 0 0,0 1-1 0 0,1-1 0 0 0,1 1 1 0 0,0-1-1 0 0,15-20 0 0 0,-18 29-122 0 0,1 0-1 0 0,0 0 1 0 0,0 0-1 0 0,0 1 1 0 0,0 0 0 0 0,1 0-1 0 0,-1 0 1 0 0,1 0-1 0 0,0 1 1 0 0,0 0 0 0 0,0 0-1 0 0,0 0 1 0 0,0 0-1 0 0,6 0 1 0 0,-8 1-9 0 0,0 1-1 0 0,0-1 1 0 0,0 1 0 0 0,0 0 0 0 0,0 0 0 0 0,0 0-1 0 0,0 0 1 0 0,0 0 0 0 0,0 1 0 0 0,0-1 0 0 0,-1 1-1 0 0,1 0 1 0 0,0 0 0 0 0,0 0 0 0 0,0 0 0 0 0,-1 0-1 0 0,1 1 1 0 0,0 0 0 0 0,-1-1 0 0 0,1 1 0 0 0,-1 0-1 0 0,0 0 1 0 0,0 0 0 0 0,0 0 0 0 0,0 0 0 0 0,2 3-1 0 0,-2-1 28 0 0,0 0-1 0 0,-1-1 0 0 0,1 1 0 0 0,-1 0 0 0 0,0 0 0 0 0,0-1 1 0 0,-1 1-1 0 0,1 0 0 0 0,-1 0 0 0 0,1 0 0 0 0,-1 0 0 0 0,-1 0 0 0 0,1 0 1 0 0,-2 6-1 0 0,0 1 88 0 0,-1 0 0 0 0,0 0 1 0 0,-9 19-1 0 0,9-22-88 0 0,-1-1 0 0 0,0 1 0 0 0,-1-1 0 0 0,0 0 0 0 0,0 0-1 0 0,0-1 1 0 0,-1 0 0 0 0,-8 8 0 0 0,10-11-23 0 0,1 0 0 0 0,-1-1 0 0 0,0 1 0 0 0,0-1 0 0 0,0 0-1 0 0,0 0 1 0 0,-1 0 0 0 0,1 0 0 0 0,0-1 0 0 0,-1 0 0 0 0,1 0 0 0 0,-1 0 0 0 0,1-1-1 0 0,-1 1 1 0 0,0-1 0 0 0,-7 0 0 0 0,3-2-137 0 0,1 1-1 0 0,-1-1 1 0 0,1 0-1 0 0,-14-6 1 0 0,12 6 167 0 0</inkml:trace>
+</inkml:ink>
+</file>
+
+<file path=ppt/ink/ink120.xml><?xml version="1.0" encoding="utf-8"?>
+<inkml:ink xmlns:inkml="http://www.w3.org/2003/InkML">
+  <inkml:definitions>
+    <inkml:context xml:id="ctx0">
+      <inkml:inkSource xml:id="inkSrc0">
+        <inkml:traceFormat>
+          <inkml:channel name="X" type="integer" min="-2.14748E9" max="2.14748E9" units="cm"/>
+          <inkml:channel name="Y" type="integer" min="-2.14748E9" max="2.14748E9" units="cm"/>
+          <inkml:channel name="F" type="integer" max="32767" units="dev"/>
+          <inkml:channel name="OA" type="integer" max="360" units="deg"/>
+          <inkml:channel name="OE" type="integer" max="90" units="deg"/>
+        </inkml:traceFormat>
+        <inkml:channelProperties>
+          <inkml:channelProperty channel="X" name="resolution" value="1000" units="1/cm"/>
+          <inkml:channelProperty channel="Y" name="resolution" value="1000" units="1/cm"/>
+          <inkml:channelProperty channel="F" name="resolution" value="0" units="1/dev"/>
+          <inkml:channelProperty channel="OA" name="resolution" value="1000" units="1/deg"/>
+          <inkml:channelProperty channel="OE" name="resolution" value="1000" units="1/deg"/>
+        </inkml:channelProperties>
+      </inkml:inkSource>
+      <inkml:timestamp xml:id="ts0" timeString="2020-11-03T16:23:16.889"/>
+    </inkml:context>
+    <inkml:brush xml:id="br0">
+      <inkml:brushProperty name="width" value="0.05" units="cm"/>
+      <inkml:brushProperty name="height" value="0.05" units="cm"/>
+      <inkml:brushProperty name="color" value="#E71224"/>
+    </inkml:brush>
+  </inkml:definitions>
+  <inkml:trace contextRef="#ctx0" brushRef="#br0">360 206 10136 0 0,'0'0'918'0'0,"3"-11"-339"0"0,-3 6-95 0 0,0 1-1 0 0,-1-1 1 0 0,0 0 0 0 0,0 1 0 0 0,0-1-1 0 0,-3-5 1 0 0,3 6-243 0 0,0 0 28 0 0,1 1 0 0 0,0 0 0 0 0,0-1 0 0 0,0 1 0 0 0,0 0 1 0 0,0-1-1 0 0,0 1 0 0 0,1 0 0 0 0,1-6 0 0 0,-4-24 2162 0 0,1 32-2336 0 0,1-1 0 0 0,0 1 0 0 0,-1-1 0 0 0,1 1 0 0 0,-1-1 0 0 0,0 1 0 0 0,1-1-1 0 0,-1 1 1 0 0,0 0 0 0 0,0-1 0 0 0,0 1 0 0 0,0 0 0 0 0,0 0 0 0 0,0 0 0 0 0,0-1 0 0 0,-1 1 0 0 0,1 0 0 0 0,-2 0 0 0 0,-5-7 385 0 0,5 5-390 0 0,0 1 0 0 0,1-1 0 0 0,-1 1 1 0 0,-1 0-1 0 0,1 0 0 0 0,0 0 0 0 0,0 1 0 0 0,-1-1 0 0 0,1 1 1 0 0,-1 0-1 0 0,1 0 0 0 0,-1 0 0 0 0,0 0 0 0 0,1 1 0 0 0,-1-1 1 0 0,0 1-1 0 0,1 0 0 0 0,-1 0 0 0 0,0 0 0 0 0,1 1 0 0 0,-1-1 1 0 0,-5 2-1 0 0,1 0 16 0 0,0 0 1 0 0,0 1-1 0 0,1-1 1 0 0,-1 1-1 0 0,1 1 1 0 0,0 0-1 0 0,0 0 1 0 0,0 0-1 0 0,-9 8 1 0 0,7-3-80 0 0,0 0 1 0 0,1 0 0 0 0,0 1-1 0 0,1 0 1 0 0,0 1 0 0 0,-9 18 0 0 0,-26 73 15 0 0,32-74-46 0 0,1-3 51 0 0,0 0 0 0 0,2 1 0 0 0,1 0 0 0 0,1 0 0 0 0,1 0 0 0 0,2 1 0 0 0,0-1 0 0 0,2 1 0 0 0,1 0 0 0 0,6 39 0 0 0,-3-47 34 0 0,0-1-1 0 0,1 0 0 0 0,1 0 1 0 0,0-1-1 0 0,2 0 1 0 0,11 21-1 0 0,-13-29-40 0 0,0 0 0 0 0,0-1 1 0 0,1 0-1 0 0,0 0 0 0 0,1 0 0 0 0,-1-1 0 0 0,1 0 1 0 0,1-1-1 0 0,-1 0 0 0 0,1 0 0 0 0,0-1 0 0 0,16 7 0 0 0,-12-7-4 0 0,0-1-1 0 0,0 0 0 0 0,0-1 0 0 0,0 0 0 0 0,0-1 0 0 0,1-1 1 0 0,-1 0-1 0 0,1-1 0 0 0,-1-1 0 0 0,0 0 0 0 0,1 0 0 0 0,-1-1 0 0 0,0-1 1 0 0,0 0-1 0 0,24-10 0 0 0,-25 8 21 0 0,-1-1 0 0 0,0 0 0 0 0,0 0 0 0 0,-1-1 0 0 0,0 0 0 0 0,0-1 0 0 0,-1 0 0 0 0,0-1 0 0 0,0 0 0 0 0,-1 0 0 0 0,7-11 0 0 0,12-21 111 0 0,-2-1 0 0 0,-3-2 0 0 0,30-76 0 0 0,-43 92 74 0 0,-1-1 0 0 0,-1 0-1 0 0,5-38 1 0 0,-10 44-16 0 0,-1 1-1 0 0,0 0 1 0 0,-2-1-1 0 0,-7-43 1 0 0,6 55-210 0 0,0 0 1 0 0,-2 0-1 0 0,1 1 1 0 0,-1-1 0 0 0,-1 1-1 0 0,0 0 1 0 0,0 1-1 0 0,-1-1 1 0 0,-8-9-1 0 0,8 12-4 0 0,0 0 0 0 0,-1 1-1 0 0,1-1 1 0 0,-2 1 0 0 0,1 1-1 0 0,-1 0 1 0 0,1 0-1 0 0,-1 0 1 0 0,-1 1 0 0 0,1 0-1 0 0,-11-3 1 0 0,3 2-115 0 0,1 2 0 0 0,-1-1 1 0 0,0 2-1 0 0,1 0 0 0 0,-1 1 0 0 0,-26 2 0 0 0,20 1-92 0 0,-1 1-1 0 0,1 0 1 0 0,-1 2-1 0 0,-21 8 1 0 0,40-12-18 0 0,1 1 0 0 0,-1-1 0 0 0,1 1 0 0 0,-1 0 0 0 0,-3 2-1 0 0,-5 8-3592 0 0</inkml:trace>
+</inkml:ink>
+</file>
+
+<file path=ppt/ink/ink121.xml><?xml version="1.0" encoding="utf-8"?>
+<inkml:ink xmlns:inkml="http://www.w3.org/2003/InkML">
+  <inkml:definitions>
+    <inkml:context xml:id="ctx0">
+      <inkml:inkSource xml:id="inkSrc0">
+        <inkml:traceFormat>
+          <inkml:channel name="X" type="integer" min="-2.14748E9" max="2.14748E9" units="cm"/>
+          <inkml:channel name="Y" type="integer" min="-2.14748E9" max="2.14748E9" units="cm"/>
+          <inkml:channel name="F" type="integer" max="32767" units="dev"/>
+          <inkml:channel name="OA" type="integer" max="360" units="deg"/>
+          <inkml:channel name="OE" type="integer" max="90" units="deg"/>
+        </inkml:traceFormat>
+        <inkml:channelProperties>
+          <inkml:channelProperty channel="X" name="resolution" value="1000" units="1/cm"/>
+          <inkml:channelProperty channel="Y" name="resolution" value="1000" units="1/cm"/>
+          <inkml:channelProperty channel="F" name="resolution" value="0" units="1/dev"/>
+          <inkml:channelProperty channel="OA" name="resolution" value="1000" units="1/deg"/>
+          <inkml:channelProperty channel="OE" name="resolution" value="1000" units="1/deg"/>
+        </inkml:channelProperties>
+      </inkml:inkSource>
+      <inkml:timestamp xml:id="ts0" timeString="2020-11-03T16:23:17.624"/>
+    </inkml:context>
+    <inkml:brush xml:id="br0">
+      <inkml:brushProperty name="width" value="0.05" units="cm"/>
+      <inkml:brushProperty name="height" value="0.05" units="cm"/>
+      <inkml:brushProperty name="color" value="#E71224"/>
+    </inkml:brush>
+  </inkml:definitions>
+  <inkml:trace contextRef="#ctx0" brushRef="#br0">1 111 6448 0 0,'0'0'6418'0'0,"6"-11"-2307"0"0,-2 5-3548 0 0,0 0 0 0 0,1 1 0 0 0,0-1-1 0 0,0 1 1 0 0,0 0 0 0 0,1 0 0 0 0,7-5 0 0 0,7-6 220 0 0,-16 12-614 0 0,1 0-1 0 0,0 1 1 0 0,0-1-1 0 0,1 1 1 0 0,-1 0-1 0 0,1 1 1 0 0,-1-1-1 0 0,1 1 1 0 0,0 0-1 0 0,0 0 1 0 0,0 1-1 0 0,0 0 0 0 0,8-1 1 0 0,-11 2-133 0 0,0 1-1 0 0,0-1 1 0 0,0 1 0 0 0,0-1 0 0 0,0 1-1 0 0,0 0 1 0 0,0 0 0 0 0,0 0-1 0 0,-1 1 1 0 0,1-1 0 0 0,0 1 0 0 0,-1-1-1 0 0,1 1 1 0 0,-1 0 0 0 0,0 0-1 0 0,1 0 1 0 0,-1 0 0 0 0,0 0 0 0 0,0 0-1 0 0,-1 1 1 0 0,1-1 0 0 0,1 4 0 0 0,3 5 72 0 0,0 0 1 0 0,-1 0 0 0 0,6 23 0 0 0,-9-30-111 0 0,-1 0 0 0 0,0 0 0 0 0,1 0 0 0 0,0 0 0 0 0,0-1 0 0 0,4 7 0 0 0,-5-9 3 0 0,0 0 1 0 0,0 0-1 0 0,0-1 1 0 0,-1 1-1 0 0,1 0 0 0 0,0 0 1 0 0,0-1-1 0 0,0 1 0 0 0,0-1 1 0 0,0 1-1 0 0,0-1 0 0 0,0 0 1 0 0,0 1-1 0 0,1-1 0 0 0,-1 0 1 0 0,0 1-1 0 0,0-1 1 0 0,0 0-1 0 0,0 0 0 0 0,0 0 1 0 0,0 0-1 0 0,1 0 0 0 0,-1-1 1 0 0,0 1-1 0 0,0 0 0 0 0,0 0 1 0 0,0-1-1 0 0,0 1 0 0 0,2-1 1 0 0,9-5 78 0 0,0-1 0 0 0,-1 0 0 0 0,0-1 1 0 0,11-9-1 0 0,14-9-758 0 0,-21 15-961 0 0,-1 0-4138 0 0,0-1-2060 0 0</inkml:trace>
+</inkml:ink>
+</file>
+
+<file path=ppt/ink/ink122.xml><?xml version="1.0" encoding="utf-8"?>
+<inkml:ink xmlns:inkml="http://www.w3.org/2003/InkML">
+  <inkml:definitions>
+    <inkml:context xml:id="ctx0">
+      <inkml:inkSource xml:id="inkSrc0">
+        <inkml:traceFormat>
+          <inkml:channel name="X" type="integer" min="-2.14748E9" max="2.14748E9" units="cm"/>
+          <inkml:channel name="Y" type="integer" min="-2.14748E9" max="2.14748E9" units="cm"/>
+          <inkml:channel name="F" type="integer" max="32767" units="dev"/>
+          <inkml:channel name="OA" type="integer" max="360" units="deg"/>
+          <inkml:channel name="OE" type="integer" max="90" units="deg"/>
+        </inkml:traceFormat>
+        <inkml:channelProperties>
+          <inkml:channelProperty channel="X" name="resolution" value="1000" units="1/cm"/>
+          <inkml:channelProperty channel="Y" name="resolution" value="1000" units="1/cm"/>
+          <inkml:channelProperty channel="F" name="resolution" value="0" units="1/dev"/>
+          <inkml:channelProperty channel="OA" name="resolution" value="1000" units="1/deg"/>
+          <inkml:channelProperty channel="OE" name="resolution" value="1000" units="1/deg"/>
+        </inkml:channelProperties>
+      </inkml:inkSource>
+      <inkml:timestamp xml:id="ts0" timeString="2020-11-03T16:23:18.391"/>
+    </inkml:context>
+    <inkml:brush xml:id="br0">
+      <inkml:brushProperty name="width" value="0.05" units="cm"/>
+      <inkml:brushProperty name="height" value="0.05" units="cm"/>
+      <inkml:brushProperty name="color" value="#E71224"/>
+    </inkml:brush>
+  </inkml:definitions>
+  <inkml:trace contextRef="#ctx0" brushRef="#br0">216 9 7832 0 0,'0'0'7813'0'0,"-1"-6"-5363"0"0,-1 6-2280 0 0,0-1-1 0 0,-1 1 1 0 0,1-1-1 0 0,0 1 1 0 0,-1 0-1 0 0,1 0 1 0 0,-1 0-1 0 0,1 0 0 0 0,0 1 1 0 0,-1-1-1 0 0,1 0 1 0 0,0 1-1 0 0,-1 0 1 0 0,1-1-1 0 0,0 1 0 0 0,0 0 1 0 0,0 0-1 0 0,-1 1 1 0 0,1-1-1 0 0,0 0 1 0 0,0 1-1 0 0,1-1 0 0 0,-3 3 1 0 0,-1 0-1 0 0,1 1 1 0 0,0-1-1 0 0,0 1 0 0 0,0 0 1 0 0,0 0-1 0 0,1 0 0 0 0,0 0 1 0 0,-4 10-1 0 0,-53 167 915 0 0,50-149-919 0 0,-2 5 80 0 0,1 1 0 0 0,2 0 0 0 0,2 0-1 0 0,-3 51 1 0 0,8-35-95 0 0,2 81 532 0 0,1-122-629 0 0,1 1 0 0 0,0-1 0 0 0,1 0 0 0 0,0 0 0 0 0,1 0 0 0 0,1-1 0 0 0,8 16 0 0 0,3-2-48 0 0,-15-25-7 0 0,0 0 0 0 0,1 0 0 0 0,-1-1 0 0 0,1 1-1 0 0,-1-1 1 0 0,1 1 0 0 0,0-1 0 0 0,-1 1 0 0 0,1-1-1 0 0,0 0 1 0 0,2 1 0 0 0,-3-2-36 0 0,0 0 0 0 0,-1 0 0 0 0,1 0 0 0 0,0 0 0 0 0,0 0 0 0 0,-1 0 0 0 0,1 0 0 0 0,0 0 0 0 0,-1 0 0 0 0,1-1 0 0 0,0 1-1 0 0,0 0 1 0 0,-1 0 0 0 0,1-1 0 0 0,-1 1 0 0 0,1-1 0 0 0,0 1 0 0 0,-1 0 0 0 0,1-1 0 0 0,-1 1 0 0 0,1-1 0 0 0,-1 1 0 0 0,1-1 0 0 0,-1 0 0 0 0,1 1 0 0 0,-1-1 0 0 0,0 1 0 0 0,1-1 0 0 0,-1 0 0 0 0,9-20-4102 0 0,-4 7-4013 0 0</inkml:trace>
+</inkml:ink>
+</file>
+
+<file path=ppt/ink/ink123.xml><?xml version="1.0" encoding="utf-8"?>
+<inkml:ink xmlns:inkml="http://www.w3.org/2003/InkML">
+  <inkml:definitions>
+    <inkml:context xml:id="ctx0">
+      <inkml:inkSource xml:id="inkSrc0">
+        <inkml:traceFormat>
+          <inkml:channel name="X" type="integer" min="-2.14748E9" max="2.14748E9" units="cm"/>
+          <inkml:channel name="Y" type="integer" min="-2.14748E9" max="2.14748E9" units="cm"/>
+          <inkml:channel name="F" type="integer" max="32767" units="dev"/>
+          <inkml:channel name="OA" type="integer" max="360" units="deg"/>
+          <inkml:channel name="OE" type="integer" max="90" units="deg"/>
+        </inkml:traceFormat>
+        <inkml:channelProperties>
+          <inkml:channelProperty channel="X" name="resolution" value="1000" units="1/cm"/>
+          <inkml:channelProperty channel="Y" name="resolution" value="1000" units="1/cm"/>
+          <inkml:channelProperty channel="F" name="resolution" value="0" units="1/dev"/>
+          <inkml:channelProperty channel="OA" name="resolution" value="1000" units="1/deg"/>
+          <inkml:channelProperty channel="OE" name="resolution" value="1000" units="1/deg"/>
+        </inkml:channelProperties>
+      </inkml:inkSource>
+      <inkml:timestamp xml:id="ts0" timeString="2020-11-03T16:23:19.121"/>
+    </inkml:context>
+    <inkml:brush xml:id="br0">
+      <inkml:brushProperty name="width" value="0.05" units="cm"/>
+      <inkml:brushProperty name="height" value="0.05" units="cm"/>
+      <inkml:brushProperty name="color" value="#E71224"/>
+    </inkml:brush>
+  </inkml:definitions>
+  <inkml:trace contextRef="#ctx0" brushRef="#br0">11 247 7168 0 0,'0'0'652'0'0,"-1"0"-540"0"0,-2 1-23 0 0,2 0 311 0 0,0 0-10 0 0,0 0-1 0 0,1 0 1 0 0,-1 0-1 0 0,1 0 1 0 0,-1 1-1 0 0,1-1 1 0 0,-1 0-1 0 0,1 0 1 0 0,0 1 0 0 0,-1-1-1 0 0,1 0 1 0 0,0 0-1 0 0,0 1 1 0 0,0-1-1 0 0,0 0 1 0 0,0 1-1 0 0,1 1 1 0 0,-1-2-186 0 0,0 0 0 0 0,0 0 0 0 0,0-1 0 0 0,1 1 0 0 0,-1 0 1 0 0,0-1-1 0 0,0 1 0 0 0,1 0 0 0 0,-1-1 0 0 0,1 1 0 0 0,-1 0 0 0 0,0-1 0 0 0,1 1 0 0 0,-1-1 1 0 0,1 1-1 0 0,0-1 0 0 0,-1 1 0 0 0,4 1 3279 0 0,9-10-2692 0 0,-10 4-643 0 0,0 0 0 0 0,0 0 0 0 0,-1 0 0 0 0,1 0 1 0 0,-1-1-1 0 0,0 1 0 0 0,0-1 0 0 0,0 1 0 0 0,-1-1 1 0 0,2-7-1 0 0,7-20 424 0 0,1 3-572 0 0,4-8 0 0 0,1 8 316 0 0,31-54 1304 0 0,-47 82-1620 0 0,0 1 1 0 0,1 0-1 0 0,-1 0 0 0 0,0-1 0 0 0,0 1 0 0 0,0 0 1 0 0,0 0-1 0 0,0-1 0 0 0,0 1 0 0 0,1 0 0 0 0,-1 0 0 0 0,0 0 1 0 0,0 0-1 0 0,0-1 0 0 0,1 1 0 0 0,-1 0 0 0 0,0 0 1 0 0,0 0-1 0 0,0 0 0 0 0,1 0 0 0 0,-1-1 0 0 0,0 1 1 0 0,0 0-1 0 0,1 0 0 0 0,-1 0 0 0 0,0 0 0 0 0,0 0 1 0 0,1 0-1 0 0,-1 0 0 0 0,0 0 0 0 0,1 0 0 0 0,-1 0 0 0 0,0 0 1 0 0,5 9 14 0 0,-1 20 16 0 0,-4-22-28 0 0,6 34-3 0 0,14 56 0 0 0,-14-78 0 0 0,0-1 0 0 0,0 0 0 0 0,2-1 0 0 0,0 1 0 0 0,15 21 0 0 0,-20-35-1 0 0,0 1 0 0 0,1 0 0 0 0,0-1 0 0 0,0 0 0 0 0,0 0 0 0 0,0 0 0 0 0,1-1 0 0 0,7 6-1 0 0,-11-9 6 0 0,1 1 0 0 0,-1 0 0 0 0,1 0 0 0 0,0-1 0 0 0,-1 1 0 0 0,1-1 0 0 0,0 1 0 0 0,0-1 0 0 0,-1 0 0 0 0,1 0 0 0 0,0 1 0 0 0,0-1 0 0 0,0 0-1 0 0,-1-1 1 0 0,1 1 0 0 0,0 0 0 0 0,0-1 0 0 0,-1 1 0 0 0,1-1 0 0 0,0 1 0 0 0,-1-1 0 0 0,1 0 0 0 0,0 1 0 0 0,-1-1 0 0 0,1 0 0 0 0,-1 0-1 0 0,1 0 1 0 0,-1-1 0 0 0,0 1 0 0 0,3-3 0 0 0,1-1 23 0 0,-1-1 0 0 0,0 1 0 0 0,0-1 0 0 0,0 0 0 0 0,-1-1 0 0 0,0 1-1 0 0,0 0 1 0 0,3-14 0 0 0,0-4 67 0 0,3-30-1 0 0,-4 18-94 0 0,0 10 31 0 0,0-50 0 0 0,-6 69-224 0 0,0 0 0 0 0,0 0 0 0 0,0 1 0 0 0,-5-12 0 0 0,0-4-2164 0 0,5 20 744 0 0</inkml:trace>
+</inkml:ink>
+</file>
+
+<file path=ppt/ink/ink124.xml><?xml version="1.0" encoding="utf-8"?>
+<inkml:ink xmlns:inkml="http://www.w3.org/2003/InkML">
+  <inkml:definitions>
+    <inkml:context xml:id="ctx0">
+      <inkml:inkSource xml:id="inkSrc0">
+        <inkml:traceFormat>
+          <inkml:channel name="X" type="integer" min="-2.14748E9" max="2.14748E9" units="cm"/>
+          <inkml:channel name="Y" type="integer" min="-2.14748E9" max="2.14748E9" units="cm"/>
+          <inkml:channel name="F" type="integer" max="32767" units="dev"/>
+          <inkml:channel name="OA" type="integer" max="360" units="deg"/>
+          <inkml:channel name="OE" type="integer" max="90" units="deg"/>
+        </inkml:traceFormat>
+        <inkml:channelProperties>
+          <inkml:channelProperty channel="X" name="resolution" value="1000" units="1/cm"/>
+          <inkml:channelProperty channel="Y" name="resolution" value="1000" units="1/cm"/>
+          <inkml:channelProperty channel="F" name="resolution" value="0" units="1/dev"/>
+          <inkml:channelProperty channel="OA" name="resolution" value="1000" units="1/deg"/>
+          <inkml:channelProperty channel="OE" name="resolution" value="1000" units="1/deg"/>
+        </inkml:channelProperties>
+      </inkml:inkSource>
+      <inkml:timestamp xml:id="ts0" timeString="2020-11-03T16:23:19.637"/>
+    </inkml:context>
+    <inkml:brush xml:id="br0">
+      <inkml:brushProperty name="width" value="0.05" units="cm"/>
+      <inkml:brushProperty name="height" value="0.05" units="cm"/>
+      <inkml:brushProperty name="color" value="#E71224"/>
+    </inkml:brush>
+  </inkml:definitions>
+  <inkml:trace contextRef="#ctx0" brushRef="#br0">4 56 2760 0 0,'-3'-15'604'0'0,"3"-1"11723"0"0,0 9-10668 0 0,22-6 1629 0 0,-20 13-3170 0 0,-1-1 0 0 0,1 0 0 0 0,-1 1 0 0 0,1-1 0 0 0,0 1 0 0 0,-1-1 0 0 0,1 1-1 0 0,0 0 1 0 0,0 0 0 0 0,-1 0 0 0 0,1 0 0 0 0,0 0 0 0 0,-1 0 0 0 0,1 0 0 0 0,0 0 0 0 0,0 1 0 0 0,-1-1 0 0 0,1 1 0 0 0,-1-1 0 0 0,4 2 0 0 0,-4 0-47 0 0,1-1 0 0 0,-1 0 0 0 0,1 1 1 0 0,-1 0-1 0 0,0-1 0 0 0,1 1 1 0 0,-1 0-1 0 0,0-1 0 0 0,0 1 0 0 0,0 0 1 0 0,0 0-1 0 0,-1 0 0 0 0,1 0 0 0 0,0 3 1 0 0,1 5 28 0 0,-1 1 0 0 0,0-1-1 0 0,0 0 1 0 0,-1 0 0 0 0,-2 14 0 0 0,1-17 39 0 0,1 0 0 0 0,0-1 0 0 0,0 1 0 0 0,0 0 0 0 0,1 0 0 0 0,1 7 0 0 0,-2-13-118 0 0,1 1 0 0 0,-1-1 1 0 0,1 1-1 0 0,-1-1 0 0 0,1 0 1 0 0,0 1-1 0 0,0-1 1 0 0,0 1-1 0 0,0-1 0 0 0,0 0 1 0 0,0 0-1 0 0,0 0 0 0 0,0 0 1 0 0,0 0-1 0 0,0 0 0 0 0,1 0 1 0 0,-1 0-1 0 0,0 0 1 0 0,1 0-1 0 0,-1-1 0 0 0,1 1 1 0 0,-1 0-1 0 0,1-1 0 0 0,-1 1 1 0 0,1-1-1 0 0,-1 0 0 0 0,1 0 1 0 0,0 1-1 0 0,-1-1 0 0 0,1 0 1 0 0,1-1-1 0 0,6 1 50 0 0,0 0 1 0 0,0-1-1 0 0,0 0 0 0 0,0-1 0 0 0,15-5 1 0 0,-19 6-215 0 0,-1-1 0 0 0,0 0 0 0 0,0 0 0 0 0,0-1 1 0 0,6-4-1 0 0,-7 5-358 0 0,-1 0 1 0 0,0 0 0 0 0,0 0-1 0 0,0-1 1 0 0,0 1-1 0 0,0-1 1 0 0,0 1 0 0 0,-1-1-1 0 0,2-4 1 0 0,0-1-1387 0 0</inkml:trace>
+</inkml:ink>
+</file>
+
+<file path=ppt/ink/ink125.xml><?xml version="1.0" encoding="utf-8"?>
+<inkml:ink xmlns:inkml="http://www.w3.org/2003/InkML">
+  <inkml:definitions>
+    <inkml:context xml:id="ctx0">
+      <inkml:inkSource xml:id="inkSrc0">
+        <inkml:traceFormat>
+          <inkml:channel name="X" type="integer" min="-2.14748E9" max="2.14748E9" units="cm"/>
+          <inkml:channel name="Y" type="integer" min="-2.14748E9" max="2.14748E9" units="cm"/>
+          <inkml:channel name="F" type="integer" max="32767" units="dev"/>
+          <inkml:channel name="OA" type="integer" max="360" units="deg"/>
+          <inkml:channel name="OE" type="integer" max="90" units="deg"/>
+        </inkml:traceFormat>
+        <inkml:channelProperties>
+          <inkml:channelProperty channel="X" name="resolution" value="1000" units="1/cm"/>
+          <inkml:channelProperty channel="Y" name="resolution" value="1000" units="1/cm"/>
+          <inkml:channelProperty channel="F" name="resolution" value="0" units="1/dev"/>
+          <inkml:channelProperty channel="OA" name="resolution" value="1000" units="1/deg"/>
+          <inkml:channelProperty channel="OE" name="resolution" value="1000" units="1/deg"/>
+        </inkml:channelProperties>
+      </inkml:inkSource>
+      <inkml:timestamp xml:id="ts0" timeString="2020-11-03T16:23:19.974"/>
+    </inkml:context>
+    <inkml:brush xml:id="br0">
+      <inkml:brushProperty name="width" value="0.05" units="cm"/>
+      <inkml:brushProperty name="height" value="0.05" units="cm"/>
+      <inkml:brushProperty name="color" value="#E71224"/>
+    </inkml:brush>
+  </inkml:definitions>
+  <inkml:trace contextRef="#ctx0" brushRef="#br0">1 0 15608 0 0,'0'0'1409'0'0,"11"9"-1032"0"0,-1-2 492 0 0,0 1 0 0 0,-1 0 0 0 0,0 0-1 0 0,0 1 1 0 0,9 13 0 0 0,-10-10-538 0 0,0 0-1 0 0,-1 0 0 0 0,0 1 1 0 0,7 19-1 0 0,-4-2-61 0 0,-1 0 0 0 0,-1 1 0 0 0,-2 0 0 0 0,0 0 0 0 0,0 44 0 0 0,-5-35-128 0 0,-3 0 1 0 0,0-1 0 0 0,-17 75-1 0 0,16-96-50 0 0,-2-1 1 0 0,0 1-1 0 0,-15 32 0 0 0,18-46-300 0 0,0 0-1 0 0,0 0 1 0 0,-1 0-1 0 0,0 0 0 0 0,0 0 1 0 0,0 0-1 0 0,0 0 1 0 0,0-1-1 0 0,-1 0 1 0 0,1 0-1 0 0,-1 0 0 0 0,0 0 1 0 0,0 0-1 0 0,0-1 1 0 0,-1 0-1 0 0,1 0 1 0 0,0 0-1 0 0,-1 0 0 0 0,1-1 1 0 0,-7 2-1 0 0,-9-1-7977 0 0</inkml:trace>
+</inkml:ink>
+</file>
+
+<file path=ppt/ink/ink126.xml><?xml version="1.0" encoding="utf-8"?>
+<inkml:ink xmlns:inkml="http://www.w3.org/2003/InkML">
+  <inkml:definitions>
+    <inkml:context xml:id="ctx0">
+      <inkml:inkSource xml:id="inkSrc0">
+        <inkml:traceFormat>
+          <inkml:channel name="X" type="integer" min="-2.14748E9" max="2.14748E9" units="cm"/>
+          <inkml:channel name="Y" type="integer" min="-2.14748E9" max="2.14748E9" units="cm"/>
+          <inkml:channel name="F" type="integer" max="32767" units="dev"/>
+          <inkml:channel name="OA" type="integer" max="360" units="deg"/>
+          <inkml:channel name="OE" type="integer" max="90" units="deg"/>
+        </inkml:traceFormat>
+        <inkml:channelProperties>
+          <inkml:channelProperty channel="X" name="resolution" value="1000" units="1/cm"/>
+          <inkml:channelProperty channel="Y" name="resolution" value="1000" units="1/cm"/>
+          <inkml:channelProperty channel="F" name="resolution" value="0" units="1/dev"/>
+          <inkml:channelProperty channel="OA" name="resolution" value="1000" units="1/deg"/>
+          <inkml:channelProperty channel="OE" name="resolution" value="1000" units="1/deg"/>
+        </inkml:channelProperties>
+      </inkml:inkSource>
+      <inkml:timestamp xml:id="ts0" timeString="2020-11-03T16:23:21.210"/>
+    </inkml:context>
+    <inkml:brush xml:id="br0">
+      <inkml:brushProperty name="width" value="0.05" units="cm"/>
+      <inkml:brushProperty name="height" value="0.05" units="cm"/>
+      <inkml:brushProperty name="color" value="#E71224"/>
+    </inkml:brush>
+  </inkml:definitions>
+  <inkml:trace contextRef="#ctx0" brushRef="#br0">12 23 13072 0 0,'0'0'297'0'0,"0"-3"506"0"0,0 1-1 0 0,0-1 1 0 0,1 0-1 0 0,-1 1 1 0 0,1-1 0 0 0,0-3-1 0 0,1 6-698 0 0,-1 0 0 0 0,1 0-1 0 0,-1 1 1 0 0,0-1 0 0 0,1 0-1 0 0,-1 1 1 0 0,0-1-1 0 0,1 1 1 0 0,-1 0 0 0 0,0-1-1 0 0,0 1 1 0 0,0 0 0 0 0,0 0-1 0 0,0 0 1 0 0,0 0-1 0 0,0 0 1 0 0,0 0 0 0 0,1 1-1 0 0,16 25 222 0 0,-11-14-127 0 0,-1-3 2 0 0,-1 0 0 0 0,-1 1 1 0 0,1-1-1 0 0,-2 1 0 0 0,5 20 0 0 0,6 19 225 0 0,-5-11-19 0 0,-8-39-406 0 0,-1 0 0 0 0,0 0 0 0 0,0 0 0 0 0,0 0 0 0 0,0 1 0 0 0,0-1 0 0 0,0 0 0 0 0,1 0 0 0 0,-1 0 0 0 0,0 1 0 0 0,0-1 0 0 0,0 0 0 0 0,0 0 0 0 0,0 0 0 0 0,0 1 0 0 0,0-1 0 0 0,0 0 0 0 0,0 0 0 0 0,0 1 0 0 0,0-1 0 0 0,0 0 0 0 0,0 0 0 0 0,0 0 0 0 0,0 1 0 0 0,0-1 0 0 0,0 0 0 0 0,0 0 0 0 0,-1 0 0 0 0,1 1 0 0 0,0-1 0 0 0,0 0 0 0 0,0 0 0 0 0,0 0 0 0 0,0 0 0 0 0,0 1 0 0 0,-1-1 0 0 0,1 0 0 0 0,0 0 0 0 0,0 0 0 0 0,0 0 0 0 0,0 0 0 0 0,-1 1 0 0 0,1-1 0 0 0,0 0 0 0 0,0 0 0 0 0,0 0 0 0 0,-1 0 0 0 0,1 0 0 0 0,0 0 0 0 0,0 0 0 0 0,0 0 0 0 0,-1 0 0 0 0,1 0 0 0 0,0 0 0 0 0,0 0 0 0 0,0 0 0 0 0,-1 0 0 0 0,1 0 0 0 0,0 0 0 0 0,0 0 0 0 0,0 0 0 0 0,-1 0 0 0 0,-8-3 0 0 0,5 1 0 0 0,0-1 0 0 0,1 1 0 0 0,-1-1 0 0 0,0 0 0 0 0,1 0 0 0 0,0 0 0 0 0,-4-6 0 0 0,-1 1 0 0 0,-24-30 0 0 0,29 35 0 0 0,3 2 2 0 0,0 0 0 0 0,0 0 0 0 0,0 1 0 0 0,0-1 1 0 0,0 0-1 0 0,1 1 0 0 0,-1-1 0 0 0,0 0 0 0 0,0 1 0 0 0,0-1 0 0 0,1 0 0 0 0,-1 1 0 0 0,0-1 0 0 0,0 1 0 0 0,1-1 0 0 0,-1 0 0 0 0,1 1 0 0 0,-1-1 0 0 0,0 1 0 0 0,1-1 0 0 0,-1 1 0 0 0,1-1 0 0 0,-1 1 0 0 0,1-1 0 0 0,0 1 0 0 0,-1 0 0 0 0,1-1 1 0 0,-1 1-1 0 0,2 0 0 0 0,1-2 151 0 0,0 1 0 0 0,0 0 0 0 0,1 0 0 0 0,-1 0 0 0 0,1 0 0 0 0,-1 0 1 0 0,0 1-1 0 0,1 0 0 0 0,-1 0 0 0 0,1 0 0 0 0,3 0 0 0 0,-2 1-129 0 0,0-1-1 0 0,1 1 1 0 0,-1 0-1 0 0,0 0 1 0 0,0 1 0 0 0,7 2-1 0 0,-11-3-23 0 0,0-1 0 0 0,0 1 0 0 0,0-1 0 0 0,0 1 0 0 0,0 0 0 0 0,0-1 0 0 0,0 1 0 0 0,0 0 0 0 0,0 0 0 0 0,0-1 0 0 0,0 1 0 0 0,0 0 0 0 0,0 0 0 0 0,-1 0 0 0 0,1 0 0 0 0,0 0 0 0 0,-1 0 0 0 0,1 1 0 0 0,-1-1 0 0 0,1 0 0 0 0,-1 0 0 0 0,1 0 0 0 0,-1 1 0 0 0,0 1 0 0 0,0-1 0 0 0,0 0 0 0 0,-1 0 0 0 0,1 0 0 0 0,-1 0 0 0 0,0 0 0 0 0,0 0 0 0 0,1 0 0 0 0,-1 0 0 0 0,-1 0 0 0 0,1 0 0 0 0,0 0 0 0 0,-3 2 0 0 0,0 1 0 0 0,0-1 0 0 0,0 0 1 0 0,-1 0-1 0 0,0 0 0 0 0,1 0 0 0 0,-2-1 0 0 0,1 0 0 0 0,-11 5 0 0 0,7-4-2 0 0,-1-1-1 0 0,1 0 0 0 0,-1 0 1 0 0,-17 2-1 0 0,12-5-57 0 0,39-11 60 0 0,2 2-231 0 0,42-10 0 0 0,-28 14-7347 0 0,-25 3 59 0 0</inkml:trace>
+</inkml:ink>
+</file>
+
+<file path=ppt/ink/ink127.xml><?xml version="1.0" encoding="utf-8"?>
+<inkml:ink xmlns:inkml="http://www.w3.org/2003/InkML">
+  <inkml:definitions>
+    <inkml:context xml:id="ctx0">
+      <inkml:inkSource xml:id="inkSrc0">
+        <inkml:traceFormat>
+          <inkml:channel name="X" type="integer" min="-2.14748E9" max="2.14748E9" units="cm"/>
+          <inkml:channel name="Y" type="integer" min="-2.14748E9" max="2.14748E9" units="cm"/>
+          <inkml:channel name="F" type="integer" max="32767" units="dev"/>
+          <inkml:channel name="OA" type="integer" max="360" units="deg"/>
+          <inkml:channel name="OE" type="integer" max="90" units="deg"/>
+        </inkml:traceFormat>
+        <inkml:channelProperties>
+          <inkml:channelProperty channel="X" name="resolution" value="1000" units="1/cm"/>
+          <inkml:channelProperty channel="Y" name="resolution" value="1000" units="1/cm"/>
+          <inkml:channelProperty channel="F" name="resolution" value="0" units="1/dev"/>
+          <inkml:channelProperty channel="OA" name="resolution" value="1000" units="1/deg"/>
+          <inkml:channelProperty channel="OE" name="resolution" value="1000" units="1/deg"/>
+        </inkml:channelProperties>
+      </inkml:inkSource>
+      <inkml:timestamp xml:id="ts0" timeString="2020-11-03T16:23:21.874"/>
+    </inkml:context>
+    <inkml:brush xml:id="br0">
+      <inkml:brushProperty name="width" value="0.05" units="cm"/>
+      <inkml:brushProperty name="height" value="0.05" units="cm"/>
+      <inkml:brushProperty name="color" value="#E71224"/>
+    </inkml:brush>
+  </inkml:definitions>
+  <inkml:trace contextRef="#ctx0" brushRef="#br0">168 21 3680 0 0,'0'0'11'0'0,"0"0"1"0"0,0 0-1 0 0,0 0 0 0 0,0 0 1 0 0,0 0-1 0 0,1 0 0 0 0,-1 0 1 0 0,0 0-1 0 0,0 0 0 0 0,0 0 1 0 0,0 0-1 0 0,0 0 1 0 0,0 0-1 0 0,0 0 0 0 0,0 0 1 0 0,0-1-1 0 0,1 1 0 0 0,-1 0 1 0 0,0 0-1 0 0,0 0 0 0 0,0 0 1 0 0,0 0-1 0 0,0 0 0 0 0,0 0 1 0 0,0 0-1 0 0,0 0 1 0 0,0 0-1 0 0,0 0 0 0 0,0 0 1 0 0,0-1-1 0 0,0 1 0 0 0,0 0 1 0 0,0 0-1 0 0,0 0 0 0 0,1 0 1 0 0,-1 0-1 0 0,0 0 0 0 0,0 0 1 0 0,0 0-1 0 0,0 0 0 0 0,0-1 1 0 0,0 1-1 0 0,0 0 1 0 0,0 0-1 0 0,-1 0 0 0 0,-1-7 2847 0 0,-7-3 5218 0 0,-2 12-6892 0 0,6 0-1048 0 0,1 0 0 0 0,0 0 1 0 0,0 0-1 0 0,0 0 1 0 0,0 1-1 0 0,0-1 1 0 0,1 1-1 0 0,-1 0 1 0 0,1 0-1 0 0,0 1 1 0 0,-4 3-1 0 0,-3 7 191 0 0,-14 25 0 0 0,9-14-135 0 0,5-11-67 0 0,1 2 0 0 0,-8 20 0 0 0,14-30-66 0 0,1 0 0 0 0,0 0 0 0 0,0 1 0 0 0,1-1 0 0 0,-1 1 0 0 0,1 0 0 0 0,1-1 1 0 0,0 1-1 0 0,0 7 0 0 0,0-12 2 0 0,1 0 0 0 0,-1 0 0 0 0,1 0 0 0 0,0-1 1 0 0,-1 1-1 0 0,1 0 0 0 0,0 0 0 0 0,0-1 0 0 0,0 1 1 0 0,0 0-1 0 0,0-1 0 0 0,1 1 0 0 0,-1-1 0 0 0,0 0 1 0 0,1 1-1 0 0,-1-1 0 0 0,1 0 0 0 0,-1 0 0 0 0,1 0 0 0 0,0 0 1 0 0,0 0-1 0 0,-1 0 0 0 0,1-1 0 0 0,2 2 0 0 0,-2-2 25 0 0,0 1 0 0 0,1 0-1 0 0,-1-1 1 0 0,0 1-1 0 0,1-1 1 0 0,-1 0-1 0 0,0 0 1 0 0,1 0 0 0 0,-1 0-1 0 0,0 0 1 0 0,1 0-1 0 0,-1-1 1 0 0,0 1 0 0 0,1-1-1 0 0,-1 1 1 0 0,0-1-1 0 0,0 0 1 0 0,0 0-1 0 0,4-2 1 0 0,2-3 96 0 0,-1-1-1 0 0,1 0 1 0 0,-1 0-1 0 0,0-1 1 0 0,-1 0-1 0 0,10-15 1 0 0,-1-2 71 0 0,10-28 0 0 0,-13 26 7 0 0,-7 19 27 0 0,-1-1 0 0 0,1 1 0 0 0,0 0 0 0 0,1 1-1 0 0,0-1 1 0 0,9-8 0 0 0,-15 16-277 0 0,0 0 0 0 0,0 0 1 0 0,1 0-1 0 0,-1 0 0 0 0,0 0 0 0 0,0 0 0 0 0,0 0 0 0 0,1 0 0 0 0,-1 0 0 0 0,0 0 0 0 0,0 0 0 0 0,0 0 1 0 0,1 0-1 0 0,-1 0 0 0 0,0 0 0 0 0,0 1 0 0 0,0-1 0 0 0,0 0 0 0 0,1 0 0 0 0,-1 0 0 0 0,0 0 1 0 0,0 0-1 0 0,0 1 0 0 0,0-1 0 0 0,0 0 0 0 0,0 0 0 0 0,1 0 0 0 0,-1 0 0 0 0,0 1 0 0 0,0-1 1 0 0,0 0-1 0 0,0 0 0 0 0,0 0 0 0 0,0 0 0 0 0,0 1 0 0 0,0-1 0 0 0,0 0 0 0 0,0 0 0 0 0,0 0 1 0 0,0 1-1 0 0,0-1 0 0 0,0 0 0 0 0,2 9 91 0 0,5 51-637 0 0,-3 86-1 0 0,-4-144-186 0 0</inkml:trace>
+</inkml:ink>
+</file>
+
+<file path=ppt/ink/ink128.xml><?xml version="1.0" encoding="utf-8"?>
+<inkml:ink xmlns:inkml="http://www.w3.org/2003/InkML">
+  <inkml:definitions>
+    <inkml:context xml:id="ctx0">
+      <inkml:inkSource xml:id="inkSrc0">
+        <inkml:traceFormat>
+          <inkml:channel name="X" type="integer" min="-2.14748E9" max="2.14748E9" units="cm"/>
+          <inkml:channel name="Y" type="integer" min="-2.14748E9" max="2.14748E9" units="cm"/>
+          <inkml:channel name="F" type="integer" max="32767" units="dev"/>
+          <inkml:channel name="OA" type="integer" max="360" units="deg"/>
+          <inkml:channel name="OE" type="integer" max="90" units="deg"/>
+        </inkml:traceFormat>
+        <inkml:channelProperties>
+          <inkml:channelProperty channel="X" name="resolution" value="1000" units="1/cm"/>
+          <inkml:channelProperty channel="Y" name="resolution" value="1000" units="1/cm"/>
+          <inkml:channelProperty channel="F" name="resolution" value="0" units="1/dev"/>
+          <inkml:channelProperty channel="OA" name="resolution" value="1000" units="1/deg"/>
+          <inkml:channelProperty channel="OE" name="resolution" value="1000" units="1/deg"/>
+        </inkml:channelProperties>
+      </inkml:inkSource>
+      <inkml:timestamp xml:id="ts0" timeString="2020-11-03T16:23:22.211"/>
+    </inkml:context>
+    <inkml:brush xml:id="br0">
+      <inkml:brushProperty name="width" value="0.05" units="cm"/>
+      <inkml:brushProperty name="height" value="0.05" units="cm"/>
+      <inkml:brushProperty name="color" value="#E71224"/>
+    </inkml:brush>
+  </inkml:definitions>
+  <inkml:trace contextRef="#ctx0" brushRef="#br0">7 63 15752 0 0,'-3'16'719'0'0,"1"1"0"0"0,1 0 0 0 0,1-1 0 0 0,0 1 0 0 0,1 0 0 0 0,0-1 0 0 0,2 1 0 0 0,0-1 0 0 0,8 26 0 0 0,-10-39-580 0 0,1 0 0 0 0,-1-1 0 0 0,0 1 0 0 0,0-1 0 0 0,1 1 0 0 0,0-1 0 0 0,-1 0 0 0 0,1 1-1 0 0,0-1 1 0 0,4 3 0 0 0,-5-4-94 0 0,0-1-1 0 0,0 1 1 0 0,0 0 0 0 0,0-1-1 0 0,0 1 1 0 0,0-1-1 0 0,0 1 1 0 0,0-1-1 0 0,0 0 1 0 0,0 1-1 0 0,0-1 1 0 0,1 0 0 0 0,-1 0-1 0 0,0 0 1 0 0,0 0-1 0 0,0 0 1 0 0,0 0-1 0 0,1 0 1 0 0,-1 0-1 0 0,0 0 1 0 0,0-1 0 0 0,0 1-1 0 0,0 0 1 0 0,0-1-1 0 0,0 1 1 0 0,0-1-1 0 0,2 0 1 0 0,0-1 18 0 0,-1 0 1 0 0,1 0 0 0 0,-1 0-1 0 0,0 0 1 0 0,1 0-1 0 0,-1-1 1 0 0,0 1 0 0 0,0-1-1 0 0,-1 1 1 0 0,1-1-1 0 0,0 0 1 0 0,1-6-1 0 0,0 0 64 0 0,0 0-1 0 0,3-19 0 0 0,2-12-58 0 0,1 12-90 0 0,14-39 182 0 0,-19 58-480 0 0,0 0 0 0 0,0 0 0 0 0,1 1 1 0 0,12-17-1 0 0,-16 25 115 0 0,-1-1 0 0 0,1 0 0 0 0,0 1 1 0 0,0-1-1 0 0,-1 0 0 0 0,1 1 0 0 0,0-1 0 0 0,0 1 0 0 0,0 0 0 0 0,0-1 1 0 0,-1 1-1 0 0,1 0 0 0 0,0-1 0 0 0,0 1 0 0 0,0 0 0 0 0,0 0 1 0 0,0 0-1 0 0,0 0 0 0 0,0 0 0 0 0,0 0 0 0 0,2 0 0 0 0,-1 0-703 0 0</inkml:trace>
+</inkml:ink>
+</file>
+
+<file path=ppt/ink/ink129.xml><?xml version="1.0" encoding="utf-8"?>
+<inkml:ink xmlns:inkml="http://www.w3.org/2003/InkML">
+  <inkml:definitions>
+    <inkml:context xml:id="ctx0">
+      <inkml:inkSource xml:id="inkSrc0">
+        <inkml:traceFormat>
+          <inkml:channel name="X" type="integer" min="-2.14748E9" max="2.14748E9" units="cm"/>
+          <inkml:channel name="Y" type="integer" min="-2.14748E9" max="2.14748E9" units="cm"/>
+          <inkml:channel name="F" type="integer" max="32767" units="dev"/>
+          <inkml:channel name="OA" type="integer" max="360" units="deg"/>
+          <inkml:channel name="OE" type="integer" max="90" units="deg"/>
+        </inkml:traceFormat>
+        <inkml:channelProperties>
+          <inkml:channelProperty channel="X" name="resolution" value="1000" units="1/cm"/>
+          <inkml:channelProperty channel="Y" name="resolution" value="1000" units="1/cm"/>
+          <inkml:channelProperty channel="F" name="resolution" value="0" units="1/dev"/>
+          <inkml:channelProperty channel="OA" name="resolution" value="1000" units="1/deg"/>
+          <inkml:channelProperty channel="OE" name="resolution" value="1000" units="1/deg"/>
+        </inkml:channelProperties>
+      </inkml:inkSource>
+      <inkml:timestamp xml:id="ts0" timeString="2020-11-03T16:23:22.544"/>
+    </inkml:context>
+    <inkml:brush xml:id="br0">
+      <inkml:brushProperty name="width" value="0.05" units="cm"/>
+      <inkml:brushProperty name="height" value="0.05" units="cm"/>
+      <inkml:brushProperty name="color" value="#E71224"/>
+    </inkml:brush>
+  </inkml:definitions>
+  <inkml:trace contextRef="#ctx0" brushRef="#br0">107 15 9216 0 0,'0'0'706'0'0,"-13"-14"6726"0"0,12 14-7237 0 0,-1-1 0 0 0,1 1 0 0 0,0 0 0 0 0,0 0 0 0 0,-1 1 0 0 0,1-1 0 0 0,0 0 0 0 0,0 0 0 0 0,-1 1 0 0 0,1-1 0 0 0,0 0 0 0 0,0 1 0 0 0,0-1 0 0 0,-2 2 0 0 0,-4 1 515 0 0,5-2-605 0 0,-1 0 0 0 0,1 1 0 0 0,-1-1 0 0 0,1 1 0 0 0,0-1 0 0 0,-1 1 0 0 0,1 0 0 0 0,0 0 0 0 0,0 0 0 0 0,1 0 0 0 0,-1 0 0 0 0,0 0 0 0 0,1 1 0 0 0,-1-1 0 0 0,1 0 0 0 0,0 1 0 0 0,-2 4 0 0 0,-3 7 118 0 0,-6 30 0 0 0,8-32-101 0 0,2-1 1 0 0,-1 0-1 0 0,2 1 1 0 0,-1-1 0 0 0,1 0-1 0 0,1 14 1 0 0,1-20-58 0 0,-1 0 1 0 0,0-1-1 0 0,1 1 1 0 0,0-1-1 0 0,0 1 0 0 0,1-1 1 0 0,-1 1-1 0 0,1-1 1 0 0,0 0-1 0 0,0 1 1 0 0,0-1-1 0 0,1 0 1 0 0,-1 0-1 0 0,1-1 0 0 0,4 6 1 0 0,-6-8-52 0 0,1 0 0 0 0,-1 0 0 0 0,0 0 0 0 0,1 0 0 0 0,-1 0 1 0 0,1 0-1 0 0,-1-1 0 0 0,1 1 0 0 0,-1 0 0 0 0,1-1 0 0 0,0 1 0 0 0,-1-1 0 0 0,1 0 0 0 0,0 1 1 0 0,-1-1-1 0 0,1 0 0 0 0,0 0 0 0 0,0 0 0 0 0,-1 0 0 0 0,1 0 0 0 0,0-1 0 0 0,-1 1 0 0 0,1 0 0 0 0,0-1 1 0 0,-1 1-1 0 0,1-1 0 0 0,-1 0 0 0 0,1 0 0 0 0,-1 1 0 0 0,1-1 0 0 0,-1 0 0 0 0,1 0 0 0 0,-1 0 1 0 0,0 0-1 0 0,0-1 0 0 0,1 1 0 0 0,-1 0 0 0 0,0 0 0 0 0,0-1 0 0 0,0 1 0 0 0,0-1 0 0 0,-1 1 1 0 0,1-1-1 0 0,0 1 0 0 0,-1-1 0 0 0,1 0 0 0 0,-1 1 0 0 0,1-1 0 0 0,-1-2 0 0 0,14-84 484 0 0,1-5-76 0 0,-14 90-379 0 0,0 0-1 0 0,0 0 0 0 0,0-1 1 0 0,1 1-1 0 0,-1 1 0 0 0,1-1 1 0 0,2-3-1 0 0,-4 5-33 0 0,1 1 0 0 0,-1-1 0 0 0,0 1 1 0 0,0-1-1 0 0,1 1 0 0 0,-1 0 0 0 0,1-1 0 0 0,-1 1 0 0 0,0-1 0 0 0,1 1 0 0 0,-1 0 0 0 0,1-1 0 0 0,-1 1 0 0 0,1 0 0 0 0,-1 0 0 0 0,0 0 1 0 0,1-1-1 0 0,0 1 0 0 0,-1 0 0 0 0,1 0 0 0 0,-1 0 0 0 0,1 0 0 0 0,-1 0 0 0 0,1 0 0 0 0,-1 0 0 0 0,1 0 0 0 0,-1 0 0 0 0,1 0 0 0 0,-1 0 0 0 0,1 0 1 0 0,-1 0-1 0 0,1 0 0 0 0,-1 0 0 0 0,1 1 0 0 0,-1-1 0 0 0,1 0 0 0 0,-1 0 0 0 0,1 1 0 0 0,-1-1 0 0 0,1 0 0 0 0,-1 1 0 0 0,0-1 0 0 0,1 0 1 0 0,-1 1-1 0 0,0-1 0 0 0,1 0 0 0 0,0 2 0 0 0,11 12 122 0 0,-9-10-107 0 0,1 0 1 0 0,-1 0 0 0 0,0 0 0 0 0,0 0 0 0 0,0 1-1 0 0,-1-1 1 0 0,3 7 0 0 0,5 13 51 0 0,-6-17-60 0 0,-1 0 0 0 0,0 1 0 0 0,4 15 0 0 0,-5-12-2 0 0,-1 0 1 0 0,0 0-1 0 0,-1 0 0 0 0,0 1 0 0 0,-4 21 1 0 0,0-12 5 0 0,-1 0 1 0 0,-9 25 0 0 0,10-36-13 0 0,0 0 0 0 0,-1-1 0 0 0,0 1 1 0 0,0-1-1 0 0,-1 0 0 0 0,0 0 0 0 0,-1-1 0 0 0,-13 13 0 0 0,15-16-242 0 0,0-1 0 0 0,0 1 0 0 0,-1-1 0 0 0,1-1 0 0 0,-1 1 0 0 0,0-1 0 0 0,0 0 0 0 0,0-1 0 0 0,0 1 0 0 0,0-1 0 0 0,-1 0 0 0 0,1-1 1 0 0,-1 1-1 0 0,1-1 0 0 0,-10 0 0 0 0,-1-3-1256 0 0</inkml:trace>
+</inkml:ink>
+</file>
+
+<file path=ppt/ink/ink13.xml><?xml version="1.0" encoding="utf-8"?>
+<inkml:ink xmlns:inkml="http://www.w3.org/2003/InkML">
+  <inkml:definitions>
+    <inkml:context xml:id="ctx0">
+      <inkml:inkSource xml:id="inkSrc0">
+        <inkml:traceFormat>
+          <inkml:channel name="X" type="integer" min="-2.14748E9" max="2.14748E9" units="cm"/>
+          <inkml:channel name="Y" type="integer" min="-2.14748E9" max="2.14748E9" units="cm"/>
+          <inkml:channel name="F" type="integer" max="32767" units="dev"/>
+          <inkml:channel name="OA" type="integer" max="360" units="deg"/>
+          <inkml:channel name="OE" type="integer" max="90" units="deg"/>
+        </inkml:traceFormat>
+        <inkml:channelProperties>
+          <inkml:channelProperty channel="X" name="resolution" value="1000" units="1/cm"/>
+          <inkml:channelProperty channel="Y" name="resolution" value="1000" units="1/cm"/>
+          <inkml:channelProperty channel="F" name="resolution" value="0" units="1/dev"/>
+          <inkml:channelProperty channel="OA" name="resolution" value="1000" units="1/deg"/>
+          <inkml:channelProperty channel="OE" name="resolution" value="1000" units="1/deg"/>
+        </inkml:channelProperties>
+      </inkml:inkSource>
+      <inkml:timestamp xml:id="ts0" timeString="2020-11-04T18:00:44.094"/>
+    </inkml:context>
+    <inkml:brush xml:id="br0">
+      <inkml:brushProperty name="width" value="0.05" units="cm"/>
+      <inkml:brushProperty name="height" value="0.05" units="cm"/>
+      <inkml:brushProperty name="color" value="#004F8B"/>
+    </inkml:brush>
+  </inkml:definitions>
+  <inkml:trace contextRef="#ctx0" brushRef="#br0">9 496 17503 0 0,'0'0'1338'0'0,"-3"-11"-756"0"0,2 6-304 0 0,0 0-1 0 0,0 0 0 0 0,0 1 0 0 0,0-1 0 0 0,1 0 0 0 0,-1 0 0 0 0,1 0 0 0 0,1-6 0 0 0,0 0 563 0 0,1-1-1 0 0,4-15 0 0 0,30-73 662 0 0,0-2 162 0 0,-31 82-1660 0 0,1 1 1 0 0,0-1-1 0 0,2 1 0 0 0,9-18 0 0 0,-5 15 409 0 0,-11 19-286 0 0,0-1 0 0 0,1 1 0 0 0,0-1 0 0 0,0 1-1 0 0,0 0 1 0 0,0 0 0 0 0,1 0 0 0 0,-1 0 0 0 0,1 0 0 0 0,0 0-1 0 0,0 1 1 0 0,4-4 0 0 0,-6 6-126 0 0,-1-1 0 0 0,1 1 0 0 0,0 0 1 0 0,-1-1-1 0 0,1 1 0 0 0,0 0 0 0 0,-1 0 0 0 0,1 0 0 0 0,0-1 0 0 0,0 1 0 0 0,-1 0 0 0 0,1 0 0 0 0,0 0 1 0 0,-1 0-1 0 0,1 0 0 0 0,0 0 0 0 0,-1 0 0 0 0,1 1 0 0 0,0-1 0 0 0,0 0 0 0 0,-1 0 0 0 0,1 1 1 0 0,-1-1-1 0 0,1 0 0 0 0,0 0 0 0 0,-1 1 0 0 0,1-1 0 0 0,0 1 0 0 0,-1-1 0 0 0,1 1 0 0 0,-1-1 1 0 0,1 1-1 0 0,-1-1 0 0 0,1 2 0 0 0,2 1-9 0 0,-1 1 0 0 0,0 0 0 0 0,1-1 0 0 0,1 7 0 0 0,0-2-66 0 0,1 3 38 0 0,-1 1 0 0 0,0 0 0 0 0,0 0 0 0 0,2 18 1 0 0,1 1 32 0 0,2 9 41 0 0,8 82 1 0 0,-8-59 17 0 0,-2-23-57 0 0,-3-6-357 0 0,-2 45 1 0 0,-10-90-1875 0 0,2-1-571 0 0,0-1-5937 0 0</inkml:trace>
+</inkml:ink>
+</file>
+
+<file path=ppt/ink/ink130.xml><?xml version="1.0" encoding="utf-8"?>
+<inkml:ink xmlns:inkml="http://www.w3.org/2003/InkML">
+  <inkml:definitions>
+    <inkml:context xml:id="ctx0">
+      <inkml:inkSource xml:id="inkSrc0">
+        <inkml:traceFormat>
+          <inkml:channel name="X" type="integer" min="-2.14748E9" max="2.14748E9" units="cm"/>
+          <inkml:channel name="Y" type="integer" min="-2.14748E9" max="2.14748E9" units="cm"/>
+          <inkml:channel name="F" type="integer" max="32767" units="dev"/>
+          <inkml:channel name="OA" type="integer" max="360" units="deg"/>
+          <inkml:channel name="OE" type="integer" max="90" units="deg"/>
+        </inkml:traceFormat>
+        <inkml:channelProperties>
+          <inkml:channelProperty channel="X" name="resolution" value="1000" units="1/cm"/>
+          <inkml:channelProperty channel="Y" name="resolution" value="1000" units="1/cm"/>
+          <inkml:channelProperty channel="F" name="resolution" value="0" units="1/dev"/>
+          <inkml:channelProperty channel="OA" name="resolution" value="1000" units="1/deg"/>
+          <inkml:channelProperty channel="OE" name="resolution" value="1000" units="1/deg"/>
+        </inkml:channelProperties>
+      </inkml:inkSource>
+      <inkml:timestamp xml:id="ts0" timeString="2020-11-03T16:23:23.190"/>
+    </inkml:context>
+    <inkml:brush xml:id="br0">
+      <inkml:brushProperty name="width" value="0.05" units="cm"/>
+      <inkml:brushProperty name="height" value="0.05" units="cm"/>
+      <inkml:brushProperty name="color" value="#E71224"/>
+    </inkml:brush>
+  </inkml:definitions>
+  <inkml:trace contextRef="#ctx0" brushRef="#br0">0 0 6448 0 0,'0'0'2148'0'0,"12"13"4698"0"0,7 10-4927 0 0,-1 1 0 0 0,23 40 0 0 0,11 15 196 0 0,-38-54-2228 0 0,-14-25 31 0 0,-8 6-1898 0 0,2-1 256 0 0</inkml:trace>
+</inkml:ink>
+</file>
+
+<file path=ppt/ink/ink131.xml><?xml version="1.0" encoding="utf-8"?>
+<inkml:ink xmlns:inkml="http://www.w3.org/2003/InkML">
+  <inkml:definitions>
+    <inkml:context xml:id="ctx0">
+      <inkml:inkSource xml:id="inkSrc0">
+        <inkml:traceFormat>
+          <inkml:channel name="X" type="integer" min="-2.14748E9" max="2.14748E9" units="cm"/>
+          <inkml:channel name="Y" type="integer" min="-2.14748E9" max="2.14748E9" units="cm"/>
+          <inkml:channel name="F" type="integer" max="32767" units="dev"/>
+          <inkml:channel name="OA" type="integer" max="360" units="deg"/>
+          <inkml:channel name="OE" type="integer" max="90" units="deg"/>
+        </inkml:traceFormat>
+        <inkml:channelProperties>
+          <inkml:channelProperty channel="X" name="resolution" value="1000" units="1/cm"/>
+          <inkml:channelProperty channel="Y" name="resolution" value="1000" units="1/cm"/>
+          <inkml:channelProperty channel="F" name="resolution" value="0" units="1/dev"/>
+          <inkml:channelProperty channel="OA" name="resolution" value="1000" units="1/deg"/>
+          <inkml:channelProperty channel="OE" name="resolution" value="1000" units="1/deg"/>
+        </inkml:channelProperties>
+      </inkml:inkSource>
+      <inkml:timestamp xml:id="ts0" timeString="2020-11-03T16:23:23.518"/>
+    </inkml:context>
+    <inkml:brush xml:id="br0">
+      <inkml:brushProperty name="width" value="0.05" units="cm"/>
+      <inkml:brushProperty name="height" value="0.05" units="cm"/>
+      <inkml:brushProperty name="color" value="#E71224"/>
+    </inkml:brush>
+  </inkml:definitions>
+  <inkml:trace contextRef="#ctx0" brushRef="#br0">1 272 8288 0 0,'0'0'638'0'0,"6"-10"3261"0"0,35-50 3720 0 0,16-26-4846 0 0,-45 70-2663 0 0,1 0 0 0 0,1 0 0 0 0,31-26 0 0 0,-26 25-48 0 0,-14 12-99 0 0,-4 4-156 0 0,6-1-491 0 0</inkml:trace>
+</inkml:ink>
+</file>
+
+<file path=ppt/ink/ink132.xml><?xml version="1.0" encoding="utf-8"?>
+<inkml:ink xmlns:inkml="http://www.w3.org/2003/InkML">
+  <inkml:definitions>
+    <inkml:context xml:id="ctx0">
+      <inkml:inkSource xml:id="inkSrc0">
+        <inkml:traceFormat>
+          <inkml:channel name="X" type="integer" min="-2.14748E9" max="2.14748E9" units="cm"/>
+          <inkml:channel name="Y" type="integer" min="-2.14748E9" max="2.14748E9" units="cm"/>
+          <inkml:channel name="F" type="integer" max="32767" units="dev"/>
+          <inkml:channel name="OA" type="integer" max="360" units="deg"/>
+          <inkml:channel name="OE" type="integer" max="90" units="deg"/>
+        </inkml:traceFormat>
+        <inkml:channelProperties>
+          <inkml:channelProperty channel="X" name="resolution" value="1000" units="1/cm"/>
+          <inkml:channelProperty channel="Y" name="resolution" value="1000" units="1/cm"/>
+          <inkml:channelProperty channel="F" name="resolution" value="0" units="1/dev"/>
+          <inkml:channelProperty channel="OA" name="resolution" value="1000" units="1/deg"/>
+          <inkml:channelProperty channel="OE" name="resolution" value="1000" units="1/deg"/>
+        </inkml:channelProperties>
+      </inkml:inkSource>
+      <inkml:timestamp xml:id="ts0" timeString="2020-11-03T16:23:23.875"/>
+    </inkml:context>
+    <inkml:brush xml:id="br0">
+      <inkml:brushProperty name="width" value="0.05" units="cm"/>
+      <inkml:brushProperty name="height" value="0.05" units="cm"/>
+      <inkml:brushProperty name="color" value="#E71224"/>
+    </inkml:brush>
+  </inkml:definitions>
+  <inkml:trace contextRef="#ctx0" brushRef="#br0">3 1 11520 0 0,'0'0'886'0'0,"-2"18"2677"0"0,3-16-3273 0 0,0 0-1 0 0,0 0 1 0 0,0 0 0 0 0,0 0 0 0 0,0 0 0 0 0,0 0-1 0 0,1-1 1 0 0,-1 1 0 0 0,1 0 0 0 0,-1-1 0 0 0,1 1-1 0 0,3 2 1 0 0,24 14 1029 0 0,-11-11-1246 0 0,0 0-1 0 0,1-1 1 0 0,-1-1-1 0 0,1-1 1 0 0,27 3-1 0 0,-29-3-1765 0 0,-8-1-289 0 0</inkml:trace>
+</inkml:ink>
+</file>
+
+<file path=ppt/ink/ink133.xml><?xml version="1.0" encoding="utf-8"?>
+<inkml:ink xmlns:inkml="http://www.w3.org/2003/InkML">
+  <inkml:definitions>
+    <inkml:context xml:id="ctx0">
+      <inkml:inkSource xml:id="inkSrc0">
+        <inkml:traceFormat>
+          <inkml:channel name="X" type="integer" min="-2.14748E9" max="2.14748E9" units="cm"/>
+          <inkml:channel name="Y" type="integer" min="-2.14748E9" max="2.14748E9" units="cm"/>
+          <inkml:channel name="F" type="integer" max="32767" units="dev"/>
+          <inkml:channel name="OA" type="integer" max="360" units="deg"/>
+          <inkml:channel name="OE" type="integer" max="90" units="deg"/>
+        </inkml:traceFormat>
+        <inkml:channelProperties>
+          <inkml:channelProperty channel="X" name="resolution" value="1000" units="1/cm"/>
+          <inkml:channelProperty channel="Y" name="resolution" value="1000" units="1/cm"/>
+          <inkml:channelProperty channel="F" name="resolution" value="0" units="1/dev"/>
+          <inkml:channelProperty channel="OA" name="resolution" value="1000" units="1/deg"/>
+          <inkml:channelProperty channel="OE" name="resolution" value="1000" units="1/deg"/>
+        </inkml:channelProperties>
+      </inkml:inkSource>
+      <inkml:timestamp xml:id="ts0" timeString="2020-11-03T16:23:24.411"/>
+    </inkml:context>
+    <inkml:brush xml:id="br0">
+      <inkml:brushProperty name="width" value="0.05" units="cm"/>
+      <inkml:brushProperty name="height" value="0.05" units="cm"/>
+      <inkml:brushProperty name="color" value="#E71224"/>
+    </inkml:brush>
+  </inkml:definitions>
+  <inkml:trace contextRef="#ctx0" brushRef="#br0">77 16 10136 0 0,'-3'-13'464'0'0,"3"11"610"0"0,-8 12 461 0 0,4-2-937 0 0,0 0 0 0 0,1 1 0 0 0,0-1 0 0 0,-2 11 0 0 0,3-15-536 0 0,-2 30 452 0 0,3-28-431 0 0,1 1 0 0 0,-1 0 0 0 0,-4 11 0 0 0,-2 7-14 0 0,0-1 0 0 0,1 1 0 0 0,-3 44 0 0 0,7-53-233 0 0,0 11 64 0 0,3-8-4417 0 0,-1-4-893 0 0</inkml:trace>
+</inkml:ink>
+</file>
+
+<file path=ppt/ink/ink134.xml><?xml version="1.0" encoding="utf-8"?>
+<inkml:ink xmlns:inkml="http://www.w3.org/2003/InkML">
+  <inkml:definitions>
+    <inkml:context xml:id="ctx0">
+      <inkml:inkSource xml:id="inkSrc0">
+        <inkml:traceFormat>
+          <inkml:channel name="X" type="integer" min="-2.14748E9" max="2.14748E9" units="cm"/>
+          <inkml:channel name="Y" type="integer" min="-2.14748E9" max="2.14748E9" units="cm"/>
+          <inkml:channel name="F" type="integer" max="32767" units="dev"/>
+          <inkml:channel name="OA" type="integer" max="360" units="deg"/>
+          <inkml:channel name="OE" type="integer" max="90" units="deg"/>
+        </inkml:traceFormat>
+        <inkml:channelProperties>
+          <inkml:channelProperty channel="X" name="resolution" value="1000" units="1/cm"/>
+          <inkml:channelProperty channel="Y" name="resolution" value="1000" units="1/cm"/>
+          <inkml:channelProperty channel="F" name="resolution" value="0" units="1/dev"/>
+          <inkml:channelProperty channel="OA" name="resolution" value="1000" units="1/deg"/>
+          <inkml:channelProperty channel="OE" name="resolution" value="1000" units="1/deg"/>
+        </inkml:channelProperties>
+      </inkml:inkSource>
+      <inkml:timestamp xml:id="ts0" timeString="2020-11-03T16:23:26.529"/>
+    </inkml:context>
+    <inkml:brush xml:id="br0">
+      <inkml:brushProperty name="width" value="0.05" units="cm"/>
+      <inkml:brushProperty name="height" value="0.05" units="cm"/>
+      <inkml:brushProperty name="color" value="#E71224"/>
+    </inkml:brush>
+  </inkml:definitions>
+  <inkml:trace contextRef="#ctx0" brushRef="#br0">362 86 6624 0 0,'0'0'593'0'0,"5"-16"5686"0"0,-6 13-5894 0 0,0 0 1 0 0,1 0-1 0 0,-1 1 1 0 0,-1-1-1 0 0,1 0 1 0 0,0 0 0 0 0,-1 1-1 0 0,1-1 1 0 0,-1 1-1 0 0,0-1 1 0 0,-3-2-1 0 0,3 1-102 0 0,-1 1-1 0 0,0 0 0 0 0,0 0 1 0 0,-1 0-1 0 0,1 1 0 0 0,-1-1 1 0 0,1 1-1 0 0,-5-3 0 0 0,3 4-136 0 0,0-1 0 0 0,-1 1-1 0 0,1 0 1 0 0,-1 0 0 0 0,1 1 0 0 0,-1-1-1 0 0,1 1 1 0 0,-1 1 0 0 0,1-1-1 0 0,0 1 1 0 0,-1 0 0 0 0,1 0-1 0 0,-1 0 1 0 0,1 1 0 0 0,-7 2 0 0 0,4 0-86 0 0,0 0 0 0 0,0 0 0 0 0,0 1 0 0 0,1 0 0 0 0,-1 0 0 0 0,1 1 0 0 0,1 0 0 0 0,-11 11 0 0 0,-1 6-23 0 0,1 1 1 0 0,1 1-1 0 0,2 1 0 0 0,0 0 0 0 0,1 1 0 0 0,2 0 0 0 0,-12 43 1 0 0,17-47 71 0 0,2 1 0 0 0,0-1 1 0 0,1 1-1 0 0,2-1 1 0 0,0 1-1 0 0,2 0 1 0 0,0-1-1 0 0,2 1 0 0 0,0-1 1 0 0,2 0-1 0 0,0 0 1 0 0,15 38-1 0 0,-15-51-19 0 0,-1 0-1 0 0,2-1 0 0 0,-1 1 1 0 0,1-1-1 0 0,0-1 0 0 0,1 1 1 0 0,0-1-1 0 0,0 0 1 0 0,15 12-1 0 0,-15-15-32 0 0,0 1 1 0 0,1-2-1 0 0,-1 1 1 0 0,1-1-1 0 0,-1 0 0 0 0,1-1 1 0 0,0 0-1 0 0,1 0 1 0 0,-1-1-1 0 0,0 0 0 0 0,1 0 1 0 0,14 0-1 0 0,-14-2-14 0 0,1 0 1 0 0,0-1-1 0 0,-1 0 0 0 0,1 0 1 0 0,-1-1-1 0 0,1 0 0 0 0,-1-1 0 0 0,0 0 1 0 0,15-8-1 0 0,-12 5-11 0 0,-2-1 0 0 0,1 0 0 0 0,-1 0 0 0 0,0-1-1 0 0,-1-1 1 0 0,15-16 0 0 0,-8 6-18 0 0,-2-1 0 0 0,0-1-1 0 0,-2 0 1 0 0,0-1 0 0 0,-1-1-1 0 0,-1 1 1 0 0,7-28-1 0 0,-7 16 188 0 0,-1 0-1 0 0,-2-1 1 0 0,-1 1-1 0 0,-2-2 0 0 0,-2 1 1 0 0,-3-66-1 0 0,0 89-160 0 0,0 1-1 0 0,-1-1 1 0 0,-1 1-1 0 0,0-1 1 0 0,0 1 0 0 0,-9-16-1 0 0,10 23-34 0 0,0 0 0 0 0,0 0 0 0 0,-1 0 1 0 0,1 1-1 0 0,-1-1 0 0 0,0 1 0 0 0,0 0 0 0 0,-7-6 0 0 0,8 8-12 0 0,0-1 0 0 0,-1 1-1 0 0,1 0 1 0 0,0 0 0 0 0,-1 0-1 0 0,1 0 1 0 0,-1 0 0 0 0,0 0 0 0 0,1 1-1 0 0,-1-1 1 0 0,0 1 0 0 0,1 0 0 0 0,-1 0-1 0 0,0 0 1 0 0,-4 1 0 0 0,2 0-92 0 0,0 0 1 0 0,0 1-1 0 0,0 0 1 0 0,0 0 0 0 0,0 0-1 0 0,0 1 1 0 0,1-1-1 0 0,-1 1 1 0 0,1 0-1 0 0,-1 1 1 0 0,1-1-1 0 0,-6 8 1 0 0,-5 6-1281 0 0,-21 30-1 0 0,32-43 1180 0 0,-14 22-1454 0 0,3-1-212 0 0</inkml:trace>
+</inkml:ink>
+</file>
+
+<file path=ppt/ink/ink135.xml><?xml version="1.0" encoding="utf-8"?>
+<inkml:ink xmlns:inkml="http://www.w3.org/2003/InkML">
+  <inkml:definitions>
+    <inkml:context xml:id="ctx0">
+      <inkml:inkSource xml:id="inkSrc0">
+        <inkml:traceFormat>
+          <inkml:channel name="X" type="integer" min="-2.14748E9" max="2.14748E9" units="cm"/>
+          <inkml:channel name="Y" type="integer" min="-2.14748E9" max="2.14748E9" units="cm"/>
+          <inkml:channel name="F" type="integer" max="32767" units="dev"/>
+          <inkml:channel name="OA" type="integer" max="360" units="deg"/>
+          <inkml:channel name="OE" type="integer" max="90" units="deg"/>
+        </inkml:traceFormat>
+        <inkml:channelProperties>
+          <inkml:channelProperty channel="X" name="resolution" value="1000" units="1/cm"/>
+          <inkml:channelProperty channel="Y" name="resolution" value="1000" units="1/cm"/>
+          <inkml:channelProperty channel="F" name="resolution" value="0" units="1/dev"/>
+          <inkml:channelProperty channel="OA" name="resolution" value="1000" units="1/deg"/>
+          <inkml:channelProperty channel="OE" name="resolution" value="1000" units="1/deg"/>
+        </inkml:channelProperties>
+      </inkml:inkSource>
+      <inkml:timestamp xml:id="ts0" timeString="2020-11-03T16:23:27.128"/>
+    </inkml:context>
+    <inkml:brush xml:id="br0">
+      <inkml:brushProperty name="width" value="0.05" units="cm"/>
+      <inkml:brushProperty name="height" value="0.05" units="cm"/>
+      <inkml:brushProperty name="color" value="#E71224"/>
+    </inkml:brush>
+  </inkml:definitions>
+  <inkml:trace contextRef="#ctx0" brushRef="#br0">0 74 9960 0 0,'4'6'8542'0'0,"-1"-7"-8207"0"0,0 1 0 0 0,-1 0 0 0 0,1-1 0 0 0,0 0 0 0 0,0 0 0 0 0,0 0 0 0 0,0 0 0 0 0,0 0 0 0 0,-1 0 0 0 0,4-3 0 0 0,27-20 1855 0 0,-15 10-1172 0 0,-12 10-914 0 0,2-2 148 0 0,0 1 0 0 0,16-9 0 0 0,-23 14-41 0 0,11 8-106 0 0,-7-2-95 0 0,-1 0-1 0 0,0 0 0 0 0,0 0 1 0 0,0 1-1 0 0,-1 0 1 0 0,1 0-1 0 0,-2 0 1 0 0,5 14-1 0 0,-4-11 1 0 0,0 0 0 0 0,2 0-1 0 0,6 14 1 0 0,-9-21-7 0 0,0 1 1 0 0,1-1-1 0 0,-1 1 0 0 0,1-1 0 0 0,-1 0 0 0 0,1 0 0 0 0,0 0 1 0 0,0-1-1 0 0,1 1 0 0 0,-1-1 0 0 0,1 0 0 0 0,-1 1 0 0 0,1-2 1 0 0,-1 1-1 0 0,6 2 0 0 0,-6-4 0 0 0,0 1 1 0 0,0-1-1 0 0,1 0 0 0 0,-1 0 1 0 0,0 0-1 0 0,0 0 0 0 0,0 0 1 0 0,0-1-1 0 0,1 1 0 0 0,-1-1 1 0 0,0 0-1 0 0,0 0 0 0 0,0 0 1 0 0,0 0-1 0 0,0-1 0 0 0,0 1 1 0 0,-1-1-1 0 0,1 1 0 0 0,4-5 1 0 0,21-22 154 0 0,-24 23-821 0 0,1 0 1 0 0,-1 0-1 0 0,1 1 1 0 0,9-7-1 0 0</inkml:trace>
+</inkml:ink>
+</file>
+
+<file path=ppt/ink/ink136.xml><?xml version="1.0" encoding="utf-8"?>
+<inkml:ink xmlns:inkml="http://www.w3.org/2003/InkML">
+  <inkml:definitions>
+    <inkml:context xml:id="ctx0">
+      <inkml:inkSource xml:id="inkSrc0">
+        <inkml:traceFormat>
+          <inkml:channel name="X" type="integer" min="-2.14748E9" max="2.14748E9" units="cm"/>
+          <inkml:channel name="Y" type="integer" min="-2.14748E9" max="2.14748E9" units="cm"/>
+          <inkml:channel name="F" type="integer" max="32767" units="dev"/>
+          <inkml:channel name="OA" type="integer" max="360" units="deg"/>
+          <inkml:channel name="OE" type="integer" max="90" units="deg"/>
+        </inkml:traceFormat>
+        <inkml:channelProperties>
+          <inkml:channelProperty channel="X" name="resolution" value="1000" units="1/cm"/>
+          <inkml:channelProperty channel="Y" name="resolution" value="1000" units="1/cm"/>
+          <inkml:channelProperty channel="F" name="resolution" value="0" units="1/dev"/>
+          <inkml:channelProperty channel="OA" name="resolution" value="1000" units="1/deg"/>
+          <inkml:channelProperty channel="OE" name="resolution" value="1000" units="1/deg"/>
+        </inkml:channelProperties>
+      </inkml:inkSource>
+      <inkml:timestamp xml:id="ts0" timeString="2020-11-03T16:23:27.813"/>
+    </inkml:context>
+    <inkml:brush xml:id="br0">
+      <inkml:brushProperty name="width" value="0.05" units="cm"/>
+      <inkml:brushProperty name="height" value="0.05" units="cm"/>
+      <inkml:brushProperty name="color" value="#E71224"/>
+    </inkml:brush>
+  </inkml:definitions>
+  <inkml:trace contextRef="#ctx0" brushRef="#br0">205 1 11000 0 0,'0'0'1292'0'0,"-9"1"1890"0"0,4 1-2875 0 0,0-1 0 0 0,0 1 0 0 0,0 0 0 0 0,0 0 0 0 0,0 0 0 0 0,1 1 0 0 0,-1 0 0 0 0,1-1 0 0 0,-1 2 0 0 0,1-1 0 0 0,0 0 0 0 0,0 1 0 0 0,1 0 0 0 0,-1 0 0 0 0,1 0 0 0 0,0 0 0 0 0,0 1 0 0 0,0-1 0 0 0,-2 6 0 0 0,-5 12-151 0 0,1-1-1 0 0,1 1 0 0 0,-6 26 0 0 0,3-9 441 0 0,-3 11 193 0 0,-16 103 1 0 0,15 55 493 0 0,19-50-327 0 0,-1-127-781 0 0,1 0 0 0 0,2-1 0 0 0,11 32-1 0 0,-16-58-155 0 0,0 1 0 0 0,1-1 0 0 0,-1 0 0 0 0,1 0 0 0 0,0 0 0 0 0,1 0 0 0 0,-1 0 0 0 0,1 0 0 0 0,-1-1 0 0 0,5 5-1 0 0,-3-7 46 0 0,-3 0 3 0 0,-1-8-339 0 0,-4 0-847 0 0,0-1 0 0 0,0 1 0 0 0,-1 0 1 0 0,-6-8-1 0 0,-1 2-751 0 0</inkml:trace>
+</inkml:ink>
+</file>
+
+<file path=ppt/ink/ink137.xml><?xml version="1.0" encoding="utf-8"?>
+<inkml:ink xmlns:inkml="http://www.w3.org/2003/InkML">
+  <inkml:definitions>
+    <inkml:context xml:id="ctx0">
+      <inkml:inkSource xml:id="inkSrc0">
+        <inkml:traceFormat>
+          <inkml:channel name="X" type="integer" min="-2.14748E9" max="2.14748E9" units="cm"/>
+          <inkml:channel name="Y" type="integer" min="-2.14748E9" max="2.14748E9" units="cm"/>
+          <inkml:channel name="F" type="integer" max="32767" units="dev"/>
+          <inkml:channel name="OA" type="integer" max="360" units="deg"/>
+          <inkml:channel name="OE" type="integer" max="90" units="deg"/>
+        </inkml:traceFormat>
+        <inkml:channelProperties>
+          <inkml:channelProperty channel="X" name="resolution" value="1000" units="1/cm"/>
+          <inkml:channelProperty channel="Y" name="resolution" value="1000" units="1/cm"/>
+          <inkml:channelProperty channel="F" name="resolution" value="0" units="1/dev"/>
+          <inkml:channelProperty channel="OA" name="resolution" value="1000" units="1/deg"/>
+          <inkml:channelProperty channel="OE" name="resolution" value="1000" units="1/deg"/>
+        </inkml:channelProperties>
+      </inkml:inkSource>
+      <inkml:timestamp xml:id="ts0" timeString="2020-11-03T16:23:28.525"/>
+    </inkml:context>
+    <inkml:brush xml:id="br0">
+      <inkml:brushProperty name="width" value="0.05" units="cm"/>
+      <inkml:brushProperty name="height" value="0.05" units="cm"/>
+      <inkml:brushProperty name="color" value="#E71224"/>
+    </inkml:brush>
+  </inkml:definitions>
+  <inkml:trace contextRef="#ctx0" brushRef="#br0">0 275 9872 0 0,'0'0'3744'0'0,"9"-20"-167"0"0,-1 6-2652 0 0,-1 0-1 0 0,0 0 1 0 0,-1-1 0 0 0,-1 0-1 0 0,5-21 1 0 0,0 4-337 0 0,-7 20-257 0 0,-1 0 0 0 0,2-16 0 0 0,-3 18-72 0 0,0 0-1 0 0,1 0 1 0 0,0 0 0 0 0,4-11-1 0 0,-5 20-10 0 0,-1 19 0 0 0,-1 13-246 0 0,1-4 10 0 0,0 0 0 0 0,7 47 0 0 0,-5-66-11 0 0,-1-1 1 0 0,1 1 0 0 0,1-1 0 0 0,-1 0-1 0 0,1 0 1 0 0,0 0 0 0 0,1 0 0 0 0,0-1 0 0 0,0 1-1 0 0,0-1 1 0 0,1 0 0 0 0,-1 0 0 0 0,2 0-1 0 0,8 7 1 0 0,-10-9 32 0 0,1-1 0 0 0,0-1-1 0 0,-1 1 1 0 0,1-1 0 0 0,0 1 0 0 0,0-1-1 0 0,0-1 1 0 0,0 1 0 0 0,0-1 0 0 0,1 0-1 0 0,-1 0 1 0 0,0 0 0 0 0,1-1-1 0 0,9 0 1 0 0,-12-1-11 0 0,0 1 0 0 0,0 0-1 0 0,1-1 1 0 0,-1 0 0 0 0,0 0-1 0 0,0 0 1 0 0,0 0 0 0 0,0 0-1 0 0,0-1 1 0 0,0 1 0 0 0,0-1-1 0 0,-1 0 1 0 0,1 0 0 0 0,-1 0 0 0 0,1 0-1 0 0,-1 0 1 0 0,0 0 0 0 0,1-1-1 0 0,-1 1 1 0 0,0-1 0 0 0,-1 0-1 0 0,1 0 1 0 0,0 1 0 0 0,-1-1-1 0 0,2-5 1 0 0,7-26 151 0 0,-3 0 0 0 0,0 0 0 0 0,3-65 0 0 0,-9 90-216 0 0,-1 5-49 0 0,1-1 0 0 0,-1 1 0 0 0,0-1 1 0 0,0 1-1 0 0,0-1 0 0 0,-1 1 0 0 0,0-1 0 0 0,-1-3 0 0 0,2 7-418 0 0,-5 3-1942 0 0</inkml:trace>
+</inkml:ink>
+</file>
+
+<file path=ppt/ink/ink138.xml><?xml version="1.0" encoding="utf-8"?>
+<inkml:ink xmlns:inkml="http://www.w3.org/2003/InkML">
+  <inkml:definitions>
+    <inkml:context xml:id="ctx0">
+      <inkml:inkSource xml:id="inkSrc0">
+        <inkml:traceFormat>
+          <inkml:channel name="X" type="integer" min="-2.14748E9" max="2.14748E9" units="cm"/>
+          <inkml:channel name="Y" type="integer" min="-2.14748E9" max="2.14748E9" units="cm"/>
+          <inkml:channel name="F" type="integer" max="32767" units="dev"/>
+          <inkml:channel name="OA" type="integer" max="360" units="deg"/>
+          <inkml:channel name="OE" type="integer" max="90" units="deg"/>
+        </inkml:traceFormat>
+        <inkml:channelProperties>
+          <inkml:channelProperty channel="X" name="resolution" value="1000" units="1/cm"/>
+          <inkml:channelProperty channel="Y" name="resolution" value="1000" units="1/cm"/>
+          <inkml:channelProperty channel="F" name="resolution" value="0" units="1/dev"/>
+          <inkml:channelProperty channel="OA" name="resolution" value="1000" units="1/deg"/>
+          <inkml:channelProperty channel="OE" name="resolution" value="1000" units="1/deg"/>
+        </inkml:channelProperties>
+      </inkml:inkSource>
+      <inkml:timestamp xml:id="ts0" timeString="2020-11-03T16:23:30.583"/>
+    </inkml:context>
+    <inkml:brush xml:id="br0">
+      <inkml:brushProperty name="width" value="0.05" units="cm"/>
+      <inkml:brushProperty name="height" value="0.05" units="cm"/>
+      <inkml:brushProperty name="color" value="#E71224"/>
+    </inkml:brush>
+  </inkml:definitions>
+  <inkml:trace contextRef="#ctx0" brushRef="#br0">6 21 2304 0 0,'0'0'101'0'0,"0"-1"1"0"0,0 0 742 0 0,0 0 1 0 0,0 0 0 0 0,-1 0 0 0 0,2 0 0 0 0,2-10 8449 0 0,-2 9-8449 0 0,-1 2-663 0 0,1 0 1 0 0,-1-1 0 0 0,0 1 0 0 0,1 0 0 0 0,-1 0 0 0 0,0 0 0 0 0,1 0 0 0 0,-1 0-1 0 0,1 0 1 0 0,-1 0 0 0 0,0 0 0 0 0,1 0 0 0 0,-1 0 0 0 0,0 0 0 0 0,1 0-1 0 0,-1 0 1 0 0,0 0 0 0 0,1 1 0 0 0,-1-1 0 0 0,0 0 0 0 0,1 0 0 0 0,-1 0 0 0 0,0 0-1 0 0,1 1 1 0 0,-1-1 0 0 0,0 0 0 0 0,0 0 0 0 0,1 1 0 0 0,1 1-53 0 0,1 1 0 0 0,-1-1 1 0 0,0 0-1 0 0,0 1 0 0 0,0 0 1 0 0,0 0-1 0 0,1 3 0 0 0,45 130 1182 0 0,-13-32-1000 0 0,-12-55-45 0 0,-23-48-86 0 0,-1-14-39 0 0,-15-23-72 0 0,-2 0 0 0 0,-24-35 0 0 0,31 48-54 0 0,10 20-12 0 0,1 0 1 0 0,-2 0-1 0 0,1 1 1 0 0,0-1-1 0 0,0 1 0 0 0,-1-1 1 0 0,0 1-1 0 0,1-1 1 0 0,-3-1-1 0 0,3 4 13 0 0,1-1-1 0 0,0 1 1 0 0,0 0-1 0 0,0 0 1 0 0,0 0-1 0 0,-1 0 1 0 0,1 0-1 0 0,0 0 1 0 0,0 0-1 0 0,0 0 1 0 0,0 0-1 0 0,-1 0 1 0 0,1-1-1 0 0,0 1 1 0 0,0 0-1 0 0,0 0 1 0 0,0 0-1 0 0,0 0 1 0 0,0 0-1 0 0,0-1 1 0 0,-1 1-1 0 0,1 0 1 0 0,0 0-1 0 0,0 0 1 0 0,0-1-1 0 0,0 1 1 0 0,0 0-1 0 0,0 0 1 0 0,0 0-1 0 0,0 0 1 0 0,0-1-1 0 0,0 1 1 0 0,0 0-1 0 0,0 0 1 0 0,0 0-1 0 0,0-1 1 0 0,0 1-1 0 0,0 0 1 0 0,0 0-1 0 0,0 0 1 0 0,0 0-1 0 0,0-1 1 0 0,1 1-1 0 0,-1 0 1 0 0,0 0-1 0 0,11-1 95 0 0,15 6-110 0 0,1 2 135 0 0,-16-5-97 0 0,1 1 0 0 0,-1 1 0 0 0,0 0-1 0 0,12 6 1 0 0,-21-9-34 0 0,0 0 0 0 0,0 1-1 0 0,1-1 1 0 0,-1 1-1 0 0,0-1 1 0 0,0 1 0 0 0,0 0-1 0 0,-1 0 1 0 0,1 0 0 0 0,0 0-1 0 0,-1 0 1 0 0,1 0-1 0 0,-1 0 1 0 0,0 1 0 0 0,0-1-1 0 0,0 0 1 0 0,0 1-1 0 0,0-1 1 0 0,0 1 0 0 0,0-1-1 0 0,-1 1 1 0 0,1-1 0 0 0,-1 6-1 0 0,0-6 3 0 0,-1 1 1 0 0,1 0-1 0 0,-1 0 0 0 0,1-1 1 0 0,-1 1-1 0 0,0-1 0 0 0,0 1 1 0 0,0-1-1 0 0,-1 1 0 0 0,1-1 1 0 0,-1 0-1 0 0,1 1 0 0 0,-1-1 0 0 0,0 0 1 0 0,1 0-1 0 0,-1 0 0 0 0,0 0 1 0 0,0-1-1 0 0,-1 1 0 0 0,1 0 1 0 0,0-1-1 0 0,-1 0 0 0 0,-4 3 1 0 0,2-2 6 0 0,0 0 0 0 0,0 0 0 0 0,-1 0 0 0 0,1-1 0 0 0,0 1 0 0 0,-1-1 0 0 0,1-1 0 0 0,-1 1 0 0 0,1-1 0 0 0,-11 0 0 0 0,5-2 7 0 0,-1 0 0 0 0,-16-5 1 0 0,23 5-4 0 0,1 0 1 0 0,-1 0-1 0 0,1 0 0 0 0,0 0 1 0 0,0-1-1 0 0,0 1 0 0 0,0-1 0 0 0,-5-6 1 0 0,9 9-13 0 0,0-1-1 0 0,0 1 1 0 0,0-1 0 0 0,0 1 0 0 0,0 0-1 0 0,0-1 1 0 0,0 1 0 0 0,0-1 0 0 0,0 1-1 0 0,0-1 1 0 0,0 1 0 0 0,0 0 0 0 0,0-1-1 0 0,1 1 1 0 0,-1-1 0 0 0,0 1 0 0 0,0 0-1 0 0,1-1 1 0 0,-1 1 0 0 0,0 0 0 0 0,0-1-1 0 0,1 1 1 0 0,-1 0 0 0 0,0-1 0 0 0,1 1-1 0 0,8-8 112 0 0,0 5-108 0 0,-1 0 0 0 0,0 1 0 0 0,1 0-1 0 0,0 1 1 0 0,-1-1 0 0 0,1 2 0 0 0,0-1-1 0 0,11 2 1 0 0,15-2-69 0 0,-12 1-806 0 0,28 2-1 0 0,-41-1 96 0 0,4-1-549 0 0</inkml:trace>
+</inkml:ink>
+</file>
+
+<file path=ppt/ink/ink139.xml><?xml version="1.0" encoding="utf-8"?>
+<inkml:ink xmlns:inkml="http://www.w3.org/2003/InkML">
+  <inkml:definitions>
+    <inkml:context xml:id="ctx0">
+      <inkml:inkSource xml:id="inkSrc0">
+        <inkml:traceFormat>
+          <inkml:channel name="X" type="integer" min="-2.14748E9" max="2.14748E9" units="cm"/>
+          <inkml:channel name="Y" type="integer" min="-2.14748E9" max="2.14748E9" units="cm"/>
+          <inkml:channel name="F" type="integer" max="32767" units="dev"/>
+          <inkml:channel name="OA" type="integer" max="360" units="deg"/>
+          <inkml:channel name="OE" type="integer" max="90" units="deg"/>
+        </inkml:traceFormat>
+        <inkml:channelProperties>
+          <inkml:channelProperty channel="X" name="resolution" value="1000" units="1/cm"/>
+          <inkml:channelProperty channel="Y" name="resolution" value="1000" units="1/cm"/>
+          <inkml:channelProperty channel="F" name="resolution" value="0" units="1/dev"/>
+          <inkml:channelProperty channel="OA" name="resolution" value="1000" units="1/deg"/>
+          <inkml:channelProperty channel="OE" name="resolution" value="1000" units="1/deg"/>
+        </inkml:channelProperties>
+      </inkml:inkSource>
+      <inkml:timestamp xml:id="ts0" timeString="2020-11-03T16:23:31.293"/>
+    </inkml:context>
+    <inkml:brush xml:id="br0">
+      <inkml:brushProperty name="width" value="0.05" units="cm"/>
+      <inkml:brushProperty name="height" value="0.05" units="cm"/>
+      <inkml:brushProperty name="color" value="#E71224"/>
+    </inkml:brush>
+  </inkml:definitions>
+  <inkml:trace contextRef="#ctx0" brushRef="#br0">43 29 4144 0 0,'4'-29'18594'0'0,"-1"33"-17665"0"0,-1 1-683 0 0,0 0 0 0 0,0 1 0 0 0,-1-1 0 0 0,1 1 0 0 0,-1-1 0 0 0,0 10 0 0 0,1 36 600 0 0,-2-49-818 0 0,-3 46 412 0 0,-2 0 0 0 0,-17 74 0 0 0,10-59-316 0 0,3-22 391 0 0,1-7-1884 0 0,4-11-7799 0 0</inkml:trace>
+</inkml:ink>
+</file>
+
+<file path=ppt/ink/ink14.xml><?xml version="1.0" encoding="utf-8"?>
+<inkml:ink xmlns:inkml="http://www.w3.org/2003/InkML">
+  <inkml:definitions>
+    <inkml:context xml:id="ctx0">
+      <inkml:inkSource xml:id="inkSrc0">
+        <inkml:traceFormat>
+          <inkml:channel name="X" type="integer" min="-2.14748E9" max="2.14748E9" units="cm"/>
+          <inkml:channel name="Y" type="integer" min="-2.14748E9" max="2.14748E9" units="cm"/>
+          <inkml:channel name="F" type="integer" max="32767" units="dev"/>
+          <inkml:channel name="OA" type="integer" max="360" units="deg"/>
+          <inkml:channel name="OE" type="integer" max="90" units="deg"/>
+        </inkml:traceFormat>
+        <inkml:channelProperties>
+          <inkml:channelProperty channel="X" name="resolution" value="1000" units="1/cm"/>
+          <inkml:channelProperty channel="Y" name="resolution" value="1000" units="1/cm"/>
+          <inkml:channelProperty channel="F" name="resolution" value="0" units="1/dev"/>
+          <inkml:channelProperty channel="OA" name="resolution" value="1000" units="1/deg"/>
+          <inkml:channelProperty channel="OE" name="resolution" value="1000" units="1/deg"/>
+        </inkml:channelProperties>
+      </inkml:inkSource>
+      <inkml:timestamp xml:id="ts0" timeString="2020-11-04T18:00:44.428"/>
+    </inkml:context>
+    <inkml:brush xml:id="br0">
+      <inkml:brushProperty name="width" value="0.05" units="cm"/>
+      <inkml:brushProperty name="height" value="0.05" units="cm"/>
+      <inkml:brushProperty name="color" value="#004F8B"/>
+    </inkml:brush>
+  </inkml:definitions>
+  <inkml:trace contextRef="#ctx0" brushRef="#br0">8 23 10592 0 0,'-8'-5'11570'0'0,"13"2"-11045"0"0,1 0 0 0 0,0 1 0 0 0,-1 0 0 0 0,1 0 0 0 0,0 0 0 0 0,0 1 0 0 0,0 0 0 0 0,0 0-1 0 0,0 0 1 0 0,12 1 0 0 0,5 2-787 0 0,37 7 0 0 0,6 0-372 0 0,-11-5-3331 0 0,-35-3 2479 0 0</inkml:trace>
+</inkml:ink>
+</file>
+
+<file path=ppt/ink/ink140.xml><?xml version="1.0" encoding="utf-8"?>
+<inkml:ink xmlns:inkml="http://www.w3.org/2003/InkML">
+  <inkml:definitions>
+    <inkml:context xml:id="ctx0">
+      <inkml:inkSource xml:id="inkSrc0">
+        <inkml:traceFormat>
+          <inkml:channel name="X" type="integer" min="-2.14748E9" max="2.14748E9" units="cm"/>
+          <inkml:channel name="Y" type="integer" min="-2.14748E9" max="2.14748E9" units="cm"/>
+          <inkml:channel name="F" type="integer" max="32767" units="dev"/>
+          <inkml:channel name="OA" type="integer" max="360" units="deg"/>
+          <inkml:channel name="OE" type="integer" max="90" units="deg"/>
+        </inkml:traceFormat>
+        <inkml:channelProperties>
+          <inkml:channelProperty channel="X" name="resolution" value="1000" units="1/cm"/>
+          <inkml:channelProperty channel="Y" name="resolution" value="1000" units="1/cm"/>
+          <inkml:channelProperty channel="F" name="resolution" value="0" units="1/dev"/>
+          <inkml:channelProperty channel="OA" name="resolution" value="1000" units="1/deg"/>
+          <inkml:channelProperty channel="OE" name="resolution" value="1000" units="1/deg"/>
+        </inkml:channelProperties>
+      </inkml:inkSource>
+      <inkml:timestamp xml:id="ts0" timeString="2020-11-03T16:23:31.633"/>
+    </inkml:context>
+    <inkml:brush xml:id="br0">
+      <inkml:brushProperty name="width" value="0.05" units="cm"/>
+      <inkml:brushProperty name="height" value="0.05" units="cm"/>
+      <inkml:brushProperty name="color" value="#E71224"/>
+    </inkml:brush>
+  </inkml:definitions>
+  <inkml:trace contextRef="#ctx0" brushRef="#br0">138 18 10592 0 0,'-11'-11'1152'0'0,"9"10"-918"0"0,0 0-1 0 0,0 0 1 0 0,0 1 0 0 0,0-1 0 0 0,0 0 0 0 0,0 1 0 0 0,0 0 0 0 0,0-1-1 0 0,0 1 1 0 0,0 0 0 0 0,-1 0 0 0 0,1 0 0 0 0,0 0 0 0 0,0 0 0 0 0,0 1 0 0 0,0-1-1 0 0,0 1 1 0 0,-3 1 0 0 0,-1 0 548 0 0,0 0 1 0 0,1 0-1 0 0,0 1 0 0 0,-1 0 0 0 0,-5 5 1 0 0,7-5-604 0 0,0 0 0 0 0,1 1 0 0 0,-1 0 0 0 0,1-1 1 0 0,0 1-1 0 0,0 0 0 0 0,1 1 0 0 0,-1-1 0 0 0,1 0 0 0 0,0 1 1 0 0,0-1-1 0 0,0 1 0 0 0,-1 8 0 0 0,1-4-18 0 0,1-1 1 0 0,0 0-1 0 0,0 0 0 0 0,1 1 0 0 0,0-1 1 0 0,0 1-1 0 0,3 11 0 0 0,-2-16-83 0 0,0 0-1 0 0,1-1 0 0 0,-1 1 1 0 0,1 0-1 0 0,0 0 0 0 0,0-1 1 0 0,0 1-1 0 0,1-1 0 0 0,-1 0 1 0 0,1 0-1 0 0,0 0 0 0 0,0 0 1 0 0,0 0-1 0 0,0 0 0 0 0,0-1 1 0 0,1 1-1 0 0,-1-1 0 0 0,1 0 1 0 0,0 0-1 0 0,-1-1 0 0 0,1 1 1 0 0,0-1-1 0 0,0 1 0 0 0,0-1 1 0 0,0 0-1 0 0,0-1 0 0 0,0 1 0 0 0,0-1 1 0 0,6 0-1 0 0,-8 0-57 0 0,0-1 0 0 0,-1 1 0 0 0,1-1 0 0 0,0 1 1 0 0,-1-1-1 0 0,1 0 0 0 0,-1 0 0 0 0,1 0 0 0 0,-1 0 0 0 0,1 0 0 0 0,-1 0 0 0 0,1 0 0 0 0,-1 0 0 0 0,0 0 0 0 0,0-1 0 0 0,0 1 0 0 0,0-1 0 0 0,0 1 1 0 0,0-1-1 0 0,0 1 0 0 0,0-1 0 0 0,0 1 0 0 0,0-4 0 0 0,2-3 135 0 0,-1-1 1 0 0,0 1-1 0 0,1-15 0 0 0,-1 12-98 0 0,0-5-534 0 0,-1 0 0 0 0,-1 0 0 0 0,-2-18 0 0 0,1-7-768 0 0,3 36-3019 0 0</inkml:trace>
+</inkml:ink>
+</file>
+
+<file path=ppt/ink/ink141.xml><?xml version="1.0" encoding="utf-8"?>
+<inkml:ink xmlns:inkml="http://www.w3.org/2003/InkML">
+  <inkml:definitions>
+    <inkml:context xml:id="ctx0">
+      <inkml:inkSource xml:id="inkSrc0">
+        <inkml:traceFormat>
+          <inkml:channel name="X" type="integer" min="-2.14748E9" max="2.14748E9" units="cm"/>
+          <inkml:channel name="Y" type="integer" min="-2.14748E9" max="2.14748E9" units="cm"/>
+          <inkml:channel name="F" type="integer" max="32767" units="dev"/>
+          <inkml:channel name="OA" type="integer" max="360" units="deg"/>
+          <inkml:channel name="OE" type="integer" max="90" units="deg"/>
+        </inkml:traceFormat>
+        <inkml:channelProperties>
+          <inkml:channelProperty channel="X" name="resolution" value="1000" units="1/cm"/>
+          <inkml:channelProperty channel="Y" name="resolution" value="1000" units="1/cm"/>
+          <inkml:channelProperty channel="F" name="resolution" value="0" units="1/dev"/>
+          <inkml:channelProperty channel="OA" name="resolution" value="1000" units="1/deg"/>
+          <inkml:channelProperty channel="OE" name="resolution" value="1000" units="1/deg"/>
+        </inkml:channelProperties>
+      </inkml:inkSource>
+      <inkml:timestamp xml:id="ts0" timeString="2020-11-03T16:23:32.278"/>
+    </inkml:context>
+    <inkml:brush xml:id="br0">
+      <inkml:brushProperty name="width" value="0.05" units="cm"/>
+      <inkml:brushProperty name="height" value="0.05" units="cm"/>
+      <inkml:brushProperty name="color" value="#E71224"/>
+    </inkml:brush>
+  </inkml:definitions>
+  <inkml:trace contextRef="#ctx0" brushRef="#br0">176 11 10856 0 0,'3'-3'7122'0'0,"-3"0"-7463"0"0,-2 2 453 0 0,1 0 1 0 0,0 1 0 0 0,0-1-1 0 0,0 1 1 0 0,0 0 0 0 0,-1-1-1 0 0,1 1 1 0 0,0 0 0 0 0,0-1 0 0 0,-1 1-1 0 0,1 0 1 0 0,0 0 0 0 0,-1 0-1 0 0,1 0 1 0 0,0 0 0 0 0,0 1-1 0 0,-1-1 1 0 0,1 0 0 0 0,0 0-1 0 0,-2 2 1 0 0,0-2 81 0 0,0 1 1 0 0,0 0-1 0 0,0 0 0 0 0,0 1 1 0 0,0-1-1 0 0,1 1 1 0 0,-5 2-1 0 0,2 2 62 0 0,-1 0-1 0 0,1 0 1 0 0,0 0-1 0 0,0 1 1 0 0,1 0 0 0 0,0 0-1 0 0,0 0 1 0 0,0 0-1 0 0,-3 12 1 0 0,3-7-159 0 0,1 1 0 0 0,1-1 0 0 0,0 1 0 0 0,0-1-1 0 0,1 19 1 0 0,1-29-88 0 0,0 0-1 0 0,0 0 0 0 0,1 0 1 0 0,-1 0-1 0 0,0 0 1 0 0,1-1-1 0 0,0 1 0 0 0,-1 0 1 0 0,1 0-1 0 0,0 0 0 0 0,0 0 1 0 0,0-1-1 0 0,0 1 1 0 0,0 0-1 0 0,1-1 0 0 0,-1 1 1 0 0,0-1-1 0 0,1 1 0 0 0,-1-1 1 0 0,1 0-1 0 0,0 0 1 0 0,-1 1-1 0 0,1-1 0 0 0,0 0 1 0 0,0-1-1 0 0,-1 1 1 0 0,1 0-1 0 0,0 0 0 0 0,0-1 1 0 0,0 1-1 0 0,0-1 0 0 0,0 0 1 0 0,0 1-1 0 0,0-1 1 0 0,0 0-1 0 0,0 0 0 0 0,0 0 1 0 0,0-1-1 0 0,0 1 0 0 0,0 0 1 0 0,3-2-1 0 0,-1 1 18 0 0,0-1 0 0 0,0 0 0 0 0,0 0 0 0 0,0 0 0 0 0,0 0 0 0 0,0-1 1 0 0,-1 0-1 0 0,1 0 0 0 0,-1 0 0 0 0,0 0 0 0 0,0 0 0 0 0,0 0 0 0 0,0-1 0 0 0,-1 0 0 0 0,1 1 0 0 0,2-7 0 0 0,-3 5-9 0 0,-1 3 29 0 0,1 0-1 0 0,-2 0 1 0 0,1 0-1 0 0,0 0 0 0 0,0 0 1 0 0,-1-1-1 0 0,1 1 1 0 0,-1 0-1 0 0,0 0 1 0 0,1-3-1 0 0,-1 3-13 0 0,0 0 0 0 0,1 0-1 0 0,-1 0 1 0 0,1 0 0 0 0,-1 0 0 0 0,1 0-1 0 0,1-3 1 0 0,3-10 114 0 0,-5 13-84 0 0,1 1-1 0 0,0 0 1 0 0,-1-1-1 0 0,1 1 1 0 0,0 0-1 0 0,0 0 1 0 0,0-1-1 0 0,0 1 1 0 0,0 0-1 0 0,1 0 1 0 0,0-1-1 0 0,1 0 225 0 0,-2 1-278 0 0,0 0 0 0 0,0 1 1 0 0,-1-1-1 0 0,1 1 0 0 0,0 0 0 0 0,0-1 0 0 0,0 1 0 0 0,0 0 0 0 0,0-1 0 0 0,0 1 1 0 0,-1 0-1 0 0,1 0 0 0 0,0 0 0 0 0,0 0 0 0 0,0 0 0 0 0,0 0 0 0 0,0 0 1 0 0,0 0-1 0 0,0 0 0 0 0,0 0 0 0 0,0 0 0 0 0,0 1 0 0 0,-1-1 0 0 0,1 0 0 0 0,0 1 1 0 0,0-1-1 0 0,0 1 0 0 0,0-1 0 0 0,-1 1 0 0 0,1-1 0 0 0,1 2 0 0 0,-1-2 36 0 0,4 5-34 0 0,1-1 0 0 0,-1 1 0 0 0,0 0 0 0 0,0 0 0 0 0,-1 0 0 0 0,1 1 0 0 0,-1-1 0 0 0,0 1 0 0 0,-1 0 0 0 0,0 1 0 0 0,0-1 0 0 0,0 0 0 0 0,0 1 0 0 0,-1 0 0 0 0,3 13 0 0 0,-3-8 28 0 0,0 1 0 0 0,-1-1 0 0 0,0 1 0 0 0,-1-1 0 0 0,0 1 0 0 0,-1-1 1 0 0,0 1-1 0 0,-4 14 0 0 0,3-19-30 0 0,0 0 0 0 0,-1-1 0 0 0,0 1 0 0 0,0-1 0 0 0,-1 0 0 0 0,0 0 0 0 0,0 0 0 0 0,-1 0 0 0 0,1-1 0 0 0,-1 1 0 0 0,-1-2 0 0 0,1 1 0 0 0,-1 0 1 0 0,0-1-1 0 0,-1 0 0 0 0,1 0 0 0 0,-1-1 0 0 0,0 0 0 0 0,0 0 0 0 0,0-1 0 0 0,-1 1 0 0 0,1-2 0 0 0,-1 1 0 0 0,-12 2 0 0 0,-9 0-107 0 0,-32 2 1 0 0,47-5-230 0 0,-18 0-269 0 0,30-3 228 0 0,0 1-1 0 0,-1 0 1 0 0,1 0 0 0 0,0-1-1 0 0,0 1 1 0 0,0-1 0 0 0,0 1-1 0 0,0-1 1 0 0,0 0-1 0 0,0 0 1 0 0,-3-2 0 0 0</inkml:trace>
+</inkml:ink>
+</file>
+
+<file path=ppt/ink/ink142.xml><?xml version="1.0" encoding="utf-8"?>
+<inkml:ink xmlns:inkml="http://www.w3.org/2003/InkML">
+  <inkml:definitions>
+    <inkml:context xml:id="ctx0">
+      <inkml:inkSource xml:id="inkSrc0">
+        <inkml:traceFormat>
+          <inkml:channel name="X" type="integer" min="-2.14748E9" max="2.14748E9" units="cm"/>
+          <inkml:channel name="Y" type="integer" min="-2.14748E9" max="2.14748E9" units="cm"/>
+          <inkml:channel name="F" type="integer" max="32767" units="dev"/>
+          <inkml:channel name="OA" type="integer" max="360" units="deg"/>
+          <inkml:channel name="OE" type="integer" max="90" units="deg"/>
+        </inkml:traceFormat>
+        <inkml:channelProperties>
+          <inkml:channelProperty channel="X" name="resolution" value="1000" units="1/cm"/>
+          <inkml:channelProperty channel="Y" name="resolution" value="1000" units="1/cm"/>
+          <inkml:channelProperty channel="F" name="resolution" value="0" units="1/dev"/>
+          <inkml:channelProperty channel="OA" name="resolution" value="1000" units="1/deg"/>
+          <inkml:channelProperty channel="OE" name="resolution" value="1000" units="1/deg"/>
+        </inkml:channelProperties>
+      </inkml:inkSource>
+      <inkml:timestamp xml:id="ts0" timeString="2020-11-03T16:23:33.952"/>
+    </inkml:context>
+    <inkml:brush xml:id="br0">
+      <inkml:brushProperty name="width" value="0.05" units="cm"/>
+      <inkml:brushProperty name="height" value="0.05" units="cm"/>
+      <inkml:brushProperty name="color" value="#E71224"/>
+    </inkml:brush>
+  </inkml:definitions>
+  <inkml:trace contextRef="#ctx0" brushRef="#br0">207 30 4144 0 0,'0'0'191'0'0,"4"-7"1527"0"0,-4 6-1481 0 0,1 0-1 0 0,-1 0 1 0 0,1 0-1 0 0,-1 0 0 0 0,0 0 1 0 0,1 0-1 0 0,-1 0 1 0 0,0 0-1 0 0,0-1 1 0 0,0 1-1 0 0,0 0 1 0 0,0 0-1 0 0,0-2 0 0 0,0 2-79 0 0,0 1-1 0 0,-1 0 0 0 0,1 0 0 0 0,0-1 0 0 0,0 1 0 0 0,0 0 0 0 0,-1-1 0 0 0,1 1 0 0 0,0 0 0 0 0,-1 0 0 0 0,1-1 0 0 0,0 1 0 0 0,0 0 0 0 0,-1 0 0 0 0,1 0 0 0 0,0-1 0 0 0,-1 1 0 0 0,1 0 0 0 0,0 0 0 0 0,-1 0 0 0 0,1 0 0 0 0,0 0 0 0 0,-1 0 0 0 0,1 0 0 0 0,-1 0 0 0 0,1 0 0 0 0,-1 0 0 0 0,-2 0 321 0 0,-1 1-1 0 0,1 0 0 0 0,0 0 1 0 0,-1 0-1 0 0,1 0 1 0 0,0 0-1 0 0,-6 4 0 0 0,-3 2-181 0 0,1 0-1 0 0,0 1 0 0 0,0 0 0 0 0,1 1 0 0 0,0 0 0 0 0,0 0 1 0 0,1 1-1 0 0,1 1 0 0 0,-1 0 0 0 0,2 0 0 0 0,-9 15 0 0 0,8-11-115 0 0,1 1-1 0 0,1 0 0 0 0,0 0 0 0 0,1 1 0 0 0,1 0 0 0 0,0 0 0 0 0,2 0 1 0 0,-2 23-1 0 0,4-32-157 0 0,-2 16 286 0 0,2 0 0 0 0,5 48 0 0 0,-4-66-264 0 0,0 1 0 0 0,1-1 0 0 0,-1 0 0 0 0,1 0 0 0 0,0 0 0 0 0,1 0 1 0 0,0 0-1 0 0,0 0 0 0 0,0-1 0 0 0,1 1 0 0 0,-1-1 0 0 0,1 0 0 0 0,0 0 0 0 0,1-1 0 0 0,-1 1 0 0 0,8 5 0 0 0,-8-7-190 0 0,0 0 0 0 0,-1-1-1 0 0,1 1 1 0 0,0-1 0 0 0,0 0 0 0 0,0 0-1 0 0,1-1 1 0 0,-1 1 0 0 0,0-1-1 0 0,1 0 1 0 0,-1 0 0 0 0,1 0-1 0 0,-1 0 1 0 0,1-1 0 0 0,-1 0 0 0 0,1 0-1 0 0,0 0 1 0 0,5-2 0 0 0,1 0-1351 0 0</inkml:trace>
+</inkml:ink>
+</file>
+
+<file path=ppt/ink/ink143.xml><?xml version="1.0" encoding="utf-8"?>
+<inkml:ink xmlns:inkml="http://www.w3.org/2003/InkML">
+  <inkml:definitions>
+    <inkml:context xml:id="ctx0">
+      <inkml:inkSource xml:id="inkSrc0">
+        <inkml:traceFormat>
+          <inkml:channel name="X" type="integer" min="-2.14748E9" max="2.14748E9" units="cm"/>
+          <inkml:channel name="Y" type="integer" min="-2.14748E9" max="2.14748E9" units="cm"/>
+          <inkml:channel name="F" type="integer" max="32767" units="dev"/>
+          <inkml:channel name="OA" type="integer" max="360" units="deg"/>
+          <inkml:channel name="OE" type="integer" max="90" units="deg"/>
+        </inkml:traceFormat>
+        <inkml:channelProperties>
+          <inkml:channelProperty channel="X" name="resolution" value="1000" units="1/cm"/>
+          <inkml:channelProperty channel="Y" name="resolution" value="1000" units="1/cm"/>
+          <inkml:channelProperty channel="F" name="resolution" value="0" units="1/dev"/>
+          <inkml:channelProperty channel="OA" name="resolution" value="1000" units="1/deg"/>
+          <inkml:channelProperty channel="OE" name="resolution" value="1000" units="1/deg"/>
+        </inkml:channelProperties>
+      </inkml:inkSource>
+      <inkml:timestamp xml:id="ts0" timeString="2020-11-03T16:23:34.562"/>
+    </inkml:context>
+    <inkml:brush xml:id="br0">
+      <inkml:brushProperty name="width" value="0.05" units="cm"/>
+      <inkml:brushProperty name="height" value="0.05" units="cm"/>
+      <inkml:brushProperty name="color" value="#E71224"/>
+    </inkml:brush>
+  </inkml:definitions>
+  <inkml:trace contextRef="#ctx0" brushRef="#br0">25 130 7368 0 0,'0'0'333'0'0,"-25"14"10916"0"0,42-57-8947 0 0,-6 11-1107 0 0,-4 19-583 0 0,-1 1 0 0 0,17-22 0 0 0,-19 29-433 0 0,-4 5-165 0 0,0-1 0 0 0,1 1 0 0 0,-1 0 0 0 0,0-1 0 0 0,0 1 0 0 0,1 0 0 0 0,-1 0 0 0 0,0-1 0 0 0,0 1 0 0 0,1 0 0 0 0,-1 0 0 0 0,0 0 0 0 0,0-1 0 0 0,1 1 0 0 0,-1 0 0 0 0,0 0 0 0 0,1 0 0 0 0,-1 0 0 0 0,0 0 0 0 0,1 0 0 0 0,-1-1 0 0 0,0 1 0 0 0,1 0 0 0 0,-1 0 0 0 0,1 0 0 0 0,-1 0 0 0 0,0 0 0 0 0,1 0 0 0 0,-1 1 0 0 0,9 7 75 0 0,4 18-160 0 0,-11-23 109 0 0,1 8-41 0 0,0 1 1 0 0,0-1-1 0 0,-1 1 0 0 0,1 14 1 0 0,-1-4-4 0 0,-1-19 9 0 0,-1 0 0 0 0,1 0 0 0 0,0-1 0 0 0,0 1 0 0 0,0 0 0 0 0,0 0-1 0 0,0-1 1 0 0,1 1 0 0 0,-1-1 0 0 0,1 1 0 0 0,-1-1 0 0 0,1 0 0 0 0,0 1 0 0 0,0-1 0 0 0,0 0-1 0 0,0 0 1 0 0,3 2 0 0 0,-3-5-2 0 0,0 1-1 0 0,-1 0 1 0 0,1-1-1 0 0,-1 0 0 0 0,1 1 1 0 0,0-1-1 0 0,-1 0 1 0 0,1 0-1 0 0,-1 0 1 0 0,1 1-1 0 0,-1-2 1 0 0,0 1-1 0 0,2-1 0 0 0,-1 0-2 0 0,3-2 5 0 0,0-1 0 0 0,0-1-1 0 0,0 1 1 0 0,0-1 0 0 0,-1 1 0 0 0,0-1-1 0 0,3-7 1 0 0,23-49-240 0 0,-28 57 176 0 0,2-9-1570 0 0,-3 6-5501 0 0</inkml:trace>
+</inkml:ink>
+</file>
+
+<file path=ppt/ink/ink144.xml><?xml version="1.0" encoding="utf-8"?>
+<inkml:ink xmlns:inkml="http://www.w3.org/2003/InkML">
+  <inkml:definitions>
+    <inkml:context xml:id="ctx0">
+      <inkml:inkSource xml:id="inkSrc0">
+        <inkml:traceFormat>
+          <inkml:channel name="X" type="integer" min="-2.14748E9" max="2.14748E9" units="cm"/>
+          <inkml:channel name="Y" type="integer" min="-2.14748E9" max="2.14748E9" units="cm"/>
+          <inkml:channel name="F" type="integer" max="32767" units="dev"/>
+          <inkml:channel name="OA" type="integer" max="360" units="deg"/>
+          <inkml:channel name="OE" type="integer" max="90" units="deg"/>
+        </inkml:traceFormat>
+        <inkml:channelProperties>
+          <inkml:channelProperty channel="X" name="resolution" value="1000" units="1/cm"/>
+          <inkml:channelProperty channel="Y" name="resolution" value="1000" units="1/cm"/>
+          <inkml:channelProperty channel="F" name="resolution" value="0" units="1/dev"/>
+          <inkml:channelProperty channel="OA" name="resolution" value="1000" units="1/deg"/>
+          <inkml:channelProperty channel="OE" name="resolution" value="1000" units="1/deg"/>
+        </inkml:channelProperties>
+      </inkml:inkSource>
+      <inkml:timestamp xml:id="ts0" timeString="2020-11-03T16:23:35.184"/>
+    </inkml:context>
+    <inkml:brush xml:id="br0">
+      <inkml:brushProperty name="width" value="0.05" units="cm"/>
+      <inkml:brushProperty name="height" value="0.05" units="cm"/>
+      <inkml:brushProperty name="color" value="#E71224"/>
+    </inkml:brush>
+  </inkml:definitions>
+  <inkml:trace contextRef="#ctx0" brushRef="#br0">3 3 9760 0 0,'-2'-3'8790'0'0,"5"8"-8129"0"0,4 5-144 0 0,0-1 0 0 0,10 8 0 0 0,9 12 352 0 0,-18-19-760 0 0,0 1 1 0 0,0 1-1 0 0,-2-1 0 0 0,1 1 0 0 0,-1 0 0 0 0,-1 1 0 0 0,0-1 0 0 0,-1 1 0 0 0,-1 0 0 0 0,3 14 0 0 0,-3-1-60 0 0,-1 0 1 0 0,-1 0-1 0 0,-1 0 0 0 0,-1 0 0 0 0,-2 0 0 0 0,-5 27 0 0 0,6-47-33 0 0,1 1-1 0 0,-2-1 0 0 0,1 1 1 0 0,-1-1-1 0 0,-3 7 1 0 0,4-11-12 0 0,1 1 1 0 0,0-1-1 0 0,-1 0 1 0 0,1 0 0 0 0,-1 0-1 0 0,1 0 1 0 0,-1-1-1 0 0,0 1 1 0 0,0 0 0 0 0,0-1-1 0 0,0 1 1 0 0,0-1 0 0 0,0 0-1 0 0,0 1 1 0 0,-1-1-1 0 0,-2 1 1 0 0,4-2-50 0 0,0 0 0 0 0,0 0 0 0 0,0 0-1 0 0,0 0 1 0 0,0-1 0 0 0,0 1 0 0 0,0 0 0 0 0,0 0 0 0 0,0-1 0 0 0,0 1-1 0 0,0-1 1 0 0,0 1 0 0 0,0-1 0 0 0,-1 0 0 0 0,-5-4-2713 0 0</inkml:trace>
+</inkml:ink>
+</file>
+
+<file path=ppt/ink/ink145.xml><?xml version="1.0" encoding="utf-8"?>
+<inkml:ink xmlns:inkml="http://www.w3.org/2003/InkML">
+  <inkml:definitions>
+    <inkml:context xml:id="ctx0">
+      <inkml:inkSource xml:id="inkSrc0">
+        <inkml:traceFormat>
+          <inkml:channel name="X" type="integer" min="-2.14748E9" max="2.14748E9" units="cm"/>
+          <inkml:channel name="Y" type="integer" min="-2.14748E9" max="2.14748E9" units="cm"/>
+          <inkml:channel name="F" type="integer" max="32767" units="dev"/>
+          <inkml:channel name="OA" type="integer" max="360" units="deg"/>
+          <inkml:channel name="OE" type="integer" max="90" units="deg"/>
+        </inkml:traceFormat>
+        <inkml:channelProperties>
+          <inkml:channelProperty channel="X" name="resolution" value="1000" units="1/cm"/>
+          <inkml:channelProperty channel="Y" name="resolution" value="1000" units="1/cm"/>
+          <inkml:channelProperty channel="F" name="resolution" value="0" units="1/dev"/>
+          <inkml:channelProperty channel="OA" name="resolution" value="1000" units="1/deg"/>
+          <inkml:channelProperty channel="OE" name="resolution" value="1000" units="1/deg"/>
+        </inkml:channelProperties>
+      </inkml:inkSource>
+      <inkml:timestamp xml:id="ts0" timeString="2020-11-03T16:23:36.318"/>
+    </inkml:context>
+    <inkml:brush xml:id="br0">
+      <inkml:brushProperty name="width" value="0.05" units="cm"/>
+      <inkml:brushProperty name="height" value="0.05" units="cm"/>
+      <inkml:brushProperty name="color" value="#E71224"/>
+    </inkml:brush>
+  </inkml:definitions>
+  <inkml:trace contextRef="#ctx0" brushRef="#br0">122 66 2304 0 0,'0'0'380'0'0,"-4"-17"6013"0"0,1-16-2233 0 0,3 18 5692 0 0,0 16-9776 0 0,0 1-1 0 0,0-1 1 0 0,0 1 0 0 0,0-1 0 0 0,0 0 0 0 0,1 1 0 0 0,-1-1 0 0 0,0 1-1 0 0,1-1 1 0 0,-1 0 0 0 0,1 1 0 0 0,-1-1 0 0 0,1 0 0 0 0,0 0 0 0 0,0 2 0 0 0,2 1-69 0 0,41 54 2049 0 0,-36-47-1887 0 0,1 0-1 0 0,12 12 1 0 0,-11-13 99 0 0,17 24 0 0 0,-13-14-69 0 0,-2 1 0 0 0,0 0 0 0 0,-1 1 0 0 0,-1 0 0 0 0,-2 0 0 0 0,0 1 0 0 0,-1 1 0 0 0,6 39 0 0 0,-9-35-145 0 0,-1 1-1 0 0,-2 0 1 0 0,-1 0 0 0 0,-5 36-1 0 0,4-52-35 0 0,-2 0-1 0 0,0 0 1 0 0,0 0 0 0 0,-1 0-1 0 0,-1 0 1 0 0,0-1 0 0 0,-1 0-1 0 0,0 0 1 0 0,0 0 0 0 0,-2-1-1 0 0,-12 16 1 0 0,9-16 4 0 0,0 0 0 0 0,-18 12 1 0 0,-7 6 27 0 0,23-18-24 0 0,0-1 1 0 0,-24 13-1 0 0,11-8 23 0 0,18-9-45 0 0,0 0 0 0 0,0 1 0 0 0,-11 12 0 0 0,-6 5-62 0 0,-1 1-17 0 0,25-24 11 0 0,10-1-5392 0 0</inkml:trace>
+</inkml:ink>
+</file>
+
+<file path=ppt/ink/ink15.xml><?xml version="1.0" encoding="utf-8"?>
+<inkml:ink xmlns:inkml="http://www.w3.org/2003/InkML">
+  <inkml:definitions>
+    <inkml:context xml:id="ctx0">
+      <inkml:inkSource xml:id="inkSrc0">
+        <inkml:traceFormat>
+          <inkml:channel name="X" type="integer" min="-2.14748E9" max="2.14748E9" units="cm"/>
+          <inkml:channel name="Y" type="integer" min="-2.14748E9" max="2.14748E9" units="cm"/>
+          <inkml:channel name="F" type="integer" max="32767" units="dev"/>
+          <inkml:channel name="OA" type="integer" max="360" units="deg"/>
+          <inkml:channel name="OE" type="integer" max="90" units="deg"/>
+        </inkml:traceFormat>
+        <inkml:channelProperties>
+          <inkml:channelProperty channel="X" name="resolution" value="1000" units="1/cm"/>
+          <inkml:channelProperty channel="Y" name="resolution" value="1000" units="1/cm"/>
+          <inkml:channelProperty channel="F" name="resolution" value="0" units="1/dev"/>
+          <inkml:channelProperty channel="OA" name="resolution" value="1000" units="1/deg"/>
+          <inkml:channelProperty channel="OE" name="resolution" value="1000" units="1/deg"/>
+        </inkml:channelProperties>
+      </inkml:inkSource>
+      <inkml:timestamp xml:id="ts0" timeString="2020-11-04T18:00:50.430"/>
+    </inkml:context>
+    <inkml:brush xml:id="br0">
+      <inkml:brushProperty name="width" value="0.05" units="cm"/>
+      <inkml:brushProperty name="height" value="0.05" units="cm"/>
+      <inkml:brushProperty name="color" value="#004F8B"/>
+    </inkml:brush>
+  </inkml:definitions>
+  <inkml:trace contextRef="#ctx0" brushRef="#br0">1 23 11976 0 0,'0'0'6999'0'0,"16"-6"-5839"0"0,-1 4-480 0 0,0 0 0 0 0,0 0 0 0 0,24 2 0 0 0,-7-8-136 0 0,4 6 196 0 0,1 2-1 0 0,54 6 1 0 0,-56-3-831 0 0,68-3 91 0 0,-44-2 0 0 0,-35 2-1 0 0,20 0 104 0 0,1 3 7 0 0,-21-2-92 0 0,39 7 0 0 0,33 10 204 0 0,53-2 61 0 0,48 9 242 0 0,-188-23-486 0 0,0 1 1 0 0,15 7-1 0 0,13 4 1 0 0,-21-10 14 0 0,1-1-1 0 0,32 1 1 0 0,-2 0-15 0 0,367 42 432 0 0,-281-39-318 0 0,-21-2 24 0 0,204 6 286 0 0,-137-8-1128 0 0,-112 0 765 0 0,277 0 1293 0 0,-322-6-1370 0 0,-1 0 0 0 0,0-1 0 0 0,26-9 0 0 0,-13 4 2 0 0,-27 7-18 0 0,1-1 32 0 0,7-3-10 0 0,2-4-786 0 0,-16 10 578 0 0,-1 0 0 0 0,1 0 0 0 0,-1-1-1 0 0,0 1 1 0 0,1 0 0 0 0,-1 0 0 0 0,0 0 0 0 0,1-1-1 0 0,-1 1 1 0 0,1 0 0 0 0,-1 0 0 0 0,1 0-1 0 0,-1 0 1 0 0,0 0 0 0 0,1 0 0 0 0,-1 0 0 0 0,1 0-1 0 0,-1 0 1 0 0,1 0 0 0 0</inkml:trace>
+</inkml:ink>
+</file>
+
+<file path=ppt/ink/ink16.xml><?xml version="1.0" encoding="utf-8"?>
+<inkml:ink xmlns:inkml="http://www.w3.org/2003/InkML">
+  <inkml:definitions>
+    <inkml:context xml:id="ctx0">
+      <inkml:inkSource xml:id="inkSrc0">
+        <inkml:traceFormat>
+          <inkml:channel name="X" type="integer" min="-2.14748E9" max="2.14748E9" units="cm"/>
+          <inkml:channel name="Y" type="integer" min="-2.14748E9" max="2.14748E9" units="cm"/>
+          <inkml:channel name="F" type="integer" max="32767" units="dev"/>
+          <inkml:channel name="OA" type="integer" max="360" units="deg"/>
+          <inkml:channel name="OE" type="integer" max="90" units="deg"/>
+        </inkml:traceFormat>
+        <inkml:channelProperties>
+          <inkml:channelProperty channel="X" name="resolution" value="1000" units="1/cm"/>
+          <inkml:channelProperty channel="Y" name="resolution" value="1000" units="1/cm"/>
+          <inkml:channelProperty channel="F" name="resolution" value="0" units="1/dev"/>
+          <inkml:channelProperty channel="OA" name="resolution" value="1000" units="1/deg"/>
+          <inkml:channelProperty channel="OE" name="resolution" value="1000" units="1/deg"/>
+        </inkml:channelProperties>
+      </inkml:inkSource>
+      <inkml:timestamp xml:id="ts0" timeString="2020-11-04T18:01:17.566"/>
+    </inkml:context>
+    <inkml:brush xml:id="br0">
+      <inkml:brushProperty name="width" value="0.05" units="cm"/>
+      <inkml:brushProperty name="height" value="0.05" units="cm"/>
+      <inkml:brushProperty name="color" value="#004F8B"/>
+    </inkml:brush>
+  </inkml:definitions>
+  <inkml:trace contextRef="#ctx0" brushRef="#br0">4 2 4608 0 0,'-3'-2'10566'0'0,"12"3"-10144"0"0,1 0-1 0 0,0 1 0 0 0,-1 0 0 0 0,14 4 1 0 0,-11-2-92 0 0,-1-1 0 0 0,17 2 0 0 0,116 14 638 0 0,40-3 6 0 0,-41-5-676 0 0,83-3 270 0 0,-182-9-453 0 0,424 9 1209 0 0,-186-3-633 0 0,154-5 215 0 0,-185-10-630 0 0,-108-2-74 0 0,-27 2-38 0 0,68-5 73 0 0,139-5 810 0 0,-186 15-1147 0 0,37 0 534 0 0,-124 6-352 0 0,-16-1 53 0 0,64 9 0 0 0,-87-7-107 0 0,0-1-1 0 0,0-1 1 0 0,0 0-1 0 0,11-1 0 0 0,27-1 47 0 0,-43 1 427 0 0,-1 0-1822 0 0</inkml:trace>
+</inkml:ink>
+</file>
+
+<file path=ppt/ink/ink17.xml><?xml version="1.0" encoding="utf-8"?>
+<inkml:ink xmlns:inkml="http://www.w3.org/2003/InkML">
+  <inkml:definitions>
+    <inkml:context xml:id="ctx0">
+      <inkml:inkSource xml:id="inkSrc0">
+        <inkml:traceFormat>
+          <inkml:channel name="X" type="integer" min="-2.14748E9" max="2.14748E9" units="cm"/>
+          <inkml:channel name="Y" type="integer" min="-2.14748E9" max="2.14748E9" units="cm"/>
+          <inkml:channel name="F" type="integer" max="32767" units="dev"/>
+          <inkml:channel name="OA" type="integer" max="360" units="deg"/>
+          <inkml:channel name="OE" type="integer" max="90" units="deg"/>
+        </inkml:traceFormat>
+        <inkml:channelProperties>
+          <inkml:channelProperty channel="X" name="resolution" value="1000" units="1/cm"/>
+          <inkml:channelProperty channel="Y" name="resolution" value="1000" units="1/cm"/>
+          <inkml:channelProperty channel="F" name="resolution" value="0" units="1/dev"/>
+          <inkml:channelProperty channel="OA" name="resolution" value="1000" units="1/deg"/>
+          <inkml:channelProperty channel="OE" name="resolution" value="1000" units="1/deg"/>
+        </inkml:channelProperties>
+      </inkml:inkSource>
+      <inkml:timestamp xml:id="ts0" timeString="2020-11-04T18:01:26.391"/>
+    </inkml:context>
+    <inkml:brush xml:id="br0">
+      <inkml:brushProperty name="width" value="0.05" units="cm"/>
+      <inkml:brushProperty name="height" value="0.05" units="cm"/>
+      <inkml:brushProperty name="color" value="#004F8B"/>
+    </inkml:brush>
+  </inkml:definitions>
+  <inkml:trace contextRef="#ctx0" brushRef="#br0">3 15 14280 0 0,'-2'-3'1297'0'0,"2"3"-1264"0"0,0-1 0 0 0,0 1 0 0 0,0 0 0 0 0,0 0 0 0 0,0-1 0 0 0,0 1-1 0 0,0 0 1 0 0,-1 0 0 0 0,1-1 0 0 0,1 1 0 0 0,-1 0 0 0 0,0-1 0 0 0,0 1 0 0 0,0 0 0 0 0,0 0 0 0 0,0-1 0 0 0,0 1 0 0 0,0 0 0 0 0,0 0 0 0 0,0 0 0 0 0,0-1 0 0 0,0 1 0 0 0,1 0 0 0 0,-1 0 0 0 0,0-1-1 0 0,0 1 1 0 0,0 0 0 0 0,0 0 0 0 0,1 0 0 0 0,-1 0 0 0 0,0-1 0 0 0,0 1 0 0 0,1 0 0 0 0,-1 0 0 0 0,0 0 0 0 0,0 0 0 0 0,0 0 0 0 0,1 0 0 0 0,-1 0 0 0 0,1-1 0 0 0,8-2 1589 0 0,-9 3-1595 0 0,4 0 87 0 0,-1 0 0 0 0,0 0 0 0 0,0 1 0 0 0,1-1-1 0 0,-1 1 1 0 0,0-1 0 0 0,0 1 0 0 0,4 2 0 0 0,8 1-163 0 0,77 15 1812 0 0,-9-1-878 0 0,107 10 1 0 0,467-6 1590 0 0,-541-20-2242 0 0,296 14 1232 0 0,-407-15-1450 0 0,544 28 1584 0 0,-483-26-1429 0 0,190 3 431 0 0,224-30 542 0 0,-198 7-542 0 0,-269 15-777 0 0,-7 1 144 0 0,0 1-1 0 0,0 0 1 0 0,0 0-1 0 0,0 0 1 0 0,0 0 0 0 0,6 3-1 0 0,-10-3-18 0 0,-1 0 0 0 0,0 0 0 0 0,1 0 0 0 0,-1 0 0 0 0,0 1 0 0 0,1-1 0 0 0,-1 0 0 0 0,0 1 0 0 0,0-1 0 0 0,1 1 0 0 0,-1-1-1 0 0,0 1 1 0 0,0 0 0 0 0,0 0 0 0 0,0-1 0 0 0,0 1 0 0 0,0 0 0 0 0,0 0 0 0 0,0 0 0 0 0,0 0 0 0 0,1 2 0 0 0,-2-1-302 0 0,1-1 0 0 0,-1 1 1 0 0,0 0-1 0 0,0-1 0 0 0,0 1 0 0 0,0 0 0 0 0,0-1 1 0 0,0 1-1 0 0,0-1 0 0 0,0 1 0 0 0,-1 2 0 0 0,0 1-1211 0 0,-1 1-451 0 0</inkml:trace>
+</inkml:ink>
+</file>
+
+<file path=ppt/ink/ink18.xml><?xml version="1.0" encoding="utf-8"?>
+<inkml:ink xmlns:inkml="http://www.w3.org/2003/InkML">
+  <inkml:definitions>
+    <inkml:context xml:id="ctx0">
+      <inkml:inkSource xml:id="inkSrc0">
+        <inkml:traceFormat>
+          <inkml:channel name="X" type="integer" min="-2.14748E9" max="2.14748E9" units="cm"/>
+          <inkml:channel name="Y" type="integer" min="-2.14748E9" max="2.14748E9" units="cm"/>
+          <inkml:channel name="F" type="integer" max="32767" units="dev"/>
+          <inkml:channel name="OA" type="integer" max="360" units="deg"/>
+          <inkml:channel name="OE" type="integer" max="90" units="deg"/>
+        </inkml:traceFormat>
+        <inkml:channelProperties>
+          <inkml:channelProperty channel="X" name="resolution" value="1000" units="1/cm"/>
+          <inkml:channelProperty channel="Y" name="resolution" value="1000" units="1/cm"/>
+          <inkml:channelProperty channel="F" name="resolution" value="0" units="1/dev"/>
+          <inkml:channelProperty channel="OA" name="resolution" value="1000" units="1/deg"/>
+          <inkml:channelProperty channel="OE" name="resolution" value="1000" units="1/deg"/>
+        </inkml:channelProperties>
+      </inkml:inkSource>
+      <inkml:timestamp xml:id="ts0" timeString="2020-11-04T18:01:47.219"/>
+    </inkml:context>
+    <inkml:brush xml:id="br0">
+      <inkml:brushProperty name="width" value="0.05" units="cm"/>
+      <inkml:brushProperty name="height" value="0.05" units="cm"/>
+      <inkml:brushProperty name="color" value="#004F8B"/>
+    </inkml:brush>
+  </inkml:definitions>
+  <inkml:trace contextRef="#ctx0" brushRef="#br0">19 56 15664 0 0,'-2'-2'130'0'0,"0"-1"0"0"0,1 1 1 0 0,0 0-1 0 0,-1-1 1 0 0,1 0-1 0 0,0 1 1 0 0,0-1-1 0 0,0 0 1 0 0,1 1-1 0 0,-1-1 1 0 0,1 0-1 0 0,-1-3 0 0 0,-2-6 394 0 0,2 6 2869 0 0,7 10-1443 0 0,-3 0-1750 0 0,-1 0 0 0 0,0 0 1 0 0,1 1-1 0 0,-2-1 0 0 0,1 1 0 0 0,0 0 0 0 0,-1-1 1 0 0,0 1-1 0 0,1 7 0 0 0,-1-5-33 0 0,7 33-113 0 0,-3 1-1 0 0,0 43 1 0 0,-6 84-127 0 0,-1-54 165 0 0,2-56-2828 0 0,0-50 1200 0 0</inkml:trace>
+</inkml:ink>
+</file>
+
+<file path=ppt/ink/ink19.xml><?xml version="1.0" encoding="utf-8"?>
+<inkml:ink xmlns:inkml="http://www.w3.org/2003/InkML">
+  <inkml:definitions>
+    <inkml:context xml:id="ctx0">
+      <inkml:inkSource xml:id="inkSrc0">
+        <inkml:traceFormat>
+          <inkml:channel name="X" type="integer" min="-2.14748E9" max="2.14748E9" units="cm"/>
+          <inkml:channel name="Y" type="integer" min="-2.14748E9" max="2.14748E9" units="cm"/>
+          <inkml:channel name="F" type="integer" max="32767" units="dev"/>
+          <inkml:channel name="OA" type="integer" max="360" units="deg"/>
+          <inkml:channel name="OE" type="integer" max="90" units="deg"/>
+        </inkml:traceFormat>
+        <inkml:channelProperties>
+          <inkml:channelProperty channel="X" name="resolution" value="1000" units="1/cm"/>
+          <inkml:channelProperty channel="Y" name="resolution" value="1000" units="1/cm"/>
+          <inkml:channelProperty channel="F" name="resolution" value="0" units="1/dev"/>
+          <inkml:channelProperty channel="OA" name="resolution" value="1000" units="1/deg"/>
+          <inkml:channelProperty channel="OE" name="resolution" value="1000" units="1/deg"/>
+        </inkml:channelProperties>
+      </inkml:inkSource>
+      <inkml:timestamp xml:id="ts0" timeString="2020-11-04T18:01:47.582"/>
+    </inkml:context>
+    <inkml:brush xml:id="br0">
+      <inkml:brushProperty name="width" value="0.05" units="cm"/>
+      <inkml:brushProperty name="height" value="0.05" units="cm"/>
+      <inkml:brushProperty name="color" value="#004F8B"/>
+    </inkml:brush>
+  </inkml:definitions>
+  <inkml:trace contextRef="#ctx0" brushRef="#br0">12 299 14568 0 0,'-1'-1'47'0'0,"1"1"0"0"0,-1-1 1 0 0,0 1-1 0 0,0-1 1 0 0,1 1-1 0 0,-1-1 0 0 0,0 1 1 0 0,1-1-1 0 0,-1 0 1 0 0,1 1-1 0 0,-1-1 1 0 0,1 0-1 0 0,-1 0 0 0 0,1 1 1 0 0,0-1-1 0 0,-1 0 1 0 0,1 0-1 0 0,0 0 0 0 0,-1 1 1 0 0,1-1-1 0 0,0 0 1 0 0,0 0-1 0 0,0 0 1 0 0,0 0-1 0 0,0 0 0 0 0,0 0 1 0 0,0 1-1 0 0,0-1 1 0 0,0 0-1 0 0,0 0 0 0 0,1 0 1 0 0,-1 0-1 0 0,1-1 1 0 0,-1-2-76 0 0,2-3 320 0 0,0 1 0 0 0,0-1 0 0 0,1 0 0 0 0,-1 1 0 0 0,2-1 0 0 0,-1 1 0 0 0,1 0 0 0 0,0 0 0 0 0,0 0 0 0 0,7-8 0 0 0,8-5 1018 0 0,31-26 0 0 0,-13 13 121 0 0,26-21-27 0 0,-55 47-1314 0 0,0 1 0 0 0,0 0-1 0 0,1 0 1 0 0,-1 0 0 0 0,1 2-1 0 0,13-5 1 0 0,-20 7-87 0 0,0 0 0 0 0,0 1 0 0 0,0-1 0 0 0,0 1 0 0 0,0 0 0 0 0,0-1 0 0 0,0 1 0 0 0,0 0 0 0 0,0 0 0 0 0,0 1-1 0 0,0-1 1 0 0,0 0 0 0 0,0 1 0 0 0,0-1 0 0 0,0 1 0 0 0,0-1 0 0 0,0 1 0 0 0,0 0 0 0 0,0 0 0 0 0,0 0 0 0 0,-1 0 0 0 0,1 0 0 0 0,0 0-1 0 0,-1 1 1 0 0,1-1 0 0 0,-1 0 0 0 0,1 1 0 0 0,-1 0 0 0 0,0-1 0 0 0,0 1 0 0 0,1 0 0 0 0,-1-1 0 0 0,0 1 0 0 0,-1 0 0 0 0,1 0 0 0 0,0 0 0 0 0,0 0-1 0 0,-1 0 1 0 0,1 0 0 0 0,0 4 0 0 0,2 16-349 0 0,3 31 0 0 0,-3-36-1058 0 0,2-2-436 0 0</inkml:trace>
+</inkml:ink>
+</file>
+
+<file path=ppt/ink/ink2.xml><?xml version="1.0" encoding="utf-8"?>
+<inkml:ink xmlns:inkml="http://www.w3.org/2003/InkML">
+  <inkml:definitions>
+    <inkml:context xml:id="ctx0">
+      <inkml:inkSource xml:id="inkSrc0">
+        <inkml:traceFormat>
+          <inkml:channel name="X" type="integer" min="-2.14748E9" max="2.14748E9" units="cm"/>
+          <inkml:channel name="Y" type="integer" min="-2.14748E9" max="2.14748E9" units="cm"/>
+          <inkml:channel name="F" type="integer" max="32767" units="dev"/>
+          <inkml:channel name="OA" type="integer" max="360" units="deg"/>
+          <inkml:channel name="OE" type="integer" max="90" units="deg"/>
+        </inkml:traceFormat>
+        <inkml:channelProperties>
+          <inkml:channelProperty channel="X" name="resolution" value="1000" units="1/cm"/>
+          <inkml:channelProperty channel="Y" name="resolution" value="1000" units="1/cm"/>
+          <inkml:channelProperty channel="F" name="resolution" value="0" units="1/dev"/>
+          <inkml:channelProperty channel="OA" name="resolution" value="1000" units="1/deg"/>
+          <inkml:channelProperty channel="OE" name="resolution" value="1000" units="1/deg"/>
+        </inkml:channelProperties>
+      </inkml:inkSource>
+      <inkml:timestamp xml:id="ts0" timeString="2020-11-04T18:00:29.701"/>
+    </inkml:context>
+    <inkml:brush xml:id="br0">
+      <inkml:brushProperty name="width" value="0.05" units="cm"/>
+      <inkml:brushProperty name="height" value="0.05" units="cm"/>
+      <inkml:brushProperty name="color" value="#004F8B"/>
+    </inkml:brush>
+  </inkml:definitions>
+  <inkml:trace contextRef="#ctx0" brushRef="#br0">2 276 5528 0 0,'-2'0'5258'0'0,"109"-2"977"0"0,51-12-3802 0 0,161-29-91 0 0,150-26-315 0 0,-73 20-455 0 0,-357 45-1368 0 0,308 0 1293 0 0,-174 8-946 0 0,-116-3-372 0 0,-17 0 124 0 0,71-7 0 0 0,-107 5-281 0 0,92-15 580 0 0,-81 12-476 0 0,0 0 0 0 0,-1-1 1 0 0,1-1-1 0 0,15-9 0 0 0,-15 8-53 0 0,-12 6-56 0 0,-1 0 1 0 0,1 0-1 0 0,-1 0 1 0 0,1 0-1 0 0,-1-1 0 0 0,0 1 1 0 0,1-1-1 0 0,-1 1 1 0 0,0-1-1 0 0,0 0 1 0 0,0 0-1 0 0,-1 0 1 0 0,1 0-1 0 0,3-5 1 0 0,-4 6-29 0 0,1-3-2678 0 0</inkml:trace>
+</inkml:ink>
+</file>
+
+<file path=ppt/ink/ink20.xml><?xml version="1.0" encoding="utf-8"?>
+<inkml:ink xmlns:inkml="http://www.w3.org/2003/InkML">
+  <inkml:definitions>
+    <inkml:context xml:id="ctx0">
+      <inkml:inkSource xml:id="inkSrc0">
+        <inkml:traceFormat>
+          <inkml:channel name="X" type="integer" min="-2.14748E9" max="2.14748E9" units="cm"/>
+          <inkml:channel name="Y" type="integer" min="-2.14748E9" max="2.14748E9" units="cm"/>
         </inkml:traceFormat>
         <inkml:channelProperties>
           <inkml:channelProperty channel="X" name="resolution" value="1000" units="1/cm"/>
@@ -180,7 +2036,263 @@
 </inkml:ink>
 </file>
 
-<file path=ppt/ink/ink10.xml><?xml version="1.0" encoding="utf-8"?>
+<file path=ppt/ink/ink21.xml><?xml version="1.0" encoding="utf-8"?>
+<inkml:ink xmlns:inkml="http://www.w3.org/2003/InkML">
+  <inkml:definitions>
+    <inkml:context xml:id="ctx0">
+      <inkml:inkSource xml:id="inkSrc0">
+        <inkml:traceFormat>
+          <inkml:channel name="X" type="integer" min="-2.14748E9" max="2.14748E9" units="cm"/>
+          <inkml:channel name="Y" type="integer" min="-2.14748E9" max="2.14748E9" units="cm"/>
+          <inkml:channel name="F" type="integer" max="32767" units="dev"/>
+          <inkml:channel name="OA" type="integer" max="360" units="deg"/>
+          <inkml:channel name="OE" type="integer" max="90" units="deg"/>
+        </inkml:traceFormat>
+        <inkml:channelProperties>
+          <inkml:channelProperty channel="X" name="resolution" value="1000" units="1/cm"/>
+          <inkml:channelProperty channel="Y" name="resolution" value="1000" units="1/cm"/>
+          <inkml:channelProperty channel="F" name="resolution" value="0" units="1/dev"/>
+          <inkml:channelProperty channel="OA" name="resolution" value="1000" units="1/deg"/>
+          <inkml:channelProperty channel="OE" name="resolution" value="1000" units="1/deg"/>
+        </inkml:channelProperties>
+      </inkml:inkSource>
+      <inkml:timestamp xml:id="ts0" timeString="2020-11-03T16:21:38.252"/>
+    </inkml:context>
+    <inkml:brush xml:id="br0">
+      <inkml:brushProperty name="width" value="0.05" units="cm"/>
+      <inkml:brushProperty name="height" value="0.05" units="cm"/>
+      <inkml:brushProperty name="color" value="#E71224"/>
+    </inkml:brush>
+  </inkml:definitions>
+  <inkml:trace contextRef="#ctx0" brushRef="#br0">119 9 6160 0 0,'0'0'904'0'0,"8"2"1276"0"0,3-1 8050 0 0,-12-2-10056 0 0,-1 0 0 0 0,0-1-1 0 0,0 1 1 0 0,0 0 0 0 0,0 1 0 0 0,0-1-1 0 0,0 0 1 0 0,0 0 0 0 0,-4 0-1 0 0,5 1-126 0 0,0-1-1 0 0,0 1 0 0 0,0 0 1 0 0,-1 0-1 0 0,1 0 0 0 0,0 0 0 0 0,0 0 1 0 0,0 0-1 0 0,0 0 0 0 0,-1 0 1 0 0,1 0-1 0 0,0 0 0 0 0,0 0 0 0 0,0 1 1 0 0,0-1-1 0 0,0 1 0 0 0,-1-1 0 0 0,1 1 1 0 0,0-1-1 0 0,-1 2 0 0 0,-2 2 122 0 0,1-1 0 0 0,-1 0 0 0 0,0 0-1 0 0,-7 5 1 0 0,8-6-110 0 0,-1 1 0 0 0,1-1-1 0 0,0 1 1 0 0,0-1 0 0 0,0 1 0 0 0,0 0-1 0 0,0 0 1 0 0,-3 5 0 0 0,-2 5 68 0 0,5-9-72 0 0,0 1 1 0 0,0 0 0 0 0,0 0 0 0 0,1 0-1 0 0,0 0 1 0 0,0 0 0 0 0,0 0 0 0 0,0 1 0 0 0,0 5-1 0 0,2-10 89 0 0,5 10-2 0 0,-4-10-121 0 0,0 1 0 0 0,0-1 0 0 0,0 1 0 0 0,1-1 0 0 0,-1 0 0 0 0,0 0 0 0 0,1 1-1 0 0,-1-1 1 0 0,1 0 0 0 0,0 0 0 0 0,-1-1 0 0 0,3 2 0 0 0,15 7 237 0 0,9 3 70 0 0,-26-12-295 0 0,1 1 0 0 0,0 0 0 0 0,-1 0 0 0 0,0 0 0 0 0,1 1 0 0 0,-1-1 0 0 0,0 0 0 0 0,1 1 1 0 0,-1 0-1 0 0,0-1 0 0 0,0 1 0 0 0,0 0 0 0 0,0 0 0 0 0,-1 0 0 0 0,1 0 0 0 0,-1 0 0 0 0,1 1 0 0 0,1 2 0 0 0,-1-2 5 0 0,0-1-1 0 0,-1 1 1 0 0,1 0-1 0 0,-1-1 1 0 0,1 1 0 0 0,-1 0-1 0 0,0 0 1 0 0,0 0-1 0 0,0 0 1 0 0,-1 0-1 0 0,1 0 1 0 0,-1 0 0 0 0,1 6-1 0 0,-2 0 11 0 0,-1 1 1 0 0,1-1-1 0 0,-2 0 0 0 0,1 0 0 0 0,-1 0 1 0 0,-8 16-1 0 0,7-19-28 0 0,1 1 0 0 0,-2 0 0 0 0,1-1 0 0 0,-1 0 0 0 0,0 0 0 0 0,-7 6 0 0 0,8-8-104 0 0,1-1 0 0 0,-1 0 0 0 0,0 0 0 0 0,0 0 0 0 0,-1 0 0 0 0,1-1-1 0 0,-1 1 1 0 0,1-1 0 0 0,-1 0 0 0 0,-6 1 0 0 0,11-3-4 0 0,0 0 1 0 0,0 0-1 0 0,0-1 0 0 0,1 1 1 0 0,-1 0-1 0 0,0 0 0 0 0,0 0 1 0 0,0-1-1 0 0,0 1 0 0 0,0 0 0 0 0,0 0 1 0 0,0 0-1 0 0,0-1 0 0 0,0 1 1 0 0,0 0-1 0 0,0 0 0 0 0,0 0 0 0 0,0-1 1 0 0,0 1-1 0 0,0 0 0 0 0,0 0 1 0 0,0 0-1 0 0,0-1 0 0 0,0 1 0 0 0,0 0 1 0 0,0 0-1 0 0,0 0 0 0 0,0-1 1 0 0,0 1-1 0 0,0 0 0 0 0,-1 0 0 0 0,1 0 1 0 0,0 0-1 0 0,0-1 0 0 0,0 1 1 0 0,0 0-1 0 0,0 0 0 0 0,-1 0 0 0 0,1 0 1 0 0,0 0-1 0 0,0-1 0 0 0,0 1 1 0 0,0 0-1 0 0,-1 0 0 0 0,1 0 0 0 0,0 0 1 0 0,0 0-1 0 0,0 0 0 0 0,-1 0 1 0 0,1 0-1 0 0,0 0 0 0 0,0 0 0 0 0,0 0 1 0 0,-1 0-1 0 0,1 0 0 0 0,0 0 1 0 0,0 0-1 0 0,0 0 0 0 0,-1 0 0 0 0,1 0 1 0 0,0 0-1 0 0,0 0 0 0 0,0 0 1 0 0,-1 0-1 0 0,1 0 0 0 0,0 1 0 0 0,0-1 1 0 0,-1 0-1 0 0,5-5-2046 0 0</inkml:trace>
+</inkml:ink>
+</file>
+
+<file path=ppt/ink/ink22.xml><?xml version="1.0" encoding="utf-8"?>
+<inkml:ink xmlns:inkml="http://www.w3.org/2003/InkML">
+  <inkml:definitions>
+    <inkml:context xml:id="ctx0">
+      <inkml:inkSource xml:id="inkSrc0">
+        <inkml:traceFormat>
+          <inkml:channel name="X" type="integer" min="-2.14748E9" max="2.14748E9" units="cm"/>
+          <inkml:channel name="Y" type="integer" min="-2.14748E9" max="2.14748E9" units="cm"/>
+          <inkml:channel name="F" type="integer" max="32767" units="dev"/>
+          <inkml:channel name="OA" type="integer" max="360" units="deg"/>
+          <inkml:channel name="OE" type="integer" max="90" units="deg"/>
+        </inkml:traceFormat>
+        <inkml:channelProperties>
+          <inkml:channelProperty channel="X" name="resolution" value="1000" units="1/cm"/>
+          <inkml:channelProperty channel="Y" name="resolution" value="1000" units="1/cm"/>
+          <inkml:channelProperty channel="F" name="resolution" value="0" units="1/dev"/>
+          <inkml:channelProperty channel="OA" name="resolution" value="1000" units="1/deg"/>
+          <inkml:channelProperty channel="OE" name="resolution" value="1000" units="1/deg"/>
+        </inkml:channelProperties>
+      </inkml:inkSource>
+      <inkml:timestamp xml:id="ts0" timeString="2020-11-03T16:21:38.671"/>
+    </inkml:context>
+    <inkml:brush xml:id="br0">
+      <inkml:brushProperty name="width" value="0.05" units="cm"/>
+      <inkml:brushProperty name="height" value="0.05" units="cm"/>
+      <inkml:brushProperty name="color" value="#E71224"/>
+    </inkml:brush>
+  </inkml:definitions>
+  <inkml:trace contextRef="#ctx0" brushRef="#br0">94 17 3224 0 0,'0'0'8416'0'0,"5"-9"-3808"0"0,-5 9-4507 0 0,-1-1 0 0 0,1 1 1 0 0,0-1-1 0 0,-1 1 1 0 0,1-1-1 0 0,-1 1 1 0 0,1-1-1 0 0,-1 1 1 0 0,1-1-1 0 0,-1 1 1 0 0,1 0-1 0 0,-1-1 1 0 0,1 1-1 0 0,-1 0 0 0 0,0-1 1 0 0,1 1-1 0 0,-1 0 1 0 0,1 0-1 0 0,-1 0 1 0 0,0 0-1 0 0,1-1 1 0 0,-1 1-1 0 0,0 0 1 0 0,0 0-1 0 0,-1 1 80 0 0,0-1 0 0 0,1 0 0 0 0,-1 1 1 0 0,0-1-1 0 0,1 1 0 0 0,-1-1 0 0 0,0 1 0 0 0,1 0 0 0 0,-3 1 0 0 0,-2 3 370 0 0,-1 0-1 0 0,1 0 0 0 0,-6 7 1 0 0,11-11-445 0 0,-3 3-109 0 0,1 1 1 0 0,-1 0-1 0 0,1 0 0 0 0,0 0 0 0 0,1 0 0 0 0,-1 1 0 0 0,1-1 0 0 0,0 1 1 0 0,1-1-1 0 0,-1 1 0 0 0,1 0 0 0 0,0 0 0 0 0,0 9 0 0 0,1-11 16 0 0,-1-2 6 0 0,1-1-1 0 0,0 1 1 0 0,0-1 0 0 0,0 1 0 0 0,0-1 0 0 0,0 1 0 0 0,0-1 0 0 0,0 1 0 0 0,1-1 0 0 0,-1 1 0 0 0,1-1 0 0 0,-1 1-1 0 0,1-1 1 0 0,-1 0 0 0 0,1 1 0 0 0,0-1 0 0 0,-1 0 0 0 0,1 1 0 0 0,0-1 0 0 0,0 0 0 0 0,0 0 0 0 0,0 0 0 0 0,0 0-1 0 0,0 0 1 0 0,2 1 0 0 0,-2-1-7 0 0,1-1-1 0 0,-1 1 0 0 0,0-1 0 0 0,0 0 1 0 0,0 1-1 0 0,1-1 0 0 0,-1 0 1 0 0,0 0-1 0 0,0 0 0 0 0,1 0 1 0 0,-1 0-1 0 0,0 0 0 0 0,1 0 0 0 0,-1 0 1 0 0,0 0-1 0 0,0-1 0 0 0,0 1 1 0 0,1-1-1 0 0,-1 1 0 0 0,0-1 0 0 0,0 1 1 0 0,0-1-1 0 0,0 1 0 0 0,0-1 1 0 0,2-1-1 0 0,0 0-24 0 0,0-1-1 0 0,0 1 1 0 0,0-1-1 0 0,0 1 1 0 0,-1-1 0 0 0,5-5-1 0 0,-4 2 17 0 0,0 0-1 0 0,-1 0 0 0 0,0 0 1 0 0,0 0-1 0 0,1-7 0 0 0,-1 7-35 0 0,-1-1-1 0 0,1 1 1 0 0,0 0-1 0 0,6-10 1 0 0,-5 5-2044 0 0</inkml:trace>
+</inkml:ink>
+</file>
+
+<file path=ppt/ink/ink23.xml><?xml version="1.0" encoding="utf-8"?>
+<inkml:ink xmlns:inkml="http://www.w3.org/2003/InkML">
+  <inkml:definitions>
+    <inkml:context xml:id="ctx0">
+      <inkml:inkSource xml:id="inkSrc0">
+        <inkml:traceFormat>
+          <inkml:channel name="X" type="integer" min="-2.14748E9" max="2.14748E9" units="cm"/>
+          <inkml:channel name="Y" type="integer" min="-2.14748E9" max="2.14748E9" units="cm"/>
+          <inkml:channel name="F" type="integer" max="32767" units="dev"/>
+          <inkml:channel name="OA" type="integer" max="360" units="deg"/>
+          <inkml:channel name="OE" type="integer" max="90" units="deg"/>
+        </inkml:traceFormat>
+        <inkml:channelProperties>
+          <inkml:channelProperty channel="X" name="resolution" value="1000" units="1/cm"/>
+          <inkml:channelProperty channel="Y" name="resolution" value="1000" units="1/cm"/>
+          <inkml:channelProperty channel="F" name="resolution" value="0" units="1/dev"/>
+          <inkml:channelProperty channel="OA" name="resolution" value="1000" units="1/deg"/>
+          <inkml:channelProperty channel="OE" name="resolution" value="1000" units="1/deg"/>
+        </inkml:channelProperties>
+      </inkml:inkSource>
+      <inkml:timestamp xml:id="ts0" timeString="2020-11-03T16:21:39.054"/>
+    </inkml:context>
+    <inkml:brush xml:id="br0">
+      <inkml:brushProperty name="width" value="0.05" units="cm"/>
+      <inkml:brushProperty name="height" value="0.05" units="cm"/>
+      <inkml:brushProperty name="color" value="#E71224"/>
+    </inkml:brush>
+  </inkml:definitions>
+  <inkml:trace contextRef="#ctx0" brushRef="#br0">0 0 9528 0 0,'1'1'196'0'0,"0"-1"1"0"0,-1 0-1 0 0,1 0 0 0 0,0 0 1 0 0,-1 1-1 0 0,1-1 1 0 0,0 0-1 0 0,0 0 0 0 0,-1 0 1 0 0,1 0-1 0 0,0 0 1 0 0,0-1-1 0 0,-1 1 0 0 0,2 0 1 0 0,4-1 1411 0 0,-4 1-1411 0 0,1 0 0 0 0,-1 1-1 0 0,0-1 1 0 0,0 0 0 0 0,0 1-1 0 0,0-1 1 0 0,0 1 0 0 0,0 0-1 0 0,0 0 1 0 0,0 0 0 0 0,0 0 0 0 0,0 0-1 0 0,-1 0 1 0 0,1 0 0 0 0,2 3-1 0 0,-1-1-12 0 0,0 0-1 0 0,-1 0 1 0 0,1 0 0 0 0,-1 0-1 0 0,0 1 1 0 0,0-1-1 0 0,3 7 1 0 0,-1 4 149 0 0,0 0 0 0 0,0-1 0 0 0,2 26 0 0 0,-3-6 851 0 0,-5-27 384 0 0,-2-22-707 0 0,4 13-760 0 0,0-1 1 0 0,0 0-1 0 0,0 0 0 0 0,0 1 0 0 0,0-1 0 0 0,1 0 0 0 0,0 0 0 0 0,1-3 1 0 0,11-31 670 0 0,-10 29-605 0 0,2-3 59 0 0,-5 9-184 0 0,1 0 0 0 0,0-1 1 0 0,0 1-1 0 0,0 0 0 0 0,1 0 1 0 0,-1 0-1 0 0,1 0 0 0 0,0 0 1 0 0,-1 0-1 0 0,1 0 0 0 0,1 1 1 0 0,-1-1-1 0 0,0 1 1 0 0,5-4-1 0 0,-6 5-46 0 0,-1 1 0 0 0,1 0 1 0 0,-1 0-1 0 0,1 0 0 0 0,-1 0 0 0 0,0 0 0 0 0,1 0 1 0 0,-1 0-1 0 0,1 0 0 0 0,-1 0 0 0 0,1 0 0 0 0,-1 0 1 0 0,1 0-1 0 0,-1 0 0 0 0,1 0 0 0 0,-1 0 1 0 0,1 0-1 0 0,-1 1 0 0 0,1-1 0 0 0,-1 0 0 0 0,0 0 1 0 0,1 0-1 0 0,-1 1 0 0 0,1-1 0 0 0,-1 0 0 0 0,0 1 1 0 0,1-1-1 0 0,-1 0 0 0 0,1 1 0 0 0,5 9-397 0 0,3 15-3213 0 0,-7-20 1924 0 0</inkml:trace>
+</inkml:ink>
+</file>
+
+<file path=ppt/ink/ink24.xml><?xml version="1.0" encoding="utf-8"?>
+<inkml:ink xmlns:inkml="http://www.w3.org/2003/InkML">
+  <inkml:definitions>
+    <inkml:context xml:id="ctx0">
+      <inkml:inkSource xml:id="inkSrc0">
+        <inkml:traceFormat>
+          <inkml:channel name="X" type="integer" min="-2.14748E9" max="2.14748E9" units="cm"/>
+          <inkml:channel name="Y" type="integer" min="-2.14748E9" max="2.14748E9" units="cm"/>
+          <inkml:channel name="F" type="integer" max="32767" units="dev"/>
+          <inkml:channel name="OA" type="integer" max="360" units="deg"/>
+          <inkml:channel name="OE" type="integer" max="90" units="deg"/>
+        </inkml:traceFormat>
+        <inkml:channelProperties>
+          <inkml:channelProperty channel="X" name="resolution" value="1000" units="1/cm"/>
+          <inkml:channelProperty channel="Y" name="resolution" value="1000" units="1/cm"/>
+          <inkml:channelProperty channel="F" name="resolution" value="0" units="1/dev"/>
+          <inkml:channelProperty channel="OA" name="resolution" value="1000" units="1/deg"/>
+          <inkml:channelProperty channel="OE" name="resolution" value="1000" units="1/deg"/>
+        </inkml:channelProperties>
+      </inkml:inkSource>
+      <inkml:timestamp xml:id="ts0" timeString="2020-11-03T16:21:39.369"/>
+    </inkml:context>
+    <inkml:brush xml:id="br0">
+      <inkml:brushProperty name="width" value="0.05" units="cm"/>
+      <inkml:brushProperty name="height" value="0.05" units="cm"/>
+      <inkml:brushProperty name="color" value="#E71224"/>
+    </inkml:brush>
+  </inkml:definitions>
+  <inkml:trace contextRef="#ctx0" brushRef="#br0">1 1 2760 0 0,'0'0'125'0'0,"3"3"434"0"0,9 12 7965 0 0,-4 3-3745 0 0,2 24-1764 0 0,-1-1-1026 0 0,-6-28-1416 0 0,0 0 0 0 0,2 24 0 0 0,-2-9-524 0 0,6 77-49 0 0,-5-14 150 0 0,-4-52-8910 0 0</inkml:trace>
+</inkml:ink>
+</file>
+
+<file path=ppt/ink/ink25.xml><?xml version="1.0" encoding="utf-8"?>
+<inkml:ink xmlns:inkml="http://www.w3.org/2003/InkML">
+  <inkml:definitions>
+    <inkml:context xml:id="ctx0">
+      <inkml:inkSource xml:id="inkSrc0">
+        <inkml:traceFormat>
+          <inkml:channel name="X" type="integer" min="-2.14748E9" max="2.14748E9" units="cm"/>
+          <inkml:channel name="Y" type="integer" min="-2.14748E9" max="2.14748E9" units="cm"/>
+          <inkml:channel name="F" type="integer" max="32767" units="dev"/>
+          <inkml:channel name="OA" type="integer" max="360" units="deg"/>
+          <inkml:channel name="OE" type="integer" max="90" units="deg"/>
+        </inkml:traceFormat>
+        <inkml:channelProperties>
+          <inkml:channelProperty channel="X" name="resolution" value="1000" units="1/cm"/>
+          <inkml:channelProperty channel="Y" name="resolution" value="1000" units="1/cm"/>
+          <inkml:channelProperty channel="F" name="resolution" value="0" units="1/dev"/>
+          <inkml:channelProperty channel="OA" name="resolution" value="1000" units="1/deg"/>
+          <inkml:channelProperty channel="OE" name="resolution" value="1000" units="1/deg"/>
+        </inkml:channelProperties>
+      </inkml:inkSource>
+      <inkml:timestamp xml:id="ts0" timeString="2020-11-03T16:21:39.707"/>
+    </inkml:context>
+    <inkml:brush xml:id="br0">
+      <inkml:brushProperty name="width" value="0.05" units="cm"/>
+      <inkml:brushProperty name="height" value="0.05" units="cm"/>
+      <inkml:brushProperty name="color" value="#E71224"/>
+    </inkml:brush>
+  </inkml:definitions>
+  <inkml:trace contextRef="#ctx0" brushRef="#br0">1 53 6912 0 0,'0'0'11327'0'0,"6"-3"-8496"0"0,92-21 1273 0 0,-44 13-3703 0 0,15-1-401 0 0,-69 12-10 0 0,1-1-1 0 0,-1 1 1 0 0,1 0 0 0 0,-1-1-1 0 0,1 1 1 0 0,0 0-1 0 0,-1 0 1 0 0,1 0 0 0 0,0 0-1 0 0,-1-1 1 0 0,1 1-1 0 0,0 0 1 0 0,-1 0-1 0 0,1 0 1 0 0,-1 0 0 0 0,1 1-1 0 0,0-1 1 0 0,-1 0-1 0 0,1 0 1 0 0,0 0 0 0 0</inkml:trace>
+</inkml:ink>
+</file>
+
+<file path=ppt/ink/ink26.xml><?xml version="1.0" encoding="utf-8"?>
+<inkml:ink xmlns:inkml="http://www.w3.org/2003/InkML">
+  <inkml:definitions>
+    <inkml:context xml:id="ctx0">
+      <inkml:inkSource xml:id="inkSrc0">
+        <inkml:traceFormat>
+          <inkml:channel name="X" type="integer" min="-2.14748E9" max="2.14748E9" units="cm"/>
+          <inkml:channel name="Y" type="integer" min="-2.14748E9" max="2.14748E9" units="cm"/>
+          <inkml:channel name="F" type="integer" max="32767" units="dev"/>
+          <inkml:channel name="OA" type="integer" max="360" units="deg"/>
+          <inkml:channel name="OE" type="integer" max="90" units="deg"/>
+        </inkml:traceFormat>
+        <inkml:channelProperties>
+          <inkml:channelProperty channel="X" name="resolution" value="1000" units="1/cm"/>
+          <inkml:channelProperty channel="Y" name="resolution" value="1000" units="1/cm"/>
+          <inkml:channelProperty channel="F" name="resolution" value="0" units="1/dev"/>
+          <inkml:channelProperty channel="OA" name="resolution" value="1000" units="1/deg"/>
+          <inkml:channelProperty channel="OE" name="resolution" value="1000" units="1/deg"/>
+        </inkml:channelProperties>
+      </inkml:inkSource>
+      <inkml:timestamp xml:id="ts0" timeString="2020-11-03T16:21:40.039"/>
+    </inkml:context>
+    <inkml:brush xml:id="br0">
+      <inkml:brushProperty name="width" value="0.05" units="cm"/>
+      <inkml:brushProperty name="height" value="0.05" units="cm"/>
+      <inkml:brushProperty name="color" value="#E71224"/>
+    </inkml:brush>
+  </inkml:definitions>
+  <inkml:trace contextRef="#ctx0" brushRef="#br0">0 89 8288 0 0,'0'0'6720'0'0,"1"0"-5971"0"0,2 2-556 0 0,-1 0 0 0 0,0-1-1 0 0,0 0 1 0 0,1 1 0 0 0,-1-1 0 0 0,0 0 0 0 0,1 0 0 0 0,-1 0-1 0 0,1-1 1 0 0,0 1 0 0 0,-1 0 0 0 0,1-1 0 0 0,0 0 0 0 0,-1 0-1 0 0,1 0 1 0 0,0 0 0 0 0,-1 0 0 0 0,1 0 0 0 0,0-1 0 0 0,-1 1 0 0 0,4-2-1 0 0,2-1 43 0 0,-4 2-138 0 0,-1 0 1 0 0,1 0 0 0 0,-1 0 0 0 0,0-1 0 0 0,1 1-1 0 0,-1-1 1 0 0,0 0 0 0 0,0 0 0 0 0,0 0 0 0 0,0-1 0 0 0,3-3-1 0 0,-3 2 41 0 0,0 1-1 0 0,-1-1 1 0 0,1 0 0 0 0,-1-1-1 0 0,0 1 1 0 0,0 0-1 0 0,0-1 1 0 0,0 1-1 0 0,-1-1 1 0 0,1-6 0 0 0,-2 10-120 0 0,0 0 0 0 0,0 0 1 0 0,0 0-1 0 0,0 0 0 0 0,-1 0 1 0 0,1 1-1 0 0,0-1 0 0 0,-1 0 1 0 0,1 0-1 0 0,-1 1 1 0 0,1-1-1 0 0,-1 0 0 0 0,1 0 1 0 0,-1 1-1 0 0,1-1 0 0 0,-1 0 1 0 0,0 1-1 0 0,1-1 0 0 0,-1 1 1 0 0,0-1-1 0 0,1 1 0 0 0,-1-1 1 0 0,0 1-1 0 0,0 0 0 0 0,0-1 1 0 0,1 1-1 0 0,-1 0 1 0 0,0-1-1 0 0,0 1 0 0 0,0 0 1 0 0,0 0-1 0 0,0 0 0 0 0,1 0 1 0 0,-1 0-1 0 0,0 0 0 0 0,0 0 1 0 0,0 0-1 0 0,0 0 0 0 0,0 0 1 0 0,1 1-1 0 0,-1-1 0 0 0,0 0 1 0 0,0 1-1 0 0,0-1 1 0 0,0 0-1 0 0,1 1 0 0 0,-1-1 1 0 0,0 1-1 0 0,1-1 0 0 0,-2 2 1 0 0,-4 4 197 0 0,-1 0 0 0 0,2 0 0 0 0,-1 0 1 0 0,1 1-1 0 0,0 0 0 0 0,0 0 1 0 0,-6 14-1 0 0,9-16-105 0 0,0 0 0 0 0,0 1 0 0 0,0-1 1 0 0,1 0-1 0 0,0 0 0 0 0,0 1 0 0 0,0-1 0 0 0,1 1 0 0 0,-1-1 1 0 0,1 1-1 0 0,1-1 0 0 0,-1 1 0 0 0,2 6 0 0 0,-2-10-108 0 0,3 2-9 0 0,3 3-9 0 0,-5-6-4 0 0,-1-1 0 0 0,1 1 1 0 0,0 0-1 0 0,-1-1 1 0 0,1 1-1 0 0,0-1 0 0 0,0 1 1 0 0,0-1-1 0 0,0 0 1 0 0,0 1-1 0 0,-1-1 1 0 0,1 0-1 0 0,0 1 0 0 0,0-1 1 0 0,0 0-1 0 0,0 0 1 0 0,0 0-1 0 0,0 0 1 0 0,0 0-1 0 0,0 0 0 0 0,0 0 1 0 0,0 0-1 0 0,2-1 1 0 0,20-8-2807 0 0,-15 4 1274 0 0</inkml:trace>
+</inkml:ink>
+</file>
+
+<file path=ppt/ink/ink27.xml><?xml version="1.0" encoding="utf-8"?>
+<inkml:ink xmlns:inkml="http://www.w3.org/2003/InkML">
+  <inkml:definitions>
+    <inkml:context xml:id="ctx0">
+      <inkml:inkSource xml:id="inkSrc0">
+        <inkml:traceFormat>
+          <inkml:channel name="X" type="integer" min="-2.14748E9" max="2.14748E9" units="cm"/>
+          <inkml:channel name="Y" type="integer" min="-2.14748E9" max="2.14748E9" units="cm"/>
+          <inkml:channel name="F" type="integer" max="32767" units="dev"/>
+          <inkml:channel name="OA" type="integer" max="360" units="deg"/>
+          <inkml:channel name="OE" type="integer" max="90" units="deg"/>
+        </inkml:traceFormat>
+        <inkml:channelProperties>
+          <inkml:channelProperty channel="X" name="resolution" value="1000" units="1/cm"/>
+          <inkml:channelProperty channel="Y" name="resolution" value="1000" units="1/cm"/>
+          <inkml:channelProperty channel="F" name="resolution" value="0" units="1/dev"/>
+          <inkml:channelProperty channel="OA" name="resolution" value="1000" units="1/deg"/>
+          <inkml:channelProperty channel="OE" name="resolution" value="1000" units="1/deg"/>
+        </inkml:channelProperties>
+      </inkml:inkSource>
+      <inkml:timestamp xml:id="ts0" timeString="2020-11-03T16:21:40.391"/>
+    </inkml:context>
+    <inkml:brush xml:id="br0">
+      <inkml:brushProperty name="width" value="0.05" units="cm"/>
+      <inkml:brushProperty name="height" value="0.05" units="cm"/>
+      <inkml:brushProperty name="color" value="#E71224"/>
+    </inkml:brush>
+  </inkml:definitions>
+  <inkml:trace contextRef="#ctx0" brushRef="#br0">69 204 15056 0 0,'0'1'33'0'0,"0"-1"1"0"0,-1 0-1 0 0,1 1 1 0 0,0-1-1 0 0,0 0 1 0 0,0 0-1 0 0,-1 0 1 0 0,1 1-1 0 0,0-1 1 0 0,-1 0-1 0 0,1 0 1 0 0,0 0-1 0 0,0 0 1 0 0,-1 1 0 0 0,1-1-1 0 0,0 0 1 0 0,-1 0-1 0 0,1 0 1 0 0,0 0-1 0 0,-1 0 1 0 0,1 0-1 0 0,0 0 1 0 0,-1 0-1 0 0,0 0 1 0 0,1 0-13 0 0,0 0 1 0 0,0 0-1 0 0,-1 0 1 0 0,1 0-1 0 0,0 0 1 0 0,0 0-1 0 0,-1 0 1 0 0,1 0 0 0 0,0 0-1 0 0,0 0 1 0 0,0 0-1 0 0,-1 0 1 0 0,1 0-1 0 0,0 1 1 0 0,0-1-1 0 0,-1 0 1 0 0,1 0-1 0 0,0 0 1 0 0,0 0-1 0 0,0 0 1 0 0,-1 1-1 0 0,1-1 1 0 0,0 0-1 0 0,0 0 1 0 0,0 0-1 0 0,0 0 1 0 0,-1 1-1 0 0,1-1 1 0 0,0 0-1 0 0,0 0 1 0 0,0 1-1 0 0,0-1 1 0 0,0 0-1 0 0,0 0 1 0 0,0 1-1 0 0,0-1 1 0 0,0 0-1 0 0,-18 36 1869 0 0,6-7-608 0 0,6-18-894 0 0,1 1 0 0 0,-6 22 0 0 0,10-31-325 0 0,0 1 1 0 0,1-1 0 0 0,-1 0-1 0 0,1 1 1 0 0,0-1-1 0 0,0 1 1 0 0,0-1 0 0 0,1 1-1 0 0,-1-1 1 0 0,1 0 0 0 0,0 1-1 0 0,0-1 1 0 0,0 0-1 0 0,0 1 1 0 0,2 2 0 0 0,-1-4 17 0 0,-1 1 0 0 0,1-1 0 0 0,0 0 0 0 0,0 0 0 0 0,0 0 0 0 0,0 0 0 0 0,0 0 0 0 0,1 0 0 0 0,-1-1 1 0 0,0 1-1 0 0,1-1 0 0 0,-1 1 0 0 0,4 0 0 0 0,-4-1-68 0 0,-1-1 0 0 0,1 1-1 0 0,0 0 1 0 0,0-1 0 0 0,-1 0 0 0 0,1 1 0 0 0,0-1 0 0 0,0 0 0 0 0,0 0-1 0 0,-1 0 1 0 0,1 0 0 0 0,0 0 0 0 0,0-1 0 0 0,0 1 0 0 0,-1 0-1 0 0,1-1 1 0 0,0 0 0 0 0,-1 1 0 0 0,1-1 0 0 0,0 0 0 0 0,-1 0-1 0 0,3-1 1 0 0,2-3 70 0 0,1 0 1 0 0,-1-1-1 0 0,-1 0 0 0 0,1 0 0 0 0,-1 0 0 0 0,0 0 0 0 0,0-1 0 0 0,4-9 0 0 0,2-8 99 0 0,-2-1 1 0 0,-1 0-1 0 0,-1 0 0 0 0,6-41 0 0 0,3-8 413 0 0,-8 35-241 0 0,-5 23 25 0 0,0 1-1 0 0,9-25 1 0 0,-9 37 545 0 0,-2 8-729 0 0,-2 11-194 0 0,-5 20 64 0 0,4-20-33 0 0,-5 21-1 0 0,-21 80-64 0 0,2-6-23 0 0,15-64-937 0 0,8-32-1619 0 0,0 0-3475 0 0,0-5-1979 0 0</inkml:trace>
+</inkml:ink>
+</file>
+
+<file path=ppt/ink/ink28.xml><?xml version="1.0" encoding="utf-8"?>
+<inkml:ink xmlns:inkml="http://www.w3.org/2003/InkML">
+  <inkml:definitions>
+    <inkml:context xml:id="ctx0">
+      <inkml:inkSource xml:id="inkSrc0">
+        <inkml:traceFormat>
+          <inkml:channel name="X" type="integer" min="-2.14748E9" max="2.14748E9" units="cm"/>
+          <inkml:channel name="Y" type="integer" min="-2.14748E9" max="2.14748E9" units="cm"/>
+          <inkml:channel name="F" type="integer" max="32767" units="dev"/>
+          <inkml:channel name="OA" type="integer" max="360" units="deg"/>
+          <inkml:channel name="OE" type="integer" max="90" units="deg"/>
+        </inkml:traceFormat>
+        <inkml:channelProperties>
+          <inkml:channelProperty channel="X" name="resolution" value="1000" units="1/cm"/>
+          <inkml:channelProperty channel="Y" name="resolution" value="1000" units="1/cm"/>
+          <inkml:channelProperty channel="F" name="resolution" value="0" units="1/dev"/>
+          <inkml:channelProperty channel="OA" name="resolution" value="1000" units="1/deg"/>
+          <inkml:channelProperty channel="OE" name="resolution" value="1000" units="1/deg"/>
+        </inkml:channelProperties>
+      </inkml:inkSource>
+      <inkml:timestamp xml:id="ts0" timeString="2020-11-03T16:21:41.307"/>
+    </inkml:context>
+    <inkml:brush xml:id="br0">
+      <inkml:brushProperty name="width" value="0.05" units="cm"/>
+      <inkml:brushProperty name="height" value="0.05" units="cm"/>
+      <inkml:brushProperty name="color" value="#E71224"/>
+    </inkml:brush>
+  </inkml:definitions>
+  <inkml:trace contextRef="#ctx0" brushRef="#br0">7 354 1840 0 0,'-6'8'16167'0'0,"9"-9"-15956"0"0,0-1-1 0 0,1 1 1 0 0,-1 0-1 0 0,0-1 0 0 0,1 0 1 0 0,-1 0-1 0 0,0 0 0 0 0,-1 0 1 0 0,1 0-1 0 0,0-1 0 0 0,0 1 1 0 0,-1-1-1 0 0,0 0 1 0 0,1 1-1 0 0,2-6 0 0 0,4-7 557 0 0,15-32 0 0 0,-22 44-704 0 0,18-46 799 0 0,18-65 0 0 0,-30 88-605 0 0,-3 9-76 0 0,-2 5 68 0 0,1-1 0 0 0,7-14 0 0 0,-10 27-239 0 0,0 1-1 0 0,0-1 1 0 0,0 1-1 0 0,0-1 1 0 0,-1 1-1 0 0,1 0 1 0 0,0-1-1 0 0,0 1 1 0 0,-1 0-1 0 0,1 0 1 0 0,-1-1-1 0 0,1 1 1 0 0,-1 0-1 0 0,1 0 1 0 0,-1 0-1 0 0,1 0 1 0 0,-1 0-1 0 0,0-1 1 0 0,1 1-1 0 0,-1 0 1 0 0,0 0-1 0 0,0 0 1 0 0,0 0-1 0 0,0 1 1 0 0,5 30 56 0 0,-5-28-55 0 0,5 69 318 0 0,-3-35 25 0 0,10 56 0 0 0,-7-63-199 0 0,-4-22-106 0 0,0 0-1 0 0,4 16 0 0 0,5 12 47 0 0,-7-25-118 0 0,0-1 0 0 0,8 21-1 0 0,-10-31-39 0 0,-1 0 19 0 0,1 0 1 0 0,-1 0-1 0 0,1 0 0 0 0,-1 0 0 0 0,1-1 1 0 0,-1 1-1 0 0,0 0 0 0 0,1 0 0 0 0,-1 0 1 0 0,0 0-1 0 0,0 0 0 0 0,0 0 0 0 0,0 0 0 0 0,0 0 1 0 0,0 0-1 0 0,0 0 0 0 0,0 0 0 0 0,0 0 1 0 0,0 0-1 0 0,0 0 0 0 0,0 0 0 0 0,-1 0 1 0 0,1 0-1 0 0,-1 1 0 0 0,-20-7-16315 0 0</inkml:trace>
+</inkml:ink>
+</file>
+
+<file path=ppt/ink/ink29.xml><?xml version="1.0" encoding="utf-8"?>
 <inkml:ink xmlns:inkml="http://www.w3.org/2003/InkML">
   <inkml:definitions>
     <inkml:context xml:id="ctx0">
@@ -212,7 +2324,7 @@
 </inkml:ink>
 </file>
 
-<file path=ppt/ink/ink100.xml><?xml version="1.0" encoding="utf-8"?>
+<file path=ppt/ink/ink3.xml><?xml version="1.0" encoding="utf-8"?>
 <inkml:ink xmlns:inkml="http://www.w3.org/2003/InkML">
   <inkml:definitions>
     <inkml:context xml:id="ctx0">
@@ -232,307 +2344,19 @@
           <inkml:channelProperty channel="OE" name="resolution" value="1000" units="1/deg"/>
         </inkml:channelProperties>
       </inkml:inkSource>
-      <inkml:timestamp xml:id="ts0" timeString="2020-11-03T16:23:06.867"/>
+      <inkml:timestamp xml:id="ts0" timeString="2020-11-04T18:00:31.817"/>
     </inkml:context>
     <inkml:brush xml:id="br0">
       <inkml:brushProperty name="width" value="0.05" units="cm"/>
       <inkml:brushProperty name="height" value="0.05" units="cm"/>
-      <inkml:brushProperty name="color" value="#E71224"/>
+      <inkml:brushProperty name="color" value="#004F8B"/>
     </inkml:brush>
   </inkml:definitions>
-  <inkml:trace contextRef="#ctx0" brushRef="#br0">1 0 3224 0 0,'0'0'288'0'0</inkml:trace>
+  <inkml:trace contextRef="#ctx0" brushRef="#br0">62 41 8952 0 0,'-4'0'330'0'0,"-1"-1"0"0"0,1 0 1 0 0,-1 0-1 0 0,1 0 0 0 0,0-1 1 0 0,-1 0-1 0 0,1 1 1 0 0,0-1-1 0 0,0-1 0 0 0,0 1 1 0 0,1-1-1 0 0,-8-6 2452 0 0,11 8-2648 0 0,0 1 1 0 0,1-1-1 0 0,-1 1 0 0 0,0-1 1 0 0,1 1-1 0 0,-1 0 0 0 0,1-1 0 0 0,-1 1 1 0 0,1-1-1 0 0,-1 1 0 0 0,1 0 1 0 0,-1-1-1 0 0,1 1 0 0 0,-1 0 0 0 0,1-1 1 0 0,-1 1-1 0 0,1 0 0 0 0,0 0 0 0 0,-1 0 1 0 0,1 0-1 0 0,-1-1 0 0 0,1 1 1 0 0,0 0-1 0 0,0 0 0 0 0,23-3-130 0 0,-13 2 378 0 0,-8 1-267 0 0,-1-1 1 0 0,0 1 0 0 0,1 0 0 0 0,-1 0-1 0 0,0 1 1 0 0,1-1 0 0 0,-1 0-1 0 0,5 2 1 0 0,6 0 265 0 0,112 10 1764 0 0,-72-5-1302 0 0,0-3-1 0 0,67-4 0 0 0,-8-3 179 0 0,143 15 1 0 0,-142-5-1017 0 0,-33-1 192 0 0,-9-1 356 0 0,80-4 1 0 0,10 0 24 0 0,-16 0-92 0 0,86-4 220 0 0,-163 5-288 0 0,92 16-1 0 0,-142-15-356 0 0,-9-2-25 0 0,-1 0 0 0 0,0 1 0 0 0,0 0 0 0 0,0 0 0 0 0,0 1-1 0 0,10 4 1 0 0,-6-1 41 0 0,0-2-1 0 0,0 1 1 0 0,1-2-1 0 0,-1 1 1 0 0,19 1-1 0 0,-29-4-56 0 0,1-1 0 0 0,-1 0-1 0 0,1 1 1 0 0,0-1 0 0 0,-1 0 0 0 0,1 0 0 0 0,-1-1-1 0 0,1 1 1 0 0,-1 0 0 0 0,1-1 0 0 0,-1 0 0 0 0,1 1 0 0 0,-1-1-1 0 0,0 0 1 0 0,1 0 0 0 0,-1-1 0 0 0,0 1 0 0 0,0 0-1 0 0,0-1 1 0 0,4-2 0 0 0,-1 0-23 0 0,-5 4 4 0 0,0 0-1 0 0,1 0 1 0 0,-1 0-1 0 0,0 0 0 0 0,0 0 1 0 0,0 0-1 0 0,1 0 1 0 0,-1 0-1 0 0,0 0 0 0 0,0 0 1 0 0,0 0-1 0 0,1-1 0 0 0,-1 1 1 0 0,0 0-1 0 0,0 0 1 0 0,0 0-1 0 0,0 0 0 0 0,0-1 1 0 0,0 1-1 0 0,1 0 1 0 0,-1 0-1 0 0,0 0 0 0 0,0 0 1 0 0,0-1-1 0 0,0 1 1 0 0,0 0-1 0 0,0 0 0 0 0,0 0 1 0 0,0-1-1 0 0,0 1 0 0 0,0 0 1 0 0,0 0-1 0 0,0-1 1 0 0,0 0 5 0 0,1 0 0 0 0,-1-1 0 0 0,1 1 0 0 0,-1 0 0 0 0,1 0 0 0 0,-1-1 0 0 0,1 1 0 0 0,-1 0 0 0 0,1 0 0 0 0,1-1 0 0 0,1-3-67 0 0,0 2-341 0 0</inkml:trace>
 </inkml:ink>
 </file>
 
-<file path=ppt/ink/ink101.xml><?xml version="1.0" encoding="utf-8"?>
-<inkml:ink xmlns:inkml="http://www.w3.org/2003/InkML">
-  <inkml:definitions>
-    <inkml:context xml:id="ctx0">
-      <inkml:inkSource xml:id="inkSrc0">
-        <inkml:traceFormat>
-          <inkml:channel name="X" type="integer" min="-2.14748E9" max="2.14748E9" units="cm"/>
-          <inkml:channel name="Y" type="integer" min="-2.14748E9" max="2.14748E9" units="cm"/>
-          <inkml:channel name="F" type="integer" max="32767" units="dev"/>
-          <inkml:channel name="OA" type="integer" max="360" units="deg"/>
-          <inkml:channel name="OE" type="integer" max="90" units="deg"/>
-        </inkml:traceFormat>
-        <inkml:channelProperties>
-          <inkml:channelProperty channel="X" name="resolution" value="1000" units="1/cm"/>
-          <inkml:channelProperty channel="Y" name="resolution" value="1000" units="1/cm"/>
-          <inkml:channelProperty channel="F" name="resolution" value="0" units="1/dev"/>
-          <inkml:channelProperty channel="OA" name="resolution" value="1000" units="1/deg"/>
-          <inkml:channelProperty channel="OE" name="resolution" value="1000" units="1/deg"/>
-        </inkml:channelProperties>
-      </inkml:inkSource>
-      <inkml:timestamp xml:id="ts0" timeString="2020-11-03T16:23:16.889"/>
-    </inkml:context>
-    <inkml:brush xml:id="br0">
-      <inkml:brushProperty name="width" value="0.05" units="cm"/>
-      <inkml:brushProperty name="height" value="0.05" units="cm"/>
-      <inkml:brushProperty name="color" value="#E71224"/>
-    </inkml:brush>
-  </inkml:definitions>
-  <inkml:trace contextRef="#ctx0" brushRef="#br0">360 206 10136 0 0,'0'0'918'0'0,"3"-11"-339"0"0,-3 6-95 0 0,0 1-1 0 0,-1-1 1 0 0,0 0 0 0 0,0 1 0 0 0,0-1-1 0 0,-3-5 1 0 0,3 6-243 0 0,0 0 28 0 0,1 1 0 0 0,0 0 0 0 0,0-1 0 0 0,0 1 0 0 0,0 0 1 0 0,0-1-1 0 0,0 1 0 0 0,1 0 0 0 0,1-6 0 0 0,-4-24 2162 0 0,1 32-2336 0 0,1-1 0 0 0,0 1 0 0 0,-1-1 0 0 0,1 1 0 0 0,-1-1 0 0 0,0 1 0 0 0,1-1-1 0 0,-1 1 1 0 0,0 0 0 0 0,0-1 0 0 0,0 1 0 0 0,0 0 0 0 0,0 0 0 0 0,0 0 0 0 0,0-1 0 0 0,-1 1 0 0 0,1 0 0 0 0,-2 0 0 0 0,-5-7 385 0 0,5 5-390 0 0,0 1 0 0 0,1-1 0 0 0,-1 1 1 0 0,-1 0-1 0 0,1 0 0 0 0,0 0 0 0 0,0 1 0 0 0,-1-1 0 0 0,1 1 1 0 0,-1 0-1 0 0,1 0 0 0 0,-1 0 0 0 0,0 0 0 0 0,1 1 0 0 0,-1-1 1 0 0,0 1-1 0 0,1 0 0 0 0,-1 0 0 0 0,0 0 0 0 0,1 1 0 0 0,-1-1 1 0 0,-5 2-1 0 0,1 0 16 0 0,0 0 1 0 0,0 1-1 0 0,1-1 1 0 0,-1 1-1 0 0,1 1 1 0 0,0 0-1 0 0,0 0 1 0 0,0 0-1 0 0,-9 8 1 0 0,7-3-80 0 0,0 0 1 0 0,1 0 0 0 0,0 1-1 0 0,1 0 1 0 0,0 1 0 0 0,-9 18 0 0 0,-26 73 15 0 0,32-74-46 0 0,1-3 51 0 0,0 0 0 0 0,2 1 0 0 0,1 0 0 0 0,1 0 0 0 0,1 0 0 0 0,2 1 0 0 0,0-1 0 0 0,2 1 0 0 0,1 0 0 0 0,6 39 0 0 0,-3-47 34 0 0,0-1-1 0 0,1 0 0 0 0,1 0 1 0 0,0-1-1 0 0,2 0 1 0 0,11 21-1 0 0,-13-29-40 0 0,0 0 0 0 0,0-1 1 0 0,1 0-1 0 0,0 0 0 0 0,1 0 0 0 0,-1-1 0 0 0,1 0 1 0 0,1-1-1 0 0,-1 0 0 0 0,1 0 0 0 0,0-1 0 0 0,16 7 0 0 0,-12-7-4 0 0,0-1-1 0 0,0 0 0 0 0,0-1 0 0 0,0 0 0 0 0,0-1 0 0 0,1-1 1 0 0,-1 0-1 0 0,1-1 0 0 0,-1-1 0 0 0,0 0 0 0 0,1 0 0 0 0,-1-1 0 0 0,0-1 1 0 0,0 0-1 0 0,24-10 0 0 0,-25 8 21 0 0,-1-1 0 0 0,0 0 0 0 0,0 0 0 0 0,-1-1 0 0 0,0 0 0 0 0,0-1 0 0 0,-1 0 0 0 0,0-1 0 0 0,0 0 0 0 0,-1 0 0 0 0,7-11 0 0 0,12-21 111 0 0,-2-1 0 0 0,-3-2 0 0 0,30-76 0 0 0,-43 92 74 0 0,-1-1 0 0 0,-1 0-1 0 0,5-38 1 0 0,-10 44-16 0 0,-1 1-1 0 0,0 0 1 0 0,-2-1-1 0 0,-7-43 1 0 0,6 55-210 0 0,0 0 1 0 0,-2 0-1 0 0,1 1 1 0 0,-1-1 0 0 0,-1 1-1 0 0,0 0 1 0 0,0 1-1 0 0,-1-1 1 0 0,-8-9-1 0 0,8 12-4 0 0,0 0 0 0 0,-1 1-1 0 0,1-1 1 0 0,-2 1 0 0 0,1 1-1 0 0,-1 0 1 0 0,1 0-1 0 0,-1 0 1 0 0,-1 1 0 0 0,1 0-1 0 0,-11-3 1 0 0,3 2-115 0 0,1 2 0 0 0,-1-1 1 0 0,0 2-1 0 0,1 0 0 0 0,-1 1 0 0 0,-26 2 0 0 0,20 1-92 0 0,-1 1-1 0 0,1 0 1 0 0,-1 2-1 0 0,-21 8 1 0 0,40-12-18 0 0,1 1 0 0 0,-1-1 0 0 0,1 1 0 0 0,-1 0 0 0 0,-3 2-1 0 0,-5 8-3592 0 0</inkml:trace>
-</inkml:ink>
-</file>
-
-<file path=ppt/ink/ink102.xml><?xml version="1.0" encoding="utf-8"?>
-<inkml:ink xmlns:inkml="http://www.w3.org/2003/InkML">
-  <inkml:definitions>
-    <inkml:context xml:id="ctx0">
-      <inkml:inkSource xml:id="inkSrc0">
-        <inkml:traceFormat>
-          <inkml:channel name="X" type="integer" min="-2.14748E9" max="2.14748E9" units="cm"/>
-          <inkml:channel name="Y" type="integer" min="-2.14748E9" max="2.14748E9" units="cm"/>
-          <inkml:channel name="F" type="integer" max="32767" units="dev"/>
-          <inkml:channel name="OA" type="integer" max="360" units="deg"/>
-          <inkml:channel name="OE" type="integer" max="90" units="deg"/>
-        </inkml:traceFormat>
-        <inkml:channelProperties>
-          <inkml:channelProperty channel="X" name="resolution" value="1000" units="1/cm"/>
-          <inkml:channelProperty channel="Y" name="resolution" value="1000" units="1/cm"/>
-          <inkml:channelProperty channel="F" name="resolution" value="0" units="1/dev"/>
-          <inkml:channelProperty channel="OA" name="resolution" value="1000" units="1/deg"/>
-          <inkml:channelProperty channel="OE" name="resolution" value="1000" units="1/deg"/>
-        </inkml:channelProperties>
-      </inkml:inkSource>
-      <inkml:timestamp xml:id="ts0" timeString="2020-11-03T16:23:17.624"/>
-    </inkml:context>
-    <inkml:brush xml:id="br0">
-      <inkml:brushProperty name="width" value="0.05" units="cm"/>
-      <inkml:brushProperty name="height" value="0.05" units="cm"/>
-      <inkml:brushProperty name="color" value="#E71224"/>
-    </inkml:brush>
-  </inkml:definitions>
-  <inkml:trace contextRef="#ctx0" brushRef="#br0">1 111 6448 0 0,'0'0'6418'0'0,"6"-11"-2307"0"0,-2 5-3548 0 0,0 0 0 0 0,1 1 0 0 0,0-1-1 0 0,0 1 1 0 0,0 0 0 0 0,1 0 0 0 0,7-5 0 0 0,7-6 220 0 0,-16 12-614 0 0,1 0-1 0 0,0 1 1 0 0,0-1-1 0 0,1 1 1 0 0,-1 0-1 0 0,1 1 1 0 0,-1-1-1 0 0,1 1 1 0 0,0 0-1 0 0,0 0 1 0 0,0 1-1 0 0,0 0 0 0 0,8-1 1 0 0,-11 2-133 0 0,0 1-1 0 0,0-1 1 0 0,0 1 0 0 0,0-1 0 0 0,0 1-1 0 0,0 0 1 0 0,0 0 0 0 0,0 0-1 0 0,-1 1 1 0 0,1-1 0 0 0,0 1 0 0 0,-1-1-1 0 0,1 1 1 0 0,-1 0 0 0 0,0 0-1 0 0,1 0 1 0 0,-1 0 0 0 0,0 0 0 0 0,0 0-1 0 0,-1 1 1 0 0,1-1 0 0 0,1 4 0 0 0,3 5 72 0 0,0 0 1 0 0,-1 0 0 0 0,6 23 0 0 0,-9-30-111 0 0,-1 0 0 0 0,0 0 0 0 0,1 0 0 0 0,0 0 0 0 0,0-1 0 0 0,4 7 0 0 0,-5-9 3 0 0,0 0 1 0 0,0 0-1 0 0,0-1 1 0 0,-1 1-1 0 0,1 0 0 0 0,0 0 1 0 0,0-1-1 0 0,0 1 0 0 0,0-1 1 0 0,0 1-1 0 0,0-1 0 0 0,0 0 1 0 0,0 1-1 0 0,1-1 0 0 0,-1 0 1 0 0,0 1-1 0 0,0-1 1 0 0,0 0-1 0 0,0 0 0 0 0,0 0 1 0 0,0 0-1 0 0,1 0 0 0 0,-1-1 1 0 0,0 1-1 0 0,0 0 0 0 0,0 0 1 0 0,0-1-1 0 0,0 1 0 0 0,2-1 1 0 0,9-5 78 0 0,0-1 0 0 0,-1 0 0 0 0,0-1 1 0 0,11-9-1 0 0,14-9-758 0 0,-21 15-961 0 0,-1 0-4138 0 0,0-1-2060 0 0</inkml:trace>
-</inkml:ink>
-</file>
-
-<file path=ppt/ink/ink103.xml><?xml version="1.0" encoding="utf-8"?>
-<inkml:ink xmlns:inkml="http://www.w3.org/2003/InkML">
-  <inkml:definitions>
-    <inkml:context xml:id="ctx0">
-      <inkml:inkSource xml:id="inkSrc0">
-        <inkml:traceFormat>
-          <inkml:channel name="X" type="integer" min="-2.14748E9" max="2.14748E9" units="cm"/>
-          <inkml:channel name="Y" type="integer" min="-2.14748E9" max="2.14748E9" units="cm"/>
-          <inkml:channel name="F" type="integer" max="32767" units="dev"/>
-          <inkml:channel name="OA" type="integer" max="360" units="deg"/>
-          <inkml:channel name="OE" type="integer" max="90" units="deg"/>
-        </inkml:traceFormat>
-        <inkml:channelProperties>
-          <inkml:channelProperty channel="X" name="resolution" value="1000" units="1/cm"/>
-          <inkml:channelProperty channel="Y" name="resolution" value="1000" units="1/cm"/>
-          <inkml:channelProperty channel="F" name="resolution" value="0" units="1/dev"/>
-          <inkml:channelProperty channel="OA" name="resolution" value="1000" units="1/deg"/>
-          <inkml:channelProperty channel="OE" name="resolution" value="1000" units="1/deg"/>
-        </inkml:channelProperties>
-      </inkml:inkSource>
-      <inkml:timestamp xml:id="ts0" timeString="2020-11-03T16:23:18.391"/>
-    </inkml:context>
-    <inkml:brush xml:id="br0">
-      <inkml:brushProperty name="width" value="0.05" units="cm"/>
-      <inkml:brushProperty name="height" value="0.05" units="cm"/>
-      <inkml:brushProperty name="color" value="#E71224"/>
-    </inkml:brush>
-  </inkml:definitions>
-  <inkml:trace contextRef="#ctx0" brushRef="#br0">216 9 7832 0 0,'0'0'7813'0'0,"-1"-6"-5363"0"0,-1 6-2280 0 0,0-1-1 0 0,-1 1 1 0 0,1-1-1 0 0,0 1 1 0 0,-1 0-1 0 0,1 0 1 0 0,-1 0-1 0 0,1 0 0 0 0,0 1 1 0 0,-1-1-1 0 0,1 0 1 0 0,0 1-1 0 0,-1 0 1 0 0,1-1-1 0 0,0 1 0 0 0,0 0 1 0 0,0 0-1 0 0,-1 1 1 0 0,1-1-1 0 0,0 0 1 0 0,0 1-1 0 0,1-1 0 0 0,-3 3 1 0 0,-1 0-1 0 0,1 1 1 0 0,0-1-1 0 0,0 1 0 0 0,0 0 1 0 0,0 0-1 0 0,1 0 0 0 0,0 0 1 0 0,-4 10-1 0 0,-53 167 915 0 0,50-149-919 0 0,-2 5 80 0 0,1 1 0 0 0,2 0 0 0 0,2 0-1 0 0,-3 51 1 0 0,8-35-95 0 0,2 81 532 0 0,1-122-629 0 0,1 1 0 0 0,0-1 0 0 0,1 0 0 0 0,0 0 0 0 0,1 0 0 0 0,1-1 0 0 0,8 16 0 0 0,3-2-48 0 0,-15-25-7 0 0,0 0 0 0 0,1 0 0 0 0,-1-1 0 0 0,1 1-1 0 0,-1-1 1 0 0,1 1 0 0 0,0-1 0 0 0,-1 1 0 0 0,1-1-1 0 0,0 0 1 0 0,2 1 0 0 0,-3-2-36 0 0,0 0 0 0 0,-1 0 0 0 0,1 0 0 0 0,0 0 0 0 0,0 0 0 0 0,-1 0 0 0 0,1 0 0 0 0,0 0 0 0 0,-1 0 0 0 0,1-1 0 0 0,0 1-1 0 0,0 0 1 0 0,-1 0 0 0 0,1-1 0 0 0,-1 1 0 0 0,1-1 0 0 0,0 1 0 0 0,-1 0 0 0 0,1-1 0 0 0,-1 1 0 0 0,1-1 0 0 0,-1 1 0 0 0,1-1 0 0 0,-1 0 0 0 0,1 1 0 0 0,-1-1 0 0 0,0 1 0 0 0,1-1 0 0 0,-1 0 0 0 0,9-20-4102 0 0,-4 7-4013 0 0</inkml:trace>
-</inkml:ink>
-</file>
-
-<file path=ppt/ink/ink104.xml><?xml version="1.0" encoding="utf-8"?>
-<inkml:ink xmlns:inkml="http://www.w3.org/2003/InkML">
-  <inkml:definitions>
-    <inkml:context xml:id="ctx0">
-      <inkml:inkSource xml:id="inkSrc0">
-        <inkml:traceFormat>
-          <inkml:channel name="X" type="integer" min="-2.14748E9" max="2.14748E9" units="cm"/>
-          <inkml:channel name="Y" type="integer" min="-2.14748E9" max="2.14748E9" units="cm"/>
-          <inkml:channel name="F" type="integer" max="32767" units="dev"/>
-          <inkml:channel name="OA" type="integer" max="360" units="deg"/>
-          <inkml:channel name="OE" type="integer" max="90" units="deg"/>
-        </inkml:traceFormat>
-        <inkml:channelProperties>
-          <inkml:channelProperty channel="X" name="resolution" value="1000" units="1/cm"/>
-          <inkml:channelProperty channel="Y" name="resolution" value="1000" units="1/cm"/>
-          <inkml:channelProperty channel="F" name="resolution" value="0" units="1/dev"/>
-          <inkml:channelProperty channel="OA" name="resolution" value="1000" units="1/deg"/>
-          <inkml:channelProperty channel="OE" name="resolution" value="1000" units="1/deg"/>
-        </inkml:channelProperties>
-      </inkml:inkSource>
-      <inkml:timestamp xml:id="ts0" timeString="2020-11-03T16:23:19.121"/>
-    </inkml:context>
-    <inkml:brush xml:id="br0">
-      <inkml:brushProperty name="width" value="0.05" units="cm"/>
-      <inkml:brushProperty name="height" value="0.05" units="cm"/>
-      <inkml:brushProperty name="color" value="#E71224"/>
-    </inkml:brush>
-  </inkml:definitions>
-  <inkml:trace contextRef="#ctx0" brushRef="#br0">11 247 7168 0 0,'0'0'652'0'0,"-1"0"-540"0"0,-2 1-23 0 0,2 0 311 0 0,0 0-10 0 0,0 0-1 0 0,1 0 1 0 0,-1 0-1 0 0,1 0 1 0 0,-1 1-1 0 0,1-1 1 0 0,-1 0-1 0 0,1 0 1 0 0,0 1 0 0 0,-1-1-1 0 0,1 0 1 0 0,0 0-1 0 0,0 1 1 0 0,0-1-1 0 0,0 0 1 0 0,0 1-1 0 0,1 1 1 0 0,-1-2-186 0 0,0 0 0 0 0,0 0 0 0 0,0-1 0 0 0,1 1 0 0 0,-1 0 1 0 0,0-1-1 0 0,0 1 0 0 0,1 0 0 0 0,-1-1 0 0 0,1 1 0 0 0,-1 0 0 0 0,0-1 0 0 0,1 1 0 0 0,-1-1 1 0 0,1 1-1 0 0,0-1 0 0 0,-1 1 0 0 0,4 1 3279 0 0,9-10-2692 0 0,-10 4-643 0 0,0 0 0 0 0,0 0 0 0 0,-1 0 0 0 0,1 0 1 0 0,-1-1-1 0 0,0 1 0 0 0,0-1 0 0 0,0 1 0 0 0,-1-1 1 0 0,2-7-1 0 0,7-20 424 0 0,1 3-572 0 0,4-8 0 0 0,1 8 316 0 0,31-54 1304 0 0,-47 82-1620 0 0,0 1 1 0 0,1 0-1 0 0,-1 0 0 0 0,0-1 0 0 0,0 1 0 0 0,0 0 1 0 0,0 0-1 0 0,0-1 0 0 0,0 1 0 0 0,1 0 0 0 0,-1 0 0 0 0,0 0 1 0 0,0 0-1 0 0,0-1 0 0 0,1 1 0 0 0,-1 0 0 0 0,0 0 1 0 0,0 0-1 0 0,0 0 0 0 0,1 0 0 0 0,-1-1 0 0 0,0 1 1 0 0,0 0-1 0 0,1 0 0 0 0,-1 0 0 0 0,0 0 0 0 0,0 0 1 0 0,1 0-1 0 0,-1 0 0 0 0,0 0 0 0 0,1 0 0 0 0,-1 0 0 0 0,0 0 1 0 0,5 9 14 0 0,-1 20 16 0 0,-4-22-28 0 0,6 34-3 0 0,14 56 0 0 0,-14-78 0 0 0,0-1 0 0 0,0 0 0 0 0,2-1 0 0 0,0 1 0 0 0,15 21 0 0 0,-20-35-1 0 0,0 1 0 0 0,1 0 0 0 0,0-1 0 0 0,0 0 0 0 0,0 0 0 0 0,0 0 0 0 0,1-1 0 0 0,7 6-1 0 0,-11-9 6 0 0,1 1 0 0 0,-1 0 0 0 0,1 0 0 0 0,0-1 0 0 0,-1 1 0 0 0,1-1 0 0 0,0 1 0 0 0,0-1 0 0 0,-1 0 0 0 0,1 0 0 0 0,0 1 0 0 0,0-1 0 0 0,0 0-1 0 0,-1-1 1 0 0,1 1 0 0 0,0 0 0 0 0,0-1 0 0 0,-1 1 0 0 0,1-1 0 0 0,0 1 0 0 0,-1-1 0 0 0,1 0 0 0 0,0 1 0 0 0,-1-1 0 0 0,1 0 0 0 0,-1 0-1 0 0,1 0 1 0 0,-1-1 0 0 0,0 1 0 0 0,3-3 0 0 0,1-1 23 0 0,-1-1 0 0 0,0 1 0 0 0,0-1 0 0 0,0 0 0 0 0,-1-1 0 0 0,0 1-1 0 0,0 0 1 0 0,3-14 0 0 0,0-4 67 0 0,3-30-1 0 0,-4 18-94 0 0,0 10 31 0 0,0-50 0 0 0,-6 69-224 0 0,0 0 0 0 0,0 0 0 0 0,0 1 0 0 0,-5-12 0 0 0,0-4-2164 0 0,5 20 744 0 0</inkml:trace>
-</inkml:ink>
-</file>
-
-<file path=ppt/ink/ink105.xml><?xml version="1.0" encoding="utf-8"?>
-<inkml:ink xmlns:inkml="http://www.w3.org/2003/InkML">
-  <inkml:definitions>
-    <inkml:context xml:id="ctx0">
-      <inkml:inkSource xml:id="inkSrc0">
-        <inkml:traceFormat>
-          <inkml:channel name="X" type="integer" min="-2.14748E9" max="2.14748E9" units="cm"/>
-          <inkml:channel name="Y" type="integer" min="-2.14748E9" max="2.14748E9" units="cm"/>
-          <inkml:channel name="F" type="integer" max="32767" units="dev"/>
-          <inkml:channel name="OA" type="integer" max="360" units="deg"/>
-          <inkml:channel name="OE" type="integer" max="90" units="deg"/>
-        </inkml:traceFormat>
-        <inkml:channelProperties>
-          <inkml:channelProperty channel="X" name="resolution" value="1000" units="1/cm"/>
-          <inkml:channelProperty channel="Y" name="resolution" value="1000" units="1/cm"/>
-          <inkml:channelProperty channel="F" name="resolution" value="0" units="1/dev"/>
-          <inkml:channelProperty channel="OA" name="resolution" value="1000" units="1/deg"/>
-          <inkml:channelProperty channel="OE" name="resolution" value="1000" units="1/deg"/>
-        </inkml:channelProperties>
-      </inkml:inkSource>
-      <inkml:timestamp xml:id="ts0" timeString="2020-11-03T16:23:19.637"/>
-    </inkml:context>
-    <inkml:brush xml:id="br0">
-      <inkml:brushProperty name="width" value="0.05" units="cm"/>
-      <inkml:brushProperty name="height" value="0.05" units="cm"/>
-      <inkml:brushProperty name="color" value="#E71224"/>
-    </inkml:brush>
-  </inkml:definitions>
-  <inkml:trace contextRef="#ctx0" brushRef="#br0">4 56 2760 0 0,'-3'-15'604'0'0,"3"-1"11723"0"0,0 9-10668 0 0,22-6 1629 0 0,-20 13-3170 0 0,-1-1 0 0 0,1 0 0 0 0,-1 1 0 0 0,1-1 0 0 0,0 1 0 0 0,-1-1 0 0 0,1 1-1 0 0,0 0 1 0 0,0 0 0 0 0,-1 0 0 0 0,1 0 0 0 0,0 0 0 0 0,-1 0 0 0 0,1 0 0 0 0,0 0 0 0 0,0 1 0 0 0,-1-1 0 0 0,1 1 0 0 0,-1-1 0 0 0,4 2 0 0 0,-4 0-47 0 0,1-1 0 0 0,-1 0 0 0 0,1 1 1 0 0,-1 0-1 0 0,0-1 0 0 0,1 1 1 0 0,-1 0-1 0 0,0-1 0 0 0,0 1 0 0 0,0 0 1 0 0,0 0-1 0 0,-1 0 0 0 0,1 0 0 0 0,0 3 1 0 0,1 5 28 0 0,-1 1 0 0 0,0-1-1 0 0,0 0 1 0 0,-1 0 0 0 0,-2 14 0 0 0,1-17 39 0 0,1 0 0 0 0,0-1 0 0 0,0 1 0 0 0,0 0 0 0 0,1 0 0 0 0,1 7 0 0 0,-2-13-118 0 0,1 1 0 0 0,-1-1 1 0 0,1 1-1 0 0,-1-1 0 0 0,1 0 1 0 0,0 1-1 0 0,0-1 1 0 0,0 1-1 0 0,0-1 0 0 0,0 0 1 0 0,0 0-1 0 0,0 0 0 0 0,0 0 1 0 0,0 0-1 0 0,0 0 0 0 0,1 0 1 0 0,-1 0-1 0 0,0 0 1 0 0,1 0-1 0 0,-1-1 0 0 0,1 1 1 0 0,-1 0-1 0 0,1-1 0 0 0,-1 1 1 0 0,1-1-1 0 0,-1 0 0 0 0,1 0 1 0 0,0 1-1 0 0,-1-1 0 0 0,1 0 1 0 0,1-1-1 0 0,6 1 50 0 0,0 0 1 0 0,0-1-1 0 0,0 0 0 0 0,0-1 0 0 0,15-5 1 0 0,-19 6-215 0 0,-1-1 0 0 0,0 0 0 0 0,0 0 0 0 0,0-1 1 0 0,6-4-1 0 0,-7 5-358 0 0,-1 0 1 0 0,0 0 0 0 0,0 0-1 0 0,0-1 1 0 0,0 1-1 0 0,0-1 1 0 0,0 1 0 0 0,-1-1-1 0 0,2-4 1 0 0,0-1-1387 0 0</inkml:trace>
-</inkml:ink>
-</file>
-
-<file path=ppt/ink/ink106.xml><?xml version="1.0" encoding="utf-8"?>
-<inkml:ink xmlns:inkml="http://www.w3.org/2003/InkML">
-  <inkml:definitions>
-    <inkml:context xml:id="ctx0">
-      <inkml:inkSource xml:id="inkSrc0">
-        <inkml:traceFormat>
-          <inkml:channel name="X" type="integer" min="-2.14748E9" max="2.14748E9" units="cm"/>
-          <inkml:channel name="Y" type="integer" min="-2.14748E9" max="2.14748E9" units="cm"/>
-          <inkml:channel name="F" type="integer" max="32767" units="dev"/>
-          <inkml:channel name="OA" type="integer" max="360" units="deg"/>
-          <inkml:channel name="OE" type="integer" max="90" units="deg"/>
-        </inkml:traceFormat>
-        <inkml:channelProperties>
-          <inkml:channelProperty channel="X" name="resolution" value="1000" units="1/cm"/>
-          <inkml:channelProperty channel="Y" name="resolution" value="1000" units="1/cm"/>
-          <inkml:channelProperty channel="F" name="resolution" value="0" units="1/dev"/>
-          <inkml:channelProperty channel="OA" name="resolution" value="1000" units="1/deg"/>
-          <inkml:channelProperty channel="OE" name="resolution" value="1000" units="1/deg"/>
-        </inkml:channelProperties>
-      </inkml:inkSource>
-      <inkml:timestamp xml:id="ts0" timeString="2020-11-03T16:23:19.974"/>
-    </inkml:context>
-    <inkml:brush xml:id="br0">
-      <inkml:brushProperty name="width" value="0.05" units="cm"/>
-      <inkml:brushProperty name="height" value="0.05" units="cm"/>
-      <inkml:brushProperty name="color" value="#E71224"/>
-    </inkml:brush>
-  </inkml:definitions>
-  <inkml:trace contextRef="#ctx0" brushRef="#br0">1 0 15608 0 0,'0'0'1409'0'0,"11"9"-1032"0"0,-1-2 492 0 0,0 1 0 0 0,-1 0 0 0 0,0 0-1 0 0,0 1 1 0 0,9 13 0 0 0,-10-10-538 0 0,0 0-1 0 0,-1 0 0 0 0,0 1 1 0 0,7 19-1 0 0,-4-2-61 0 0,-1 0 0 0 0,-1 1 0 0 0,-2 0 0 0 0,0 0 0 0 0,0 44 0 0 0,-5-35-128 0 0,-3 0 1 0 0,0-1 0 0 0,-17 75-1 0 0,16-96-50 0 0,-2-1 1 0 0,0 1-1 0 0,-15 32 0 0 0,18-46-300 0 0,0 0-1 0 0,0 0 1 0 0,-1 0-1 0 0,0 0 0 0 0,0 0 1 0 0,0 0-1 0 0,0 0 1 0 0,0-1-1 0 0,-1 0 1 0 0,1 0-1 0 0,-1 0 0 0 0,0 0 1 0 0,0 0-1 0 0,0-1 1 0 0,-1 0-1 0 0,1 0 1 0 0,0 0-1 0 0,-1 0 0 0 0,1-1 1 0 0,-7 2-1 0 0,-9-1-7977 0 0</inkml:trace>
-</inkml:ink>
-</file>
-
-<file path=ppt/ink/ink107.xml><?xml version="1.0" encoding="utf-8"?>
-<inkml:ink xmlns:inkml="http://www.w3.org/2003/InkML">
-  <inkml:definitions>
-    <inkml:context xml:id="ctx0">
-      <inkml:inkSource xml:id="inkSrc0">
-        <inkml:traceFormat>
-          <inkml:channel name="X" type="integer" min="-2.14748E9" max="2.14748E9" units="cm"/>
-          <inkml:channel name="Y" type="integer" min="-2.14748E9" max="2.14748E9" units="cm"/>
-          <inkml:channel name="F" type="integer" max="32767" units="dev"/>
-          <inkml:channel name="OA" type="integer" max="360" units="deg"/>
-          <inkml:channel name="OE" type="integer" max="90" units="deg"/>
-        </inkml:traceFormat>
-        <inkml:channelProperties>
-          <inkml:channelProperty channel="X" name="resolution" value="1000" units="1/cm"/>
-          <inkml:channelProperty channel="Y" name="resolution" value="1000" units="1/cm"/>
-          <inkml:channelProperty channel="F" name="resolution" value="0" units="1/dev"/>
-          <inkml:channelProperty channel="OA" name="resolution" value="1000" units="1/deg"/>
-          <inkml:channelProperty channel="OE" name="resolution" value="1000" units="1/deg"/>
-        </inkml:channelProperties>
-      </inkml:inkSource>
-      <inkml:timestamp xml:id="ts0" timeString="2020-11-03T16:23:21.210"/>
-    </inkml:context>
-    <inkml:brush xml:id="br0">
-      <inkml:brushProperty name="width" value="0.05" units="cm"/>
-      <inkml:brushProperty name="height" value="0.05" units="cm"/>
-      <inkml:brushProperty name="color" value="#E71224"/>
-    </inkml:brush>
-  </inkml:definitions>
-  <inkml:trace contextRef="#ctx0" brushRef="#br0">12 23 13072 0 0,'0'0'297'0'0,"0"-3"506"0"0,0 1-1 0 0,0-1 1 0 0,1 0-1 0 0,-1 1 1 0 0,1-1 0 0 0,0-3-1 0 0,1 6-698 0 0,-1 0 0 0 0,1 0-1 0 0,-1 1 1 0 0,0-1 0 0 0,1 0-1 0 0,-1 1 1 0 0,0-1-1 0 0,1 1 1 0 0,-1 0 0 0 0,0-1-1 0 0,0 1 1 0 0,0 0 0 0 0,0 0-1 0 0,0 0 1 0 0,0 0-1 0 0,0 0 1 0 0,0 0 0 0 0,1 1-1 0 0,16 25 222 0 0,-11-14-127 0 0,-1-3 2 0 0,-1 0 0 0 0,-1 1 1 0 0,1-1-1 0 0,-2 1 0 0 0,5 20 0 0 0,6 19 225 0 0,-5-11-19 0 0,-8-39-406 0 0,-1 0 0 0 0,0 0 0 0 0,0 0 0 0 0,0 0 0 0 0,0 1 0 0 0,0-1 0 0 0,0 0 0 0 0,1 0 0 0 0,-1 0 0 0 0,0 1 0 0 0,0-1 0 0 0,0 0 0 0 0,0 0 0 0 0,0 0 0 0 0,0 1 0 0 0,0-1 0 0 0,0 0 0 0 0,0 0 0 0 0,0 1 0 0 0,0-1 0 0 0,0 0 0 0 0,0 0 0 0 0,0 0 0 0 0,0 1 0 0 0,0-1 0 0 0,0 0 0 0 0,0 0 0 0 0,-1 0 0 0 0,1 1 0 0 0,0-1 0 0 0,0 0 0 0 0,0 0 0 0 0,0 0 0 0 0,0 0 0 0 0,0 1 0 0 0,-1-1 0 0 0,1 0 0 0 0,0 0 0 0 0,0 0 0 0 0,0 0 0 0 0,0 0 0 0 0,-1 1 0 0 0,1-1 0 0 0,0 0 0 0 0,0 0 0 0 0,0 0 0 0 0,-1 0 0 0 0,1 0 0 0 0,0 0 0 0 0,0 0 0 0 0,0 0 0 0 0,-1 0 0 0 0,1 0 0 0 0,0 0 0 0 0,0 0 0 0 0,0 0 0 0 0,-1 0 0 0 0,1 0 0 0 0,0 0 0 0 0,0 0 0 0 0,0 0 0 0 0,-1 0 0 0 0,-8-3 0 0 0,5 1 0 0 0,0-1 0 0 0,1 1 0 0 0,-1-1 0 0 0,0 0 0 0 0,1 0 0 0 0,0 0 0 0 0,-4-6 0 0 0,-1 1 0 0 0,-24-30 0 0 0,29 35 0 0 0,3 2 2 0 0,0 0 0 0 0,0 0 0 0 0,0 1 0 0 0,0-1 1 0 0,0 0-1 0 0,1 1 0 0 0,-1-1 0 0 0,0 0 0 0 0,0 1 0 0 0,0-1 0 0 0,1 0 0 0 0,-1 1 0 0 0,0-1 0 0 0,0 1 0 0 0,1-1 0 0 0,-1 0 0 0 0,1 1 0 0 0,-1-1 0 0 0,0 1 0 0 0,1-1 0 0 0,-1 1 0 0 0,1-1 0 0 0,-1 1 0 0 0,1-1 0 0 0,0 1 0 0 0,-1 0 0 0 0,1-1 1 0 0,-1 1-1 0 0,2 0 0 0 0,1-2 151 0 0,0 1 0 0 0,0 0 0 0 0,1 0 0 0 0,-1 0 0 0 0,1 0 0 0 0,-1 0 1 0 0,0 1-1 0 0,1 0 0 0 0,-1 0 0 0 0,1 0 0 0 0,3 0 0 0 0,-2 1-129 0 0,0-1-1 0 0,1 1 1 0 0,-1 0-1 0 0,0 0 1 0 0,0 1 0 0 0,7 2-1 0 0,-11-3-23 0 0,0-1 0 0 0,0 1 0 0 0,0-1 0 0 0,0 1 0 0 0,0 0 0 0 0,0-1 0 0 0,0 1 0 0 0,0 0 0 0 0,0 0 0 0 0,0-1 0 0 0,0 1 0 0 0,0 0 0 0 0,0 0 0 0 0,-1 0 0 0 0,1 0 0 0 0,0 0 0 0 0,-1 0 0 0 0,1 1 0 0 0,-1-1 0 0 0,1 0 0 0 0,-1 0 0 0 0,1 0 0 0 0,-1 1 0 0 0,0 1 0 0 0,0-1 0 0 0,0 0 0 0 0,-1 0 0 0 0,1 0 0 0 0,-1 0 0 0 0,0 0 0 0 0,0 0 0 0 0,1 0 0 0 0,-1 0 0 0 0,-1 0 0 0 0,1 0 0 0 0,0 0 0 0 0,-3 2 0 0 0,0 1 0 0 0,0-1 0 0 0,0 0 1 0 0,-1 0-1 0 0,0 0 0 0 0,1 0 0 0 0,-2-1 0 0 0,1 0 0 0 0,-11 5 0 0 0,7-4-2 0 0,-1-1-1 0 0,1 0 0 0 0,-1 0 1 0 0,-17 2-1 0 0,12-5-57 0 0,39-11 60 0 0,2 2-231 0 0,42-10 0 0 0,-28 14-7347 0 0,-25 3 59 0 0</inkml:trace>
-</inkml:ink>
-</file>
-
-<file path=ppt/ink/ink108.xml><?xml version="1.0" encoding="utf-8"?>
-<inkml:ink xmlns:inkml="http://www.w3.org/2003/InkML">
-  <inkml:definitions>
-    <inkml:context xml:id="ctx0">
-      <inkml:inkSource xml:id="inkSrc0">
-        <inkml:traceFormat>
-          <inkml:channel name="X" type="integer" min="-2.14748E9" max="2.14748E9" units="cm"/>
-          <inkml:channel name="Y" type="integer" min="-2.14748E9" max="2.14748E9" units="cm"/>
-          <inkml:channel name="F" type="integer" max="32767" units="dev"/>
-          <inkml:channel name="OA" type="integer" max="360" units="deg"/>
-          <inkml:channel name="OE" type="integer" max="90" units="deg"/>
-        </inkml:traceFormat>
-        <inkml:channelProperties>
-          <inkml:channelProperty channel="X" name="resolution" value="1000" units="1/cm"/>
-          <inkml:channelProperty channel="Y" name="resolution" value="1000" units="1/cm"/>
-          <inkml:channelProperty channel="F" name="resolution" value="0" units="1/dev"/>
-          <inkml:channelProperty channel="OA" name="resolution" value="1000" units="1/deg"/>
-          <inkml:channelProperty channel="OE" name="resolution" value="1000" units="1/deg"/>
-        </inkml:channelProperties>
-      </inkml:inkSource>
-      <inkml:timestamp xml:id="ts0" timeString="2020-11-03T16:23:21.874"/>
-    </inkml:context>
-    <inkml:brush xml:id="br0">
-      <inkml:brushProperty name="width" value="0.05" units="cm"/>
-      <inkml:brushProperty name="height" value="0.05" units="cm"/>
-      <inkml:brushProperty name="color" value="#E71224"/>
-    </inkml:brush>
-  </inkml:definitions>
-  <inkml:trace contextRef="#ctx0" brushRef="#br0">168 21 3680 0 0,'0'0'11'0'0,"0"0"1"0"0,0 0-1 0 0,0 0 0 0 0,0 0 1 0 0,0 0-1 0 0,1 0 0 0 0,-1 0 1 0 0,0 0-1 0 0,0 0 0 0 0,0 0 1 0 0,0 0-1 0 0,0 0 1 0 0,0 0-1 0 0,0 0 0 0 0,0 0 1 0 0,0-1-1 0 0,1 1 0 0 0,-1 0 1 0 0,0 0-1 0 0,0 0 0 0 0,0 0 1 0 0,0 0-1 0 0,0 0 0 0 0,0 0 1 0 0,0 0-1 0 0,0 0 1 0 0,0 0-1 0 0,0 0 0 0 0,0 0 1 0 0,0-1-1 0 0,0 1 0 0 0,0 0 1 0 0,0 0-1 0 0,0 0 0 0 0,1 0 1 0 0,-1 0-1 0 0,0 0 0 0 0,0 0 1 0 0,0 0-1 0 0,0 0 0 0 0,0-1 1 0 0,0 1-1 0 0,0 0 1 0 0,0 0-1 0 0,-1 0 0 0 0,-1-7 2847 0 0,-7-3 5218 0 0,-2 12-6892 0 0,6 0-1048 0 0,1 0 0 0 0,0 0 1 0 0,0 0-1 0 0,0 0 1 0 0,0 1-1 0 0,0-1 1 0 0,1 1-1 0 0,-1 0 1 0 0,1 0-1 0 0,0 1 1 0 0,-4 3-1 0 0,-3 7 191 0 0,-14 25 0 0 0,9-14-135 0 0,5-11-67 0 0,1 2 0 0 0,-8 20 0 0 0,14-30-66 0 0,1 0 0 0 0,0 0 0 0 0,0 1 0 0 0,1-1 0 0 0,-1 1 0 0 0,1 0 0 0 0,1-1 1 0 0,0 1-1 0 0,0 7 0 0 0,0-12 2 0 0,1 0 0 0 0,-1 0 0 0 0,1 0 0 0 0,0-1 1 0 0,-1 1-1 0 0,1 0 0 0 0,0 0 0 0 0,0-1 0 0 0,0 1 1 0 0,0 0-1 0 0,0-1 0 0 0,1 1 0 0 0,-1-1 0 0 0,0 0 1 0 0,1 1-1 0 0,-1-1 0 0 0,1 0 0 0 0,-1 0 0 0 0,1 0 0 0 0,0 0 1 0 0,0 0-1 0 0,-1 0 0 0 0,1-1 0 0 0,2 2 0 0 0,-2-2 25 0 0,0 1 0 0 0,1 0-1 0 0,-1-1 1 0 0,0 1-1 0 0,1-1 1 0 0,-1 0-1 0 0,0 0 1 0 0,1 0 0 0 0,-1 0-1 0 0,0 0 1 0 0,1 0-1 0 0,-1-1 1 0 0,0 1 0 0 0,1-1-1 0 0,-1 1 1 0 0,0-1-1 0 0,0 0 1 0 0,0 0-1 0 0,4-2 1 0 0,2-3 96 0 0,-1-1-1 0 0,1 0 1 0 0,-1 0-1 0 0,0-1 1 0 0,-1 0-1 0 0,10-15 1 0 0,-1-2 71 0 0,10-28 0 0 0,-13 26 7 0 0,-7 19 27 0 0,-1-1 0 0 0,1 1 0 0 0,0 0 0 0 0,1 1-1 0 0,0-1 1 0 0,9-8 0 0 0,-15 16-277 0 0,0 0 0 0 0,0 0 1 0 0,1 0-1 0 0,-1 0 0 0 0,0 0 0 0 0,0 0 0 0 0,0 0 0 0 0,1 0 0 0 0,-1 0 0 0 0,0 0 0 0 0,0 0 0 0 0,0 0 1 0 0,1 0-1 0 0,-1 0 0 0 0,0 0 0 0 0,0 1 0 0 0,0-1 0 0 0,0 0 0 0 0,1 0 0 0 0,-1 0 0 0 0,0 0 1 0 0,0 0-1 0 0,0 1 0 0 0,0-1 0 0 0,0 0 0 0 0,0 0 0 0 0,1 0 0 0 0,-1 0 0 0 0,0 1 0 0 0,0-1 1 0 0,0 0-1 0 0,0 0 0 0 0,0 0 0 0 0,0 0 0 0 0,0 1 0 0 0,0-1 0 0 0,0 0 0 0 0,0 0 0 0 0,0 0 1 0 0,0 1-1 0 0,0-1 0 0 0,0 0 0 0 0,2 9 91 0 0,5 51-637 0 0,-3 86-1 0 0,-4-144-186 0 0</inkml:trace>
-</inkml:ink>
-</file>
-
-<file path=ppt/ink/ink109.xml><?xml version="1.0" encoding="utf-8"?>
-<inkml:ink xmlns:inkml="http://www.w3.org/2003/InkML">
-  <inkml:definitions>
-    <inkml:context xml:id="ctx0">
-      <inkml:inkSource xml:id="inkSrc0">
-        <inkml:traceFormat>
-          <inkml:channel name="X" type="integer" min="-2.14748E9" max="2.14748E9" units="cm"/>
-          <inkml:channel name="Y" type="integer" min="-2.14748E9" max="2.14748E9" units="cm"/>
-          <inkml:channel name="F" type="integer" max="32767" units="dev"/>
-          <inkml:channel name="OA" type="integer" max="360" units="deg"/>
-          <inkml:channel name="OE" type="integer" max="90" units="deg"/>
-        </inkml:traceFormat>
-        <inkml:channelProperties>
-          <inkml:channelProperty channel="X" name="resolution" value="1000" units="1/cm"/>
-          <inkml:channelProperty channel="Y" name="resolution" value="1000" units="1/cm"/>
-          <inkml:channelProperty channel="F" name="resolution" value="0" units="1/dev"/>
-          <inkml:channelProperty channel="OA" name="resolution" value="1000" units="1/deg"/>
-          <inkml:channelProperty channel="OE" name="resolution" value="1000" units="1/deg"/>
-        </inkml:channelProperties>
-      </inkml:inkSource>
-      <inkml:timestamp xml:id="ts0" timeString="2020-11-03T16:23:22.211"/>
-    </inkml:context>
-    <inkml:brush xml:id="br0">
-      <inkml:brushProperty name="width" value="0.05" units="cm"/>
-      <inkml:brushProperty name="height" value="0.05" units="cm"/>
-      <inkml:brushProperty name="color" value="#E71224"/>
-    </inkml:brush>
-  </inkml:definitions>
-  <inkml:trace contextRef="#ctx0" brushRef="#br0">7 63 15752 0 0,'-3'16'719'0'0,"1"1"0"0"0,1 0 0 0 0,1-1 0 0 0,0 1 0 0 0,1 0 0 0 0,0-1 0 0 0,2 1 0 0 0,0-1 0 0 0,8 26 0 0 0,-10-39-580 0 0,1 0 0 0 0,-1-1 0 0 0,0 1 0 0 0,0-1 0 0 0,1 1 0 0 0,0-1 0 0 0,-1 0 0 0 0,1 1-1 0 0,0-1 1 0 0,4 3 0 0 0,-5-4-94 0 0,0-1-1 0 0,0 1 1 0 0,0 0 0 0 0,0-1-1 0 0,0 1 1 0 0,0-1-1 0 0,0 1 1 0 0,0-1-1 0 0,0 0 1 0 0,0 1-1 0 0,0-1 1 0 0,1 0 0 0 0,-1 0-1 0 0,0 0 1 0 0,0 0-1 0 0,0 0 1 0 0,0 0-1 0 0,1 0 1 0 0,-1 0-1 0 0,0 0 1 0 0,0-1 0 0 0,0 1-1 0 0,0 0 1 0 0,0-1-1 0 0,0 1 1 0 0,0-1-1 0 0,2 0 1 0 0,0-1 18 0 0,-1 0 1 0 0,1 0 0 0 0,-1 0-1 0 0,0 0 1 0 0,1 0-1 0 0,-1-1 1 0 0,0 1 0 0 0,0-1-1 0 0,-1 1 1 0 0,1-1-1 0 0,0 0 1 0 0,1-6-1 0 0,0 0 64 0 0,0 0-1 0 0,3-19 0 0 0,2-12-58 0 0,1 12-90 0 0,14-39 182 0 0,-19 58-480 0 0,0 0 0 0 0,0 0 0 0 0,1 1 1 0 0,12-17-1 0 0,-16 25 115 0 0,-1-1 0 0 0,1 0 0 0 0,0 1 1 0 0,0-1-1 0 0,-1 0 0 0 0,1 1 0 0 0,0-1 0 0 0,0 1 0 0 0,0 0 0 0 0,0-1 1 0 0,-1 1-1 0 0,1 0 0 0 0,0-1 0 0 0,0 1 0 0 0,0 0 0 0 0,0 0 1 0 0,0 0-1 0 0,0 0 0 0 0,0 0 0 0 0,0 0 0 0 0,2 0 0 0 0,-1 0-703 0 0</inkml:trace>
-</inkml:ink>
-</file>
-
-<file path=ppt/ink/ink11.xml><?xml version="1.0" encoding="utf-8"?>
+<file path=ppt/ink/ink30.xml><?xml version="1.0" encoding="utf-8"?>
 <inkml:ink xmlns:inkml="http://www.w3.org/2003/InkML">
   <inkml:definitions>
     <inkml:context xml:id="ctx0">
@@ -564,327 +2388,7 @@
 </inkml:ink>
 </file>
 
-<file path=ppt/ink/ink110.xml><?xml version="1.0" encoding="utf-8"?>
-<inkml:ink xmlns:inkml="http://www.w3.org/2003/InkML">
-  <inkml:definitions>
-    <inkml:context xml:id="ctx0">
-      <inkml:inkSource xml:id="inkSrc0">
-        <inkml:traceFormat>
-          <inkml:channel name="X" type="integer" min="-2.14748E9" max="2.14748E9" units="cm"/>
-          <inkml:channel name="Y" type="integer" min="-2.14748E9" max="2.14748E9" units="cm"/>
-          <inkml:channel name="F" type="integer" max="32767" units="dev"/>
-          <inkml:channel name="OA" type="integer" max="360" units="deg"/>
-          <inkml:channel name="OE" type="integer" max="90" units="deg"/>
-        </inkml:traceFormat>
-        <inkml:channelProperties>
-          <inkml:channelProperty channel="X" name="resolution" value="1000" units="1/cm"/>
-          <inkml:channelProperty channel="Y" name="resolution" value="1000" units="1/cm"/>
-          <inkml:channelProperty channel="F" name="resolution" value="0" units="1/dev"/>
-          <inkml:channelProperty channel="OA" name="resolution" value="1000" units="1/deg"/>
-          <inkml:channelProperty channel="OE" name="resolution" value="1000" units="1/deg"/>
-        </inkml:channelProperties>
-      </inkml:inkSource>
-      <inkml:timestamp xml:id="ts0" timeString="2020-11-03T16:23:22.544"/>
-    </inkml:context>
-    <inkml:brush xml:id="br0">
-      <inkml:brushProperty name="width" value="0.05" units="cm"/>
-      <inkml:brushProperty name="height" value="0.05" units="cm"/>
-      <inkml:brushProperty name="color" value="#E71224"/>
-    </inkml:brush>
-  </inkml:definitions>
-  <inkml:trace contextRef="#ctx0" brushRef="#br0">107 15 9216 0 0,'0'0'706'0'0,"-13"-14"6726"0"0,12 14-7237 0 0,-1-1 0 0 0,1 1 0 0 0,0 0 0 0 0,0 0 0 0 0,-1 1 0 0 0,1-1 0 0 0,0 0 0 0 0,0 0 0 0 0,-1 1 0 0 0,1-1 0 0 0,0 0 0 0 0,0 1 0 0 0,0-1 0 0 0,-2 2 0 0 0,-4 1 515 0 0,5-2-605 0 0,-1 0 0 0 0,1 1 0 0 0,-1-1 0 0 0,1 1 0 0 0,0-1 0 0 0,-1 1 0 0 0,1 0 0 0 0,0 0 0 0 0,0 0 0 0 0,1 0 0 0 0,-1 0 0 0 0,0 0 0 0 0,1 1 0 0 0,-1-1 0 0 0,1 0 0 0 0,0 1 0 0 0,-2 4 0 0 0,-3 7 118 0 0,-6 30 0 0 0,8-32-101 0 0,2-1 1 0 0,-1 0-1 0 0,2 1 1 0 0,-1-1 0 0 0,1 0-1 0 0,1 14 1 0 0,1-20-58 0 0,-1 0 1 0 0,0-1-1 0 0,1 1 1 0 0,0-1-1 0 0,0 1 0 0 0,1-1 1 0 0,-1 1-1 0 0,1-1 1 0 0,0 0-1 0 0,0 1 1 0 0,0-1-1 0 0,1 0 1 0 0,-1 0-1 0 0,1-1 0 0 0,4 6 1 0 0,-6-8-52 0 0,1 0 0 0 0,-1 0 0 0 0,0 0 0 0 0,1 0 0 0 0,-1 0 1 0 0,1 0-1 0 0,-1-1 0 0 0,1 1 0 0 0,-1 0 0 0 0,1-1 0 0 0,0 1 0 0 0,-1-1 0 0 0,1 0 0 0 0,0 1 1 0 0,-1-1-1 0 0,1 0 0 0 0,0 0 0 0 0,0 0 0 0 0,-1 0 0 0 0,1 0 0 0 0,0-1 0 0 0,-1 1 0 0 0,1 0 0 0 0,0-1 1 0 0,-1 1-1 0 0,1-1 0 0 0,-1 0 0 0 0,1 0 0 0 0,-1 1 0 0 0,1-1 0 0 0,-1 0 0 0 0,1 0 0 0 0,-1 0 1 0 0,0 0-1 0 0,0-1 0 0 0,1 1 0 0 0,-1 0 0 0 0,0 0 0 0 0,0-1 0 0 0,0 1 0 0 0,0-1 0 0 0,-1 1 1 0 0,1-1-1 0 0,0 1 0 0 0,-1-1 0 0 0,1 0 0 0 0,-1 1 0 0 0,1-1 0 0 0,-1-2 0 0 0,14-84 484 0 0,1-5-76 0 0,-14 90-379 0 0,0 0-1 0 0,0 0 0 0 0,0-1 1 0 0,1 1-1 0 0,-1 1 0 0 0,1-1 1 0 0,2-3-1 0 0,-4 5-33 0 0,1 1 0 0 0,-1-1 0 0 0,0 1 1 0 0,0-1-1 0 0,1 1 0 0 0,-1 0 0 0 0,1-1 0 0 0,-1 1 0 0 0,0-1 0 0 0,1 1 0 0 0,-1 0 0 0 0,1-1 0 0 0,-1 1 0 0 0,1 0 0 0 0,-1 0 0 0 0,0 0 1 0 0,1-1-1 0 0,0 1 0 0 0,-1 0 0 0 0,1 0 0 0 0,-1 0 0 0 0,1 0 0 0 0,-1 0 0 0 0,1 0 0 0 0,-1 0 0 0 0,1 0 0 0 0,-1 0 0 0 0,1 0 0 0 0,-1 0 0 0 0,1 0 1 0 0,-1 0-1 0 0,1 0 0 0 0,-1 0 0 0 0,1 1 0 0 0,-1-1 0 0 0,1 0 0 0 0,-1 0 0 0 0,1 1 0 0 0,-1-1 0 0 0,1 0 0 0 0,-1 1 0 0 0,0-1 0 0 0,1 0 1 0 0,-1 1-1 0 0,0-1 0 0 0,1 0 0 0 0,0 2 0 0 0,11 12 122 0 0,-9-10-107 0 0,1 0 1 0 0,-1 0 0 0 0,0 0 0 0 0,0 0 0 0 0,0 1-1 0 0,-1-1 1 0 0,3 7 0 0 0,5 13 51 0 0,-6-17-60 0 0,-1 0 0 0 0,0 1 0 0 0,4 15 0 0 0,-5-12-2 0 0,-1 0 1 0 0,0 0-1 0 0,-1 0 0 0 0,0 1 0 0 0,-4 21 1 0 0,0-12 5 0 0,-1 0 1 0 0,-9 25 0 0 0,10-36-13 0 0,0 0 0 0 0,-1-1 0 0 0,0 1 1 0 0,0-1-1 0 0,-1 0 0 0 0,0 0 0 0 0,-1-1 0 0 0,-13 13 0 0 0,15-16-242 0 0,0-1 0 0 0,0 1 0 0 0,-1-1 0 0 0,1-1 0 0 0,-1 1 0 0 0,0-1 0 0 0,0 0 0 0 0,0-1 0 0 0,0 1 0 0 0,0-1 0 0 0,-1 0 0 0 0,1-1 1 0 0,-1 1-1 0 0,1-1 0 0 0,-10 0 0 0 0,-1-3-1256 0 0</inkml:trace>
-</inkml:ink>
-</file>
-
-<file path=ppt/ink/ink111.xml><?xml version="1.0" encoding="utf-8"?>
-<inkml:ink xmlns:inkml="http://www.w3.org/2003/InkML">
-  <inkml:definitions>
-    <inkml:context xml:id="ctx0">
-      <inkml:inkSource xml:id="inkSrc0">
-        <inkml:traceFormat>
-          <inkml:channel name="X" type="integer" min="-2.14748E9" max="2.14748E9" units="cm"/>
-          <inkml:channel name="Y" type="integer" min="-2.14748E9" max="2.14748E9" units="cm"/>
-          <inkml:channel name="F" type="integer" max="32767" units="dev"/>
-          <inkml:channel name="OA" type="integer" max="360" units="deg"/>
-          <inkml:channel name="OE" type="integer" max="90" units="deg"/>
-        </inkml:traceFormat>
-        <inkml:channelProperties>
-          <inkml:channelProperty channel="X" name="resolution" value="1000" units="1/cm"/>
-          <inkml:channelProperty channel="Y" name="resolution" value="1000" units="1/cm"/>
-          <inkml:channelProperty channel="F" name="resolution" value="0" units="1/dev"/>
-          <inkml:channelProperty channel="OA" name="resolution" value="1000" units="1/deg"/>
-          <inkml:channelProperty channel="OE" name="resolution" value="1000" units="1/deg"/>
-        </inkml:channelProperties>
-      </inkml:inkSource>
-      <inkml:timestamp xml:id="ts0" timeString="2020-11-03T16:23:23.190"/>
-    </inkml:context>
-    <inkml:brush xml:id="br0">
-      <inkml:brushProperty name="width" value="0.05" units="cm"/>
-      <inkml:brushProperty name="height" value="0.05" units="cm"/>
-      <inkml:brushProperty name="color" value="#E71224"/>
-    </inkml:brush>
-  </inkml:definitions>
-  <inkml:trace contextRef="#ctx0" brushRef="#br0">0 0 6448 0 0,'0'0'2148'0'0,"12"13"4698"0"0,7 10-4927 0 0,-1 1 0 0 0,23 40 0 0 0,11 15 196 0 0,-38-54-2228 0 0,-14-25 31 0 0,-8 6-1898 0 0,2-1 256 0 0</inkml:trace>
-</inkml:ink>
-</file>
-
-<file path=ppt/ink/ink112.xml><?xml version="1.0" encoding="utf-8"?>
-<inkml:ink xmlns:inkml="http://www.w3.org/2003/InkML">
-  <inkml:definitions>
-    <inkml:context xml:id="ctx0">
-      <inkml:inkSource xml:id="inkSrc0">
-        <inkml:traceFormat>
-          <inkml:channel name="X" type="integer" min="-2.14748E9" max="2.14748E9" units="cm"/>
-          <inkml:channel name="Y" type="integer" min="-2.14748E9" max="2.14748E9" units="cm"/>
-          <inkml:channel name="F" type="integer" max="32767" units="dev"/>
-          <inkml:channel name="OA" type="integer" max="360" units="deg"/>
-          <inkml:channel name="OE" type="integer" max="90" units="deg"/>
-        </inkml:traceFormat>
-        <inkml:channelProperties>
-          <inkml:channelProperty channel="X" name="resolution" value="1000" units="1/cm"/>
-          <inkml:channelProperty channel="Y" name="resolution" value="1000" units="1/cm"/>
-          <inkml:channelProperty channel="F" name="resolution" value="0" units="1/dev"/>
-          <inkml:channelProperty channel="OA" name="resolution" value="1000" units="1/deg"/>
-          <inkml:channelProperty channel="OE" name="resolution" value="1000" units="1/deg"/>
-        </inkml:channelProperties>
-      </inkml:inkSource>
-      <inkml:timestamp xml:id="ts0" timeString="2020-11-03T16:23:23.518"/>
-    </inkml:context>
-    <inkml:brush xml:id="br0">
-      <inkml:brushProperty name="width" value="0.05" units="cm"/>
-      <inkml:brushProperty name="height" value="0.05" units="cm"/>
-      <inkml:brushProperty name="color" value="#E71224"/>
-    </inkml:brush>
-  </inkml:definitions>
-  <inkml:trace contextRef="#ctx0" brushRef="#br0">1 272 8288 0 0,'0'0'638'0'0,"6"-10"3261"0"0,35-50 3720 0 0,16-26-4846 0 0,-45 70-2663 0 0,1 0 0 0 0,1 0 0 0 0,31-26 0 0 0,-26 25-48 0 0,-14 12-99 0 0,-4 4-156 0 0,6-1-491 0 0</inkml:trace>
-</inkml:ink>
-</file>
-
-<file path=ppt/ink/ink113.xml><?xml version="1.0" encoding="utf-8"?>
-<inkml:ink xmlns:inkml="http://www.w3.org/2003/InkML">
-  <inkml:definitions>
-    <inkml:context xml:id="ctx0">
-      <inkml:inkSource xml:id="inkSrc0">
-        <inkml:traceFormat>
-          <inkml:channel name="X" type="integer" min="-2.14748E9" max="2.14748E9" units="cm"/>
-          <inkml:channel name="Y" type="integer" min="-2.14748E9" max="2.14748E9" units="cm"/>
-          <inkml:channel name="F" type="integer" max="32767" units="dev"/>
-          <inkml:channel name="OA" type="integer" max="360" units="deg"/>
-          <inkml:channel name="OE" type="integer" max="90" units="deg"/>
-        </inkml:traceFormat>
-        <inkml:channelProperties>
-          <inkml:channelProperty channel="X" name="resolution" value="1000" units="1/cm"/>
-          <inkml:channelProperty channel="Y" name="resolution" value="1000" units="1/cm"/>
-          <inkml:channelProperty channel="F" name="resolution" value="0" units="1/dev"/>
-          <inkml:channelProperty channel="OA" name="resolution" value="1000" units="1/deg"/>
-          <inkml:channelProperty channel="OE" name="resolution" value="1000" units="1/deg"/>
-        </inkml:channelProperties>
-      </inkml:inkSource>
-      <inkml:timestamp xml:id="ts0" timeString="2020-11-03T16:23:23.875"/>
-    </inkml:context>
-    <inkml:brush xml:id="br0">
-      <inkml:brushProperty name="width" value="0.05" units="cm"/>
-      <inkml:brushProperty name="height" value="0.05" units="cm"/>
-      <inkml:brushProperty name="color" value="#E71224"/>
-    </inkml:brush>
-  </inkml:definitions>
-  <inkml:trace contextRef="#ctx0" brushRef="#br0">3 1 11520 0 0,'0'0'886'0'0,"-2"18"2677"0"0,3-16-3273 0 0,0 0-1 0 0,0 0 1 0 0,0 0 0 0 0,0 0 0 0 0,0 0 0 0 0,0 0-1 0 0,1-1 1 0 0,-1 1 0 0 0,1 0 0 0 0,-1-1 0 0 0,1 1-1 0 0,3 2 1 0 0,24 14 1029 0 0,-11-11-1246 0 0,0 0-1 0 0,1-1 1 0 0,-1-1-1 0 0,1-1 1 0 0,27 3-1 0 0,-29-3-1765 0 0,-8-1-289 0 0</inkml:trace>
-</inkml:ink>
-</file>
-
-<file path=ppt/ink/ink114.xml><?xml version="1.0" encoding="utf-8"?>
-<inkml:ink xmlns:inkml="http://www.w3.org/2003/InkML">
-  <inkml:definitions>
-    <inkml:context xml:id="ctx0">
-      <inkml:inkSource xml:id="inkSrc0">
-        <inkml:traceFormat>
-          <inkml:channel name="X" type="integer" min="-2.14748E9" max="2.14748E9" units="cm"/>
-          <inkml:channel name="Y" type="integer" min="-2.14748E9" max="2.14748E9" units="cm"/>
-          <inkml:channel name="F" type="integer" max="32767" units="dev"/>
-          <inkml:channel name="OA" type="integer" max="360" units="deg"/>
-          <inkml:channel name="OE" type="integer" max="90" units="deg"/>
-        </inkml:traceFormat>
-        <inkml:channelProperties>
-          <inkml:channelProperty channel="X" name="resolution" value="1000" units="1/cm"/>
-          <inkml:channelProperty channel="Y" name="resolution" value="1000" units="1/cm"/>
-          <inkml:channelProperty channel="F" name="resolution" value="0" units="1/dev"/>
-          <inkml:channelProperty channel="OA" name="resolution" value="1000" units="1/deg"/>
-          <inkml:channelProperty channel="OE" name="resolution" value="1000" units="1/deg"/>
-        </inkml:channelProperties>
-      </inkml:inkSource>
-      <inkml:timestamp xml:id="ts0" timeString="2020-11-03T16:23:24.411"/>
-    </inkml:context>
-    <inkml:brush xml:id="br0">
-      <inkml:brushProperty name="width" value="0.05" units="cm"/>
-      <inkml:brushProperty name="height" value="0.05" units="cm"/>
-      <inkml:brushProperty name="color" value="#E71224"/>
-    </inkml:brush>
-  </inkml:definitions>
-  <inkml:trace contextRef="#ctx0" brushRef="#br0">77 16 10136 0 0,'-3'-13'464'0'0,"3"11"610"0"0,-8 12 461 0 0,4-2-937 0 0,0 0 0 0 0,1 1 0 0 0,0-1 0 0 0,-2 11 0 0 0,3-15-536 0 0,-2 30 452 0 0,3-28-431 0 0,1 1 0 0 0,-1 0 0 0 0,-4 11 0 0 0,-2 7-14 0 0,0-1 0 0 0,1 1 0 0 0,-3 44 0 0 0,7-53-233 0 0,0 11 64 0 0,3-8-4417 0 0,-1-4-893 0 0</inkml:trace>
-</inkml:ink>
-</file>
-
-<file path=ppt/ink/ink115.xml><?xml version="1.0" encoding="utf-8"?>
-<inkml:ink xmlns:inkml="http://www.w3.org/2003/InkML">
-  <inkml:definitions>
-    <inkml:context xml:id="ctx0">
-      <inkml:inkSource xml:id="inkSrc0">
-        <inkml:traceFormat>
-          <inkml:channel name="X" type="integer" min="-2.14748E9" max="2.14748E9" units="cm"/>
-          <inkml:channel name="Y" type="integer" min="-2.14748E9" max="2.14748E9" units="cm"/>
-          <inkml:channel name="F" type="integer" max="32767" units="dev"/>
-          <inkml:channel name="OA" type="integer" max="360" units="deg"/>
-          <inkml:channel name="OE" type="integer" max="90" units="deg"/>
-        </inkml:traceFormat>
-        <inkml:channelProperties>
-          <inkml:channelProperty channel="X" name="resolution" value="1000" units="1/cm"/>
-          <inkml:channelProperty channel="Y" name="resolution" value="1000" units="1/cm"/>
-          <inkml:channelProperty channel="F" name="resolution" value="0" units="1/dev"/>
-          <inkml:channelProperty channel="OA" name="resolution" value="1000" units="1/deg"/>
-          <inkml:channelProperty channel="OE" name="resolution" value="1000" units="1/deg"/>
-        </inkml:channelProperties>
-      </inkml:inkSource>
-      <inkml:timestamp xml:id="ts0" timeString="2020-11-03T16:23:26.529"/>
-    </inkml:context>
-    <inkml:brush xml:id="br0">
-      <inkml:brushProperty name="width" value="0.05" units="cm"/>
-      <inkml:brushProperty name="height" value="0.05" units="cm"/>
-      <inkml:brushProperty name="color" value="#E71224"/>
-    </inkml:brush>
-  </inkml:definitions>
-  <inkml:trace contextRef="#ctx0" brushRef="#br0">362 86 6624 0 0,'0'0'593'0'0,"5"-16"5686"0"0,-6 13-5894 0 0,0 0 1 0 0,1 0-1 0 0,-1 1 1 0 0,-1-1-1 0 0,1 0 1 0 0,0 0 0 0 0,-1 1-1 0 0,1-1 1 0 0,-1 1-1 0 0,0-1 1 0 0,-3-2-1 0 0,3 1-102 0 0,-1 1-1 0 0,0 0 0 0 0,0 0 1 0 0,-1 0-1 0 0,1 1 0 0 0,-1-1 1 0 0,1 1-1 0 0,-5-3 0 0 0,3 4-136 0 0,0-1 0 0 0,-1 1-1 0 0,1 0 1 0 0,-1 0 0 0 0,1 1 0 0 0,-1-1-1 0 0,1 1 1 0 0,-1 1 0 0 0,1-1-1 0 0,0 1 1 0 0,-1 0 0 0 0,1 0-1 0 0,-1 0 1 0 0,1 1 0 0 0,-7 2 0 0 0,4 0-86 0 0,0 0 0 0 0,0 0 0 0 0,0 1 0 0 0,1 0 0 0 0,-1 0 0 0 0,1 1 0 0 0,1 0 0 0 0,-11 11 0 0 0,-1 6-23 0 0,1 1 1 0 0,1 1-1 0 0,2 1 0 0 0,0 0 0 0 0,1 1 0 0 0,2 0 0 0 0,-12 43 1 0 0,17-47 71 0 0,2 1 0 0 0,0-1 1 0 0,1 1-1 0 0,2-1 1 0 0,0 1-1 0 0,2 0 1 0 0,0-1-1 0 0,2 1 0 0 0,0-1 1 0 0,2 0-1 0 0,0 0 1 0 0,15 38-1 0 0,-15-51-19 0 0,-1 0-1 0 0,2-1 0 0 0,-1 1 1 0 0,1-1-1 0 0,0-1 0 0 0,1 1 1 0 0,0-1-1 0 0,0 0 1 0 0,15 12-1 0 0,-15-15-32 0 0,0 1 1 0 0,1-2-1 0 0,-1 1 1 0 0,1-1-1 0 0,-1 0 0 0 0,1-1 1 0 0,0 0-1 0 0,1 0 1 0 0,-1-1-1 0 0,0 0 0 0 0,1 0 1 0 0,14 0-1 0 0,-14-2-14 0 0,1 0 1 0 0,0-1-1 0 0,-1 0 0 0 0,1 0 1 0 0,-1-1-1 0 0,1 0 0 0 0,-1-1 0 0 0,0 0 1 0 0,15-8-1 0 0,-12 5-11 0 0,-2-1 0 0 0,1 0 0 0 0,-1 0 0 0 0,0-1-1 0 0,-1-1 1 0 0,15-16 0 0 0,-8 6-18 0 0,-2-1 0 0 0,0-1-1 0 0,-2 0 1 0 0,0-1 0 0 0,-1-1-1 0 0,-1 1 1 0 0,7-28-1 0 0,-7 16 188 0 0,-1 0-1 0 0,-2-1 1 0 0,-1 1-1 0 0,-2-2 0 0 0,-2 1 1 0 0,-3-66-1 0 0,0 89-160 0 0,0 1-1 0 0,-1-1 1 0 0,-1 1-1 0 0,0-1 1 0 0,0 1 0 0 0,-9-16-1 0 0,10 23-34 0 0,0 0 0 0 0,0 0 0 0 0,-1 0 1 0 0,1 1-1 0 0,-1-1 0 0 0,0 1 0 0 0,0 0 0 0 0,-7-6 0 0 0,8 8-12 0 0,0-1 0 0 0,-1 1-1 0 0,1 0 1 0 0,0 0 0 0 0,-1 0-1 0 0,1 0 1 0 0,-1 0 0 0 0,0 0 0 0 0,1 1-1 0 0,-1-1 1 0 0,0 1 0 0 0,1 0 0 0 0,-1 0-1 0 0,0 0 1 0 0,-4 1 0 0 0,2 0-92 0 0,0 0 1 0 0,0 1-1 0 0,0 0 1 0 0,0 0 0 0 0,0 0-1 0 0,0 1 1 0 0,1-1-1 0 0,-1 1 1 0 0,1 0-1 0 0,-1 1 1 0 0,1-1-1 0 0,-6 8 1 0 0,-5 6-1281 0 0,-21 30-1 0 0,32-43 1180 0 0,-14 22-1454 0 0,3-1-212 0 0</inkml:trace>
-</inkml:ink>
-</file>
-
-<file path=ppt/ink/ink116.xml><?xml version="1.0" encoding="utf-8"?>
-<inkml:ink xmlns:inkml="http://www.w3.org/2003/InkML">
-  <inkml:definitions>
-    <inkml:context xml:id="ctx0">
-      <inkml:inkSource xml:id="inkSrc0">
-        <inkml:traceFormat>
-          <inkml:channel name="X" type="integer" min="-2.14748E9" max="2.14748E9" units="cm"/>
-          <inkml:channel name="Y" type="integer" min="-2.14748E9" max="2.14748E9" units="cm"/>
-          <inkml:channel name="F" type="integer" max="32767" units="dev"/>
-          <inkml:channel name="OA" type="integer" max="360" units="deg"/>
-          <inkml:channel name="OE" type="integer" max="90" units="deg"/>
-        </inkml:traceFormat>
-        <inkml:channelProperties>
-          <inkml:channelProperty channel="X" name="resolution" value="1000" units="1/cm"/>
-          <inkml:channelProperty channel="Y" name="resolution" value="1000" units="1/cm"/>
-          <inkml:channelProperty channel="F" name="resolution" value="0" units="1/dev"/>
-          <inkml:channelProperty channel="OA" name="resolution" value="1000" units="1/deg"/>
-          <inkml:channelProperty channel="OE" name="resolution" value="1000" units="1/deg"/>
-        </inkml:channelProperties>
-      </inkml:inkSource>
-      <inkml:timestamp xml:id="ts0" timeString="2020-11-03T16:23:27.128"/>
-    </inkml:context>
-    <inkml:brush xml:id="br0">
-      <inkml:brushProperty name="width" value="0.05" units="cm"/>
-      <inkml:brushProperty name="height" value="0.05" units="cm"/>
-      <inkml:brushProperty name="color" value="#E71224"/>
-    </inkml:brush>
-  </inkml:definitions>
-  <inkml:trace contextRef="#ctx0" brushRef="#br0">0 74 9960 0 0,'4'6'8542'0'0,"-1"-7"-8207"0"0,0 1 0 0 0,-1 0 0 0 0,1-1 0 0 0,0 0 0 0 0,0 0 0 0 0,0 0 0 0 0,0 0 0 0 0,0 0 0 0 0,-1 0 0 0 0,4-3 0 0 0,27-20 1855 0 0,-15 10-1172 0 0,-12 10-914 0 0,2-2 148 0 0,0 1 0 0 0,16-9 0 0 0,-23 14-41 0 0,11 8-106 0 0,-7-2-95 0 0,-1 0-1 0 0,0 0 0 0 0,0 0 1 0 0,0 1-1 0 0,-1 0 1 0 0,1 0-1 0 0,-2 0 1 0 0,5 14-1 0 0,-4-11 1 0 0,0 0 0 0 0,2 0-1 0 0,6 14 1 0 0,-9-21-7 0 0,0 1 1 0 0,1-1-1 0 0,-1 1 0 0 0,1-1 0 0 0,-1 0 0 0 0,1 0 0 0 0,0 0 1 0 0,0-1-1 0 0,1 1 0 0 0,-1-1 0 0 0,1 0 0 0 0,-1 1 0 0 0,1-2 1 0 0,-1 1-1 0 0,6 2 0 0 0,-6-4 0 0 0,0 1 1 0 0,0-1-1 0 0,1 0 0 0 0,-1 0 1 0 0,0 0-1 0 0,0 0 0 0 0,0 0 1 0 0,0-1-1 0 0,1 1 0 0 0,-1-1 1 0 0,0 0-1 0 0,0 0 0 0 0,0 0 1 0 0,0 0-1 0 0,0-1 0 0 0,0 1 1 0 0,-1-1-1 0 0,1 1 0 0 0,4-5 1 0 0,21-22 154 0 0,-24 23-821 0 0,1 0 1 0 0,-1 0-1 0 0,1 1 1 0 0,9-7-1 0 0</inkml:trace>
-</inkml:ink>
-</file>
-
-<file path=ppt/ink/ink117.xml><?xml version="1.0" encoding="utf-8"?>
-<inkml:ink xmlns:inkml="http://www.w3.org/2003/InkML">
-  <inkml:definitions>
-    <inkml:context xml:id="ctx0">
-      <inkml:inkSource xml:id="inkSrc0">
-        <inkml:traceFormat>
-          <inkml:channel name="X" type="integer" min="-2.14748E9" max="2.14748E9" units="cm"/>
-          <inkml:channel name="Y" type="integer" min="-2.14748E9" max="2.14748E9" units="cm"/>
-          <inkml:channel name="F" type="integer" max="32767" units="dev"/>
-          <inkml:channel name="OA" type="integer" max="360" units="deg"/>
-          <inkml:channel name="OE" type="integer" max="90" units="deg"/>
-        </inkml:traceFormat>
-        <inkml:channelProperties>
-          <inkml:channelProperty channel="X" name="resolution" value="1000" units="1/cm"/>
-          <inkml:channelProperty channel="Y" name="resolution" value="1000" units="1/cm"/>
-          <inkml:channelProperty channel="F" name="resolution" value="0" units="1/dev"/>
-          <inkml:channelProperty channel="OA" name="resolution" value="1000" units="1/deg"/>
-          <inkml:channelProperty channel="OE" name="resolution" value="1000" units="1/deg"/>
-        </inkml:channelProperties>
-      </inkml:inkSource>
-      <inkml:timestamp xml:id="ts0" timeString="2020-11-03T16:23:27.813"/>
-    </inkml:context>
-    <inkml:brush xml:id="br0">
-      <inkml:brushProperty name="width" value="0.05" units="cm"/>
-      <inkml:brushProperty name="height" value="0.05" units="cm"/>
-      <inkml:brushProperty name="color" value="#E71224"/>
-    </inkml:brush>
-  </inkml:definitions>
-  <inkml:trace contextRef="#ctx0" brushRef="#br0">205 1 11000 0 0,'0'0'1292'0'0,"-9"1"1890"0"0,4 1-2875 0 0,0-1 0 0 0,0 1 0 0 0,0 0 0 0 0,0 0 0 0 0,0 0 0 0 0,1 1 0 0 0,-1 0 0 0 0,1-1 0 0 0,-1 2 0 0 0,1-1 0 0 0,0 0 0 0 0,0 1 0 0 0,1 0 0 0 0,-1 0 0 0 0,1 0 0 0 0,0 0 0 0 0,0 1 0 0 0,0-1 0 0 0,-2 6 0 0 0,-5 12-151 0 0,1-1-1 0 0,1 1 0 0 0,-6 26 0 0 0,3-9 441 0 0,-3 11 193 0 0,-16 103 1 0 0,15 55 493 0 0,19-50-327 0 0,-1-127-781 0 0,1 0 0 0 0,2-1 0 0 0,11 32-1 0 0,-16-58-155 0 0,0 1 0 0 0,1-1 0 0 0,-1 0 0 0 0,1 0 0 0 0,0 0 0 0 0,1 0 0 0 0,-1 0 0 0 0,1 0 0 0 0,-1-1 0 0 0,5 5-1 0 0,-3-7 46 0 0,-3 0 3 0 0,-1-8-339 0 0,-4 0-847 0 0,0-1 0 0 0,0 1 0 0 0,-1 0 1 0 0,-6-8-1 0 0,-1 2-751 0 0</inkml:trace>
-</inkml:ink>
-</file>
-
-<file path=ppt/ink/ink118.xml><?xml version="1.0" encoding="utf-8"?>
-<inkml:ink xmlns:inkml="http://www.w3.org/2003/InkML">
-  <inkml:definitions>
-    <inkml:context xml:id="ctx0">
-      <inkml:inkSource xml:id="inkSrc0">
-        <inkml:traceFormat>
-          <inkml:channel name="X" type="integer" min="-2.14748E9" max="2.14748E9" units="cm"/>
-          <inkml:channel name="Y" type="integer" min="-2.14748E9" max="2.14748E9" units="cm"/>
-          <inkml:channel name="F" type="integer" max="32767" units="dev"/>
-          <inkml:channel name="OA" type="integer" max="360" units="deg"/>
-          <inkml:channel name="OE" type="integer" max="90" units="deg"/>
-        </inkml:traceFormat>
-        <inkml:channelProperties>
-          <inkml:channelProperty channel="X" name="resolution" value="1000" units="1/cm"/>
-          <inkml:channelProperty channel="Y" name="resolution" value="1000" units="1/cm"/>
-          <inkml:channelProperty channel="F" name="resolution" value="0" units="1/dev"/>
-          <inkml:channelProperty channel="OA" name="resolution" value="1000" units="1/deg"/>
-          <inkml:channelProperty channel="OE" name="resolution" value="1000" units="1/deg"/>
-        </inkml:channelProperties>
-      </inkml:inkSource>
-      <inkml:timestamp xml:id="ts0" timeString="2020-11-03T16:23:28.525"/>
-    </inkml:context>
-    <inkml:brush xml:id="br0">
-      <inkml:brushProperty name="width" value="0.05" units="cm"/>
-      <inkml:brushProperty name="height" value="0.05" units="cm"/>
-      <inkml:brushProperty name="color" value="#E71224"/>
-    </inkml:brush>
-  </inkml:definitions>
-  <inkml:trace contextRef="#ctx0" brushRef="#br0">0 275 9872 0 0,'0'0'3744'0'0,"9"-20"-167"0"0,-1 6-2652 0 0,-1 0-1 0 0,0 0 1 0 0,-1-1 0 0 0,-1 0-1 0 0,5-21 1 0 0,0 4-337 0 0,-7 20-257 0 0,-1 0 0 0 0,2-16 0 0 0,-3 18-72 0 0,0 0-1 0 0,1 0 1 0 0,0 0 0 0 0,4-11-1 0 0,-5 20-10 0 0,-1 19 0 0 0,-1 13-246 0 0,1-4 10 0 0,0 0 0 0 0,7 47 0 0 0,-5-66-11 0 0,-1-1 1 0 0,1 1 0 0 0,1-1 0 0 0,-1 0-1 0 0,1 0 1 0 0,0 0 0 0 0,1 0 0 0 0,0-1 0 0 0,0 1-1 0 0,0-1 1 0 0,1 0 0 0 0,-1 0 0 0 0,2 0-1 0 0,8 7 1 0 0,-10-9 32 0 0,1-1 0 0 0,0-1-1 0 0,-1 1 1 0 0,1-1 0 0 0,0 1 0 0 0,0-1-1 0 0,0-1 1 0 0,0 1 0 0 0,0-1 0 0 0,1 0-1 0 0,-1 0 1 0 0,0 0 0 0 0,1-1-1 0 0,9 0 1 0 0,-12-1-11 0 0,0 1 0 0 0,0 0-1 0 0,1-1 1 0 0,-1 0 0 0 0,0 0-1 0 0,0 0 1 0 0,0 0 0 0 0,0 0-1 0 0,0-1 1 0 0,0 1 0 0 0,0-1-1 0 0,-1 0 1 0 0,1 0 0 0 0,-1 0 0 0 0,1 0-1 0 0,-1 0 1 0 0,0 0 0 0 0,1-1-1 0 0,-1 1 1 0 0,0-1 0 0 0,-1 0-1 0 0,1 0 1 0 0,0 1 0 0 0,-1-1-1 0 0,2-5 1 0 0,7-26 151 0 0,-3 0 0 0 0,0 0 0 0 0,3-65 0 0 0,-9 90-216 0 0,-1 5-49 0 0,1-1 0 0 0,-1 1 0 0 0,0-1 1 0 0,0 1-1 0 0,0-1 0 0 0,-1 1 0 0 0,0-1 0 0 0,-1-3 0 0 0,2 7-418 0 0,-5 3-1942 0 0</inkml:trace>
-</inkml:ink>
-</file>
-
-<file path=ppt/ink/ink119.xml><?xml version="1.0" encoding="utf-8"?>
-<inkml:ink xmlns:inkml="http://www.w3.org/2003/InkML">
-  <inkml:definitions>
-    <inkml:context xml:id="ctx0">
-      <inkml:inkSource xml:id="inkSrc0">
-        <inkml:traceFormat>
-          <inkml:channel name="X" type="integer" min="-2.14748E9" max="2.14748E9" units="cm"/>
-          <inkml:channel name="Y" type="integer" min="-2.14748E9" max="2.14748E9" units="cm"/>
-          <inkml:channel name="F" type="integer" max="32767" units="dev"/>
-          <inkml:channel name="OA" type="integer" max="360" units="deg"/>
-          <inkml:channel name="OE" type="integer" max="90" units="deg"/>
-        </inkml:traceFormat>
-        <inkml:channelProperties>
-          <inkml:channelProperty channel="X" name="resolution" value="1000" units="1/cm"/>
-          <inkml:channelProperty channel="Y" name="resolution" value="1000" units="1/cm"/>
-          <inkml:channelProperty channel="F" name="resolution" value="0" units="1/dev"/>
-          <inkml:channelProperty channel="OA" name="resolution" value="1000" units="1/deg"/>
-          <inkml:channelProperty channel="OE" name="resolution" value="1000" units="1/deg"/>
-        </inkml:channelProperties>
-      </inkml:inkSource>
-      <inkml:timestamp xml:id="ts0" timeString="2020-11-03T16:23:30.583"/>
-    </inkml:context>
-    <inkml:brush xml:id="br0">
-      <inkml:brushProperty name="width" value="0.05" units="cm"/>
-      <inkml:brushProperty name="height" value="0.05" units="cm"/>
-      <inkml:brushProperty name="color" value="#E71224"/>
-    </inkml:brush>
-  </inkml:definitions>
-  <inkml:trace contextRef="#ctx0" brushRef="#br0">6 21 2304 0 0,'0'0'101'0'0,"0"-1"1"0"0,0 0 742 0 0,0 0 1 0 0,0 0 0 0 0,-1 0 0 0 0,2 0 0 0 0,2-10 8449 0 0,-2 9-8449 0 0,-1 2-663 0 0,1 0 1 0 0,-1-1 0 0 0,0 1 0 0 0,1 0 0 0 0,-1 0 0 0 0,0 0 0 0 0,1 0 0 0 0,-1 0-1 0 0,1 0 1 0 0,-1 0 0 0 0,0 0 0 0 0,1 0 0 0 0,-1 0 0 0 0,0 0 0 0 0,1 0-1 0 0,-1 0 1 0 0,0 0 0 0 0,1 1 0 0 0,-1-1 0 0 0,0 0 0 0 0,1 0 0 0 0,-1 0 0 0 0,0 0-1 0 0,1 1 1 0 0,-1-1 0 0 0,0 0 0 0 0,0 0 0 0 0,1 1 0 0 0,1 1-53 0 0,1 1 0 0 0,-1-1 1 0 0,0 0-1 0 0,0 1 0 0 0,0 0 1 0 0,0 0-1 0 0,1 3 0 0 0,45 130 1182 0 0,-13-32-1000 0 0,-12-55-45 0 0,-23-48-86 0 0,-1-14-39 0 0,-15-23-72 0 0,-2 0 0 0 0,-24-35 0 0 0,31 48-54 0 0,10 20-12 0 0,1 0 1 0 0,-2 0-1 0 0,1 1 1 0 0,0-1-1 0 0,0 1 0 0 0,-1-1 1 0 0,0 1-1 0 0,1-1 1 0 0,-3-1-1 0 0,3 4 13 0 0,1-1-1 0 0,0 1 1 0 0,0 0-1 0 0,0 0 1 0 0,0 0-1 0 0,-1 0 1 0 0,1 0-1 0 0,0 0 1 0 0,0 0-1 0 0,0 0 1 0 0,0 0-1 0 0,-1 0 1 0 0,1-1-1 0 0,0 1 1 0 0,0 0-1 0 0,0 0 1 0 0,0 0-1 0 0,0 0 1 0 0,0 0-1 0 0,0-1 1 0 0,-1 1-1 0 0,1 0 1 0 0,0 0-1 0 0,0 0 1 0 0,0-1-1 0 0,0 1 1 0 0,0 0-1 0 0,0 0 1 0 0,0 0-1 0 0,0 0 1 0 0,0-1-1 0 0,0 1 1 0 0,0 0-1 0 0,0 0 1 0 0,0 0-1 0 0,0-1 1 0 0,0 1-1 0 0,0 0 1 0 0,0 0-1 0 0,0 0 1 0 0,0 0-1 0 0,0-1 1 0 0,1 1-1 0 0,-1 0 1 0 0,0 0-1 0 0,11-1 95 0 0,15 6-110 0 0,1 2 135 0 0,-16-5-97 0 0,1 1 0 0 0,-1 1 0 0 0,0 0-1 0 0,12 6 1 0 0,-21-9-34 0 0,0 0 0 0 0,0 1-1 0 0,1-1 1 0 0,-1 1-1 0 0,0-1 1 0 0,0 1 0 0 0,0 0-1 0 0,-1 0 1 0 0,1 0 0 0 0,0 0-1 0 0,-1 0 1 0 0,1 0-1 0 0,-1 0 1 0 0,0 1 0 0 0,0-1-1 0 0,0 0 1 0 0,0 1-1 0 0,0-1 1 0 0,0 1 0 0 0,0-1-1 0 0,-1 1 1 0 0,1-1 0 0 0,-1 6-1 0 0,0-6 3 0 0,-1 1 1 0 0,1 0-1 0 0,-1 0 0 0 0,1-1 1 0 0,-1 1-1 0 0,0-1 0 0 0,0 1 1 0 0,0-1-1 0 0,-1 1 0 0 0,1-1 1 0 0,-1 0-1 0 0,1 1 0 0 0,-1-1 0 0 0,0 0 1 0 0,1 0-1 0 0,-1 0 0 0 0,0 0 1 0 0,0-1-1 0 0,-1 1 0 0 0,1 0 1 0 0,0-1-1 0 0,-1 0 0 0 0,-4 3 1 0 0,2-2 6 0 0,0 0 0 0 0,0 0 0 0 0,-1 0 0 0 0,1-1 0 0 0,0 1 0 0 0,-1-1 0 0 0,1-1 0 0 0,-1 1 0 0 0,1-1 0 0 0,-11 0 0 0 0,5-2 7 0 0,-1 0 0 0 0,-16-5 1 0 0,23 5-4 0 0,1 0 1 0 0,-1 0-1 0 0,1 0 0 0 0,0 0 1 0 0,0-1-1 0 0,0 1 0 0 0,0-1 0 0 0,-5-6 1 0 0,9 9-13 0 0,0-1-1 0 0,0 1 1 0 0,0-1 0 0 0,0 1 0 0 0,0 0-1 0 0,0-1 1 0 0,0 1 0 0 0,0-1 0 0 0,0 1-1 0 0,0-1 1 0 0,0 1 0 0 0,0 0 0 0 0,0-1-1 0 0,1 1 1 0 0,-1-1 0 0 0,0 1 0 0 0,0 0-1 0 0,1-1 1 0 0,-1 1 0 0 0,0 0 0 0 0,0-1-1 0 0,1 1 1 0 0,-1 0 0 0 0,0-1 0 0 0,1 1-1 0 0,8-8 112 0 0,0 5-108 0 0,-1 0 0 0 0,0 1 0 0 0,1 0-1 0 0,0 1 1 0 0,-1-1 0 0 0,1 2 0 0 0,0-1-1 0 0,11 2 1 0 0,15-2-69 0 0,-12 1-806 0 0,28 2-1 0 0,-41-1 96 0 0,4-1-549 0 0</inkml:trace>
-</inkml:ink>
-</file>
-
-<file path=ppt/ink/ink12.xml><?xml version="1.0" encoding="utf-8"?>
+<file path=ppt/ink/ink31.xml><?xml version="1.0" encoding="utf-8"?>
 <inkml:ink xmlns:inkml="http://www.w3.org/2003/InkML">
   <inkml:definitions>
     <inkml:context xml:id="ctx0">
@@ -916,231 +2420,7 @@
 </inkml:ink>
 </file>
 
-<file path=ppt/ink/ink120.xml><?xml version="1.0" encoding="utf-8"?>
-<inkml:ink xmlns:inkml="http://www.w3.org/2003/InkML">
-  <inkml:definitions>
-    <inkml:context xml:id="ctx0">
-      <inkml:inkSource xml:id="inkSrc0">
-        <inkml:traceFormat>
-          <inkml:channel name="X" type="integer" min="-2.14748E9" max="2.14748E9" units="cm"/>
-          <inkml:channel name="Y" type="integer" min="-2.14748E9" max="2.14748E9" units="cm"/>
-          <inkml:channel name="F" type="integer" max="32767" units="dev"/>
-          <inkml:channel name="OA" type="integer" max="360" units="deg"/>
-          <inkml:channel name="OE" type="integer" max="90" units="deg"/>
-        </inkml:traceFormat>
-        <inkml:channelProperties>
-          <inkml:channelProperty channel="X" name="resolution" value="1000" units="1/cm"/>
-          <inkml:channelProperty channel="Y" name="resolution" value="1000" units="1/cm"/>
-          <inkml:channelProperty channel="F" name="resolution" value="0" units="1/dev"/>
-          <inkml:channelProperty channel="OA" name="resolution" value="1000" units="1/deg"/>
-          <inkml:channelProperty channel="OE" name="resolution" value="1000" units="1/deg"/>
-        </inkml:channelProperties>
-      </inkml:inkSource>
-      <inkml:timestamp xml:id="ts0" timeString="2020-11-03T16:23:31.293"/>
-    </inkml:context>
-    <inkml:brush xml:id="br0">
-      <inkml:brushProperty name="width" value="0.05" units="cm"/>
-      <inkml:brushProperty name="height" value="0.05" units="cm"/>
-      <inkml:brushProperty name="color" value="#E71224"/>
-    </inkml:brush>
-  </inkml:definitions>
-  <inkml:trace contextRef="#ctx0" brushRef="#br0">43 29 4144 0 0,'4'-29'18594'0'0,"-1"33"-17665"0"0,-1 1-683 0 0,0 0 0 0 0,0 1 0 0 0,-1-1 0 0 0,1 1 0 0 0,-1-1 0 0 0,0 10 0 0 0,1 36 600 0 0,-2-49-818 0 0,-3 46 412 0 0,-2 0 0 0 0,-17 74 0 0 0,10-59-316 0 0,3-22 391 0 0,1-7-1884 0 0,4-11-7799 0 0</inkml:trace>
-</inkml:ink>
-</file>
-
-<file path=ppt/ink/ink121.xml><?xml version="1.0" encoding="utf-8"?>
-<inkml:ink xmlns:inkml="http://www.w3.org/2003/InkML">
-  <inkml:definitions>
-    <inkml:context xml:id="ctx0">
-      <inkml:inkSource xml:id="inkSrc0">
-        <inkml:traceFormat>
-          <inkml:channel name="X" type="integer" min="-2.14748E9" max="2.14748E9" units="cm"/>
-          <inkml:channel name="Y" type="integer" min="-2.14748E9" max="2.14748E9" units="cm"/>
-          <inkml:channel name="F" type="integer" max="32767" units="dev"/>
-          <inkml:channel name="OA" type="integer" max="360" units="deg"/>
-          <inkml:channel name="OE" type="integer" max="90" units="deg"/>
-        </inkml:traceFormat>
-        <inkml:channelProperties>
-          <inkml:channelProperty channel="X" name="resolution" value="1000" units="1/cm"/>
-          <inkml:channelProperty channel="Y" name="resolution" value="1000" units="1/cm"/>
-          <inkml:channelProperty channel="F" name="resolution" value="0" units="1/dev"/>
-          <inkml:channelProperty channel="OA" name="resolution" value="1000" units="1/deg"/>
-          <inkml:channelProperty channel="OE" name="resolution" value="1000" units="1/deg"/>
-        </inkml:channelProperties>
-      </inkml:inkSource>
-      <inkml:timestamp xml:id="ts0" timeString="2020-11-03T16:23:31.633"/>
-    </inkml:context>
-    <inkml:brush xml:id="br0">
-      <inkml:brushProperty name="width" value="0.05" units="cm"/>
-      <inkml:brushProperty name="height" value="0.05" units="cm"/>
-      <inkml:brushProperty name="color" value="#E71224"/>
-    </inkml:brush>
-  </inkml:definitions>
-  <inkml:trace contextRef="#ctx0" brushRef="#br0">138 18 10592 0 0,'-11'-11'1152'0'0,"9"10"-918"0"0,0 0-1 0 0,0 0 1 0 0,0 1 0 0 0,0-1 0 0 0,0 0 0 0 0,0 1 0 0 0,0 0 0 0 0,0-1-1 0 0,0 1 1 0 0,0 0 0 0 0,-1 0 0 0 0,1 0 0 0 0,0 0 0 0 0,0 0 0 0 0,0 1 0 0 0,0-1-1 0 0,0 1 1 0 0,-3 1 0 0 0,-1 0 548 0 0,0 0 1 0 0,1 0-1 0 0,0 1 0 0 0,-1 0 0 0 0,-5 5 1 0 0,7-5-604 0 0,0 0 0 0 0,1 1 0 0 0,-1 0 0 0 0,1-1 1 0 0,0 1-1 0 0,0 0 0 0 0,1 1 0 0 0,-1-1 0 0 0,1 0 0 0 0,0 1 1 0 0,0-1-1 0 0,0 1 0 0 0,-1 8 0 0 0,1-4-18 0 0,1-1 1 0 0,0 0-1 0 0,0 0 0 0 0,1 1 0 0 0,0-1 1 0 0,0 1-1 0 0,3 11 0 0 0,-2-16-83 0 0,0 0-1 0 0,1-1 0 0 0,-1 1 1 0 0,1 0-1 0 0,0 0 0 0 0,0-1 1 0 0,0 1-1 0 0,1-1 0 0 0,-1 0 1 0 0,1 0-1 0 0,0 0 0 0 0,0 0 1 0 0,0 0-1 0 0,0 0 0 0 0,0-1 1 0 0,1 1-1 0 0,-1-1 0 0 0,1 0 1 0 0,0 0-1 0 0,-1-1 0 0 0,1 1 1 0 0,0-1-1 0 0,0 1 0 0 0,0-1 1 0 0,0 0-1 0 0,0-1 0 0 0,0 1 0 0 0,0-1 1 0 0,6 0-1 0 0,-8 0-57 0 0,0-1 0 0 0,-1 1 0 0 0,1-1 0 0 0,0 1 1 0 0,-1-1-1 0 0,1 0 0 0 0,-1 0 0 0 0,1 0 0 0 0,-1 0 0 0 0,1 0 0 0 0,-1 0 0 0 0,1 0 0 0 0,-1 0 0 0 0,0 0 0 0 0,0-1 0 0 0,0 1 0 0 0,0-1 0 0 0,0 1 1 0 0,0-1-1 0 0,0 1 0 0 0,0-1 0 0 0,0 1 0 0 0,0-4 0 0 0,2-3 135 0 0,-1-1 1 0 0,0 1-1 0 0,1-15 0 0 0,-1 12-98 0 0,0-5-534 0 0,-1 0 0 0 0,-1 0 0 0 0,-2-18 0 0 0,1-7-768 0 0,3 36-3019 0 0</inkml:trace>
-</inkml:ink>
-</file>
-
-<file path=ppt/ink/ink122.xml><?xml version="1.0" encoding="utf-8"?>
-<inkml:ink xmlns:inkml="http://www.w3.org/2003/InkML">
-  <inkml:definitions>
-    <inkml:context xml:id="ctx0">
-      <inkml:inkSource xml:id="inkSrc0">
-        <inkml:traceFormat>
-          <inkml:channel name="X" type="integer" min="-2.14748E9" max="2.14748E9" units="cm"/>
-          <inkml:channel name="Y" type="integer" min="-2.14748E9" max="2.14748E9" units="cm"/>
-          <inkml:channel name="F" type="integer" max="32767" units="dev"/>
-          <inkml:channel name="OA" type="integer" max="360" units="deg"/>
-          <inkml:channel name="OE" type="integer" max="90" units="deg"/>
-        </inkml:traceFormat>
-        <inkml:channelProperties>
-          <inkml:channelProperty channel="X" name="resolution" value="1000" units="1/cm"/>
-          <inkml:channelProperty channel="Y" name="resolution" value="1000" units="1/cm"/>
-          <inkml:channelProperty channel="F" name="resolution" value="0" units="1/dev"/>
-          <inkml:channelProperty channel="OA" name="resolution" value="1000" units="1/deg"/>
-          <inkml:channelProperty channel="OE" name="resolution" value="1000" units="1/deg"/>
-        </inkml:channelProperties>
-      </inkml:inkSource>
-      <inkml:timestamp xml:id="ts0" timeString="2020-11-03T16:23:32.278"/>
-    </inkml:context>
-    <inkml:brush xml:id="br0">
-      <inkml:brushProperty name="width" value="0.05" units="cm"/>
-      <inkml:brushProperty name="height" value="0.05" units="cm"/>
-      <inkml:brushProperty name="color" value="#E71224"/>
-    </inkml:brush>
-  </inkml:definitions>
-  <inkml:trace contextRef="#ctx0" brushRef="#br0">176 11 10856 0 0,'3'-3'7122'0'0,"-3"0"-7463"0"0,-2 2 453 0 0,1 0 1 0 0,0 1 0 0 0,0-1-1 0 0,0 1 1 0 0,0 0 0 0 0,-1-1-1 0 0,1 1 1 0 0,0 0 0 0 0,0-1 0 0 0,-1 1-1 0 0,1 0 1 0 0,0 0 0 0 0,-1 0-1 0 0,1 0 1 0 0,0 0 0 0 0,0 1-1 0 0,-1-1 1 0 0,1 0 0 0 0,0 0-1 0 0,-2 2 1 0 0,0-2 81 0 0,0 1 1 0 0,0 0-1 0 0,0 0 0 0 0,0 1 1 0 0,0-1-1 0 0,1 1 1 0 0,-5 2-1 0 0,2 2 62 0 0,-1 0-1 0 0,1 0 1 0 0,0 0-1 0 0,0 1 1 0 0,1 0 0 0 0,0 0-1 0 0,0 0 1 0 0,0 0-1 0 0,-3 12 1 0 0,3-7-159 0 0,1 1 0 0 0,1-1 0 0 0,0 1 0 0 0,0-1-1 0 0,1 19 1 0 0,1-29-88 0 0,0 0-1 0 0,0 0 0 0 0,1 0 1 0 0,-1 0-1 0 0,0 0 1 0 0,1-1-1 0 0,0 1 0 0 0,-1 0 1 0 0,1 0-1 0 0,0 0 0 0 0,0 0 1 0 0,0-1-1 0 0,0 1 1 0 0,0 0-1 0 0,1-1 0 0 0,-1 1 1 0 0,0-1-1 0 0,1 1 0 0 0,-1-1 1 0 0,1 0-1 0 0,0 0 1 0 0,-1 1-1 0 0,1-1 0 0 0,0 0 1 0 0,0-1-1 0 0,-1 1 1 0 0,1 0-1 0 0,0 0 0 0 0,0-1 1 0 0,0 1-1 0 0,0-1 0 0 0,0 0 1 0 0,0 1-1 0 0,0-1 1 0 0,0 0-1 0 0,0 0 0 0 0,0 0 1 0 0,0-1-1 0 0,0 1 0 0 0,0 0 1 0 0,3-2-1 0 0,-1 1 18 0 0,0-1 0 0 0,0 0 0 0 0,0 0 0 0 0,0 0 0 0 0,0 0 0 0 0,0-1 1 0 0,-1 0-1 0 0,1 0 0 0 0,-1 0 0 0 0,0 0 0 0 0,0 0 0 0 0,0 0 0 0 0,0-1 0 0 0,-1 0 0 0 0,1 1 0 0 0,2-7 0 0 0,-3 5-9 0 0,-1 3 29 0 0,1 0-1 0 0,-2 0 1 0 0,1 0-1 0 0,0 0 0 0 0,0 0 1 0 0,-1-1-1 0 0,1 1 1 0 0,-1 0-1 0 0,0 0 1 0 0,1-3-1 0 0,-1 3-13 0 0,0 0 0 0 0,1 0-1 0 0,-1 0 1 0 0,1 0 0 0 0,-1 0 0 0 0,1 0-1 0 0,1-3 1 0 0,3-10 114 0 0,-5 13-84 0 0,1 1-1 0 0,0 0 1 0 0,-1-1-1 0 0,1 1 1 0 0,0 0-1 0 0,0 0 1 0 0,0-1-1 0 0,0 1 1 0 0,0 0-1 0 0,1 0 1 0 0,0-1-1 0 0,1 0 225 0 0,-2 1-278 0 0,0 0 0 0 0,0 1 1 0 0,-1-1-1 0 0,1 1 0 0 0,0 0 0 0 0,0-1 0 0 0,0 1 0 0 0,0 0 0 0 0,0-1 0 0 0,0 1 1 0 0,-1 0-1 0 0,1 0 0 0 0,0 0 0 0 0,0 0 0 0 0,0 0 0 0 0,0 0 0 0 0,0 0 1 0 0,0 0-1 0 0,0 0 0 0 0,0 0 0 0 0,0 0 0 0 0,0 1 0 0 0,-1-1 0 0 0,1 0 0 0 0,0 1 1 0 0,0-1-1 0 0,0 1 0 0 0,0-1 0 0 0,-1 1 0 0 0,1-1 0 0 0,1 2 0 0 0,-1-2 36 0 0,4 5-34 0 0,1-1 0 0 0,-1 1 0 0 0,0 0 0 0 0,0 0 0 0 0,-1 0 0 0 0,1 1 0 0 0,-1-1 0 0 0,0 1 0 0 0,-1 0 0 0 0,0 1 0 0 0,0-1 0 0 0,0 0 0 0 0,0 1 0 0 0,-1 0 0 0 0,3 13 0 0 0,-3-8 28 0 0,0 1 0 0 0,-1-1 0 0 0,0 1 0 0 0,-1-1 0 0 0,0 1 0 0 0,-1-1 1 0 0,0 1-1 0 0,-4 14 0 0 0,3-19-30 0 0,0 0 0 0 0,-1-1 0 0 0,0 1 0 0 0,0-1 0 0 0,-1 0 0 0 0,0 0 0 0 0,0 0 0 0 0,-1 0 0 0 0,1-1 0 0 0,-1 1 0 0 0,-1-2 0 0 0,1 1 0 0 0,-1 0 1 0 0,0-1-1 0 0,-1 0 0 0 0,1 0 0 0 0,-1-1 0 0 0,0 0 0 0 0,0 0 0 0 0,0-1 0 0 0,-1 1 0 0 0,1-2 0 0 0,-1 1 0 0 0,-12 2 0 0 0,-9 0-107 0 0,-32 2 1 0 0,47-5-230 0 0,-18 0-269 0 0,30-3 228 0 0,0 1-1 0 0,-1 0 1 0 0,1 0 0 0 0,0-1-1 0 0,0 1 1 0 0,0-1 0 0 0,0 1-1 0 0,0-1 1 0 0,0 0-1 0 0,0 0 1 0 0,-3-2 0 0 0</inkml:trace>
-</inkml:ink>
-</file>
-
-<file path=ppt/ink/ink123.xml><?xml version="1.0" encoding="utf-8"?>
-<inkml:ink xmlns:inkml="http://www.w3.org/2003/InkML">
-  <inkml:definitions>
-    <inkml:context xml:id="ctx0">
-      <inkml:inkSource xml:id="inkSrc0">
-        <inkml:traceFormat>
-          <inkml:channel name="X" type="integer" min="-2.14748E9" max="2.14748E9" units="cm"/>
-          <inkml:channel name="Y" type="integer" min="-2.14748E9" max="2.14748E9" units="cm"/>
-          <inkml:channel name="F" type="integer" max="32767" units="dev"/>
-          <inkml:channel name="OA" type="integer" max="360" units="deg"/>
-          <inkml:channel name="OE" type="integer" max="90" units="deg"/>
-        </inkml:traceFormat>
-        <inkml:channelProperties>
-          <inkml:channelProperty channel="X" name="resolution" value="1000" units="1/cm"/>
-          <inkml:channelProperty channel="Y" name="resolution" value="1000" units="1/cm"/>
-          <inkml:channelProperty channel="F" name="resolution" value="0" units="1/dev"/>
-          <inkml:channelProperty channel="OA" name="resolution" value="1000" units="1/deg"/>
-          <inkml:channelProperty channel="OE" name="resolution" value="1000" units="1/deg"/>
-        </inkml:channelProperties>
-      </inkml:inkSource>
-      <inkml:timestamp xml:id="ts0" timeString="2020-11-03T16:23:33.952"/>
-    </inkml:context>
-    <inkml:brush xml:id="br0">
-      <inkml:brushProperty name="width" value="0.05" units="cm"/>
-      <inkml:brushProperty name="height" value="0.05" units="cm"/>
-      <inkml:brushProperty name="color" value="#E71224"/>
-    </inkml:brush>
-  </inkml:definitions>
-  <inkml:trace contextRef="#ctx0" brushRef="#br0">207 30 4144 0 0,'0'0'191'0'0,"4"-7"1527"0"0,-4 6-1481 0 0,1 0-1 0 0,-1 0 1 0 0,1 0-1 0 0,-1 0 0 0 0,0 0 1 0 0,1 0-1 0 0,-1 0 1 0 0,0 0-1 0 0,0-1 1 0 0,0 1-1 0 0,0 0 1 0 0,0 0-1 0 0,0-2 0 0 0,0 2-79 0 0,0 1-1 0 0,-1 0 0 0 0,1 0 0 0 0,0-1 0 0 0,0 1 0 0 0,0 0 0 0 0,-1-1 0 0 0,1 1 0 0 0,0 0 0 0 0,-1 0 0 0 0,1-1 0 0 0,0 1 0 0 0,0 0 0 0 0,-1 0 0 0 0,1 0 0 0 0,0-1 0 0 0,-1 1 0 0 0,1 0 0 0 0,0 0 0 0 0,-1 0 0 0 0,1 0 0 0 0,0 0 0 0 0,-1 0 0 0 0,1 0 0 0 0,-1 0 0 0 0,1 0 0 0 0,-1 0 0 0 0,-2 0 321 0 0,-1 1-1 0 0,1 0 0 0 0,0 0 1 0 0,-1 0-1 0 0,1 0 1 0 0,0 0-1 0 0,-6 4 0 0 0,-3 2-181 0 0,1 0-1 0 0,0 1 0 0 0,0 0 0 0 0,1 1 0 0 0,0 0 0 0 0,0 0 1 0 0,1 1-1 0 0,1 1 0 0 0,-1 0 0 0 0,2 0 0 0 0,-9 15 0 0 0,8-11-115 0 0,1 1-1 0 0,1 0 0 0 0,0 0 0 0 0,1 1 0 0 0,1 0 0 0 0,0 0 0 0 0,2 0 1 0 0,-2 23-1 0 0,4-32-157 0 0,-2 16 286 0 0,2 0 0 0 0,5 48 0 0 0,-4-66-264 0 0,0 1 0 0 0,1-1 0 0 0,-1 0 0 0 0,1 0 0 0 0,0 0 0 0 0,1 0 1 0 0,0 0-1 0 0,0 0 0 0 0,0-1 0 0 0,1 1 0 0 0,-1-1 0 0 0,1 0 0 0 0,0 0 0 0 0,1-1 0 0 0,-1 1 0 0 0,8 5 0 0 0,-8-7-190 0 0,0 0 0 0 0,-1-1-1 0 0,1 1 1 0 0,0-1 0 0 0,0 0 0 0 0,0 0-1 0 0,1-1 1 0 0,-1 1 0 0 0,0-1-1 0 0,1 0 1 0 0,-1 0 0 0 0,1 0-1 0 0,-1 0 1 0 0,1-1 0 0 0,-1 0 0 0 0,1 0-1 0 0,0 0 1 0 0,5-2 0 0 0,1 0-1351 0 0</inkml:trace>
-</inkml:ink>
-</file>
-
-<file path=ppt/ink/ink124.xml><?xml version="1.0" encoding="utf-8"?>
-<inkml:ink xmlns:inkml="http://www.w3.org/2003/InkML">
-  <inkml:definitions>
-    <inkml:context xml:id="ctx0">
-      <inkml:inkSource xml:id="inkSrc0">
-        <inkml:traceFormat>
-          <inkml:channel name="X" type="integer" min="-2.14748E9" max="2.14748E9" units="cm"/>
-          <inkml:channel name="Y" type="integer" min="-2.14748E9" max="2.14748E9" units="cm"/>
-          <inkml:channel name="F" type="integer" max="32767" units="dev"/>
-          <inkml:channel name="OA" type="integer" max="360" units="deg"/>
-          <inkml:channel name="OE" type="integer" max="90" units="deg"/>
-        </inkml:traceFormat>
-        <inkml:channelProperties>
-          <inkml:channelProperty channel="X" name="resolution" value="1000" units="1/cm"/>
-          <inkml:channelProperty channel="Y" name="resolution" value="1000" units="1/cm"/>
-          <inkml:channelProperty channel="F" name="resolution" value="0" units="1/dev"/>
-          <inkml:channelProperty channel="OA" name="resolution" value="1000" units="1/deg"/>
-          <inkml:channelProperty channel="OE" name="resolution" value="1000" units="1/deg"/>
-        </inkml:channelProperties>
-      </inkml:inkSource>
-      <inkml:timestamp xml:id="ts0" timeString="2020-11-03T16:23:34.562"/>
-    </inkml:context>
-    <inkml:brush xml:id="br0">
-      <inkml:brushProperty name="width" value="0.05" units="cm"/>
-      <inkml:brushProperty name="height" value="0.05" units="cm"/>
-      <inkml:brushProperty name="color" value="#E71224"/>
-    </inkml:brush>
-  </inkml:definitions>
-  <inkml:trace contextRef="#ctx0" brushRef="#br0">25 130 7368 0 0,'0'0'333'0'0,"-25"14"10916"0"0,42-57-8947 0 0,-6 11-1107 0 0,-4 19-583 0 0,-1 1 0 0 0,17-22 0 0 0,-19 29-433 0 0,-4 5-165 0 0,0-1 0 0 0,1 1 0 0 0,-1 0 0 0 0,0-1 0 0 0,0 1 0 0 0,1 0 0 0 0,-1 0 0 0 0,0-1 0 0 0,0 1 0 0 0,1 0 0 0 0,-1 0 0 0 0,0 0 0 0 0,0-1 0 0 0,1 1 0 0 0,-1 0 0 0 0,0 0 0 0 0,1 0 0 0 0,-1 0 0 0 0,0 0 0 0 0,1 0 0 0 0,-1-1 0 0 0,0 1 0 0 0,1 0 0 0 0,-1 0 0 0 0,1 0 0 0 0,-1 0 0 0 0,0 0 0 0 0,1 0 0 0 0,-1 1 0 0 0,9 7 75 0 0,4 18-160 0 0,-11-23 109 0 0,1 8-41 0 0,0 1 1 0 0,0-1-1 0 0,-1 1 0 0 0,1 14 1 0 0,-1-4-4 0 0,-1-19 9 0 0,-1 0 0 0 0,1 0 0 0 0,0-1 0 0 0,0 1 0 0 0,0 0 0 0 0,0 0-1 0 0,0-1 1 0 0,1 1 0 0 0,-1-1 0 0 0,1 1 0 0 0,-1-1 0 0 0,1 0 0 0 0,0 1 0 0 0,0-1 0 0 0,0 0-1 0 0,0 0 1 0 0,3 2 0 0 0,-3-5-2 0 0,0 1-1 0 0,-1 0 1 0 0,1-1-1 0 0,-1 0 0 0 0,1 1 1 0 0,0-1-1 0 0,-1 0 1 0 0,1 0-1 0 0,-1 0 1 0 0,1 1-1 0 0,-1-2 1 0 0,0 1-1 0 0,2-1 0 0 0,-1 0-2 0 0,3-2 5 0 0,0-1 0 0 0,0-1-1 0 0,0 1 1 0 0,0-1 0 0 0,-1 1 0 0 0,0-1-1 0 0,3-7 1 0 0,23-49-240 0 0,-28 57 176 0 0,2-9-1570 0 0,-3 6-5501 0 0</inkml:trace>
-</inkml:ink>
-</file>
-
-<file path=ppt/ink/ink125.xml><?xml version="1.0" encoding="utf-8"?>
-<inkml:ink xmlns:inkml="http://www.w3.org/2003/InkML">
-  <inkml:definitions>
-    <inkml:context xml:id="ctx0">
-      <inkml:inkSource xml:id="inkSrc0">
-        <inkml:traceFormat>
-          <inkml:channel name="X" type="integer" min="-2.14748E9" max="2.14748E9" units="cm"/>
-          <inkml:channel name="Y" type="integer" min="-2.14748E9" max="2.14748E9" units="cm"/>
-          <inkml:channel name="F" type="integer" max="32767" units="dev"/>
-          <inkml:channel name="OA" type="integer" max="360" units="deg"/>
-          <inkml:channel name="OE" type="integer" max="90" units="deg"/>
-        </inkml:traceFormat>
-        <inkml:channelProperties>
-          <inkml:channelProperty channel="X" name="resolution" value="1000" units="1/cm"/>
-          <inkml:channelProperty channel="Y" name="resolution" value="1000" units="1/cm"/>
-          <inkml:channelProperty channel="F" name="resolution" value="0" units="1/dev"/>
-          <inkml:channelProperty channel="OA" name="resolution" value="1000" units="1/deg"/>
-          <inkml:channelProperty channel="OE" name="resolution" value="1000" units="1/deg"/>
-        </inkml:channelProperties>
-      </inkml:inkSource>
-      <inkml:timestamp xml:id="ts0" timeString="2020-11-03T16:23:35.184"/>
-    </inkml:context>
-    <inkml:brush xml:id="br0">
-      <inkml:brushProperty name="width" value="0.05" units="cm"/>
-      <inkml:brushProperty name="height" value="0.05" units="cm"/>
-      <inkml:brushProperty name="color" value="#E71224"/>
-    </inkml:brush>
-  </inkml:definitions>
-  <inkml:trace contextRef="#ctx0" brushRef="#br0">3 3 9760 0 0,'-2'-3'8790'0'0,"5"8"-8129"0"0,4 5-144 0 0,0-1 0 0 0,10 8 0 0 0,9 12 352 0 0,-18-19-760 0 0,0 1 1 0 0,0 1-1 0 0,-2-1 0 0 0,1 1 0 0 0,-1 0 0 0 0,-1 1 0 0 0,0-1 0 0 0,-1 1 0 0 0,-1 0 0 0 0,3 14 0 0 0,-3-1-60 0 0,-1 0 1 0 0,-1 0-1 0 0,-1 0 0 0 0,-1 0 0 0 0,-2 0 0 0 0,-5 27 0 0 0,6-47-33 0 0,1 1-1 0 0,-2-1 0 0 0,1 1 1 0 0,-1-1-1 0 0,-3 7 1 0 0,4-11-12 0 0,1 1 1 0 0,0-1-1 0 0,-1 0 1 0 0,1 0 0 0 0,-1 0-1 0 0,1 0 1 0 0,-1-1-1 0 0,0 1 1 0 0,0 0 0 0 0,0-1-1 0 0,0 1 1 0 0,0-1 0 0 0,0 0-1 0 0,0 1 1 0 0,-1-1-1 0 0,-2 1 1 0 0,4-2-50 0 0,0 0 0 0 0,0 0 0 0 0,0 0-1 0 0,0 0 1 0 0,0-1 0 0 0,0 1 0 0 0,0 0 0 0 0,0 0 0 0 0,0-1 0 0 0,0 1-1 0 0,0-1 1 0 0,0 1 0 0 0,0-1 0 0 0,-1 0 0 0 0,-5-4-2713 0 0</inkml:trace>
-</inkml:ink>
-</file>
-
-<file path=ppt/ink/ink126.xml><?xml version="1.0" encoding="utf-8"?>
-<inkml:ink xmlns:inkml="http://www.w3.org/2003/InkML">
-  <inkml:definitions>
-    <inkml:context xml:id="ctx0">
-      <inkml:inkSource xml:id="inkSrc0">
-        <inkml:traceFormat>
-          <inkml:channel name="X" type="integer" min="-2.14748E9" max="2.14748E9" units="cm"/>
-          <inkml:channel name="Y" type="integer" min="-2.14748E9" max="2.14748E9" units="cm"/>
-          <inkml:channel name="F" type="integer" max="32767" units="dev"/>
-          <inkml:channel name="OA" type="integer" max="360" units="deg"/>
-          <inkml:channel name="OE" type="integer" max="90" units="deg"/>
-        </inkml:traceFormat>
-        <inkml:channelProperties>
-          <inkml:channelProperty channel="X" name="resolution" value="1000" units="1/cm"/>
-          <inkml:channelProperty channel="Y" name="resolution" value="1000" units="1/cm"/>
-          <inkml:channelProperty channel="F" name="resolution" value="0" units="1/dev"/>
-          <inkml:channelProperty channel="OA" name="resolution" value="1000" units="1/deg"/>
-          <inkml:channelProperty channel="OE" name="resolution" value="1000" units="1/deg"/>
-        </inkml:channelProperties>
-      </inkml:inkSource>
-      <inkml:timestamp xml:id="ts0" timeString="2020-11-03T16:23:36.318"/>
-    </inkml:context>
-    <inkml:brush xml:id="br0">
-      <inkml:brushProperty name="width" value="0.05" units="cm"/>
-      <inkml:brushProperty name="height" value="0.05" units="cm"/>
-      <inkml:brushProperty name="color" value="#E71224"/>
-    </inkml:brush>
-  </inkml:definitions>
-  <inkml:trace contextRef="#ctx0" brushRef="#br0">122 66 2304 0 0,'0'0'380'0'0,"-4"-17"6013"0"0,1-16-2233 0 0,3 18 5692 0 0,0 16-9776 0 0,0 1-1 0 0,0-1 1 0 0,0 1 0 0 0,0-1 0 0 0,0 0 0 0 0,1 1 0 0 0,-1-1 0 0 0,0 1-1 0 0,1-1 1 0 0,-1 0 0 0 0,1 1 0 0 0,-1-1 0 0 0,1 0 0 0 0,0 0 0 0 0,0 2 0 0 0,2 1-69 0 0,41 54 2049 0 0,-36-47-1887 0 0,1 0-1 0 0,12 12 1 0 0,-11-13 99 0 0,17 24 0 0 0,-13-14-69 0 0,-2 1 0 0 0,0 0 0 0 0,-1 1 0 0 0,-1 0 0 0 0,-2 0 0 0 0,0 1 0 0 0,-1 1 0 0 0,6 39 0 0 0,-9-35-145 0 0,-1 1-1 0 0,-2 0 1 0 0,-1 0 0 0 0,-5 36-1 0 0,4-52-35 0 0,-2 0-1 0 0,0 0 1 0 0,0 0 0 0 0,-1 0-1 0 0,-1 0 1 0 0,0-1 0 0 0,-1 0-1 0 0,0 0 1 0 0,0 0 0 0 0,-2-1-1 0 0,-12 16 1 0 0,9-16 4 0 0,0 0 0 0 0,-18 12 1 0 0,-7 6 27 0 0,23-18-24 0 0,0-1 1 0 0,-24 13-1 0 0,11-8 23 0 0,18-9-45 0 0,0 0 0 0 0,0 1 0 0 0,-11 12 0 0 0,-6 5-62 0 0,-1 1-17 0 0,25-24 11 0 0,10-1-5392 0 0</inkml:trace>
-</inkml:ink>
-</file>
-
-<file path=ppt/ink/ink13.xml><?xml version="1.0" encoding="utf-8"?>
+<file path=ppt/ink/ink32.xml><?xml version="1.0" encoding="utf-8"?>
 <inkml:ink xmlns:inkml="http://www.w3.org/2003/InkML">
   <inkml:definitions>
     <inkml:context xml:id="ctx0">
@@ -1172,7 +2452,7 @@
 </inkml:ink>
 </file>
 
-<file path=ppt/ink/ink14.xml><?xml version="1.0" encoding="utf-8"?>
+<file path=ppt/ink/ink33.xml><?xml version="1.0" encoding="utf-8"?>
 <inkml:ink xmlns:inkml="http://www.w3.org/2003/InkML">
   <inkml:definitions>
     <inkml:context xml:id="ctx0">
@@ -1205,7 +2485,7 @@
 </inkml:ink>
 </file>
 
-<file path=ppt/ink/ink15.xml><?xml version="1.0" encoding="utf-8"?>
+<file path=ppt/ink/ink34.xml><?xml version="1.0" encoding="utf-8"?>
 <inkml:ink xmlns:inkml="http://www.w3.org/2003/InkML">
   <inkml:definitions>
     <inkml:context xml:id="ctx0">
@@ -1237,7 +2517,7 @@
 </inkml:ink>
 </file>
 
-<file path=ppt/ink/ink16.xml><?xml version="1.0" encoding="utf-8"?>
+<file path=ppt/ink/ink35.xml><?xml version="1.0" encoding="utf-8"?>
 <inkml:ink xmlns:inkml="http://www.w3.org/2003/InkML">
   <inkml:definitions>
     <inkml:context xml:id="ctx0">
@@ -1269,7 +2549,7 @@
 </inkml:ink>
 </file>
 
-<file path=ppt/ink/ink17.xml><?xml version="1.0" encoding="utf-8"?>
+<file path=ppt/ink/ink36.xml><?xml version="1.0" encoding="utf-8"?>
 <inkml:ink xmlns:inkml="http://www.w3.org/2003/InkML">
   <inkml:definitions>
     <inkml:context xml:id="ctx0">
@@ -1301,7 +2581,7 @@
 </inkml:ink>
 </file>
 
-<file path=ppt/ink/ink18.xml><?xml version="1.0" encoding="utf-8"?>
+<file path=ppt/ink/ink37.xml><?xml version="1.0" encoding="utf-8"?>
 <inkml:ink xmlns:inkml="http://www.w3.org/2003/InkML">
   <inkml:definitions>
     <inkml:context xml:id="ctx0">
@@ -1333,7 +2613,7 @@
 </inkml:ink>
 </file>
 
-<file path=ppt/ink/ink19.xml><?xml version="1.0" encoding="utf-8"?>
+<file path=ppt/ink/ink38.xml><?xml version="1.0" encoding="utf-8"?>
 <inkml:ink xmlns:inkml="http://www.w3.org/2003/InkML">
   <inkml:definitions>
     <inkml:context xml:id="ctx0">
@@ -1365,39 +2645,7 @@
 </inkml:ink>
 </file>
 
-<file path=ppt/ink/ink2.xml><?xml version="1.0" encoding="utf-8"?>
-<inkml:ink xmlns:inkml="http://www.w3.org/2003/InkML">
-  <inkml:definitions>
-    <inkml:context xml:id="ctx0">
-      <inkml:inkSource xml:id="inkSrc0">
-        <inkml:traceFormat>
-          <inkml:channel name="X" type="integer" min="-2.14748E9" max="2.14748E9" units="cm"/>
-          <inkml:channel name="Y" type="integer" min="-2.14748E9" max="2.14748E9" units="cm"/>
-          <inkml:channel name="F" type="integer" max="32767" units="dev"/>
-          <inkml:channel name="OA" type="integer" max="360" units="deg"/>
-          <inkml:channel name="OE" type="integer" max="90" units="deg"/>
-        </inkml:traceFormat>
-        <inkml:channelProperties>
-          <inkml:channelProperty channel="X" name="resolution" value="1000" units="1/cm"/>
-          <inkml:channelProperty channel="Y" name="resolution" value="1000" units="1/cm"/>
-          <inkml:channelProperty channel="F" name="resolution" value="0" units="1/dev"/>
-          <inkml:channelProperty channel="OA" name="resolution" value="1000" units="1/deg"/>
-          <inkml:channelProperty channel="OE" name="resolution" value="1000" units="1/deg"/>
-        </inkml:channelProperties>
-      </inkml:inkSource>
-      <inkml:timestamp xml:id="ts0" timeString="2020-11-03T16:21:38.252"/>
-    </inkml:context>
-    <inkml:brush xml:id="br0">
-      <inkml:brushProperty name="width" value="0.05" units="cm"/>
-      <inkml:brushProperty name="height" value="0.05" units="cm"/>
-      <inkml:brushProperty name="color" value="#E71224"/>
-    </inkml:brush>
-  </inkml:definitions>
-  <inkml:trace contextRef="#ctx0" brushRef="#br0">119 9 6160 0 0,'0'0'904'0'0,"8"2"1276"0"0,3-1 8050 0 0,-12-2-10056 0 0,-1 0 0 0 0,0-1-1 0 0,0 1 1 0 0,0 0 0 0 0,0 1 0 0 0,0-1-1 0 0,0 0 1 0 0,0 0 0 0 0,-4 0-1 0 0,5 1-126 0 0,0-1-1 0 0,0 1 0 0 0,0 0 1 0 0,-1 0-1 0 0,1 0 0 0 0,0 0 0 0 0,0 0 1 0 0,0 0-1 0 0,0 0 0 0 0,-1 0 1 0 0,1 0-1 0 0,0 0 0 0 0,0 0 0 0 0,0 1 1 0 0,0-1-1 0 0,0 1 0 0 0,-1-1 0 0 0,1 1 1 0 0,0-1-1 0 0,-1 2 0 0 0,-2 2 122 0 0,1-1 0 0 0,-1 0 0 0 0,0 0-1 0 0,-7 5 1 0 0,8-6-110 0 0,-1 1 0 0 0,1-1-1 0 0,0 1 1 0 0,0-1 0 0 0,0 1 0 0 0,0 0-1 0 0,0 0 1 0 0,-3 5 0 0 0,-2 5 68 0 0,5-9-72 0 0,0 1 1 0 0,0 0 0 0 0,0 0 0 0 0,1 0-1 0 0,0 0 1 0 0,0 0 0 0 0,0 0 0 0 0,0 1 0 0 0,0 5-1 0 0,2-10 89 0 0,5 10-2 0 0,-4-10-121 0 0,0 1 0 0 0,0-1 0 0 0,0 1 0 0 0,1-1 0 0 0,-1 0 0 0 0,0 0 0 0 0,1 1-1 0 0,-1-1 1 0 0,1 0 0 0 0,0 0 0 0 0,-1-1 0 0 0,3 2 0 0 0,15 7 237 0 0,9 3 70 0 0,-26-12-295 0 0,1 1 0 0 0,0 0 0 0 0,-1 0 0 0 0,0 0 0 0 0,1 1 0 0 0,-1-1 0 0 0,0 0 0 0 0,1 1 1 0 0,-1 0-1 0 0,0-1 0 0 0,0 1 0 0 0,0 0 0 0 0,0 0 0 0 0,-1 0 0 0 0,1 0 0 0 0,-1 0 0 0 0,1 1 0 0 0,1 2 0 0 0,-1-2 5 0 0,0-1-1 0 0,-1 1 1 0 0,1 0-1 0 0,-1-1 1 0 0,1 1 0 0 0,-1 0-1 0 0,0 0 1 0 0,0 0-1 0 0,0 0 1 0 0,-1 0-1 0 0,1 0 1 0 0,-1 0 0 0 0,1 6-1 0 0,-2 0 11 0 0,-1 1 1 0 0,1-1-1 0 0,-2 0 0 0 0,1 0 0 0 0,-1 0 1 0 0,-8 16-1 0 0,7-19-28 0 0,1 1 0 0 0,-2 0 0 0 0,1-1 0 0 0,-1 0 0 0 0,0 0 0 0 0,-7 6 0 0 0,8-8-104 0 0,1-1 0 0 0,-1 0 0 0 0,0 0 0 0 0,0 0 0 0 0,-1 0 0 0 0,1-1-1 0 0,-1 1 1 0 0,1-1 0 0 0,-1 0 0 0 0,-6 1 0 0 0,11-3-4 0 0,0 0 1 0 0,0 0-1 0 0,0-1 0 0 0,1 1 1 0 0,-1 0-1 0 0,0 0 0 0 0,0 0 1 0 0,0-1-1 0 0,0 1 0 0 0,0 0 0 0 0,0 0 1 0 0,0 0-1 0 0,0-1 0 0 0,0 1 1 0 0,0 0-1 0 0,0 0 0 0 0,0 0 0 0 0,0-1 1 0 0,0 1-1 0 0,0 0 0 0 0,0 0 1 0 0,0 0-1 0 0,0-1 0 0 0,0 1 0 0 0,0 0 1 0 0,0 0-1 0 0,0 0 0 0 0,0-1 1 0 0,0 1-1 0 0,0 0 0 0 0,-1 0 0 0 0,1 0 1 0 0,0 0-1 0 0,0-1 0 0 0,0 1 1 0 0,0 0-1 0 0,0 0 0 0 0,-1 0 0 0 0,1 0 1 0 0,0 0-1 0 0,0-1 0 0 0,0 1 1 0 0,0 0-1 0 0,-1 0 0 0 0,1 0 0 0 0,0 0 1 0 0,0 0-1 0 0,0 0 0 0 0,-1 0 1 0 0,1 0-1 0 0,0 0 0 0 0,0 0 0 0 0,0 0 1 0 0,-1 0-1 0 0,1 0 0 0 0,0 0 1 0 0,0 0-1 0 0,0 0 0 0 0,-1 0 0 0 0,1 0 1 0 0,0 0-1 0 0,0 0 0 0 0,0 0 1 0 0,-1 0-1 0 0,1 0 0 0 0,0 1 0 0 0,0-1 1 0 0,-1 0-1 0 0,5-5-2046 0 0</inkml:trace>
-</inkml:ink>
-</file>
-
-<file path=ppt/ink/ink20.xml><?xml version="1.0" encoding="utf-8"?>
+<file path=ppt/ink/ink39.xml><?xml version="1.0" encoding="utf-8"?>
 <inkml:ink xmlns:inkml="http://www.w3.org/2003/InkML">
   <inkml:definitions>
     <inkml:context xml:id="ctx0">
@@ -1429,7 +2677,39 @@
 </inkml:ink>
 </file>
 
-<file path=ppt/ink/ink21.xml><?xml version="1.0" encoding="utf-8"?>
+<file path=ppt/ink/ink4.xml><?xml version="1.0" encoding="utf-8"?>
+<inkml:ink xmlns:inkml="http://www.w3.org/2003/InkML">
+  <inkml:definitions>
+    <inkml:context xml:id="ctx0">
+      <inkml:inkSource xml:id="inkSrc0">
+        <inkml:traceFormat>
+          <inkml:channel name="X" type="integer" min="-2.14748E9" max="2.14748E9" units="cm"/>
+          <inkml:channel name="Y" type="integer" min="-2.14748E9" max="2.14748E9" units="cm"/>
+          <inkml:channel name="F" type="integer" max="32767" units="dev"/>
+          <inkml:channel name="OA" type="integer" max="360" units="deg"/>
+          <inkml:channel name="OE" type="integer" max="90" units="deg"/>
+        </inkml:traceFormat>
+        <inkml:channelProperties>
+          <inkml:channelProperty channel="X" name="resolution" value="1000" units="1/cm"/>
+          <inkml:channelProperty channel="Y" name="resolution" value="1000" units="1/cm"/>
+          <inkml:channelProperty channel="F" name="resolution" value="0" units="1/dev"/>
+          <inkml:channelProperty channel="OA" name="resolution" value="1000" units="1/deg"/>
+          <inkml:channelProperty channel="OE" name="resolution" value="1000" units="1/deg"/>
+        </inkml:channelProperties>
+      </inkml:inkSource>
+      <inkml:timestamp xml:id="ts0" timeString="2020-11-04T18:00:37.123"/>
+    </inkml:context>
+    <inkml:brush xml:id="br0">
+      <inkml:brushProperty name="width" value="0.05" units="cm"/>
+      <inkml:brushProperty name="height" value="0.05" units="cm"/>
+      <inkml:brushProperty name="color" value="#004F8B"/>
+    </inkml:brush>
+  </inkml:definitions>
+  <inkml:trace contextRef="#ctx0" brushRef="#br0">7 25 3224 0 0,'0'0'5368'0'0,"-6"-22"6698"0"0,6 22-11814 0 0,15-1 3042 0 0,25 9-4165 0 0,-28-5 1983 0 0,42 7-344 0 0,87 20 626 0 0,-116-25-1198 0 0,1-1 0 0 0,48 1-1 0 0,-64-4-142 0 0,123 4 587 0 0,1 0-455 0 0,-111-5 587 0 0,32-2-1 0 0,-37 1-831 0 0,9-3 171 0 0,0 0-1 0 0,45-15 1 0 0,-65 16-46 0 0,-1 1 0 0 0,0-1 0 0 0,1 0 1 0 0,6-5-1 0 0,22-11 182 0 0,-30 16-236 0 0,1 0-11 0 0,-1 0-16 0 0,-4 2-61 0 0,0 2-226 0 0,0-1 1 0 0,0 1-1 0 0,0-1 1 0 0,0 1-1 0 0,0 0 1 0 0,0-1-1 0 0,0 1 1 0 0,0 0-1 0 0,0 0 1 0 0,-1 0-1 0 0,1 0 1 0 0,0 0-1 0 0,0 0 1 0 0,-1 0-1 0 0,1 0 1 0 0,0 0-1 0 0,0 2 1 0 0</inkml:trace>
+</inkml:ink>
+</file>
+
+<file path=ppt/ink/ink40.xml><?xml version="1.0" encoding="utf-8"?>
 <inkml:ink xmlns:inkml="http://www.w3.org/2003/InkML">
   <inkml:definitions>
     <inkml:context xml:id="ctx0">
@@ -1461,7 +2741,7 @@
 </inkml:ink>
 </file>
 
-<file path=ppt/ink/ink22.xml><?xml version="1.0" encoding="utf-8"?>
+<file path=ppt/ink/ink41.xml><?xml version="1.0" encoding="utf-8"?>
 <inkml:ink xmlns:inkml="http://www.w3.org/2003/InkML">
   <inkml:definitions>
     <inkml:context xml:id="ctx0">
@@ -1493,7 +2773,7 @@
 </inkml:ink>
 </file>
 
-<file path=ppt/ink/ink23.xml><?xml version="1.0" encoding="utf-8"?>
+<file path=ppt/ink/ink42.xml><?xml version="1.0" encoding="utf-8"?>
 <inkml:ink xmlns:inkml="http://www.w3.org/2003/InkML">
   <inkml:definitions>
     <inkml:context xml:id="ctx0">
@@ -1525,7 +2805,7 @@
 </inkml:ink>
 </file>
 
-<file path=ppt/ink/ink24.xml><?xml version="1.0" encoding="utf-8"?>
+<file path=ppt/ink/ink43.xml><?xml version="1.0" encoding="utf-8"?>
 <inkml:ink xmlns:inkml="http://www.w3.org/2003/InkML">
   <inkml:definitions>
     <inkml:context xml:id="ctx0">
@@ -1557,7 +2837,7 @@
 </inkml:ink>
 </file>
 
-<file path=ppt/ink/ink25.xml><?xml version="1.0" encoding="utf-8"?>
+<file path=ppt/ink/ink44.xml><?xml version="1.0" encoding="utf-8"?>
 <inkml:ink xmlns:inkml="http://www.w3.org/2003/InkML">
   <inkml:definitions>
     <inkml:context xml:id="ctx0">
@@ -1589,7 +2869,7 @@
 </inkml:ink>
 </file>
 
-<file path=ppt/ink/ink26.xml><?xml version="1.0" encoding="utf-8"?>
+<file path=ppt/ink/ink45.xml><?xml version="1.0" encoding="utf-8"?>
 <inkml:ink xmlns:inkml="http://www.w3.org/2003/InkML">
   <inkml:definitions>
     <inkml:context xml:id="ctx0">
@@ -1621,7 +2901,7 @@
 </inkml:ink>
 </file>
 
-<file path=ppt/ink/ink27.xml><?xml version="1.0" encoding="utf-8"?>
+<file path=ppt/ink/ink46.xml><?xml version="1.0" encoding="utf-8"?>
 <inkml:ink xmlns:inkml="http://www.w3.org/2003/InkML">
   <inkml:definitions>
     <inkml:context xml:id="ctx0">
@@ -1653,7 +2933,7 @@
 </inkml:ink>
 </file>
 
-<file path=ppt/ink/ink28.xml><?xml version="1.0" encoding="utf-8"?>
+<file path=ppt/ink/ink47.xml><?xml version="1.0" encoding="utf-8"?>
 <inkml:ink xmlns:inkml="http://www.w3.org/2003/InkML">
   <inkml:definitions>
     <inkml:context xml:id="ctx0">
@@ -1685,7 +2965,7 @@
 </inkml:ink>
 </file>
 
-<file path=ppt/ink/ink29.xml><?xml version="1.0" encoding="utf-8"?>
+<file path=ppt/ink/ink48.xml><?xml version="1.0" encoding="utf-8"?>
 <inkml:ink xmlns:inkml="http://www.w3.org/2003/InkML">
   <inkml:definitions>
     <inkml:context xml:id="ctx0">
@@ -1717,39 +2997,7 @@
 </inkml:ink>
 </file>
 
-<file path=ppt/ink/ink3.xml><?xml version="1.0" encoding="utf-8"?>
-<inkml:ink xmlns:inkml="http://www.w3.org/2003/InkML">
-  <inkml:definitions>
-    <inkml:context xml:id="ctx0">
-      <inkml:inkSource xml:id="inkSrc0">
-        <inkml:traceFormat>
-          <inkml:channel name="X" type="integer" min="-2.14748E9" max="2.14748E9" units="cm"/>
-          <inkml:channel name="Y" type="integer" min="-2.14748E9" max="2.14748E9" units="cm"/>
-          <inkml:channel name="F" type="integer" max="32767" units="dev"/>
-          <inkml:channel name="OA" type="integer" max="360" units="deg"/>
-          <inkml:channel name="OE" type="integer" max="90" units="deg"/>
-        </inkml:traceFormat>
-        <inkml:channelProperties>
-          <inkml:channelProperty channel="X" name="resolution" value="1000" units="1/cm"/>
-          <inkml:channelProperty channel="Y" name="resolution" value="1000" units="1/cm"/>
-          <inkml:channelProperty channel="F" name="resolution" value="0" units="1/dev"/>
-          <inkml:channelProperty channel="OA" name="resolution" value="1000" units="1/deg"/>
-          <inkml:channelProperty channel="OE" name="resolution" value="1000" units="1/deg"/>
-        </inkml:channelProperties>
-      </inkml:inkSource>
-      <inkml:timestamp xml:id="ts0" timeString="2020-11-03T16:21:38.671"/>
-    </inkml:context>
-    <inkml:brush xml:id="br0">
-      <inkml:brushProperty name="width" value="0.05" units="cm"/>
-      <inkml:brushProperty name="height" value="0.05" units="cm"/>
-      <inkml:brushProperty name="color" value="#E71224"/>
-    </inkml:brush>
-  </inkml:definitions>
-  <inkml:trace contextRef="#ctx0" brushRef="#br0">94 17 3224 0 0,'0'0'8416'0'0,"5"-9"-3808"0"0,-5 9-4507 0 0,-1-1 0 0 0,1 1 1 0 0,0-1-1 0 0,-1 1 1 0 0,1-1-1 0 0,-1 1 1 0 0,1-1-1 0 0,-1 1 1 0 0,1-1-1 0 0,-1 1 1 0 0,1 0-1 0 0,-1-1 1 0 0,1 1-1 0 0,-1 0 0 0 0,0-1 1 0 0,1 1-1 0 0,-1 0 1 0 0,1 0-1 0 0,-1 0 1 0 0,0 0-1 0 0,1-1 1 0 0,-1 1-1 0 0,0 0 1 0 0,0 0-1 0 0,-1 1 80 0 0,0-1 0 0 0,1 0 0 0 0,-1 1 1 0 0,0-1-1 0 0,1 1 0 0 0,-1-1 0 0 0,0 1 0 0 0,1 0 0 0 0,-3 1 0 0 0,-2 3 370 0 0,-1 0-1 0 0,1 0 0 0 0,-6 7 1 0 0,11-11-445 0 0,-3 3-109 0 0,1 1 1 0 0,-1 0-1 0 0,1 0 0 0 0,0 0 0 0 0,1 0 0 0 0,-1 1 0 0 0,1-1 0 0 0,0 1 1 0 0,1-1-1 0 0,-1 1 0 0 0,1 0 0 0 0,0 0 0 0 0,0 9 0 0 0,1-11 16 0 0,-1-2 6 0 0,1-1-1 0 0,0 1 1 0 0,0-1 0 0 0,0 1 0 0 0,0-1 0 0 0,0 1 0 0 0,0-1 0 0 0,0 1 0 0 0,1-1 0 0 0,-1 1 0 0 0,1-1 0 0 0,-1 1-1 0 0,1-1 1 0 0,-1 0 0 0 0,1 1 0 0 0,0-1 0 0 0,-1 0 0 0 0,1 1 0 0 0,0-1 0 0 0,0 0 0 0 0,0 0 0 0 0,0 0 0 0 0,0 0-1 0 0,0 0 1 0 0,2 1 0 0 0,-2-1-7 0 0,1-1-1 0 0,-1 1 0 0 0,0-1 0 0 0,0 0 1 0 0,0 1-1 0 0,1-1 0 0 0,-1 0 1 0 0,0 0-1 0 0,0 0 0 0 0,1 0 1 0 0,-1 0-1 0 0,0 0 0 0 0,1 0 0 0 0,-1 0 1 0 0,0 0-1 0 0,0-1 0 0 0,0 1 1 0 0,1-1-1 0 0,-1 1 0 0 0,0-1 0 0 0,0 1 1 0 0,0-1-1 0 0,0 1 0 0 0,0-1 1 0 0,2-1-1 0 0,0 0-24 0 0,0-1-1 0 0,0 1 1 0 0,0-1-1 0 0,0 1 1 0 0,-1-1 0 0 0,5-5-1 0 0,-4 2 17 0 0,0 0-1 0 0,-1 0 0 0 0,0 0 1 0 0,0 0-1 0 0,1-7 0 0 0,-1 7-35 0 0,-1-1-1 0 0,1 1 1 0 0,0 0-1 0 0,6-10 1 0 0,-5 5-2044 0 0</inkml:trace>
-</inkml:ink>
-</file>
-
-<file path=ppt/ink/ink30.xml><?xml version="1.0" encoding="utf-8"?>
+<file path=ppt/ink/ink49.xml><?xml version="1.0" encoding="utf-8"?>
 <inkml:ink xmlns:inkml="http://www.w3.org/2003/InkML">
   <inkml:definitions>
     <inkml:context xml:id="ctx0">
@@ -1781,7 +3029,39 @@
 </inkml:ink>
 </file>
 
-<file path=ppt/ink/ink31.xml><?xml version="1.0" encoding="utf-8"?>
+<file path=ppt/ink/ink5.xml><?xml version="1.0" encoding="utf-8"?>
+<inkml:ink xmlns:inkml="http://www.w3.org/2003/InkML">
+  <inkml:definitions>
+    <inkml:context xml:id="ctx0">
+      <inkml:inkSource xml:id="inkSrc0">
+        <inkml:traceFormat>
+          <inkml:channel name="X" type="integer" min="-2.14748E9" max="2.14748E9" units="cm"/>
+          <inkml:channel name="Y" type="integer" min="-2.14748E9" max="2.14748E9" units="cm"/>
+          <inkml:channel name="F" type="integer" max="32767" units="dev"/>
+          <inkml:channel name="OA" type="integer" max="360" units="deg"/>
+          <inkml:channel name="OE" type="integer" max="90" units="deg"/>
+        </inkml:traceFormat>
+        <inkml:channelProperties>
+          <inkml:channelProperty channel="X" name="resolution" value="1000" units="1/cm"/>
+          <inkml:channelProperty channel="Y" name="resolution" value="1000" units="1/cm"/>
+          <inkml:channelProperty channel="F" name="resolution" value="0" units="1/dev"/>
+          <inkml:channelProperty channel="OA" name="resolution" value="1000" units="1/deg"/>
+          <inkml:channelProperty channel="OE" name="resolution" value="1000" units="1/deg"/>
+        </inkml:channelProperties>
+      </inkml:inkSource>
+      <inkml:timestamp xml:id="ts0" timeString="2020-11-04T18:00:40.222"/>
+    </inkml:context>
+    <inkml:brush xml:id="br0">
+      <inkml:brushProperty name="width" value="0.05" units="cm"/>
+      <inkml:brushProperty name="height" value="0.05" units="cm"/>
+      <inkml:brushProperty name="color" value="#004F8B"/>
+    </inkml:brush>
+  </inkml:definitions>
+  <inkml:trace contextRef="#ctx0" brushRef="#br0">10 113 7832 0 0,'0'0'1424'0'0,"-8"-16"3248"0"0,7 16-4566 0 0,1-1 1 0 0,0 1 0 0 0,0-1 0 0 0,0 1 0 0 0,0-1 0 0 0,0 1 0 0 0,0-1 0 0 0,0 1 0 0 0,0-1 0 0 0,0 1 0 0 0,0-1 0 0 0,0 1 0 0 0,0-1-1 0 0,0 1 1 0 0,0-1 0 0 0,1 1 0 0 0,-1-1 0 0 0,0 1 0 0 0,0-1 0 0 0,0 1 0 0 0,1-1 0 0 0,-1 1 0 0 0,0 0 0 0 0,1-1 0 0 0,-1 0 0 0 0,1 0 43 0 0,0 0 0 0 0,-1 0 0 0 0,1 0 0 0 0,0 1-1 0 0,0-1 1 0 0,-1 0 0 0 0,1 0 0 0 0,0 0 0 0 0,0 1 0 0 0,0-1 0 0 0,0 0 0 0 0,0 1 0 0 0,2-2 0 0 0,5 0 240 0 0,-1 1-1 0 0,1 0 0 0 0,-1 0 1 0 0,1 1-1 0 0,0 0 0 0 0,-1 0 1 0 0,1 1-1 0 0,9 1 0 0 0,97 18 2135 0 0,-67-12-1682 0 0,80 4 0 0 0,-123-11-819 0 0,61 3 285 0 0,-20 1 12 0 0,1-3 0 0 0,86-6 0 0 0,-130 4-286 0 0,1-1 1 0 0,0 1 0 0 0,-1-1-1 0 0,1 0 1 0 0,-1 0-1 0 0,4-1 1 0 0,-6 2-26 0 0,0-1 0 0 0,1 1 0 0 0,-1 0 0 0 0,0 0 0 0 0,0 0 0 0 0,1 0 0 0 0,-1-1 0 0 0,0 1 0 0 0,0 0 0 0 0,0 0 0 0 0,1 0 0 0 0,-1-1 0 0 0,0 1 0 0 0,0 0 0 0 0,0 0 0 0 0,0-1 0 0 0,0 1 0 0 0,1 0 0 0 0,-1 0 0 0 0,0-1 0 0 0,0 1 0 0 0,0 0 0 0 0,0-1 0 0 0,0 1 0 0 0,0 0 0 0 0,0 0 0 0 0,0-1 0 0 0,0 0 0 0 0,-1 0 0 0 0,1 1 0 0 0,-1-1 0 0 0,1 0 0 0 0,-1 1 1 0 0,1-1-1 0 0,-1 0 0 0 0,1 1 0 0 0,-1-1 0 0 0,1 1 0 0 0,-1-1 0 0 0,0 1 0 0 0,1-1 1 0 0,-1 1-1 0 0,-1-1 0 0 0,-10-6-50 0 0,-1 1-1 0 0,0 1 1 0 0,0 0 0 0 0,-16-4 0 0 0,-6-2-460 0 0,-121-36 461 0 0,145 43 820 0 0,21 5 192 0 0,8 2-964 0 0,39 4 129 0 0,62 16 1 0 0,-116-22-125 0 0,2 0 34 0 0,46 12-76 0 0,-45-12 123 0 0,-1 1 0 0 0,0 0 0 0 0,0 0 0 0 0,0 1 0 0 0,-1-1 0 0 0,1 1-1 0 0,5 5 1 0 0,-9-7-69 0 0,0 0-1 0 0,0 0 0 0 0,-1 0 1 0 0,1 1-1 0 0,0-1 0 0 0,-1 0 0 0 0,1 0 1 0 0,-1 1-1 0 0,1-1 0 0 0,-1 1 0 0 0,0-1 1 0 0,1 0-1 0 0,-1 1 0 0 0,0-1 1 0 0,0 1-1 0 0,0-1 0 0 0,0 1 0 0 0,0-1 1 0 0,0 1-1 0 0,-1-1 0 0 0,0 2 0 0 0,0 3 35 0 0,-1 0-1 0 0,1-1 0 0 0,-6 10 0 0 0,4-7-37 0 0,-1 1 0 0 0,0-1-1 0 0,-1 1 1 0 0,0-1 0 0 0,-1-1 0 0 0,1 1 0 0 0,-1-1-1 0 0,-1 0 1 0 0,-13 12 0 0 0,-95 59-69 0 0,104-71-295 0 0,8-5-17 0 0,-1 1 0 0 0,1-1 0 0 0,-1 1 0 0 0,0-1 0 0 0,0 0 0 0 0,0 0 0 0 0,0-1 0 0 0,0 1 0 0 0,0-1 0 0 0,-5 1 1 0 0</inkml:trace>
+</inkml:ink>
+</file>
+
+<file path=ppt/ink/ink50.xml><?xml version="1.0" encoding="utf-8"?>
 <inkml:ink xmlns:inkml="http://www.w3.org/2003/InkML">
   <inkml:definitions>
     <inkml:context xml:id="ctx0">
@@ -1814,7 +3094,7 @@
 </inkml:ink>
 </file>
 
-<file path=ppt/ink/ink32.xml><?xml version="1.0" encoding="utf-8"?>
+<file path=ppt/ink/ink51.xml><?xml version="1.0" encoding="utf-8"?>
 <inkml:ink xmlns:inkml="http://www.w3.org/2003/InkML">
   <inkml:definitions>
     <inkml:context xml:id="ctx0">
@@ -1846,7 +3126,7 @@
 </inkml:ink>
 </file>
 
-<file path=ppt/ink/ink33.xml><?xml version="1.0" encoding="utf-8"?>
+<file path=ppt/ink/ink52.xml><?xml version="1.0" encoding="utf-8"?>
 <inkml:ink xmlns:inkml="http://www.w3.org/2003/InkML">
   <inkml:definitions>
     <inkml:context xml:id="ctx0">
@@ -1878,7 +3158,7 @@
 </inkml:ink>
 </file>
 
-<file path=ppt/ink/ink34.xml><?xml version="1.0" encoding="utf-8"?>
+<file path=ppt/ink/ink53.xml><?xml version="1.0" encoding="utf-8"?>
 <inkml:ink xmlns:inkml="http://www.w3.org/2003/InkML">
   <inkml:definitions>
     <inkml:context xml:id="ctx0">
@@ -1910,7 +3190,7 @@
 </inkml:ink>
 </file>
 
-<file path=ppt/ink/ink35.xml><?xml version="1.0" encoding="utf-8"?>
+<file path=ppt/ink/ink54.xml><?xml version="1.0" encoding="utf-8"?>
 <inkml:ink xmlns:inkml="http://www.w3.org/2003/InkML">
   <inkml:definitions>
     <inkml:context xml:id="ctx0">
@@ -1942,7 +3222,7 @@
 </inkml:ink>
 </file>
 
-<file path=ppt/ink/ink36.xml><?xml version="1.0" encoding="utf-8"?>
+<file path=ppt/ink/ink55.xml><?xml version="1.0" encoding="utf-8"?>
 <inkml:ink xmlns:inkml="http://www.w3.org/2003/InkML">
   <inkml:definitions>
     <inkml:context xml:id="ctx0">
@@ -1974,7 +3254,7 @@
 </inkml:ink>
 </file>
 
-<file path=ppt/ink/ink37.xml><?xml version="1.0" encoding="utf-8"?>
+<file path=ppt/ink/ink56.xml><?xml version="1.0" encoding="utf-8"?>
 <inkml:ink xmlns:inkml="http://www.w3.org/2003/InkML">
   <inkml:definitions>
     <inkml:context xml:id="ctx0">
@@ -2006,7 +3286,7 @@
 </inkml:ink>
 </file>
 
-<file path=ppt/ink/ink38.xml><?xml version="1.0" encoding="utf-8"?>
+<file path=ppt/ink/ink57.xml><?xml version="1.0" encoding="utf-8"?>
 <inkml:ink xmlns:inkml="http://www.w3.org/2003/InkML">
   <inkml:definitions>
     <inkml:context xml:id="ctx0">
@@ -2039,7 +3319,7 @@
 </inkml:ink>
 </file>
 
-<file path=ppt/ink/ink39.xml><?xml version="1.0" encoding="utf-8"?>
+<file path=ppt/ink/ink58.xml><?xml version="1.0" encoding="utf-8"?>
 <inkml:ink xmlns:inkml="http://www.w3.org/2003/InkML">
   <inkml:definitions>
     <inkml:context xml:id="ctx0">
@@ -2071,39 +3351,7 @@
 </inkml:ink>
 </file>
 
-<file path=ppt/ink/ink4.xml><?xml version="1.0" encoding="utf-8"?>
-<inkml:ink xmlns:inkml="http://www.w3.org/2003/InkML">
-  <inkml:definitions>
-    <inkml:context xml:id="ctx0">
-      <inkml:inkSource xml:id="inkSrc0">
-        <inkml:traceFormat>
-          <inkml:channel name="X" type="integer" min="-2.14748E9" max="2.14748E9" units="cm"/>
-          <inkml:channel name="Y" type="integer" min="-2.14748E9" max="2.14748E9" units="cm"/>
-          <inkml:channel name="F" type="integer" max="32767" units="dev"/>
-          <inkml:channel name="OA" type="integer" max="360" units="deg"/>
-          <inkml:channel name="OE" type="integer" max="90" units="deg"/>
-        </inkml:traceFormat>
-        <inkml:channelProperties>
-          <inkml:channelProperty channel="X" name="resolution" value="1000" units="1/cm"/>
-          <inkml:channelProperty channel="Y" name="resolution" value="1000" units="1/cm"/>
-          <inkml:channelProperty channel="F" name="resolution" value="0" units="1/dev"/>
-          <inkml:channelProperty channel="OA" name="resolution" value="1000" units="1/deg"/>
-          <inkml:channelProperty channel="OE" name="resolution" value="1000" units="1/deg"/>
-        </inkml:channelProperties>
-      </inkml:inkSource>
-      <inkml:timestamp xml:id="ts0" timeString="2020-11-03T16:21:39.054"/>
-    </inkml:context>
-    <inkml:brush xml:id="br0">
-      <inkml:brushProperty name="width" value="0.05" units="cm"/>
-      <inkml:brushProperty name="height" value="0.05" units="cm"/>
-      <inkml:brushProperty name="color" value="#E71224"/>
-    </inkml:brush>
-  </inkml:definitions>
-  <inkml:trace contextRef="#ctx0" brushRef="#br0">0 0 9528 0 0,'1'1'196'0'0,"0"-1"1"0"0,-1 0-1 0 0,1 0 0 0 0,0 0 1 0 0,-1 1-1 0 0,1-1 1 0 0,0 0-1 0 0,0 0 0 0 0,-1 0 1 0 0,1 0-1 0 0,0 0 1 0 0,0-1-1 0 0,-1 1 0 0 0,2 0 1 0 0,4-1 1411 0 0,-4 1-1411 0 0,1 0 0 0 0,-1 1-1 0 0,0-1 1 0 0,0 0 0 0 0,0 1-1 0 0,0-1 1 0 0,0 1 0 0 0,0 0-1 0 0,0 0 1 0 0,0 0 0 0 0,0 0 0 0 0,0 0-1 0 0,-1 0 1 0 0,1 0 0 0 0,2 3-1 0 0,-1-1-12 0 0,0 0-1 0 0,-1 0 1 0 0,1 0 0 0 0,-1 0-1 0 0,0 1 1 0 0,0-1-1 0 0,3 7 1 0 0,-1 4 149 0 0,0 0 0 0 0,0-1 0 0 0,2 26 0 0 0,-3-6 851 0 0,-5-27 384 0 0,-2-22-707 0 0,4 13-760 0 0,0-1 1 0 0,0 0-1 0 0,0 0 0 0 0,0 1 0 0 0,0-1 0 0 0,1 0 0 0 0,0 0 0 0 0,1-3 1 0 0,11-31 670 0 0,-10 29-605 0 0,2-3 59 0 0,-5 9-184 0 0,1 0 0 0 0,0-1 1 0 0,0 1-1 0 0,0 0 0 0 0,1 0 1 0 0,-1 0-1 0 0,1 0 0 0 0,0 0 1 0 0,-1 0-1 0 0,1 0 0 0 0,1 1 1 0 0,-1-1-1 0 0,0 1 1 0 0,5-4-1 0 0,-6 5-46 0 0,-1 1 0 0 0,1 0 1 0 0,-1 0-1 0 0,1 0 0 0 0,-1 0 0 0 0,0 0 0 0 0,1 0 1 0 0,-1 0-1 0 0,1 0 0 0 0,-1 0 0 0 0,1 0 0 0 0,-1 0 1 0 0,1 0-1 0 0,-1 0 0 0 0,1 0 0 0 0,-1 0 1 0 0,1 0-1 0 0,-1 1 0 0 0,1-1 0 0 0,-1 0 0 0 0,0 0 1 0 0,1 0-1 0 0,-1 1 0 0 0,1-1 0 0 0,-1 0 0 0 0,0 1 1 0 0,1-1-1 0 0,-1 0 0 0 0,1 1 0 0 0,5 9-397 0 0,3 15-3213 0 0,-7-20 1924 0 0</inkml:trace>
-</inkml:ink>
-</file>
-
-<file path=ppt/ink/ink40.xml><?xml version="1.0" encoding="utf-8"?>
+<file path=ppt/ink/ink59.xml><?xml version="1.0" encoding="utf-8"?>
 <inkml:ink xmlns:inkml="http://www.w3.org/2003/InkML">
   <inkml:definitions>
     <inkml:context xml:id="ctx0">
@@ -2135,7 +3383,39 @@
 </inkml:ink>
 </file>
 
-<file path=ppt/ink/ink41.xml><?xml version="1.0" encoding="utf-8"?>
+<file path=ppt/ink/ink6.xml><?xml version="1.0" encoding="utf-8"?>
+<inkml:ink xmlns:inkml="http://www.w3.org/2003/InkML">
+  <inkml:definitions>
+    <inkml:context xml:id="ctx0">
+      <inkml:inkSource xml:id="inkSrc0">
+        <inkml:traceFormat>
+          <inkml:channel name="X" type="integer" min="-2.14748E9" max="2.14748E9" units="cm"/>
+          <inkml:channel name="Y" type="integer" min="-2.14748E9" max="2.14748E9" units="cm"/>
+          <inkml:channel name="F" type="integer" max="32767" units="dev"/>
+          <inkml:channel name="OA" type="integer" max="360" units="deg"/>
+          <inkml:channel name="OE" type="integer" max="90" units="deg"/>
+        </inkml:traceFormat>
+        <inkml:channelProperties>
+          <inkml:channelProperty channel="X" name="resolution" value="1000" units="1/cm"/>
+          <inkml:channelProperty channel="Y" name="resolution" value="1000" units="1/cm"/>
+          <inkml:channelProperty channel="F" name="resolution" value="0" units="1/dev"/>
+          <inkml:channelProperty channel="OA" name="resolution" value="1000" units="1/deg"/>
+          <inkml:channelProperty channel="OE" name="resolution" value="1000" units="1/deg"/>
+        </inkml:channelProperties>
+      </inkml:inkSource>
+      <inkml:timestamp xml:id="ts0" timeString="2020-11-04T18:00:41.242"/>
+    </inkml:context>
+    <inkml:brush xml:id="br0">
+      <inkml:brushProperty name="width" value="0.05" units="cm"/>
+      <inkml:brushProperty name="height" value="0.05" units="cm"/>
+      <inkml:brushProperty name="color" value="#004F8B"/>
+    </inkml:brush>
+  </inkml:definitions>
+  <inkml:trace contextRef="#ctx0" brushRef="#br0">265 28 2760 0 0,'0'0'125'0'0,"0"0"-3"0"0,2-2 111 0 0,5-2 2850 0 0,-6 3-2596 0 0,0 1 1 0 0,1-1-1 0 0,-1 0 1 0 0,0 0-1 0 0,0 0 1 0 0,0 0 0 0 0,1 0-1 0 0,-1 0 1 0 0,1-3 2177 0 0,-2 4-2606 0 0,0 0 0 0 0,0 0 0 0 0,0 0 0 0 0,0 0 0 0 0,0 0 1 0 0,0 0-1 0 0,0 0 0 0 0,0 0 0 0 0,0 0 0 0 0,0 0 0 0 0,-1 0 0 0 0,1 0 1 0 0,0-1-1 0 0,0 1 0 0 0,0 0 0 0 0,0 0 0 0 0,0 0 0 0 0,0 0 1 0 0,0 0-1 0 0,0 0 0 0 0,0 0 0 0 0,0 0 0 0 0,0 0 0 0 0,0 0 1 0 0,0-1-1 0 0,0 1 0 0 0,0 0 0 0 0,0 0 0 0 0,0 0 0 0 0,0 0 1 0 0,0 0-1 0 0,0 0 0 0 0,0 0 0 0 0,0 0 0 0 0,0-1 0 0 0,0 1 0 0 0,0 0 1 0 0,0 0-1 0 0,0 0 0 0 0,0 0 0 0 0,0 0 0 0 0,0 0 0 0 0,0 0 1 0 0,0 0-1 0 0,0 0 0 0 0,0 0 0 0 0,1-1 0 0 0,-1 1 0 0 0,0 0 1 0 0,0 0-1 0 0,0 0 0 0 0,0 0 0 0 0,0 0 0 0 0,0 0 0 0 0,0 0 0 0 0,0 0 1 0 0,0 0-1 0 0,0 0 0 0 0,1 0 0 0 0,-1 0 0 0 0,0 0 0 0 0,0 0 1 0 0,0 0-1 0 0,0 0 0 0 0,0 0 0 0 0,0 0 0 0 0,0 0 0 0 0,1 0 1 0 0,-8-5 291 0 0,2 5-46 0 0,-1-1-1 0 0,0 1 1 0 0,1 1 0 0 0,-1-1-1 0 0,1 1 1 0 0,-1 0 0 0 0,1 0 0 0 0,-1 0-1 0 0,1 1 1 0 0,0 0 0 0 0,0 0 0 0 0,0 0-1 0 0,-10 6 1 0 0,1 2 56 0 0,-1 0 0 0 0,1 0 0 0 0,-14 15 0 0 0,11-9-253 0 0,1 1-1 0 0,1 0 0 0 0,-23 32 0 0 0,33-40 133 0 0,0-1-1 0 0,0 1 0 0 0,1 0 0 0 0,0 0 1 0 0,0 0-1 0 0,1 1 0 0 0,0-1 0 0 0,1 1 0 0 0,0 0 1 0 0,1 0-1 0 0,-1 11 0 0 0,2-19-228 0 0,0 1 1 0 0,0-1-1 0 0,1 0 0 0 0,-1 0 0 0 0,0 0 1 0 0,1 1-1 0 0,-1-1 0 0 0,1 0 0 0 0,0 0 1 0 0,0 0-1 0 0,0 0 0 0 0,0 0 0 0 0,0 0 1 0 0,0 0-1 0 0,0 0 0 0 0,1-1 0 0 0,2 4 1 0 0,-1-3 15 0 0,-1 0 1 0 0,1 0-1 0 0,0-1 1 0 0,0 1-1 0 0,0-1 1 0 0,0 1-1 0 0,0-1 1 0 0,0 0-1 0 0,0 0 1 0 0,6 1-1 0 0,4-1 39 0 0,-1 0 0 0 0,0-1 0 0 0,0 0-1 0 0,0-1 1 0 0,17-3 0 0 0,11-3-2305 0 0,-1-2 0 0 0,67-24 0 0 0,-91 26-5563 0 0</inkml:trace>
+</inkml:ink>
+</file>
+
+<file path=ppt/ink/ink60.xml><?xml version="1.0" encoding="utf-8"?>
 <inkml:ink xmlns:inkml="http://www.w3.org/2003/InkML">
   <inkml:definitions>
     <inkml:context xml:id="ctx0">
@@ -2167,7 +3447,7 @@
 </inkml:ink>
 </file>
 
-<file path=ppt/ink/ink42.xml><?xml version="1.0" encoding="utf-8"?>
+<file path=ppt/ink/ink61.xml><?xml version="1.0" encoding="utf-8"?>
 <inkml:ink xmlns:inkml="http://www.w3.org/2003/InkML">
   <inkml:definitions>
     <inkml:context xml:id="ctx0">
@@ -2199,7 +3479,7 @@
 </inkml:ink>
 </file>
 
-<file path=ppt/ink/ink43.xml><?xml version="1.0" encoding="utf-8"?>
+<file path=ppt/ink/ink62.xml><?xml version="1.0" encoding="utf-8"?>
 <inkml:ink xmlns:inkml="http://www.w3.org/2003/InkML">
   <inkml:definitions>
     <inkml:context xml:id="ctx0">
@@ -2231,7 +3511,7 @@
 </inkml:ink>
 </file>
 
-<file path=ppt/ink/ink44.xml><?xml version="1.0" encoding="utf-8"?>
+<file path=ppt/ink/ink63.xml><?xml version="1.0" encoding="utf-8"?>
 <inkml:ink xmlns:inkml="http://www.w3.org/2003/InkML">
   <inkml:definitions>
     <inkml:context xml:id="ctx0">
@@ -2263,7 +3543,7 @@
 </inkml:ink>
 </file>
 
-<file path=ppt/ink/ink45.xml><?xml version="1.0" encoding="utf-8"?>
+<file path=ppt/ink/ink64.xml><?xml version="1.0" encoding="utf-8"?>
 <inkml:ink xmlns:inkml="http://www.w3.org/2003/InkML">
   <inkml:definitions>
     <inkml:context xml:id="ctx0">
@@ -2295,7 +3575,7 @@
 </inkml:ink>
 </file>
 
-<file path=ppt/ink/ink46.xml><?xml version="1.0" encoding="utf-8"?>
+<file path=ppt/ink/ink65.xml><?xml version="1.0" encoding="utf-8"?>
 <inkml:ink xmlns:inkml="http://www.w3.org/2003/InkML">
   <inkml:definitions>
     <inkml:context xml:id="ctx0">
@@ -2327,7 +3607,7 @@
 </inkml:ink>
 </file>
 
-<file path=ppt/ink/ink47.xml><?xml version="1.0" encoding="utf-8"?>
+<file path=ppt/ink/ink66.xml><?xml version="1.0" encoding="utf-8"?>
 <inkml:ink xmlns:inkml="http://www.w3.org/2003/InkML">
   <inkml:definitions>
     <inkml:context xml:id="ctx0">
@@ -2359,7 +3639,7 @@
 </inkml:ink>
 </file>
 
-<file path=ppt/ink/ink48.xml><?xml version="1.0" encoding="utf-8"?>
+<file path=ppt/ink/ink67.xml><?xml version="1.0" encoding="utf-8"?>
 <inkml:ink xmlns:inkml="http://www.w3.org/2003/InkML">
   <inkml:definitions>
     <inkml:context xml:id="ctx0">
@@ -2391,7 +3671,7 @@
 </inkml:ink>
 </file>
 
-<file path=ppt/ink/ink49.xml><?xml version="1.0" encoding="utf-8"?>
+<file path=ppt/ink/ink68.xml><?xml version="1.0" encoding="utf-8"?>
 <inkml:ink xmlns:inkml="http://www.w3.org/2003/InkML">
   <inkml:definitions>
     <inkml:context xml:id="ctx0">
@@ -2423,39 +3703,7 @@
 </inkml:ink>
 </file>
 
-<file path=ppt/ink/ink5.xml><?xml version="1.0" encoding="utf-8"?>
-<inkml:ink xmlns:inkml="http://www.w3.org/2003/InkML">
-  <inkml:definitions>
-    <inkml:context xml:id="ctx0">
-      <inkml:inkSource xml:id="inkSrc0">
-        <inkml:traceFormat>
-          <inkml:channel name="X" type="integer" min="-2.14748E9" max="2.14748E9" units="cm"/>
-          <inkml:channel name="Y" type="integer" min="-2.14748E9" max="2.14748E9" units="cm"/>
-          <inkml:channel name="F" type="integer" max="32767" units="dev"/>
-          <inkml:channel name="OA" type="integer" max="360" units="deg"/>
-          <inkml:channel name="OE" type="integer" max="90" units="deg"/>
-        </inkml:traceFormat>
-        <inkml:channelProperties>
-          <inkml:channelProperty channel="X" name="resolution" value="1000" units="1/cm"/>
-          <inkml:channelProperty channel="Y" name="resolution" value="1000" units="1/cm"/>
-          <inkml:channelProperty channel="F" name="resolution" value="0" units="1/dev"/>
-          <inkml:channelProperty channel="OA" name="resolution" value="1000" units="1/deg"/>
-          <inkml:channelProperty channel="OE" name="resolution" value="1000" units="1/deg"/>
-        </inkml:channelProperties>
-      </inkml:inkSource>
-      <inkml:timestamp xml:id="ts0" timeString="2020-11-03T16:21:39.369"/>
-    </inkml:context>
-    <inkml:brush xml:id="br0">
-      <inkml:brushProperty name="width" value="0.05" units="cm"/>
-      <inkml:brushProperty name="height" value="0.05" units="cm"/>
-      <inkml:brushProperty name="color" value="#E71224"/>
-    </inkml:brush>
-  </inkml:definitions>
-  <inkml:trace contextRef="#ctx0" brushRef="#br0">1 1 2760 0 0,'0'0'125'0'0,"3"3"434"0"0,9 12 7965 0 0,-4 3-3745 0 0,2 24-1764 0 0,-1-1-1026 0 0,-6-28-1416 0 0,0 0 0 0 0,2 24 0 0 0,-2-9-524 0 0,6 77-49 0 0,-5-14 150 0 0,-4-52-8910 0 0</inkml:trace>
-</inkml:ink>
-</file>
-
-<file path=ppt/ink/ink50.xml><?xml version="1.0" encoding="utf-8"?>
+<file path=ppt/ink/ink69.xml><?xml version="1.0" encoding="utf-8"?>
 <inkml:ink xmlns:inkml="http://www.w3.org/2003/InkML">
   <inkml:definitions>
     <inkml:context xml:id="ctx0">
@@ -2487,7 +3735,39 @@
 </inkml:ink>
 </file>
 
-<file path=ppt/ink/ink51.xml><?xml version="1.0" encoding="utf-8"?>
+<file path=ppt/ink/ink7.xml><?xml version="1.0" encoding="utf-8"?>
+<inkml:ink xmlns:inkml="http://www.w3.org/2003/InkML">
+  <inkml:definitions>
+    <inkml:context xml:id="ctx0">
+      <inkml:inkSource xml:id="inkSrc0">
+        <inkml:traceFormat>
+          <inkml:channel name="X" type="integer" min="-2.14748E9" max="2.14748E9" units="cm"/>
+          <inkml:channel name="Y" type="integer" min="-2.14748E9" max="2.14748E9" units="cm"/>
+          <inkml:channel name="F" type="integer" max="32767" units="dev"/>
+          <inkml:channel name="OA" type="integer" max="360" units="deg"/>
+          <inkml:channel name="OE" type="integer" max="90" units="deg"/>
+        </inkml:traceFormat>
+        <inkml:channelProperties>
+          <inkml:channelProperty channel="X" name="resolution" value="1000" units="1/cm"/>
+          <inkml:channelProperty channel="Y" name="resolution" value="1000" units="1/cm"/>
+          <inkml:channelProperty channel="F" name="resolution" value="0" units="1/dev"/>
+          <inkml:channelProperty channel="OA" name="resolution" value="1000" units="1/deg"/>
+          <inkml:channelProperty channel="OE" name="resolution" value="1000" units="1/deg"/>
+        </inkml:channelProperties>
+      </inkml:inkSource>
+      <inkml:timestamp xml:id="ts0" timeString="2020-11-04T18:00:41.587"/>
+    </inkml:context>
+    <inkml:brush xml:id="br0">
+      <inkml:brushProperty name="width" value="0.05" units="cm"/>
+      <inkml:brushProperty name="height" value="0.05" units="cm"/>
+      <inkml:brushProperty name="color" value="#004F8B"/>
+    </inkml:brush>
+  </inkml:definitions>
+  <inkml:trace contextRef="#ctx0" brushRef="#br0">70 1 17503 0 0,'0'0'1759'0'0,"0"16"1252"0"0,-2 16-2075 0 0,-1 0 1 0 0,-8 37 0 0 0,-4 22-453 0 0,-3 32 77 0 0,0-6-34 0 0,18-116-531 0 0,-2 29-1255 0 0,2-28 1094 0 0,0 0 0 0 0,0 0 0 0 0,0 1 0 0 0,0-1 0 0 0,0 0 0 0 0,1 0 1 0 0,-1 0-1 0 0,1 0 0 0 0,-1 0 0 0 0,2 3 0 0 0,4 1-3462 0 0</inkml:trace>
+</inkml:ink>
+</file>
+
+<file path=ppt/ink/ink70.xml><?xml version="1.0" encoding="utf-8"?>
 <inkml:ink xmlns:inkml="http://www.w3.org/2003/InkML">
   <inkml:definitions>
     <inkml:context xml:id="ctx0">
@@ -2519,7 +3799,7 @@
 </inkml:ink>
 </file>
 
-<file path=ppt/ink/ink52.xml><?xml version="1.0" encoding="utf-8"?>
+<file path=ppt/ink/ink71.xml><?xml version="1.0" encoding="utf-8"?>
 <inkml:ink xmlns:inkml="http://www.w3.org/2003/InkML">
   <inkml:definitions>
     <inkml:context xml:id="ctx0">
@@ -2551,7 +3831,7 @@
 </inkml:ink>
 </file>
 
-<file path=ppt/ink/ink53.xml><?xml version="1.0" encoding="utf-8"?>
+<file path=ppt/ink/ink72.xml><?xml version="1.0" encoding="utf-8"?>
 <inkml:ink xmlns:inkml="http://www.w3.org/2003/InkML">
   <inkml:definitions>
     <inkml:context xml:id="ctx0">
@@ -2583,7 +3863,7 @@
 </inkml:ink>
 </file>
 
-<file path=ppt/ink/ink54.xml><?xml version="1.0" encoding="utf-8"?>
+<file path=ppt/ink/ink73.xml><?xml version="1.0" encoding="utf-8"?>
 <inkml:ink xmlns:inkml="http://www.w3.org/2003/InkML">
   <inkml:definitions>
     <inkml:context xml:id="ctx0">
@@ -2615,7 +3895,7 @@
 </inkml:ink>
 </file>
 
-<file path=ppt/ink/ink55.xml><?xml version="1.0" encoding="utf-8"?>
+<file path=ppt/ink/ink74.xml><?xml version="1.0" encoding="utf-8"?>
 <inkml:ink xmlns:inkml="http://www.w3.org/2003/InkML">
   <inkml:definitions>
     <inkml:context xml:id="ctx0">
@@ -2647,7 +3927,7 @@
 </inkml:ink>
 </file>
 
-<file path=ppt/ink/ink56.xml><?xml version="1.0" encoding="utf-8"?>
+<file path=ppt/ink/ink75.xml><?xml version="1.0" encoding="utf-8"?>
 <inkml:ink xmlns:inkml="http://www.w3.org/2003/InkML">
   <inkml:definitions>
     <inkml:context xml:id="ctx0">
@@ -2679,7 +3959,7 @@
 </inkml:ink>
 </file>
 
-<file path=ppt/ink/ink57.xml><?xml version="1.0" encoding="utf-8"?>
+<file path=ppt/ink/ink76.xml><?xml version="1.0" encoding="utf-8"?>
 <inkml:ink xmlns:inkml="http://www.w3.org/2003/InkML">
   <inkml:definitions>
     <inkml:context xml:id="ctx0">
@@ -2711,7 +3991,7 @@
 </inkml:ink>
 </file>
 
-<file path=ppt/ink/ink58.xml><?xml version="1.0" encoding="utf-8"?>
+<file path=ppt/ink/ink77.xml><?xml version="1.0" encoding="utf-8"?>
 <inkml:ink xmlns:inkml="http://www.w3.org/2003/InkML">
   <inkml:definitions>
     <inkml:context xml:id="ctx0">
@@ -2743,7 +4023,7 @@
 </inkml:ink>
 </file>
 
-<file path=ppt/ink/ink59.xml><?xml version="1.0" encoding="utf-8"?>
+<file path=ppt/ink/ink78.xml><?xml version="1.0" encoding="utf-8"?>
 <inkml:ink xmlns:inkml="http://www.w3.org/2003/InkML">
   <inkml:definitions>
     <inkml:context xml:id="ctx0">
@@ -2775,39 +4055,7 @@
 </inkml:ink>
 </file>
 
-<file path=ppt/ink/ink6.xml><?xml version="1.0" encoding="utf-8"?>
-<inkml:ink xmlns:inkml="http://www.w3.org/2003/InkML">
-  <inkml:definitions>
-    <inkml:context xml:id="ctx0">
-      <inkml:inkSource xml:id="inkSrc0">
-        <inkml:traceFormat>
-          <inkml:channel name="X" type="integer" min="-2.14748E9" max="2.14748E9" units="cm"/>
-          <inkml:channel name="Y" type="integer" min="-2.14748E9" max="2.14748E9" units="cm"/>
-          <inkml:channel name="F" type="integer" max="32767" units="dev"/>
-          <inkml:channel name="OA" type="integer" max="360" units="deg"/>
-          <inkml:channel name="OE" type="integer" max="90" units="deg"/>
-        </inkml:traceFormat>
-        <inkml:channelProperties>
-          <inkml:channelProperty channel="X" name="resolution" value="1000" units="1/cm"/>
-          <inkml:channelProperty channel="Y" name="resolution" value="1000" units="1/cm"/>
-          <inkml:channelProperty channel="F" name="resolution" value="0" units="1/dev"/>
-          <inkml:channelProperty channel="OA" name="resolution" value="1000" units="1/deg"/>
-          <inkml:channelProperty channel="OE" name="resolution" value="1000" units="1/deg"/>
-        </inkml:channelProperties>
-      </inkml:inkSource>
-      <inkml:timestamp xml:id="ts0" timeString="2020-11-03T16:21:39.707"/>
-    </inkml:context>
-    <inkml:brush xml:id="br0">
-      <inkml:brushProperty name="width" value="0.05" units="cm"/>
-      <inkml:brushProperty name="height" value="0.05" units="cm"/>
-      <inkml:brushProperty name="color" value="#E71224"/>
-    </inkml:brush>
-  </inkml:definitions>
-  <inkml:trace contextRef="#ctx0" brushRef="#br0">1 53 6912 0 0,'0'0'11327'0'0,"6"-3"-8496"0"0,92-21 1273 0 0,-44 13-3703 0 0,15-1-401 0 0,-69 12-10 0 0,1-1-1 0 0,-1 1 1 0 0,1 0 0 0 0,-1-1-1 0 0,1 1 1 0 0,0 0-1 0 0,-1 0 1 0 0,1 0 0 0 0,0 0-1 0 0,-1-1 1 0 0,1 1-1 0 0,0 0 1 0 0,-1 0-1 0 0,1 0 1 0 0,-1 0 0 0 0,1 1-1 0 0,0-1 1 0 0,-1 0-1 0 0,1 0 1 0 0,0 0 0 0 0</inkml:trace>
-</inkml:ink>
-</file>
-
-<file path=ppt/ink/ink60.xml><?xml version="1.0" encoding="utf-8"?>
+<file path=ppt/ink/ink79.xml><?xml version="1.0" encoding="utf-8"?>
 <inkml:ink xmlns:inkml="http://www.w3.org/2003/InkML">
   <inkml:definitions>
     <inkml:context xml:id="ctx0">
@@ -2839,7 +4087,39 @@
 </inkml:ink>
 </file>
 
-<file path=ppt/ink/ink61.xml><?xml version="1.0" encoding="utf-8"?>
+<file path=ppt/ink/ink8.xml><?xml version="1.0" encoding="utf-8"?>
+<inkml:ink xmlns:inkml="http://www.w3.org/2003/InkML">
+  <inkml:definitions>
+    <inkml:context xml:id="ctx0">
+      <inkml:inkSource xml:id="inkSrc0">
+        <inkml:traceFormat>
+          <inkml:channel name="X" type="integer" min="-2.14748E9" max="2.14748E9" units="cm"/>
+          <inkml:channel name="Y" type="integer" min="-2.14748E9" max="2.14748E9" units="cm"/>
+          <inkml:channel name="F" type="integer" max="32767" units="dev"/>
+          <inkml:channel name="OA" type="integer" max="360" units="deg"/>
+          <inkml:channel name="OE" type="integer" max="90" units="deg"/>
+        </inkml:traceFormat>
+        <inkml:channelProperties>
+          <inkml:channelProperty channel="X" name="resolution" value="1000" units="1/cm"/>
+          <inkml:channelProperty channel="Y" name="resolution" value="1000" units="1/cm"/>
+          <inkml:channelProperty channel="F" name="resolution" value="0" units="1/dev"/>
+          <inkml:channelProperty channel="OA" name="resolution" value="1000" units="1/deg"/>
+          <inkml:channelProperty channel="OE" name="resolution" value="1000" units="1/deg"/>
+        </inkml:channelProperties>
+      </inkml:inkSource>
+      <inkml:timestamp xml:id="ts0" timeString="2020-11-04T18:00:41.928"/>
+    </inkml:context>
+    <inkml:brush xml:id="br0">
+      <inkml:brushProperty name="width" value="0.05" units="cm"/>
+      <inkml:brushProperty name="height" value="0.05" units="cm"/>
+      <inkml:brushProperty name="color" value="#004F8B"/>
+    </inkml:brush>
+  </inkml:definitions>
+  <inkml:trace contextRef="#ctx0" brushRef="#br0">149 19 15608 0 0,'0'-1'114'0'0,"-1"-1"1"0"0,0 1 0 0 0,0 0-1 0 0,0 0 1 0 0,0-1 0 0 0,0 1-1 0 0,-1 0 1 0 0,1 0 0 0 0,0 0-1 0 0,0 1 1 0 0,-1-1 0 0 0,1 0-1 0 0,-1 0 1 0 0,1 1 0 0 0,0-1-1 0 0,-1 1 1 0 0,1-1 0 0 0,-1 1-1 0 0,1-1 1 0 0,-1 1 0 0 0,0 0-1 0 0,1 0 1 0 0,-1 0 0 0 0,1 0-1 0 0,-1 0 1 0 0,1 0 0 0 0,-1 0-1 0 0,1 1 1 0 0,-1-1 0 0 0,1 1-1 0 0,-1-1 1 0 0,1 1 0 0 0,-1-1-1 0 0,1 1 1 0 0,-1 0 0 0 0,1 0-1 0 0,0-1 1 0 0,-2 3 0 0 0,-2 1 248 0 0,0 0 0 0 0,0 0 0 0 0,0 1 0 0 0,1 0 1 0 0,-1 0-1 0 0,2 0 0 0 0,-1 0 0 0 0,-3 7 1 0 0,-5 8 289 0 0,-15 32 511 0 0,25-46-965 0 0,-1 0 0 0 0,2 0 0 0 0,-1 0 1 0 0,0 0-1 0 0,1 0 0 0 0,0 0 0 0 0,1 8 0 0 0,-1-13-155 0 0,1 0-1 0 0,0 0 0 0 0,0 1 1 0 0,0-1-1 0 0,0 0 1 0 0,0 0-1 0 0,1 1 1 0 0,-1-1-1 0 0,0 0 0 0 0,0 0 1 0 0,1 0-1 0 0,-1 1 1 0 0,1-1-1 0 0,-1 0 1 0 0,1 0-1 0 0,0 0 0 0 0,-1 0 1 0 0,1 0-1 0 0,0 0 1 0 0,0 0-1 0 0,-1 0 1 0 0,1 0-1 0 0,0 0 0 0 0,0-1 1 0 0,0 1-1 0 0,0 0 1 0 0,0 0-1 0 0,0-1 1 0 0,1 1-1 0 0,-1-1 0 0 0,0 1 1 0 0,0-1-1 0 0,0 0 1 0 0,0 1-1 0 0,1-1 1 0 0,-1 0-1 0 0,0 0 0 0 0,0 0 1 0 0,1 0-1 0 0,1 0 1 0 0,1 0 10 0 0,0-1 0 0 0,0 0 0 0 0,-1 0 1 0 0,1 0-1 0 0,0 0 0 0 0,-1 0 0 0 0,1-1 0 0 0,-1 0 1 0 0,1 0-1 0 0,-1 0 0 0 0,0 0 0 0 0,4-3 0 0 0,8-10-15 0 0,-2 1 0 0 0,1-2-1 0 0,-2 0 1 0 0,0-1 0 0 0,15-29-1 0 0,-18 27-1229 0 0,1-2-1117 0 0,-2 9-2071 0 0</inkml:trace>
+</inkml:ink>
+</file>
+
+<file path=ppt/ink/ink80.xml><?xml version="1.0" encoding="utf-8"?>
 <inkml:ink xmlns:inkml="http://www.w3.org/2003/InkML">
   <inkml:definitions>
     <inkml:context xml:id="ctx0">
@@ -2871,7 +4151,7 @@
 </inkml:ink>
 </file>
 
-<file path=ppt/ink/ink62.xml><?xml version="1.0" encoding="utf-8"?>
+<file path=ppt/ink/ink81.xml><?xml version="1.0" encoding="utf-8"?>
 <inkml:ink xmlns:inkml="http://www.w3.org/2003/InkML">
   <inkml:definitions>
     <inkml:context xml:id="ctx0">
@@ -2903,7 +4183,7 @@
 </inkml:ink>
 </file>
 
-<file path=ppt/ink/ink63.xml><?xml version="1.0" encoding="utf-8"?>
+<file path=ppt/ink/ink82.xml><?xml version="1.0" encoding="utf-8"?>
 <inkml:ink xmlns:inkml="http://www.w3.org/2003/InkML">
   <inkml:definitions>
     <inkml:context xml:id="ctx0">
@@ -2935,7 +4215,7 @@
 </inkml:ink>
 </file>
 
-<file path=ppt/ink/ink64.xml><?xml version="1.0" encoding="utf-8"?>
+<file path=ppt/ink/ink83.xml><?xml version="1.0" encoding="utf-8"?>
 <inkml:ink xmlns:inkml="http://www.w3.org/2003/InkML">
   <inkml:definitions>
     <inkml:context xml:id="ctx0">
@@ -2967,7 +4247,7 @@
 </inkml:ink>
 </file>
 
-<file path=ppt/ink/ink65.xml><?xml version="1.0" encoding="utf-8"?>
+<file path=ppt/ink/ink84.xml><?xml version="1.0" encoding="utf-8"?>
 <inkml:ink xmlns:inkml="http://www.w3.org/2003/InkML">
   <inkml:definitions>
     <inkml:context xml:id="ctx0">
@@ -2999,7 +4279,7 @@
 </inkml:ink>
 </file>
 
-<file path=ppt/ink/ink66.xml><?xml version="1.0" encoding="utf-8"?>
+<file path=ppt/ink/ink85.xml><?xml version="1.0" encoding="utf-8"?>
 <inkml:ink xmlns:inkml="http://www.w3.org/2003/InkML">
   <inkml:definitions>
     <inkml:context xml:id="ctx0">
@@ -3031,7 +4311,7 @@
 </inkml:ink>
 </file>
 
-<file path=ppt/ink/ink67.xml><?xml version="1.0" encoding="utf-8"?>
+<file path=ppt/ink/ink86.xml><?xml version="1.0" encoding="utf-8"?>
 <inkml:ink xmlns:inkml="http://www.w3.org/2003/InkML">
   <inkml:definitions>
     <inkml:context xml:id="ctx0">
@@ -3063,7 +4343,7 @@
 </inkml:ink>
 </file>
 
-<file path=ppt/ink/ink68.xml><?xml version="1.0" encoding="utf-8"?>
+<file path=ppt/ink/ink87.xml><?xml version="1.0" encoding="utf-8"?>
 <inkml:ink xmlns:inkml="http://www.w3.org/2003/InkML">
   <inkml:definitions>
     <inkml:context xml:id="ctx0">
@@ -3095,7 +4375,7 @@
 </inkml:ink>
 </file>
 
-<file path=ppt/ink/ink69.xml><?xml version="1.0" encoding="utf-8"?>
+<file path=ppt/ink/ink88.xml><?xml version="1.0" encoding="utf-8"?>
 <inkml:ink xmlns:inkml="http://www.w3.org/2003/InkML">
   <inkml:definitions>
     <inkml:context xml:id="ctx0">
@@ -3127,39 +4407,7 @@
 </inkml:ink>
 </file>
 
-<file path=ppt/ink/ink7.xml><?xml version="1.0" encoding="utf-8"?>
-<inkml:ink xmlns:inkml="http://www.w3.org/2003/InkML">
-  <inkml:definitions>
-    <inkml:context xml:id="ctx0">
-      <inkml:inkSource xml:id="inkSrc0">
-        <inkml:traceFormat>
-          <inkml:channel name="X" type="integer" min="-2.14748E9" max="2.14748E9" units="cm"/>
-          <inkml:channel name="Y" type="integer" min="-2.14748E9" max="2.14748E9" units="cm"/>
-          <inkml:channel name="F" type="integer" max="32767" units="dev"/>
-          <inkml:channel name="OA" type="integer" max="360" units="deg"/>
-          <inkml:channel name="OE" type="integer" max="90" units="deg"/>
-        </inkml:traceFormat>
-        <inkml:channelProperties>
-          <inkml:channelProperty channel="X" name="resolution" value="1000" units="1/cm"/>
-          <inkml:channelProperty channel="Y" name="resolution" value="1000" units="1/cm"/>
-          <inkml:channelProperty channel="F" name="resolution" value="0" units="1/dev"/>
-          <inkml:channelProperty channel="OA" name="resolution" value="1000" units="1/deg"/>
-          <inkml:channelProperty channel="OE" name="resolution" value="1000" units="1/deg"/>
-        </inkml:channelProperties>
-      </inkml:inkSource>
-      <inkml:timestamp xml:id="ts0" timeString="2020-11-03T16:21:40.039"/>
-    </inkml:context>
-    <inkml:brush xml:id="br0">
-      <inkml:brushProperty name="width" value="0.05" units="cm"/>
-      <inkml:brushProperty name="height" value="0.05" units="cm"/>
-      <inkml:brushProperty name="color" value="#E71224"/>
-    </inkml:brush>
-  </inkml:definitions>
-  <inkml:trace contextRef="#ctx0" brushRef="#br0">0 89 8288 0 0,'0'0'6720'0'0,"1"0"-5971"0"0,2 2-556 0 0,-1 0 0 0 0,0-1-1 0 0,0 0 1 0 0,1 1 0 0 0,-1-1 0 0 0,0 0 0 0 0,1 0 0 0 0,-1 0-1 0 0,1-1 1 0 0,0 1 0 0 0,-1 0 0 0 0,1-1 0 0 0,0 0 0 0 0,-1 0-1 0 0,1 0 1 0 0,0 0 0 0 0,-1 0 0 0 0,1 0 0 0 0,0-1 0 0 0,-1 1 0 0 0,4-2-1 0 0,2-1 43 0 0,-4 2-138 0 0,-1 0 1 0 0,1 0 0 0 0,-1 0 0 0 0,0-1 0 0 0,1 1-1 0 0,-1-1 1 0 0,0 0 0 0 0,0 0 0 0 0,0 0 0 0 0,0-1 0 0 0,3-3-1 0 0,-3 2 41 0 0,0 1-1 0 0,-1-1 1 0 0,1 0 0 0 0,-1-1-1 0 0,0 1 1 0 0,0 0-1 0 0,0-1 1 0 0,0 1-1 0 0,-1-1 1 0 0,1-6 0 0 0,-2 10-120 0 0,0 0 0 0 0,0 0 1 0 0,0 0-1 0 0,0 0 0 0 0,-1 0 1 0 0,1 1-1 0 0,0-1 0 0 0,-1 0 1 0 0,1 0-1 0 0,-1 1 1 0 0,1-1-1 0 0,-1 0 0 0 0,1 0 1 0 0,-1 1-1 0 0,1-1 0 0 0,-1 0 1 0 0,0 1-1 0 0,1-1 0 0 0,-1 1 1 0 0,0-1-1 0 0,1 1 0 0 0,-1-1 1 0 0,0 1-1 0 0,0 0 0 0 0,0-1 1 0 0,1 1-1 0 0,-1 0 1 0 0,0-1-1 0 0,0 1 0 0 0,0 0 1 0 0,0 0-1 0 0,0 0 0 0 0,1 0 1 0 0,-1 0-1 0 0,0 0 0 0 0,0 0 1 0 0,0 0-1 0 0,0 0 0 0 0,0 0 1 0 0,1 1-1 0 0,-1-1 0 0 0,0 0 1 0 0,0 1-1 0 0,0-1 1 0 0,0 0-1 0 0,1 1 0 0 0,-1-1 1 0 0,0 1-1 0 0,1-1 0 0 0,-2 2 1 0 0,-4 4 197 0 0,-1 0 0 0 0,2 0 0 0 0,-1 0 1 0 0,1 1-1 0 0,0 0 0 0 0,0 0 1 0 0,-6 14-1 0 0,9-16-105 0 0,0 0 0 0 0,0 1 0 0 0,0-1 1 0 0,1 0-1 0 0,0 0 0 0 0,0 1 0 0 0,0-1 0 0 0,1 1 0 0 0,-1-1 1 0 0,1 1-1 0 0,1-1 0 0 0,-1 1 0 0 0,2 6 0 0 0,-2-10-108 0 0,3 2-9 0 0,3 3-9 0 0,-5-6-4 0 0,-1-1 0 0 0,1 1 1 0 0,0 0-1 0 0,-1-1 1 0 0,1 1-1 0 0,0-1 0 0 0,0 1 1 0 0,0-1-1 0 0,0 0 1 0 0,0 1-1 0 0,-1-1 1 0 0,1 0-1 0 0,0 1 0 0 0,0-1 1 0 0,0 0-1 0 0,0 0 1 0 0,0 0-1 0 0,0 0 1 0 0,0 0-1 0 0,0 0 0 0 0,0 0 1 0 0,0 0-1 0 0,2-1 1 0 0,20-8-2807 0 0,-15 4 1274 0 0</inkml:trace>
-</inkml:ink>
-</file>
-
-<file path=ppt/ink/ink70.xml><?xml version="1.0" encoding="utf-8"?>
+<file path=ppt/ink/ink89.xml><?xml version="1.0" encoding="utf-8"?>
 <inkml:ink xmlns:inkml="http://www.w3.org/2003/InkML">
   <inkml:definitions>
     <inkml:context xml:id="ctx0">
@@ -3191,7 +4439,39 @@
 </inkml:ink>
 </file>
 
-<file path=ppt/ink/ink71.xml><?xml version="1.0" encoding="utf-8"?>
+<file path=ppt/ink/ink9.xml><?xml version="1.0" encoding="utf-8"?>
+<inkml:ink xmlns:inkml="http://www.w3.org/2003/InkML">
+  <inkml:definitions>
+    <inkml:context xml:id="ctx0">
+      <inkml:inkSource xml:id="inkSrc0">
+        <inkml:traceFormat>
+          <inkml:channel name="X" type="integer" min="-2.14748E9" max="2.14748E9" units="cm"/>
+          <inkml:channel name="Y" type="integer" min="-2.14748E9" max="2.14748E9" units="cm"/>
+          <inkml:channel name="F" type="integer" max="32767" units="dev"/>
+          <inkml:channel name="OA" type="integer" max="360" units="deg"/>
+          <inkml:channel name="OE" type="integer" max="90" units="deg"/>
+        </inkml:traceFormat>
+        <inkml:channelProperties>
+          <inkml:channelProperty channel="X" name="resolution" value="1000" units="1/cm"/>
+          <inkml:channelProperty channel="Y" name="resolution" value="1000" units="1/cm"/>
+          <inkml:channelProperty channel="F" name="resolution" value="0" units="1/dev"/>
+          <inkml:channelProperty channel="OA" name="resolution" value="1000" units="1/deg"/>
+          <inkml:channelProperty channel="OE" name="resolution" value="1000" units="1/deg"/>
+        </inkml:channelProperties>
+      </inkml:inkSource>
+      <inkml:timestamp xml:id="ts0" timeString="2020-11-04T18:00:42.273"/>
+    </inkml:context>
+    <inkml:brush xml:id="br0">
+      <inkml:brushProperty name="width" value="0.05" units="cm"/>
+      <inkml:brushProperty name="height" value="0.05" units="cm"/>
+      <inkml:brushProperty name="color" value="#004F8B"/>
+    </inkml:brush>
+  </inkml:definitions>
+  <inkml:trace contextRef="#ctx0" brushRef="#br0">208 6 12672 0 0,'0'0'1142'0'0,"0"0"-939"0"0,-35-5 4922 0 0,28 5-4505 0 0,0 1-1 0 0,-1 0 1 0 0,1 1-1 0 0,0 0 1 0 0,0 0-1 0 0,0 0 1 0 0,-10 6-1 0 0,3-1-129 0 0,0 0 0 0 0,-19 16-1 0 0,31-22-384 0 0,0 0-1 0 0,1 1 1 0 0,-1-1 0 0 0,0 1-1 0 0,1-1 1 0 0,-1 1 0 0 0,1 0-1 0 0,0 0 1 0 0,0 0-1 0 0,0-1 1 0 0,0 1 0 0 0,0 0-1 0 0,-1 3 1 0 0,2-4-65 0 0,0 0 1 0 0,0 0-1 0 0,0 0 1 0 0,-1 0-1 0 0,1 0 1 0 0,1 0-1 0 0,-1 0 0 0 0,0 0 1 0 0,0 0-1 0 0,0 0 1 0 0,0 0-1 0 0,1 0 1 0 0,-1 0-1 0 0,1 0 1 0 0,-1 0-1 0 0,0 0 0 0 0,1 0 1 0 0,0-1-1 0 0,-1 1 1 0 0,1 0-1 0 0,-1 0 1 0 0,1 0-1 0 0,0-1 1 0 0,0 1-1 0 0,-1 0 1 0 0,1-1-1 0 0,0 1 0 0 0,0-1 1 0 0,0 1-1 0 0,1 0 1 0 0,7 3 58 0 0,1 0 1 0 0,-1 0-1 0 0,1-1 1 0 0,17 4-1 0 0,-18-6 0 0 0,1 2 0 0 0,-1-1-1 0 0,-1 1 1 0 0,1 1-1 0 0,13 6 1 0 0,-20-9-75 0 0,0 0 0 0 0,0 1 0 0 0,0 0 0 0 0,0-1 0 0 0,0 1 0 0 0,0 0 0 0 0,-1 0 0 0 0,1 0 0 0 0,-1 0 0 0 0,1 0 0 0 0,-1 0 0 0 0,1 0 0 0 0,-1 1 0 0 0,0-1 0 0 0,0 0 0 0 0,-1 1 0 0 0,1-1 0 0 0,0 1 0 0 0,-1-1 0 0 0,1 1 0 0 0,-1-1 0 0 0,0 1 0 0 0,0-1 0 0 0,0 1 0 0 0,0-1 0 0 0,0 1 0 0 0,0 0 0 0 0,-1-1 0 0 0,0 1 0 0 0,1-1 0 0 0,-1 0 0 0 0,-1 4 0 0 0,-1 0-12 0 0,0 0-1 0 0,0 0 0 0 0,-1 0 0 0 0,1 0 0 0 0,-1 0 0 0 0,-1-1 0 0 0,1 0 0 0 0,-1 0 0 0 0,0 0 1 0 0,-11 8-1 0 0,-6 1-729 0 0,0-1 1 0 0,-44 17 0 0 0,53-25-455 0 0,-4 1-1820 0 0</inkml:trace>
+</inkml:ink>
+</file>
+
+<file path=ppt/ink/ink90.xml><?xml version="1.0" encoding="utf-8"?>
 <inkml:ink xmlns:inkml="http://www.w3.org/2003/InkML">
   <inkml:definitions>
     <inkml:context xml:id="ctx0">
@@ -3223,7 +4503,7 @@
 </inkml:ink>
 </file>
 
-<file path=ppt/ink/ink72.xml><?xml version="1.0" encoding="utf-8"?>
+<file path=ppt/ink/ink91.xml><?xml version="1.0" encoding="utf-8"?>
 <inkml:ink xmlns:inkml="http://www.w3.org/2003/InkML">
   <inkml:definitions>
     <inkml:context xml:id="ctx0">
@@ -3255,7 +4535,7 @@
 </inkml:ink>
 </file>
 
-<file path=ppt/ink/ink73.xml><?xml version="1.0" encoding="utf-8"?>
+<file path=ppt/ink/ink92.xml><?xml version="1.0" encoding="utf-8"?>
 <inkml:ink xmlns:inkml="http://www.w3.org/2003/InkML">
   <inkml:definitions>
     <inkml:context xml:id="ctx0">
@@ -3287,7 +4567,7 @@
 </inkml:ink>
 </file>
 
-<file path=ppt/ink/ink74.xml><?xml version="1.0" encoding="utf-8"?>
+<file path=ppt/ink/ink93.xml><?xml version="1.0" encoding="utf-8"?>
 <inkml:ink xmlns:inkml="http://www.w3.org/2003/InkML">
   <inkml:definitions>
     <inkml:context xml:id="ctx0">
@@ -3319,7 +4599,7 @@
 </inkml:ink>
 </file>
 
-<file path=ppt/ink/ink75.xml><?xml version="1.0" encoding="utf-8"?>
+<file path=ppt/ink/ink94.xml><?xml version="1.0" encoding="utf-8"?>
 <inkml:ink xmlns:inkml="http://www.w3.org/2003/InkML">
   <inkml:definitions>
     <inkml:context xml:id="ctx0">
@@ -3351,7 +4631,7 @@
 </inkml:ink>
 </file>
 
-<file path=ppt/ink/ink76.xml><?xml version="1.0" encoding="utf-8"?>
+<file path=ppt/ink/ink95.xml><?xml version="1.0" encoding="utf-8"?>
 <inkml:ink xmlns:inkml="http://www.w3.org/2003/InkML">
   <inkml:definitions>
     <inkml:context xml:id="ctx0">
@@ -3383,7 +4663,7 @@
 </inkml:ink>
 </file>
 
-<file path=ppt/ink/ink77.xml><?xml version="1.0" encoding="utf-8"?>
+<file path=ppt/ink/ink96.xml><?xml version="1.0" encoding="utf-8"?>
 <inkml:ink xmlns:inkml="http://www.w3.org/2003/InkML">
   <inkml:definitions>
     <inkml:context xml:id="ctx0">
@@ -3415,7 +4695,7 @@
 </inkml:ink>
 </file>
 
-<file path=ppt/ink/ink78.xml><?xml version="1.0" encoding="utf-8"?>
+<file path=ppt/ink/ink97.xml><?xml version="1.0" encoding="utf-8"?>
 <inkml:ink xmlns:inkml="http://www.w3.org/2003/InkML">
   <inkml:definitions>
     <inkml:context xml:id="ctx0">
@@ -3447,7 +4727,7 @@
 </inkml:ink>
 </file>
 
-<file path=ppt/ink/ink79.xml><?xml version="1.0" encoding="utf-8"?>
+<file path=ppt/ink/ink98.xml><?xml version="1.0" encoding="utf-8"?>
 <inkml:ink xmlns:inkml="http://www.w3.org/2003/InkML">
   <inkml:definitions>
     <inkml:context xml:id="ctx0">
@@ -3479,39 +4759,7 @@
 </inkml:ink>
 </file>
 
-<file path=ppt/ink/ink8.xml><?xml version="1.0" encoding="utf-8"?>
-<inkml:ink xmlns:inkml="http://www.w3.org/2003/InkML">
-  <inkml:definitions>
-    <inkml:context xml:id="ctx0">
-      <inkml:inkSource xml:id="inkSrc0">
-        <inkml:traceFormat>
-          <inkml:channel name="X" type="integer" min="-2.14748E9" max="2.14748E9" units="cm"/>
-          <inkml:channel name="Y" type="integer" min="-2.14748E9" max="2.14748E9" units="cm"/>
-          <inkml:channel name="F" type="integer" max="32767" units="dev"/>
-          <inkml:channel name="OA" type="integer" max="360" units="deg"/>
-          <inkml:channel name="OE" type="integer" max="90" units="deg"/>
-        </inkml:traceFormat>
-        <inkml:channelProperties>
-          <inkml:channelProperty channel="X" name="resolution" value="1000" units="1/cm"/>
-          <inkml:channelProperty channel="Y" name="resolution" value="1000" units="1/cm"/>
-          <inkml:channelProperty channel="F" name="resolution" value="0" units="1/dev"/>
-          <inkml:channelProperty channel="OA" name="resolution" value="1000" units="1/deg"/>
-          <inkml:channelProperty channel="OE" name="resolution" value="1000" units="1/deg"/>
-        </inkml:channelProperties>
-      </inkml:inkSource>
-      <inkml:timestamp xml:id="ts0" timeString="2020-11-03T16:21:40.391"/>
-    </inkml:context>
-    <inkml:brush xml:id="br0">
-      <inkml:brushProperty name="width" value="0.05" units="cm"/>
-      <inkml:brushProperty name="height" value="0.05" units="cm"/>
-      <inkml:brushProperty name="color" value="#E71224"/>
-    </inkml:brush>
-  </inkml:definitions>
-  <inkml:trace contextRef="#ctx0" brushRef="#br0">69 204 15056 0 0,'0'1'33'0'0,"0"-1"1"0"0,-1 0-1 0 0,1 1 1 0 0,0-1-1 0 0,0 0 1 0 0,0 0-1 0 0,-1 0 1 0 0,1 1-1 0 0,0-1 1 0 0,-1 0-1 0 0,1 0 1 0 0,0 0-1 0 0,0 0 1 0 0,-1 1 0 0 0,1-1-1 0 0,0 0 1 0 0,-1 0-1 0 0,1 0 1 0 0,0 0-1 0 0,-1 0 1 0 0,1 0-1 0 0,0 0 1 0 0,-1 0-1 0 0,0 0 1 0 0,1 0-13 0 0,0 0 1 0 0,0 0-1 0 0,-1 0 1 0 0,1 0-1 0 0,0 0 1 0 0,0 0-1 0 0,-1 0 1 0 0,1 0 0 0 0,0 0-1 0 0,0 0 1 0 0,0 0-1 0 0,-1 0 1 0 0,1 0-1 0 0,0 1 1 0 0,0-1-1 0 0,-1 0 1 0 0,1 0-1 0 0,0 0 1 0 0,0 0-1 0 0,0 0 1 0 0,-1 1-1 0 0,1-1 1 0 0,0 0-1 0 0,0 0 1 0 0,0 0-1 0 0,0 0 1 0 0,-1 1-1 0 0,1-1 1 0 0,0 0-1 0 0,0 0 1 0 0,0 1-1 0 0,0-1 1 0 0,0 0-1 0 0,0 0 1 0 0,0 1-1 0 0,0-1 1 0 0,0 0-1 0 0,-18 36 1869 0 0,6-7-608 0 0,6-18-894 0 0,1 1 0 0 0,-6 22 0 0 0,10-31-325 0 0,0 1 1 0 0,1-1 0 0 0,-1 0-1 0 0,1 1 1 0 0,0-1-1 0 0,0 1 1 0 0,0-1 0 0 0,1 1-1 0 0,-1-1 1 0 0,1 0 0 0 0,0 1-1 0 0,0-1 1 0 0,0 0-1 0 0,0 1 1 0 0,2 2 0 0 0,-1-4 17 0 0,-1 1 0 0 0,1-1 0 0 0,0 0 0 0 0,0 0 0 0 0,0 0 0 0 0,0 0 0 0 0,0 0 0 0 0,1 0 0 0 0,-1-1 1 0 0,0 1-1 0 0,1-1 0 0 0,-1 1 0 0 0,4 0 0 0 0,-4-1-68 0 0,-1-1 0 0 0,1 1-1 0 0,0 0 1 0 0,0-1 0 0 0,-1 0 0 0 0,1 1 0 0 0,0-1 0 0 0,0 0 0 0 0,0 0-1 0 0,-1 0 1 0 0,1 0 0 0 0,0 0 0 0 0,0-1 0 0 0,0 1 0 0 0,-1 0-1 0 0,1-1 1 0 0,0 0 0 0 0,-1 1 0 0 0,1-1 0 0 0,0 0 0 0 0,-1 0-1 0 0,3-1 1 0 0,2-3 70 0 0,1 0 1 0 0,-1-1-1 0 0,-1 0 0 0 0,1 0 0 0 0,-1 0 0 0 0,0 0 0 0 0,0-1 0 0 0,4-9 0 0 0,2-8 99 0 0,-2-1 1 0 0,-1 0-1 0 0,-1 0 0 0 0,6-41 0 0 0,3-8 413 0 0,-8 35-241 0 0,-5 23 25 0 0,0 1-1 0 0,9-25 1 0 0,-9 37 545 0 0,-2 8-729 0 0,-2 11-194 0 0,-5 20 64 0 0,4-20-33 0 0,-5 21-1 0 0,-21 80-64 0 0,2-6-23 0 0,15-64-937 0 0,8-32-1619 0 0,0 0-3475 0 0,0-5-1979 0 0</inkml:trace>
-</inkml:ink>
-</file>
-
-<file path=ppt/ink/ink80.xml><?xml version="1.0" encoding="utf-8"?>
+<file path=ppt/ink/ink99.xml><?xml version="1.0" encoding="utf-8"?>
 <inkml:ink xmlns:inkml="http://www.w3.org/2003/InkML">
   <inkml:definitions>
     <inkml:context xml:id="ctx0">
@@ -3540,646 +4788,6 @@
     </inkml:brush>
   </inkml:definitions>
   <inkml:trace contextRef="#ctx0" brushRef="#br0">59 26 13592 0 0,'6'-15'1448'0'0,"-6"15"-1407"0"0,0 0 1 0 0,0-1 0 0 0,0 1 0 0 0,0 0 0 0 0,1 0 0 0 0,-1 0 0 0 0,0-1 0 0 0,0 1 0 0 0,0 0 0 0 0,0 0-1 0 0,0-1 1 0 0,0 1 0 0 0,0 0 0 0 0,0 0 0 0 0,0-1 0 0 0,1 1 0 0 0,-1 0 0 0 0,0 0 0 0 0,0-1 0 0 0,0 1-1 0 0,-1 0 1 0 0,1 0 0 0 0,0-1 0 0 0,0 1 0 0 0,0 0 0 0 0,0 0 0 0 0,0-1 0 0 0,0 1 0 0 0,0 0-1 0 0,0 0 1 0 0,0 0 0 0 0,-1-1 0 0 0,1 1 0 0 0,0 0 0 0 0,0 0 0 0 0,0 0 0 0 0,0-1 0 0 0,-1 1 0 0 0,1 0-1 0 0,0 0 1 0 0,0 0 0 0 0,0 0 0 0 0,-1-1 0 0 0,1 1 0 0 0,0 0 0 0 0,0 0 0 0 0,-1 0 0 0 0,1 0 0 0 0,0 0-1 0 0,0 0 1 0 0,-1 0 0 0 0,1 0 0 0 0,0 0 0 0 0,0 0 0 0 0,-1 0 0 0 0,1 0 0 0 0,0 0 0 0 0,0 0 0 0 0,-1 0-1 0 0,1 0 1 0 0,0 0 0 0 0,-12 5 1815 0 0,9-3-1574 0 0,1 1 0 0 0,-1-1-1 0 0,0 1 1 0 0,1-1 0 0 0,0 1 0 0 0,-1 0 0 0 0,1 0 0 0 0,0 0-1 0 0,1 0 1 0 0,-1 0 0 0 0,0 1 0 0 0,-1 5 0 0 0,-1 3 325 0 0,1 0 0 0 0,-3 16 0 0 0,5-20-328 0 0,0 0-1 0 0,0 0 0 0 0,1 0 1 0 0,1 12-1 0 0,-1-18-196 0 0,0 0-1 0 0,0 0 0 0 0,1 1 1 0 0,-1-1-1 0 0,1 0 0 0 0,-1 0 1 0 0,1 0-1 0 0,0 0 1 0 0,0-1-1 0 0,0 1 0 0 0,0 0 1 0 0,0 0-1 0 0,0 0 1 0 0,0-1-1 0 0,1 1 0 0 0,-1 0 1 0 0,1-1-1 0 0,-1 0 1 0 0,1 1-1 0 0,0-1 0 0 0,-1 0 1 0 0,3 1-1 0 0,-3-2-61 0 0,1 1 1 0 0,-1-1-1 0 0,0-1 1 0 0,0 1-1 0 0,0 0 0 0 0,1 0 1 0 0,-1 0-1 0 0,0-1 0 0 0,0 1 1 0 0,1-1-1 0 0,-1 1 0 0 0,0-1 1 0 0,0 1-1 0 0,0-1 0 0 0,0 0 1 0 0,0 1-1 0 0,0-1 0 0 0,1-1 1 0 0,18-15 163 0 0,-14 9-154 0 0,0 1 1 0 0,0-1-1 0 0,-1 0 1 0 0,7-14-1 0 0,8-12-16 0 0,-9 19-48 0 0,-6 9-563 0 0,-1 1-1 0 0,0-1 1 0 0,7-13-1 0 0,-11 18 498 0 0,0 1-1 0 0,1-1 1 0 0,-1 1-1 0 0,0-1 1 0 0,0 1-1 0 0,1-1 0 0 0,-1 1 1 0 0,0-1-1 0 0,1 1 1 0 0,-1 0-1 0 0,1-1 1 0 0,-1 1-1 0 0,1 0 1 0 0,-1-1-1 0 0,1 1 1 0 0,-1 0-1 0 0,1-1 1 0 0,5-3-2748 0 0</inkml:trace>
-</inkml:ink>
-</file>
-
-<file path=ppt/ink/ink81.xml><?xml version="1.0" encoding="utf-8"?>
-<inkml:ink xmlns:inkml="http://www.w3.org/2003/InkML">
-  <inkml:definitions>
-    <inkml:context xml:id="ctx0">
-      <inkml:inkSource xml:id="inkSrc0">
-        <inkml:traceFormat>
-          <inkml:channel name="X" type="integer" min="-2.14748E9" max="2.14748E9" units="cm"/>
-          <inkml:channel name="Y" type="integer" min="-2.14748E9" max="2.14748E9" units="cm"/>
-          <inkml:channel name="F" type="integer" max="32767" units="dev"/>
-          <inkml:channel name="OA" type="integer" max="360" units="deg"/>
-          <inkml:channel name="OE" type="integer" max="90" units="deg"/>
-        </inkml:traceFormat>
-        <inkml:channelProperties>
-          <inkml:channelProperty channel="X" name="resolution" value="1000" units="1/cm"/>
-          <inkml:channelProperty channel="Y" name="resolution" value="1000" units="1/cm"/>
-          <inkml:channelProperty channel="F" name="resolution" value="0" units="1/dev"/>
-          <inkml:channelProperty channel="OA" name="resolution" value="1000" units="1/deg"/>
-          <inkml:channelProperty channel="OE" name="resolution" value="1000" units="1/deg"/>
-        </inkml:channelProperties>
-      </inkml:inkSource>
-      <inkml:timestamp xml:id="ts0" timeString="2020-11-03T16:22:35.108"/>
-    </inkml:context>
-    <inkml:brush xml:id="br0">
-      <inkml:brushProperty name="width" value="0.05" units="cm"/>
-      <inkml:brushProperty name="height" value="0.05" units="cm"/>
-      <inkml:brushProperty name="color" value="#E71224"/>
-    </inkml:brush>
-  </inkml:definitions>
-  <inkml:trace contextRef="#ctx0" brushRef="#br0">117 18 13560 0 0,'0'0'1364'0'0,"-16"-14"1381"0"0,14 14-2601 0 0,0-1 1 0 0,0 0 0 0 0,0 1-1 0 0,0 0 1 0 0,0-1-1 0 0,0 1 1 0 0,0 0 0 0 0,0 0-1 0 0,0 0 1 0 0,0 0-1 0 0,0 0 1 0 0,0 0 0 0 0,0 1-1 0 0,0-1 1 0 0,0 1 0 0 0,0-1-1 0 0,1 1 1 0 0,-1 0-1 0 0,0 0 1 0 0,0 0 0 0 0,0 0-1 0 0,-1 2 1 0 0,-4 1 327 0 0,0 1-1 0 0,0 0 1 0 0,1 0 0 0 0,-7 8 0 0 0,12-11-464 0 0,-1 0 0 0 0,1 0-1 0 0,-1 0 1 0 0,1 0 0 0 0,0 0 0 0 0,-1 1 0 0 0,1-1 0 0 0,1 0-1 0 0,-1 1 1 0 0,0-1 0 0 0,0 1 0 0 0,1-1 0 0 0,0 1 0 0 0,-1-1-1 0 0,1 1 1 0 0,0 0 0 0 0,0 3 0 0 0,1 2 85 0 0,1 0 1 0 0,-1-1-1 0 0,1 1 1 0 0,4 10-1 0 0,-5-16-20 0 0,0 1 0 0 0,1-1 1 0 0,-1 0-1 0 0,0 1 0 0 0,1-1 1 0 0,0 0-1 0 0,-1 0 0 0 0,1 0 0 0 0,0 0 1 0 0,0 0-1 0 0,0 0 0 0 0,0-1 1 0 0,1 1-1 0 0,-1-1 0 0 0,0 1 0 0 0,1-1 1 0 0,-1 0-1 0 0,1 0 0 0 0,-1 0 0 0 0,1 0 1 0 0,-1-1-1 0 0,4 2 0 0 0,-4-2-75 0 0,0 0-1 0 0,0 0 1 0 0,0 0-1 0 0,0 0 0 0 0,0 0 1 0 0,0 0-1 0 0,0 0 1 0 0,0 0-1 0 0,0-1 0 0 0,0 1 1 0 0,0-1-1 0 0,0 0 1 0 0,0 1-1 0 0,0-1 1 0 0,-1 0-1 0 0,1 0 0 0 0,0 0 1 0 0,-1 0-1 0 0,1 0 1 0 0,0-1-1 0 0,-1 1 0 0 0,0 0 1 0 0,1-1-1 0 0,-1 1 1 0 0,0-1-1 0 0,0 0 1 0 0,1 1-1 0 0,-1-1 0 0 0,0 0 1 0 0,0-2-1 0 0,14-43 179 0 0,-8 20 1088 0 0,-2 9-656 0 0,-5 18-608 0 0,0-1 0 0 0,0 1 0 0 0,0 0 0 0 0,0-1 0 0 0,1 1 0 0 0,-1 0 0 0 0,0 0 0 0 0,0-1 0 0 0,0 1 0 0 0,1 0 0 0 0,-1-1 0 0 0,0 1 0 0 0,1 0 0 0 0,-1 0 0 0 0,0 0 0 0 0,0-1 0 0 0,1 1 0 0 0,-1 0 0 0 0,0 0 0 0 0,1 0 0 0 0,-1 0 0 0 0,1 0 0 0 0,-1 0 0 0 0,0 0 0 0 0,1 0 0 0 0,-1-1 0 0 0,0 1 0 0 0,1 0 0 0 0,-1 1 0 0 0,0-1 0 0 0,1 0 0 0 0,-1 0 0 0 0,0 0 0 0 0,1 0 0 0 0,-1 0 0 0 0,1 0 0 0 0,-1 0 0 0 0,0 0 0 0 0,1 1 0 0 0,-1-1 0 0 0,0 0 0 0 0,0 0 0 0 0,1 0 0 0 0,-1 1 0 0 0,1-1 0 0 0,3 4 13 0 0,1-1 1 0 0,-1 1-1 0 0,0-1 0 0 0,0 1 1 0 0,-1 0-1 0 0,1 1 0 0 0,-1-1 1 0 0,0 0-1 0 0,0 1 0 0 0,0 0 1 0 0,-1 0-1 0 0,0 0 0 0 0,0 0 1 0 0,0 0-1 0 0,0 0 0 0 0,-1 1 1 0 0,0-1-1 0 0,0 0 0 0 0,0 1 1 0 0,-1-1-1 0 0,0 11 0 0 0,0-8 111 0 0,1 0 9 0 0,-1 0 1 0 0,-1 0 0 0 0,1 0 0 0 0,-1 0 0 0 0,-1 0 0 0 0,-3 11-1 0 0,1-6-41 0 0,-1 0-1 0 0,-1-1 0 0 0,-10 18 0 0 0,14-26-71 0 0,-1-1 0 0 0,1 0 0 0 0,-1 1 0 0 0,0-1 1 0 0,0 0-1 0 0,0 0 0 0 0,0-1 0 0 0,-1 1 0 0 0,1-1 0 0 0,-1 1 0 0 0,1-1 1 0 0,-1 0-1 0 0,0 0 0 0 0,0-1 0 0 0,-7 3 0 0 0,4-3-401 0 0,1 0 0 0 0,-1 0 0 0 0,0 0 1 0 0,1-1-1 0 0,-9-1 0 0 0,13 1 227 0 0,0 0-1 0 0,-1 0 1 0 0,1-1 0 0 0,0 1 0 0 0,0-1-1 0 0,0 1 1 0 0,0-1 0 0 0,0 0-1 0 0,0 0 1 0 0,0 0 0 0 0,0 0 0 0 0,0 0-1 0 0,0 0 1 0 0,0 0 0 0 0,1-1 0 0 0,-1 1-1 0 0,1-1 1 0 0,-1 1 0 0 0,-2-4 0 0 0,4 4-30 0 0,0 1 0 0 0,-1-1 0 0 0,1 0 0 0 0,0 0 0 0 0,0 0 0 0 0,-1 0 0 0 0,1 0 0 0 0,0 0 0 0 0,0 0 0 0 0,0 0 0 0 0,0 0 1 0 0,0 0-1 0 0,1 0 0 0 0,-1 0 0 0 0,0 0 0 0 0,0 1 0 0 0,1-2 0 0 0,2-6-1495 0 0</inkml:trace>
-</inkml:ink>
-</file>
-
-<file path=ppt/ink/ink82.xml><?xml version="1.0" encoding="utf-8"?>
-<inkml:ink xmlns:inkml="http://www.w3.org/2003/InkML">
-  <inkml:definitions>
-    <inkml:context xml:id="ctx0">
-      <inkml:inkSource xml:id="inkSrc0">
-        <inkml:traceFormat>
-          <inkml:channel name="X" type="integer" min="-2.14748E9" max="2.14748E9" units="cm"/>
-          <inkml:channel name="Y" type="integer" min="-2.14748E9" max="2.14748E9" units="cm"/>
-          <inkml:channel name="F" type="integer" max="32767" units="dev"/>
-          <inkml:channel name="OA" type="integer" max="360" units="deg"/>
-          <inkml:channel name="OE" type="integer" max="90" units="deg"/>
-        </inkml:traceFormat>
-        <inkml:channelProperties>
-          <inkml:channelProperty channel="X" name="resolution" value="1000" units="1/cm"/>
-          <inkml:channelProperty channel="Y" name="resolution" value="1000" units="1/cm"/>
-          <inkml:channelProperty channel="F" name="resolution" value="0" units="1/dev"/>
-          <inkml:channelProperty channel="OA" name="resolution" value="1000" units="1/deg"/>
-          <inkml:channelProperty channel="OE" name="resolution" value="1000" units="1/deg"/>
-        </inkml:channelProperties>
-      </inkml:inkSource>
-      <inkml:timestamp xml:id="ts0" timeString="2020-11-03T16:22:35.444"/>
-    </inkml:context>
-    <inkml:brush xml:id="br0">
-      <inkml:brushProperty name="width" value="0.05" units="cm"/>
-      <inkml:brushProperty name="height" value="0.05" units="cm"/>
-      <inkml:brushProperty name="color" value="#E71224"/>
-    </inkml:brush>
-  </inkml:definitions>
-  <inkml:trace contextRef="#ctx0" brushRef="#br0">1 7 13824 0 0,'0'0'1246'0'0,"6"1"-864"0"0,1 0 505 0 0,0-1 0 0 0,0 0 0 0 0,0-1 0 0 0,0 1 0 0 0,8-3 0 0 0,24-1 2537 0 0,-36 4-3301 0 0,0 0 0 0 0,0 0 0 0 0,1 1-1 0 0,-1 0 1 0 0,0-1 0 0 0,-1 1 0 0 0,1 0 0 0 0,0 0 0 0 0,0 0 0 0 0,5 4 0 0 0,-6-4-122 0 0,-1 1-1 0 0,1-1 1 0 0,0 1 0 0 0,-1-1 0 0 0,0 1-1 0 0,1 0 1 0 0,-1 0 0 0 0,0-1-1 0 0,0 1 1 0 0,0 0 0 0 0,0 0 0 0 0,0 0-1 0 0,-1 0 1 0 0,1 1 0 0 0,-1-1 0 0 0,1 0-1 0 0,-1 0 1 0 0,0 0 0 0 0,1 0 0 0 0,-1 0-1 0 0,0 1 1 0 0,-1-1 0 0 0,1 0-1 0 0,0 0 1 0 0,-1 3 0 0 0,-2 7-2 0 0,0 1 0 0 0,-1-1 1 0 0,-5 13-1 0 0,6-17 2 0 0,-3 4-3 0 0,0 0 1 0 0,-1 0-1 0 0,0-1 0 0 0,-14 18 0 0 0,-4 5 263 0 0,25-34-248 0 0,0 0-1 0 0,0 0 1 0 0,0 1-1 0 0,0-1 1 0 0,-1 0-1 0 0,1 0 1 0 0,0 0-1 0 0,0 0 1 0 0,0 0-1 0 0,0 0 1 0 0,0 0-1 0 0,0 0 1 0 0,0 1-1 0 0,0-1 1 0 0,0 0-1 0 0,-1 0 1 0 0,1 0-1 0 0,0 0 1 0 0,0 0-1 0 0,0 1 1 0 0,0-1-1 0 0,0 0 1 0 0,0 0-1 0 0,0 0 1 0 0,0 0-1 0 0,0 0 1 0 0,0 1-1 0 0,0-1 1 0 0,0 0-1 0 0,0 0 1 0 0,0 0-1 0 0,0 0 1 0 0,1 0-1 0 0,-1 1 1 0 0,0-1-1 0 0,0 0 1 0 0,0 0-1 0 0,0 0 1 0 0,0 0 0 0 0,0 0-1 0 0,0 0 1 0 0,0 1-1 0 0,0-1 1 0 0,0 0-1 0 0,1 0 1 0 0,-1 0-1 0 0,0 0 1 0 0,0 0-1 0 0,0 0 1 0 0,0 0-1 0 0,0 0 1 0 0,0 0-1 0 0,1 0 1 0 0,-1 0-1 0 0,0 0 1 0 0,0 1-1 0 0,0-1 1 0 0,14-2-212 0 0,14-8-594 0 0,-21 7-74 0 0,0 0 0 0 0,0-1 1 0 0,-1 0-1 0 0,8-5 0 0 0,0-2-6928 0 0</inkml:trace>
-</inkml:ink>
-</file>
-
-<file path=ppt/ink/ink83.xml><?xml version="1.0" encoding="utf-8"?>
-<inkml:ink xmlns:inkml="http://www.w3.org/2003/InkML">
-  <inkml:definitions>
-    <inkml:context xml:id="ctx0">
-      <inkml:inkSource xml:id="inkSrc0">
-        <inkml:traceFormat>
-          <inkml:channel name="X" type="integer" min="-2.14748E9" max="2.14748E9" units="cm"/>
-          <inkml:channel name="Y" type="integer" min="-2.14748E9" max="2.14748E9" units="cm"/>
-          <inkml:channel name="F" type="integer" max="32767" units="dev"/>
-          <inkml:channel name="OA" type="integer" max="360" units="deg"/>
-          <inkml:channel name="OE" type="integer" max="90" units="deg"/>
-        </inkml:traceFormat>
-        <inkml:channelProperties>
-          <inkml:channelProperty channel="X" name="resolution" value="1000" units="1/cm"/>
-          <inkml:channelProperty channel="Y" name="resolution" value="1000" units="1/cm"/>
-          <inkml:channelProperty channel="F" name="resolution" value="0" units="1/dev"/>
-          <inkml:channelProperty channel="OA" name="resolution" value="1000" units="1/deg"/>
-          <inkml:channelProperty channel="OE" name="resolution" value="1000" units="1/deg"/>
-        </inkml:channelProperties>
-      </inkml:inkSource>
-      <inkml:timestamp xml:id="ts0" timeString="2020-11-03T16:22:35.910"/>
-    </inkml:context>
-    <inkml:brush xml:id="br0">
-      <inkml:brushProperty name="width" value="0.05" units="cm"/>
-      <inkml:brushProperty name="height" value="0.05" units="cm"/>
-      <inkml:brushProperty name="color" value="#E71224"/>
-    </inkml:brush>
-  </inkml:definitions>
-  <inkml:trace contextRef="#ctx0" brushRef="#br0">189 84 3224 0 0,'3'-13'312'0'0,"0"1"2681"0"0,-1 1 0 0 0,0-17 1 0 0,-2 27-2675 0 0,0 0 0 0 0,0 0 0 0 0,-1 0 0 0 0,1 0 0 0 0,0 0 0 0 0,-1 1 0 0 0,1-1 0 0 0,-1 0 0 0 0,1 0 0 0 0,-1 0 0 0 0,1 0 0 0 0,-1 1 0 0 0,1-1 0 0 0,-1 0 0 0 0,0 1 0 0 0,1-1 0 0 0,-1 0 0 0 0,0 1 0 0 0,0-1 0 0 0,-1 0 0 0 0,2 1-252 0 0,0 0 1 0 0,-1-1-1 0 0,1 1 1 0 0,0 0-1 0 0,-1 0 1 0 0,1 0-1 0 0,-1-1 1 0 0,1 1-1 0 0,0 0 1 0 0,-1 0-1 0 0,1 0 1 0 0,-1 0-1 0 0,1 0 1 0 0,0 0-1 0 0,-1 0 1 0 0,1 0-1 0 0,-1 0 1 0 0,1 0-1 0 0,0 0 1 0 0,-1 0-1 0 0,1 0 1 0 0,-1 0-1 0 0,1 1 1 0 0,0-1-1 0 0,-1 0 1 0 0,1 0-1 0 0,-1 0 1 0 0,1 1-1 0 0,0-1 1 0 0,-1 0-1 0 0,1 0 1 0 0,0 1-1 0 0,0-1 1 0 0,-1 0-1 0 0,1 1 1 0 0,0-1-1 0 0,0 0 1 0 0,-1 1-1 0 0,1-1 1 0 0,0 0-1 0 0,0 1 1 0 0,0-1-1 0 0,-1 0 1 0 0,1 1-1 0 0,0-1 1 0 0,0 1-1 0 0,-2 4 176 0 0,0 0-1 0 0,-1 0 1 0 0,1 0-1 0 0,-1 0 1 0 0,0-1-1 0 0,0 1 0 0 0,-1-1 1 0 0,1 0-1 0 0,-6 5 1 0 0,-10 12 340 0 0,5 1-343 0 0,0 0-1 0 0,1 0 1 0 0,1 2 0 0 0,2-1-1 0 0,0 1 1 0 0,1 1-1 0 0,2 0 1 0 0,0 0 0 0 0,-3 32-1 0 0,7-42-133 0 0,-1 8 200 0 0,-1 29-1 0 0,5-45-171 0 0,0 1-1 0 0,0 0 0 0 0,1 0 1 0 0,0-1-1 0 0,0 1 0 0 0,1-1 1 0 0,5 14-1 0 0,-6-19-163 0 0,0 0 0 0 0,0 1 1 0 0,1-1-1 0 0,-1 0 0 0 0,1 0 0 0 0,0 0 0 0 0,-1 0 0 0 0,1 0 0 0 0,0 0 1 0 0,0 0-1 0 0,0-1 0 0 0,0 1 0 0 0,0-1 0 0 0,1 0 0 0 0,-1 1 1 0 0,0-1-1 0 0,1 0 0 0 0,-1 0 0 0 0,1 0 0 0 0,-1-1 0 0 0,1 1 0 0 0,-1-1 1 0 0,1 1-1 0 0,0-1 0 0 0,-1 0 0 0 0,1 0 0 0 0,-1 0 0 0 0,1 0 1 0 0,0 0-1 0 0,-1-1 0 0 0,1 1 0 0 0,2-2 0 0 0,-1 2-190 0 0,-1-1 0 0 0,1 0-1 0 0,-1-1 1 0 0,0 1 0 0 0,1-1 0 0 0,-1 1-1 0 0,0-1 1 0 0,0 0 0 0 0,0 0 0 0 0,0 0 0 0 0,0-1-1 0 0,0 1 1 0 0,-1-1 0 0 0,1 1 0 0 0,-1-1-1 0 0,0 0 1 0 0,1 0 0 0 0,-1 0 0 0 0,-1 0-1 0 0,1 0 1 0 0,0-1 0 0 0,1-5 0 0 0,3-34-4076 0 0,0 21 2090 0 0</inkml:trace>
-</inkml:ink>
-</file>
-
-<file path=ppt/ink/ink84.xml><?xml version="1.0" encoding="utf-8"?>
-<inkml:ink xmlns:inkml="http://www.w3.org/2003/InkML">
-  <inkml:definitions>
-    <inkml:context xml:id="ctx0">
-      <inkml:inkSource xml:id="inkSrc0">
-        <inkml:traceFormat>
-          <inkml:channel name="X" type="integer" min="-2.14748E9" max="2.14748E9" units="cm"/>
-          <inkml:channel name="Y" type="integer" min="-2.14748E9" max="2.14748E9" units="cm"/>
-          <inkml:channel name="F" type="integer" max="32767" units="dev"/>
-          <inkml:channel name="OA" type="integer" max="360" units="deg"/>
-          <inkml:channel name="OE" type="integer" max="90" units="deg"/>
-        </inkml:traceFormat>
-        <inkml:channelProperties>
-          <inkml:channelProperty channel="X" name="resolution" value="1000" units="1/cm"/>
-          <inkml:channelProperty channel="Y" name="resolution" value="1000" units="1/cm"/>
-          <inkml:channelProperty channel="F" name="resolution" value="0" units="1/dev"/>
-          <inkml:channelProperty channel="OA" name="resolution" value="1000" units="1/deg"/>
-          <inkml:channelProperty channel="OE" name="resolution" value="1000" units="1/deg"/>
-        </inkml:channelProperties>
-      </inkml:inkSource>
-      <inkml:timestamp xml:id="ts0" timeString="2020-11-03T16:22:36.341"/>
-    </inkml:context>
-    <inkml:brush xml:id="br0">
-      <inkml:brushProperty name="width" value="0.05" units="cm"/>
-      <inkml:brushProperty name="height" value="0.05" units="cm"/>
-      <inkml:brushProperty name="color" value="#E71224"/>
-    </inkml:brush>
-  </inkml:definitions>
-  <inkml:trace contextRef="#ctx0" brushRef="#br0">1 158 6448 0 0,'0'0'8862'0'0,"7"-1"-7366"0"0,-3-1-1088 0 0,1 0 0 0 0,-1-1 0 0 0,1 1 0 0 0,-1-1 1 0 0,0 0-1 0 0,0 0 0 0 0,0-1 0 0 0,0 1 0 0 0,0-1 0 0 0,-1 0 0 0 0,0 0 0 0 0,5-6 0 0 0,1-6 811 0 0,0 1 0 0 0,8-21 0 0 0,-15 30-1013 0 0,10-30 1418 0 0,-12 43-1621 0 0,-1 0 1 0 0,1 0 0 0 0,0 0-1 0 0,1 1 1 0 0,2 7-1 0 0,9 45-7 0 0,-7-44 4 0 0,1-1 0 0 0,0 0 0 0 0,13 22 0 0 0,-19-36 18 0 0,1 1-1 0 0,0-1 0 0 0,0 0 1 0 0,0 0-1 0 0,-1 0 1 0 0,1 0-1 0 0,0 0 0 0 0,1 0 1 0 0,-1 0-1 0 0,0 0 1 0 0,0 0-1 0 0,0 0 0 0 0,1 0 1 0 0,-1-1-1 0 0,0 1 1 0 0,0-1-1 0 0,1 1 0 0 0,-1-1 1 0 0,3 1-1 0 0,-3-1-3 0 0,0 0 1 0 0,1 0-1 0 0,-1 0 0 0 0,0 0 1 0 0,0 0-1 0 0,0 0 0 0 0,0-1 1 0 0,0 1-1 0 0,0-1 0 0 0,0 1 1 0 0,0 0-1 0 0,0-1 0 0 0,0 1 0 0 0,0-1 1 0 0,-1 0-1 0 0,1 1 0 0 0,0-1 1 0 0,0 0-1 0 0,0 0 0 0 0,-1 1 1 0 0,1-1-1 0 0,0 0 0 0 0,-1 0 1 0 0,1 0-1 0 0,0-2 0 0 0,5-9 104 0 0,-1 0 1 0 0,0 0-1 0 0,-1 0 0 0 0,5-23 0 0 0,2-53-4278 0 0,-10 84 3561 0 0,1-5-5509 0 0,1-1-1687 0 0</inkml:trace>
-</inkml:ink>
-</file>
-
-<file path=ppt/ink/ink85.xml><?xml version="1.0" encoding="utf-8"?>
-<inkml:ink xmlns:inkml="http://www.w3.org/2003/InkML">
-  <inkml:definitions>
-    <inkml:context xml:id="ctx0">
-      <inkml:inkSource xml:id="inkSrc0">
-        <inkml:traceFormat>
-          <inkml:channel name="X" type="integer" min="-2.14748E9" max="2.14748E9" units="cm"/>
-          <inkml:channel name="Y" type="integer" min="-2.14748E9" max="2.14748E9" units="cm"/>
-          <inkml:channel name="F" type="integer" max="32767" units="dev"/>
-          <inkml:channel name="OA" type="integer" max="360" units="deg"/>
-          <inkml:channel name="OE" type="integer" max="90" units="deg"/>
-        </inkml:traceFormat>
-        <inkml:channelProperties>
-          <inkml:channelProperty channel="X" name="resolution" value="1000" units="1/cm"/>
-          <inkml:channelProperty channel="Y" name="resolution" value="1000" units="1/cm"/>
-          <inkml:channelProperty channel="F" name="resolution" value="0" units="1/dev"/>
-          <inkml:channelProperty channel="OA" name="resolution" value="1000" units="1/deg"/>
-          <inkml:channelProperty channel="OE" name="resolution" value="1000" units="1/deg"/>
-        </inkml:channelProperties>
-      </inkml:inkSource>
-      <inkml:timestamp xml:id="ts0" timeString="2020-11-03T16:22:36.672"/>
-    </inkml:context>
-    <inkml:brush xml:id="br0">
-      <inkml:brushProperty name="width" value="0.05" units="cm"/>
-      <inkml:brushProperty name="height" value="0.05" units="cm"/>
-      <inkml:brushProperty name="color" value="#E71224"/>
-    </inkml:brush>
-  </inkml:definitions>
-  <inkml:trace contextRef="#ctx0" brushRef="#br0">0 0 21191 0 0,'0'0'1606'0'0,"6"7"-904"0"0,3 4-529 0 0,0 1-1 0 0,-1 0 0 0 0,0 0 0 0 0,-1 0 1 0 0,0 1-1 0 0,-1 0 0 0 0,0 1 1 0 0,-1-1-1 0 0,-1 1 0 0 0,0 0 0 0 0,0 0 1 0 0,-2 0-1 0 0,2 27 0 0 0,-3-26 118 0 0,-2 1-1 0 0,1-1 0 0 0,-6 24 0 0 0,-13 46 188 0 0,16-72-427 0 0,1-5-110 0 0,0 0-1 0 0,0 0 1 0 0,0 0 0 0 0,-1-1-1 0 0,0 1 1 0 0,-1-1-1 0 0,0 0 1 0 0,0 0 0 0 0,-10 12-1 0 0,13-18-267 0 0</inkml:trace>
-</inkml:ink>
-</file>
-
-<file path=ppt/ink/ink86.xml><?xml version="1.0" encoding="utf-8"?>
-<inkml:ink xmlns:inkml="http://www.w3.org/2003/InkML">
-  <inkml:definitions>
-    <inkml:context xml:id="ctx0">
-      <inkml:inkSource xml:id="inkSrc0">
-        <inkml:traceFormat>
-          <inkml:channel name="X" type="integer" min="-2.14748E9" max="2.14748E9" units="cm"/>
-          <inkml:channel name="Y" type="integer" min="-2.14748E9" max="2.14748E9" units="cm"/>
-          <inkml:channel name="F" type="integer" max="32767" units="dev"/>
-          <inkml:channel name="OA" type="integer" max="360" units="deg"/>
-          <inkml:channel name="OE" type="integer" max="90" units="deg"/>
-        </inkml:traceFormat>
-        <inkml:channelProperties>
-          <inkml:channelProperty channel="X" name="resolution" value="1000" units="1/cm"/>
-          <inkml:channelProperty channel="Y" name="resolution" value="1000" units="1/cm"/>
-          <inkml:channelProperty channel="F" name="resolution" value="0" units="1/dev"/>
-          <inkml:channelProperty channel="OA" name="resolution" value="1000" units="1/deg"/>
-          <inkml:channelProperty channel="OE" name="resolution" value="1000" units="1/deg"/>
-        </inkml:channelProperties>
-      </inkml:inkSource>
-      <inkml:timestamp xml:id="ts0" timeString="2020-11-03T16:22:37.035"/>
-    </inkml:context>
-    <inkml:brush xml:id="br0">
-      <inkml:brushProperty name="width" value="0.05" units="cm"/>
-      <inkml:brushProperty name="height" value="0.05" units="cm"/>
-      <inkml:brushProperty name="color" value="#E71224"/>
-    </inkml:brush>
-  </inkml:definitions>
-  <inkml:trace contextRef="#ctx0" brushRef="#br0">1 5 17503 0 0,'0'0'1759'0'0,"1"0"-1614"0"0,0-1 87 0 0,1 0-1 0 0,-1 1 0 0 0,1-1 0 0 0,-1 1 0 0 0,1-1 0 0 0,-1 1 0 0 0,1 0 1 0 0,-1 0-1 0 0,4-1 0 0 0,-4 2-98 0 0,0-1 1 0 0,-1 1-1 0 0,1-1 1 0 0,0 0-1 0 0,0 1 0 0 0,0 0 1 0 0,-1-1-1 0 0,1 1 1 0 0,0-1-1 0 0,-1 1 0 0 0,1 0 1 0 0,1 1-1 0 0,0 0-408 0 0,3 6 510 0 0,1 0-1 0 0,-1 1 1 0 0,0 0 0 0 0,-1 0 0 0 0,0 0-1 0 0,-1 0 1 0 0,0 0 0 0 0,3 12 0 0 0,4 13 368 0 0,5 10 140 0 0,-2 0 1 0 0,12 80-1 0 0,-22-95-663 0 0,-1 0 0 0 0,-1 0 0 0 0,-1 0 0 0 0,-1 1-1 0 0,-8 40 1 0 0,3-42-76 0 0,-15 69 96 0 0,17-86-146 0 0,0 1-1 0 0,0-1 1 0 0,-1 0 0 0 0,0 0 0 0 0,-1-1-1 0 0,-8 11 1 0 0,1-5-1282 0 0,-3-3-5301 0 0,-1-3-2149 0 0</inkml:trace>
-</inkml:ink>
-</file>
-
-<file path=ppt/ink/ink87.xml><?xml version="1.0" encoding="utf-8"?>
-<inkml:ink xmlns:inkml="http://www.w3.org/2003/InkML">
-  <inkml:definitions>
-    <inkml:context xml:id="ctx0">
-      <inkml:inkSource xml:id="inkSrc0">
-        <inkml:traceFormat>
-          <inkml:channel name="X" type="integer" min="-2.14748E9" max="2.14748E9" units="cm"/>
-          <inkml:channel name="Y" type="integer" min="-2.14748E9" max="2.14748E9" units="cm"/>
-          <inkml:channel name="F" type="integer" max="32767" units="dev"/>
-          <inkml:channel name="OA" type="integer" max="360" units="deg"/>
-          <inkml:channel name="OE" type="integer" max="90" units="deg"/>
-        </inkml:traceFormat>
-        <inkml:channelProperties>
-          <inkml:channelProperty channel="X" name="resolution" value="1000" units="1/cm"/>
-          <inkml:channelProperty channel="Y" name="resolution" value="1000" units="1/cm"/>
-          <inkml:channelProperty channel="F" name="resolution" value="0" units="1/dev"/>
-          <inkml:channelProperty channel="OA" name="resolution" value="1000" units="1/deg"/>
-          <inkml:channelProperty channel="OE" name="resolution" value="1000" units="1/deg"/>
-        </inkml:channelProperties>
-      </inkml:inkSource>
-      <inkml:timestamp xml:id="ts0" timeString="2020-11-03T16:22:43.533"/>
-    </inkml:context>
-    <inkml:brush xml:id="br0">
-      <inkml:brushProperty name="width" value="0.05" units="cm"/>
-      <inkml:brushProperty name="height" value="0.05" units="cm"/>
-      <inkml:brushProperty name="color" value="#E71224"/>
-    </inkml:brush>
-  </inkml:definitions>
-  <inkml:trace contextRef="#ctx0" brushRef="#br0">337 65 6448 0 0,'0'0'585'0'0,"-5"-5"1975"0"0,-2-10-380 0 0,2 5-1041 0 0,4 8-961 0 0,0 0-1 0 0,1 0 1 0 0,-1 1 0 0 0,0-1 0 0 0,0 0 0 0 0,0 0 0 0 0,0 0 0 0 0,-1 1 0 0 0,1-1 0 0 0,0 1 0 0 0,-1-1 0 0 0,1 1-1 0 0,-1-1 1 0 0,1 1 0 0 0,-1 0 0 0 0,1 0 0 0 0,-1 0 0 0 0,0 0 0 0 0,0 0 0 0 0,0 0 0 0 0,0 0 0 0 0,0 1 0 0 0,0-1-1 0 0,1 1 1 0 0,-1-1 0 0 0,-1 1 0 0 0,1 0 0 0 0,0 0 0 0 0,0-1 0 0 0,0 2 0 0 0,-2-1 0 0 0,-3 0-22 0 0,1 1 0 0 0,-1 0 1 0 0,1 0-1 0 0,0 0 0 0 0,0 1 0 0 0,-1 0 0 0 0,1 0 1 0 0,0 0-1 0 0,0 1 0 0 0,1 0 0 0 0,-1 0 1 0 0,-9 8-1 0 0,7-6-114 0 0,1 1 0 0 0,1 1 0 0 0,-1 0 1 0 0,1 0-1 0 0,0 0 0 0 0,1 0 0 0 0,0 1 0 0 0,-6 12 0 0 0,-9 13 49 0 0,-4 10 58 0 0,10-11-64 0 0,2 1 0 0 0,0 0-1 0 0,3 1 1 0 0,0 0-1 0 0,3 0 1 0 0,0 1-1 0 0,3 0 1 0 0,0 67 0 0 0,6-71 115 0 0,1 0 1 0 0,1 0-1 0 0,2-1 1 0 0,0 0-1 0 0,3 0 1 0 0,13 32-1 0 0,-14-44-56 0 0,0 1 0 0 0,1-1-1 0 0,1-1 1 0 0,1 0-1 0 0,0 0 1 0 0,1-1-1 0 0,1-1 1 0 0,0 0-1 0 0,1-1 1 0 0,20 15-1 0 0,-29-25-90 0 0,-1-1 0 0 0,1 1 1 0 0,0-1-1 0 0,0 0 0 0 0,1-1 0 0 0,-1 1 0 0 0,1-1 0 0 0,-1-1 0 0 0,1 1 0 0 0,0-1 1 0 0,12 1-1 0 0,-10-2-29 0 0,0-1 1 0 0,0 0-1 0 0,-1 0 1 0 0,1-1 0 0 0,-1 0-1 0 0,1-1 1 0 0,-1 1-1 0 0,15-8 1 0 0,-1-2 85 0 0,1-1 0 0 0,-2-1 1 0 0,1-1-1 0 0,-2-1 0 0 0,0 0 1 0 0,-1-2-1 0 0,-1 0 0 0 0,-1-1 0 0 0,0-1 1 0 0,-2 0-1 0 0,0-2 0 0 0,-1 1 0 0 0,-1-2 1 0 0,-1 0-1 0 0,-1 0 0 0 0,8-27 0 0 0,-9 18-47 0 0,-1-1-1 0 0,-2 0 1 0 0,-1 0-1 0 0,2-41 1 0 0,-7 53-6 0 0,-1-1 0 0 0,-1 1 1 0 0,-1-1-1 0 0,-1 1 0 0 0,-1 0 1 0 0,-1 0-1 0 0,-12-34 0 0 0,7 31 14 0 0,0 0 0 0 0,-2 1-1 0 0,-15-24 1 0 0,22 39-45 0 0,0 1 0 0 0,-1 0 1 0 0,0 0-1 0 0,0 1 0 0 0,0 0 0 0 0,-1 0 1 0 0,0 0-1 0 0,0 1 0 0 0,0 0 0 0 0,-1 0 1 0 0,0 0-1 0 0,-13-5 0 0 0,12 7-11 0 0,0 1 1 0 0,-1 0-1 0 0,1 0 0 0 0,-1 1 0 0 0,1 0 1 0 0,-1 0-1 0 0,1 1 0 0 0,-1 0 0 0 0,0 1 1 0 0,1 0-1 0 0,-16 4 0 0 0,14-2-28 0 0,0 1-1 0 0,0 0 1 0 0,0 1 0 0 0,1 0-1 0 0,0 1 1 0 0,0 0 0 0 0,0 1-1 0 0,1 0 1 0 0,-11 9-1 0 0,12-9-327 0 0,0 1 0 0 0,0-1 0 0 0,0 1 0 0 0,1 1 0 0 0,0-1 0 0 0,1 1 0 0 0,0 1 0 0 0,-5 10 0 0 0,9-13-2207 0 0</inkml:trace>
-</inkml:ink>
-</file>
-
-<file path=ppt/ink/ink88.xml><?xml version="1.0" encoding="utf-8"?>
-<inkml:ink xmlns:inkml="http://www.w3.org/2003/InkML">
-  <inkml:definitions>
-    <inkml:context xml:id="ctx0">
-      <inkml:inkSource xml:id="inkSrc0">
-        <inkml:traceFormat>
-          <inkml:channel name="X" type="integer" min="-2.14748E9" max="2.14748E9" units="cm"/>
-          <inkml:channel name="Y" type="integer" min="-2.14748E9" max="2.14748E9" units="cm"/>
-          <inkml:channel name="F" type="integer" max="32767" units="dev"/>
-          <inkml:channel name="OA" type="integer" max="360" units="deg"/>
-          <inkml:channel name="OE" type="integer" max="90" units="deg"/>
-        </inkml:traceFormat>
-        <inkml:channelProperties>
-          <inkml:channelProperty channel="X" name="resolution" value="1000" units="1/cm"/>
-          <inkml:channelProperty channel="Y" name="resolution" value="1000" units="1/cm"/>
-          <inkml:channelProperty channel="F" name="resolution" value="0" units="1/dev"/>
-          <inkml:channelProperty channel="OA" name="resolution" value="1000" units="1/deg"/>
-          <inkml:channelProperty channel="OE" name="resolution" value="1000" units="1/deg"/>
-        </inkml:channelProperties>
-      </inkml:inkSource>
-      <inkml:timestamp xml:id="ts0" timeString="2020-11-03T16:22:44.250"/>
-    </inkml:context>
-    <inkml:brush xml:id="br0">
-      <inkml:brushProperty name="width" value="0.05" units="cm"/>
-      <inkml:brushProperty name="height" value="0.05" units="cm"/>
-      <inkml:brushProperty name="color" value="#E71224"/>
-    </inkml:brush>
-  </inkml:definitions>
-  <inkml:trace contextRef="#ctx0" brushRef="#br0">0 203 2304 0 0,'0'0'441'0'0,"5"-8"6409"0"0,-1 1-5563 0 0,8-10-91 0 0,1 0-1 0 0,1 1 1 0 0,0 0-1 0 0,2 1 1 0 0,29-22 0 0 0,-23 19-333 0 0,-13 11-458 0 0,1 0-1 0 0,1 0 0 0 0,11-4 0 0 0,-1-1 243 0 0,-20 11-602 0 0,1 1 0 0 0,-1-1-1 0 0,1 0 1 0 0,-1 0 0 0 0,1 0-1 0 0,-1 1 1 0 0,1-1 0 0 0,0 1-1 0 0,-1-1 1 0 0,1 1-1 0 0,0 0 1 0 0,-1 0 0 0 0,1 0-1 0 0,0 0 1 0 0,-1 0 0 0 0,1 0-1 0 0,0 0 1 0 0,0 0 0 0 0,-1 1-1 0 0,1-1 1 0 0,0 1 0 0 0,-1-1-1 0 0,1 1 1 0 0,-1-1 0 0 0,1 1-1 0 0,-1 0 1 0 0,1 0-1 0 0,-1 0 1 0 0,1 0 0 0 0,-1 0-1 0 0,0 0 1 0 0,0 0 0 0 0,1 1-1 0 0,-1-1 1 0 0,0 0 0 0 0,0 1-1 0 0,1 1 1 0 0,2 5 78 0 0,1 0 0 0 0,-2 1 0 0 0,1-1 0 0 0,-1 1-1 0 0,3 12 1 0 0,-4-15-85 0 0,3 14 336 0 0,0 0 65 0 0,1-1 0 0 0,14 31 0 0 0,-17-44-369 0 0,0-1 0 0 0,0 1 0 0 0,0-1 0 0 0,1 0 0 0 0,0-1 0 0 0,0 1 0 0 0,0-1 1 0 0,0 1-1 0 0,1-1 0 0 0,0 0 0 0 0,0-1 0 0 0,0 1 0 0 0,8 3 0 0 0,-10-6-24 0 0,0 0 0 0 0,0 0 1 0 0,0-1-1 0 0,0 1 0 0 0,0-1 0 0 0,0 0 0 0 0,0 1 0 0 0,0-1 0 0 0,0-1 0 0 0,1 1 1 0 0,4-1-1 0 0,36-12 273 0 0,-35 11-267 0 0,-2-1-24 0 0,0 0-1 0 0,-1 0 0 0 0,1 0 0 0 0,-1-1 0 0 0,0 0 0 0 0,0 0 0 0 0,10-8 0 0 0,0-4-25 0 0,17-20 0 0 0,-24 24-644 0 0,1 1-1 0 0,0 0 1 0 0,1 1 0 0 0,0 0 0 0 0,19-12-1 0 0,-11 12-1177 0 0</inkml:trace>
-</inkml:ink>
-</file>
-
-<file path=ppt/ink/ink89.xml><?xml version="1.0" encoding="utf-8"?>
-<inkml:ink xmlns:inkml="http://www.w3.org/2003/InkML">
-  <inkml:definitions>
-    <inkml:context xml:id="ctx0">
-      <inkml:inkSource xml:id="inkSrc0">
-        <inkml:traceFormat>
-          <inkml:channel name="X" type="integer" min="-2.14748E9" max="2.14748E9" units="cm"/>
-          <inkml:channel name="Y" type="integer" min="-2.14748E9" max="2.14748E9" units="cm"/>
-          <inkml:channel name="F" type="integer" max="32767" units="dev"/>
-          <inkml:channel name="OA" type="integer" max="360" units="deg"/>
-          <inkml:channel name="OE" type="integer" max="90" units="deg"/>
-        </inkml:traceFormat>
-        <inkml:channelProperties>
-          <inkml:channelProperty channel="X" name="resolution" value="1000" units="1/cm"/>
-          <inkml:channelProperty channel="Y" name="resolution" value="1000" units="1/cm"/>
-          <inkml:channelProperty channel="F" name="resolution" value="0" units="1/dev"/>
-          <inkml:channelProperty channel="OA" name="resolution" value="1000" units="1/deg"/>
-          <inkml:channelProperty channel="OE" name="resolution" value="1000" units="1/deg"/>
-        </inkml:channelProperties>
-      </inkml:inkSource>
-      <inkml:timestamp xml:id="ts0" timeString="2020-11-03T16:22:44.931"/>
-    </inkml:context>
-    <inkml:brush xml:id="br0">
-      <inkml:brushProperty name="width" value="0.05" units="cm"/>
-      <inkml:brushProperty name="height" value="0.05" units="cm"/>
-      <inkml:brushProperty name="color" value="#E71224"/>
-    </inkml:brush>
-  </inkml:definitions>
-  <inkml:trace contextRef="#ctx0" brushRef="#br0">205 1 8752 0 0,'0'0'673'0'0,"-13"3"1787"0"0,9-1-1987 0 0,-1 0 1 0 0,1 1-1 0 0,-1-1 0 0 0,1 1 1 0 0,0 0-1 0 0,0 1 0 0 0,0-1 1 0 0,1 1-1 0 0,-1 0 0 0 0,-5 8 1 0 0,-2 4-40 0 0,-13 27 0 0 0,17-31-211 0 0,-3 9 68 0 0,1 0 0 0 0,-13 44-1 0 0,-4 49 451 0 0,24-102-648 0 0,-10 58 642 0 0,3 0 1 0 0,3 1-1 0 0,3 0 0 0 0,3-1 1 0 0,3 1-1 0 0,16 90 1 0 0,-15-134-509 0 0,1 1 0 0 0,2-1 0 0 0,1 0 0 0 0,1-1 0 0 0,15 33 0 0 0,-21-54-223 0 0,0 0-1 0 0,0-1 0 0 0,0 1 1 0 0,1 0-1 0 0,-1-1 1 0 0,5 4-1 0 0,-6-6-16 0 0,0 0 1 0 0,0-1-1 0 0,0 1 0 0 0,0-1 0 0 0,0 0 0 0 0,1 0 1 0 0,-1 0-1 0 0,0 0 0 0 0,0 0 0 0 0,1 0 0 0 0,-1 0 1 0 0,1-1-1 0 0,-1 1 0 0 0,5-1 0 0 0,-6 0-143 0 0,0-1-1 0 0,0 1 0 0 0,0-1 1 0 0,0 1-1 0 0,0-1 1 0 0,0 1-1 0 0,-1-1 0 0 0,1 0 1 0 0,0 0-1 0 0,0 1 1 0 0,-1-1-1 0 0,1 0 1 0 0,0 0-1 0 0,-1 0 0 0 0,1 0 1 0 0,-1 0-1 0 0,1 0 1 0 0,-1 0-1 0 0,0 0 0 0 0,1 0 1 0 0,-1 0-1 0 0,0-1 1 0 0,1 1-345 0 0,2-13-7604 0 0</inkml:trace>
-</inkml:ink>
-</file>
-
-<file path=ppt/ink/ink9.xml><?xml version="1.0" encoding="utf-8"?>
-<inkml:ink xmlns:inkml="http://www.w3.org/2003/InkML">
-  <inkml:definitions>
-    <inkml:context xml:id="ctx0">
-      <inkml:inkSource xml:id="inkSrc0">
-        <inkml:traceFormat>
-          <inkml:channel name="X" type="integer" min="-2.14748E9" max="2.14748E9" units="cm"/>
-          <inkml:channel name="Y" type="integer" min="-2.14748E9" max="2.14748E9" units="cm"/>
-          <inkml:channel name="F" type="integer" max="32767" units="dev"/>
-          <inkml:channel name="OA" type="integer" max="360" units="deg"/>
-          <inkml:channel name="OE" type="integer" max="90" units="deg"/>
-        </inkml:traceFormat>
-        <inkml:channelProperties>
-          <inkml:channelProperty channel="X" name="resolution" value="1000" units="1/cm"/>
-          <inkml:channelProperty channel="Y" name="resolution" value="1000" units="1/cm"/>
-          <inkml:channelProperty channel="F" name="resolution" value="0" units="1/dev"/>
-          <inkml:channelProperty channel="OA" name="resolution" value="1000" units="1/deg"/>
-          <inkml:channelProperty channel="OE" name="resolution" value="1000" units="1/deg"/>
-        </inkml:channelProperties>
-      </inkml:inkSource>
-      <inkml:timestamp xml:id="ts0" timeString="2020-11-03T16:21:41.307"/>
-    </inkml:context>
-    <inkml:brush xml:id="br0">
-      <inkml:brushProperty name="width" value="0.05" units="cm"/>
-      <inkml:brushProperty name="height" value="0.05" units="cm"/>
-      <inkml:brushProperty name="color" value="#E71224"/>
-    </inkml:brush>
-  </inkml:definitions>
-  <inkml:trace contextRef="#ctx0" brushRef="#br0">7 354 1840 0 0,'-6'8'16167'0'0,"9"-9"-15956"0"0,0-1-1 0 0,1 1 1 0 0,-1 0-1 0 0,0-1 0 0 0,1 0 1 0 0,-1 0-1 0 0,0 0 0 0 0,-1 0 1 0 0,1 0-1 0 0,0-1 0 0 0,0 1 1 0 0,-1-1-1 0 0,0 0 1 0 0,1 1-1 0 0,2-6 0 0 0,4-7 557 0 0,15-32 0 0 0,-22 44-704 0 0,18-46 799 0 0,18-65 0 0 0,-30 88-605 0 0,-3 9-76 0 0,-2 5 68 0 0,1-1 0 0 0,7-14 0 0 0,-10 27-239 0 0,0 1-1 0 0,0-1 1 0 0,0 1-1 0 0,0-1 1 0 0,-1 1-1 0 0,1 0 1 0 0,0-1-1 0 0,0 1 1 0 0,-1 0-1 0 0,1 0 1 0 0,-1-1-1 0 0,1 1 1 0 0,-1 0-1 0 0,1 0 1 0 0,-1 0-1 0 0,1 0 1 0 0,-1 0-1 0 0,0-1 1 0 0,1 1-1 0 0,-1 0 1 0 0,0 0-1 0 0,0 0 1 0 0,0 0-1 0 0,0 1 1 0 0,5 30 56 0 0,-5-28-55 0 0,5 69 318 0 0,-3-35 25 0 0,10 56 0 0 0,-7-63-199 0 0,-4-22-106 0 0,0 0-1 0 0,4 16 0 0 0,5 12 47 0 0,-7-25-118 0 0,0-1 0 0 0,8 21-1 0 0,-10-31-39 0 0,-1 0 19 0 0,1 0 1 0 0,-1 0-1 0 0,1 0 0 0 0,-1 0 0 0 0,1-1 1 0 0,-1 1-1 0 0,0 0 0 0 0,1 0 0 0 0,-1 0 1 0 0,0 0-1 0 0,0 0 0 0 0,0 0 0 0 0,0 0 0 0 0,0 0 1 0 0,0 0-1 0 0,0 0 0 0 0,0 0 0 0 0,0 0 1 0 0,0 0-1 0 0,0 0 0 0 0,0 0 0 0 0,-1 0 1 0 0,1 0-1 0 0,-1 1 0 0 0,-20-7-16315 0 0</inkml:trace>
-</inkml:ink>
-</file>
-
-<file path=ppt/ink/ink90.xml><?xml version="1.0" encoding="utf-8"?>
-<inkml:ink xmlns:inkml="http://www.w3.org/2003/InkML">
-  <inkml:definitions>
-    <inkml:context xml:id="ctx0">
-      <inkml:inkSource xml:id="inkSrc0">
-        <inkml:traceFormat>
-          <inkml:channel name="X" type="integer" min="-2.14748E9" max="2.14748E9" units="cm"/>
-          <inkml:channel name="Y" type="integer" min="-2.14748E9" max="2.14748E9" units="cm"/>
-          <inkml:channel name="F" type="integer" max="32767" units="dev"/>
-          <inkml:channel name="OA" type="integer" max="360" units="deg"/>
-          <inkml:channel name="OE" type="integer" max="90" units="deg"/>
-        </inkml:traceFormat>
-        <inkml:channelProperties>
-          <inkml:channelProperty channel="X" name="resolution" value="1000" units="1/cm"/>
-          <inkml:channelProperty channel="Y" name="resolution" value="1000" units="1/cm"/>
-          <inkml:channelProperty channel="F" name="resolution" value="0" units="1/dev"/>
-          <inkml:channelProperty channel="OA" name="resolution" value="1000" units="1/deg"/>
-          <inkml:channelProperty channel="OE" name="resolution" value="1000" units="1/deg"/>
-        </inkml:channelProperties>
-      </inkml:inkSource>
-      <inkml:timestamp xml:id="ts0" timeString="2020-11-03T16:22:45.652"/>
-    </inkml:context>
-    <inkml:brush xml:id="br0">
-      <inkml:brushProperty name="width" value="0.05" units="cm"/>
-      <inkml:brushProperty name="height" value="0.05" units="cm"/>
-      <inkml:brushProperty name="color" value="#E71224"/>
-    </inkml:brush>
-  </inkml:definitions>
-  <inkml:trace contextRef="#ctx0" brushRef="#br0">1 395 2760 0 0,'0'0'12181'0'0,"6"-16"-9803"0"0,3-9-666 0 0,14-83 1239 0 0,-7 35-1582 0 0,-7 41-585 0 0,-6 25-421 0 0,-1 0-1 0 0,0-1 1 0 0,0 1 0 0 0,1-15 0 0 0,3 50-441 0 0,-7 70 25 0 0,2-75 100 0 0,1 0 1 0 0,1 0-1 0 0,1-1 1 0 0,9 32-1 0 0,-13-53-43 0 0,1 1-1 0 0,-1-1 1 0 0,1 0-1 0 0,-1 1 1 0 0,1-1-1 0 0,0 0 1 0 0,-1 0 0 0 0,1 1-1 0 0,0-1 1 0 0,0 0-1 0 0,0 0 1 0 0,0 0-1 0 0,0 0 1 0 0,0 0-1 0 0,0 0 1 0 0,0 0-1 0 0,1-1 1 0 0,-1 1 0 0 0,0 0-1 0 0,1 0 1 0 0,-1-1-1 0 0,0 1 1 0 0,1-1-1 0 0,-1 0 1 0 0,0 1-1 0 0,1-1 1 0 0,-1 0-1 0 0,3 0 1 0 0,-1 0-3 0 0,-1 0-1 0 0,1-1 1 0 0,-1 1 0 0 0,0-1-1 0 0,0 0 1 0 0,1 0 0 0 0,-1 0 0 0 0,0 0-1 0 0,0 0 1 0 0,0 0 0 0 0,0-1-1 0 0,0 1 1 0 0,0 0 0 0 0,0-1-1 0 0,-1 0 1 0 0,3-2 0 0 0,3-5 82 0 0,0-1 0 0 0,-1 0 0 0 0,0-1 0 0 0,0 0-1 0 0,-1 0 1 0 0,4-15 0 0 0,14-28 22 0 0,30-67 133 0 0,-28 58-328 0 0,-21 51-126 0 0,9-15-3860 0 0</inkml:trace>
-</inkml:ink>
-</file>
-
-<file path=ppt/ink/ink91.xml><?xml version="1.0" encoding="utf-8"?>
-<inkml:ink xmlns:inkml="http://www.w3.org/2003/InkML">
-  <inkml:definitions>
-    <inkml:context xml:id="ctx0">
-      <inkml:inkSource xml:id="inkSrc0">
-        <inkml:traceFormat>
-          <inkml:channel name="X" type="integer" min="-2.14748E9" max="2.14748E9" units="cm"/>
-          <inkml:channel name="Y" type="integer" min="-2.14748E9" max="2.14748E9" units="cm"/>
-          <inkml:channel name="F" type="integer" max="32767" units="dev"/>
-          <inkml:channel name="OA" type="integer" max="360" units="deg"/>
-          <inkml:channel name="OE" type="integer" max="90" units="deg"/>
-        </inkml:traceFormat>
-        <inkml:channelProperties>
-          <inkml:channelProperty channel="X" name="resolution" value="1000" units="1/cm"/>
-          <inkml:channelProperty channel="Y" name="resolution" value="1000" units="1/cm"/>
-          <inkml:channelProperty channel="F" name="resolution" value="0" units="1/dev"/>
-          <inkml:channelProperty channel="OA" name="resolution" value="1000" units="1/deg"/>
-          <inkml:channelProperty channel="OE" name="resolution" value="1000" units="1/deg"/>
-        </inkml:channelProperties>
-      </inkml:inkSource>
-      <inkml:timestamp xml:id="ts0" timeString="2020-11-03T16:22:47.015"/>
-    </inkml:context>
-    <inkml:brush xml:id="br0">
-      <inkml:brushProperty name="width" value="0.05" units="cm"/>
-      <inkml:brushProperty name="height" value="0.05" units="cm"/>
-      <inkml:brushProperty name="color" value="#E71224"/>
-    </inkml:brush>
-  </inkml:definitions>
-  <inkml:trace contextRef="#ctx0" brushRef="#br0">28 25 8432 0 0,'0'0'388'0'0,"6"-24"8998"0"0,-6 24-9213 0 0,7 5 1863 0 0,6 9-1660 0 0,-8-4-27 0 0,-1 0 0 0 0,0 0 0 0 0,0 0 0 0 0,-1 0-1 0 0,3 20 1 0 0,3 5 222 0 0,18 71 589 0 0,8 28-624 0 0,-20-96-296 0 0,-14-37-52 0 0,-2-3-334 0 0,1 0 0 0 0,-1-1 0 0 0,1 1 0 0 0,-1 0-1 0 0,0 0 1 0 0,0 0 0 0 0,0 0 0 0 0,0 0 0 0 0,0 0 0 0 0,0 0 0 0 0,-3-2-1 0 0,-15-19-2389 0 0,19 22 2493 0 0,-24-25-2478 0 0,12 12 1269 0 0,-22-20 0 0 0,18 19 1773 0 0,-28-31 0 0 0,44 45-428 0 0,-1 0 0 0 0,1 1 0 0 0,-1-1 0 0 0,1 1 0 0 0,0-1 0 0 0,-1 0 0 0 0,1 1 0 0 0,0-1 0 0 0,-1 0 0 0 0,1 1-1 0 0,0-1 1 0 0,0 0 0 0 0,0 0 0 0 0,0 1 0 0 0,-1-1 0 0 0,1 0 0 0 0,0 0 0 0 0,0 1 0 0 0,0-1 0 0 0,1 0 0 0 0,-1 1-1 0 0,0-1 1 0 0,0 0 0 0 0,0 0 0 0 0,0 1 0 0 0,1-1 0 0 0,-1 0 0 0 0,0 1 0 0 0,1-1 0 0 0,-1 0 0 0 0,1 1 0 0 0,-1-1-1 0 0,0 1 1 0 0,1-1 0 0 0,-1 0 0 0 0,1 1 0 0 0,0 0 0 0 0,-1-1 0 0 0,1 1 0 0 0,-1-1 0 0 0,1 1 0 0 0,1-1 0 0 0,4-3 321 0 0,0 1 0 0 0,1 0 1 0 0,12-4-1 0 0,-6 3-219 0 0,2-2 516 0 0,29-5-1 0 0,-39 10-556 0 0,5-2 13 0 0,-1 1 60 0 0,0 0 1 0 0,17-1-1 0 0,-25 3-131 0 0,7 10 54 0 0,-7-8-141 0 0,-1 1 0 0 0,0-1 0 0 0,0 0 0 0 0,0 0 0 0 0,0 1 0 0 0,-1-1 0 0 0,1 0 0 0 0,0 0 0 0 0,-1 0 1 0 0,0 0-1 0 0,0 0 0 0 0,1 1 0 0 0,-1-1 0 0 0,0 0 0 0 0,-1-1 0 0 0,1 1 0 0 0,0 0 0 0 0,0 0 0 0 0,-1 0 1 0 0,1-1-1 0 0,-1 1 0 0 0,-2 2 0 0 0,-3 1 30 0 0,1 0-1 0 0,-1 0 1 0 0,0-1 0 0 0,-13 7-1 0 0,15-8-38 0 0,-1 0 0 0 0,0-1 0 0 0,1 1 0 0 0,-1-1 0 0 0,0-1 0 0 0,0 1 0 0 0,0-1 0 0 0,0 0 0 0 0,0-1 0 0 0,-8 1 0 0 0,-17 4 11 0 0,30-5 133 0 0,2 0-139 0 0,-1 0 1 0 0,0 0-1 0 0,0-1 1 0 0,0 1-1 0 0,0 0 1 0 0,0 0 0 0 0,0 0-1 0 0,0 0 1 0 0,0 0-1 0 0,1 0 1 0 0,-1 0-1 0 0,0-1 1 0 0,0 1-1 0 0,0 0 1 0 0,0 0-1 0 0,0 0 1 0 0,0 0-1 0 0,0 0 1 0 0,0-1-1 0 0,0 1 1 0 0,0 0-1 0 0,0 0 1 0 0,0 0-1 0 0,0 0 1 0 0,0 0-1 0 0,0-1 1 0 0,0 1-1 0 0,0 0 1 0 0,0 0 0 0 0,0 0-1 0 0,0 0 1 0 0,0 0-1 0 0,0 0 1 0 0,-1-1-1 0 0,1 1 1 0 0,0 0-1 0 0,0 0 1 0 0,0 0-1 0 0,0 0 1 0 0,0 0-1 0 0,0 0 1 0 0,0 0-1 0 0,0 0 1 0 0,0-1-1 0 0,-1 1 1 0 0,1 0-1 0 0,0 0 1 0 0,0 0-1 0 0,0 0 1 0 0,0 0-1 0 0,0 0 1 0 0,-1 0-1 0 0,1 0 1 0 0,0 0 0 0 0,0 0-1 0 0,0 0 1 0 0,0 0-1 0 0,0 0 1 0 0,-1 0-1 0 0,14-9 107 0 0,-11 8-62 0 0,5-4 19 0 0,1 1 0 0 0,0 1 0 0 0,0-1 0 0 0,0 1 0 0 0,10-3 0 0 0,16-5 181 0 0,-25 8-324 0 0,-1 0-1 0 0,1 1 1 0 0,0 1-1 0 0,14-2 0 0 0,3 0-1468 0 0,14-2-1947 0 0,-28 4 1768 0 0</inkml:trace>
-</inkml:ink>
-</file>
-
-<file path=ppt/ink/ink92.xml><?xml version="1.0" encoding="utf-8"?>
-<inkml:ink xmlns:inkml="http://www.w3.org/2003/InkML">
-  <inkml:definitions>
-    <inkml:context xml:id="ctx0">
-      <inkml:inkSource xml:id="inkSrc0">
-        <inkml:traceFormat>
-          <inkml:channel name="X" type="integer" min="-2.14748E9" max="2.14748E9" units="cm"/>
-          <inkml:channel name="Y" type="integer" min="-2.14748E9" max="2.14748E9" units="cm"/>
-          <inkml:channel name="F" type="integer" max="32767" units="dev"/>
-          <inkml:channel name="OA" type="integer" max="360" units="deg"/>
-          <inkml:channel name="OE" type="integer" max="90" units="deg"/>
-        </inkml:traceFormat>
-        <inkml:channelProperties>
-          <inkml:channelProperty channel="X" name="resolution" value="1000" units="1/cm"/>
-          <inkml:channelProperty channel="Y" name="resolution" value="1000" units="1/cm"/>
-          <inkml:channelProperty channel="F" name="resolution" value="0" units="1/dev"/>
-          <inkml:channelProperty channel="OA" name="resolution" value="1000" units="1/deg"/>
-          <inkml:channelProperty channel="OE" name="resolution" value="1000" units="1/deg"/>
-        </inkml:channelProperties>
-      </inkml:inkSource>
-      <inkml:timestamp xml:id="ts0" timeString="2020-11-03T16:22:47.867"/>
-    </inkml:context>
-    <inkml:brush xml:id="br0">
-      <inkml:brushProperty name="width" value="0.05" units="cm"/>
-      <inkml:brushProperty name="height" value="0.05" units="cm"/>
-      <inkml:brushProperty name="color" value="#E71224"/>
-    </inkml:brush>
-  </inkml:definitions>
-  <inkml:trace contextRef="#ctx0" brushRef="#br0">14 0 7368 0 0,'0'0'7906'0'0,"-1"8"-6149"0"0,1 4-808 0 0,-1 1 0 0 0,4 23 0 0 0,-1 3-85 0 0,-14 241 1824 0 0,9-245-2605 0 0,1 1 0 0 0,5 56 0 0 0,-3-89-354 0 0,0 0 0 0 0,1-1 0 0 0,0 1 0 0 0,0 0 0 0 0,1 4 0 0 0,11-12-8016 0 0,-5 0 2329 0 0</inkml:trace>
-</inkml:ink>
-</file>
-
-<file path=ppt/ink/ink93.xml><?xml version="1.0" encoding="utf-8"?>
-<inkml:ink xmlns:inkml="http://www.w3.org/2003/InkML">
-  <inkml:definitions>
-    <inkml:context xml:id="ctx0">
-      <inkml:inkSource xml:id="inkSrc0">
-        <inkml:traceFormat>
-          <inkml:channel name="X" type="integer" min="-2.14748E9" max="2.14748E9" units="cm"/>
-          <inkml:channel name="Y" type="integer" min="-2.14748E9" max="2.14748E9" units="cm"/>
-          <inkml:channel name="F" type="integer" max="32767" units="dev"/>
-          <inkml:channel name="OA" type="integer" max="360" units="deg"/>
-          <inkml:channel name="OE" type="integer" max="90" units="deg"/>
-        </inkml:traceFormat>
-        <inkml:channelProperties>
-          <inkml:channelProperty channel="X" name="resolution" value="1000" units="1/cm"/>
-          <inkml:channelProperty channel="Y" name="resolution" value="1000" units="1/cm"/>
-          <inkml:channelProperty channel="F" name="resolution" value="0" units="1/dev"/>
-          <inkml:channelProperty channel="OA" name="resolution" value="1000" units="1/deg"/>
-          <inkml:channelProperty channel="OE" name="resolution" value="1000" units="1/deg"/>
-        </inkml:channelProperties>
-      </inkml:inkSource>
-      <inkml:timestamp xml:id="ts0" timeString="2020-11-03T16:22:48.203"/>
-    </inkml:context>
-    <inkml:brush xml:id="br0">
-      <inkml:brushProperty name="width" value="0.05" units="cm"/>
-      <inkml:brushProperty name="height" value="0.05" units="cm"/>
-      <inkml:brushProperty name="color" value="#E71224"/>
-    </inkml:brush>
-  </inkml:definitions>
-  <inkml:trace contextRef="#ctx0" brushRef="#br0">87 1 10912 0 0,'-4'1'189'0'0,"1"-1"0"0"0,-1 1 0 0 0,1 0 0 0 0,-1 0 0 0 0,1 0 0 0 0,0 0 0 0 0,-1 0 0 0 0,1 1 0 0 0,0 0 0 0 0,0-1 0 0 0,0 1 0 0 0,0 0 0 0 0,1 1 0 0 0,-1-1 0 0 0,0 0 0 0 0,-3 6 0 0 0,2-2 408 0 0,1 0 0 0 0,-1 0 1 0 0,2 0-1 0 0,-1 1 0 0 0,1-1 1 0 0,0 1-1 0 0,-2 12 0 0 0,2-11-101 0 0,0 0-1 0 0,1 0 0 0 0,1 0 0 0 0,0 9 0 0 0,0-13-289 0 0,0-1-1 0 0,1 1 1 0 0,-1-1-1 0 0,1 1 1 0 0,0-1-1 0 0,0 1 1 0 0,0-1 0 0 0,1 0-1 0 0,-1 1 1 0 0,1-1-1 0 0,4 5 1 0 0,-5-6-143 0 0,-1-1 1 0 0,1 1-1 0 0,1-1 1 0 0,-1 0-1 0 0,0 1 1 0 0,0-1-1 0 0,0 0 1 0 0,1 0-1 0 0,-1 0 1 0 0,0 0-1 0 0,1 0 1 0 0,-1 0-1 0 0,1 0 1 0 0,-1-1-1 0 0,1 1 1 0 0,-1 0-1 0 0,1-1 1 0 0,0 0-1 0 0,-1 1 1 0 0,1-1-1 0 0,0 0 1 0 0,-1 0-1 0 0,1 1 1 0 0,0-1-1 0 0,-1-1 1 0 0,1 1-1 0 0,0 0 1 0 0,-1 0-1 0 0,1-1 1 0 0,0 1-1 0 0,-1-1 1 0 0,1 1-1 0 0,0-1 1 0 0,-1 1-1 0 0,1-1 1 0 0,-1 0-1 0 0,0 0 1 0 0,1 0-1 0 0,1-1 1 0 0,4-4-15 0 0,-1-1-1 0 0,0 1 1 0 0,0-1 0 0 0,0 0 0 0 0,0 0-1 0 0,-1-1 1 0 0,-1 1 0 0 0,1-1-1 0 0,-1 0 1 0 0,4-11 0 0 0,3-13-91 0 0,10-43 0 0 0,-20 71-28 0 0</inkml:trace>
-</inkml:ink>
-</file>
-
-<file path=ppt/ink/ink94.xml><?xml version="1.0" encoding="utf-8"?>
-<inkml:ink xmlns:inkml="http://www.w3.org/2003/InkML">
-  <inkml:definitions>
-    <inkml:context xml:id="ctx0">
-      <inkml:inkSource xml:id="inkSrc0">
-        <inkml:traceFormat>
-          <inkml:channel name="X" type="integer" min="-2.14748E9" max="2.14748E9" units="cm"/>
-          <inkml:channel name="Y" type="integer" min="-2.14748E9" max="2.14748E9" units="cm"/>
-          <inkml:channel name="F" type="integer" max="32767" units="dev"/>
-          <inkml:channel name="OA" type="integer" max="360" units="deg"/>
-          <inkml:channel name="OE" type="integer" max="90" units="deg"/>
-        </inkml:traceFormat>
-        <inkml:channelProperties>
-          <inkml:channelProperty channel="X" name="resolution" value="1000" units="1/cm"/>
-          <inkml:channelProperty channel="Y" name="resolution" value="1000" units="1/cm"/>
-          <inkml:channelProperty channel="F" name="resolution" value="0" units="1/dev"/>
-          <inkml:channelProperty channel="OA" name="resolution" value="1000" units="1/deg"/>
-          <inkml:channelProperty channel="OE" name="resolution" value="1000" units="1/deg"/>
-        </inkml:channelProperties>
-      </inkml:inkSource>
-      <inkml:timestamp xml:id="ts0" timeString="2020-11-03T16:22:48.702"/>
-    </inkml:context>
-    <inkml:brush xml:id="br0">
-      <inkml:brushProperty name="width" value="0.05" units="cm"/>
-      <inkml:brushProperty name="height" value="0.05" units="cm"/>
-      <inkml:brushProperty name="color" value="#E71224"/>
-    </inkml:brush>
-  </inkml:definitions>
-  <inkml:trace contextRef="#ctx0" brushRef="#br0">163 18 1376 0 0,'0'0'8697'0'0,"0"-1"-8145"0"0,0 0-1 0 0,0 0 1 0 0,0 0-1 0 0,0 0 1 0 0,0 0-1 0 0,0 0 1 0 0,0 0 0 0 0,0 0-1 0 0,0 1 1 0 0,0-1-1 0 0,0 0 1 0 0,-1-1-1 0 0,-1 1-431 0 0,1 0-1 0 0,-1 1 1 0 0,0-1-1 0 0,0 1 1 0 0,1-1-1 0 0,-1 1 0 0 0,0 0 1 0 0,0 0-1 0 0,0 0 1 0 0,1 0-1 0 0,-1 0 0 0 0,0 0 1 0 0,0 0-1 0 0,0 1 1 0 0,1-1-1 0 0,-1 1 0 0 0,0-1 1 0 0,0 1-1 0 0,1 0 1 0 0,-1-1-1 0 0,1 1 0 0 0,-1 0 1 0 0,-1 2-1 0 0,-2 0 63 0 0,0 0 0 0 0,1 0-1 0 0,0 1 1 0 0,0 0-1 0 0,0 0 1 0 0,-5 6 0 0 0,5-6-105 0 0,1 1 1 0 0,0 0-1 0 0,0 0 1 0 0,0 0-1 0 0,0 1 1 0 0,1-1 0 0 0,0 1-1 0 0,0-1 1 0 0,0 1-1 0 0,1 0 1 0 0,-2 5-1 0 0,3-4 34 0 0,0 1 0 0 0,0-1-1 0 0,0 0 1 0 0,1 0-1 0 0,0 0 1 0 0,1 0-1 0 0,1 7 1 0 0,-2-12-56 0 0,0 1-1 0 0,0-1 1 0 0,0 1-1 0 0,1-1 1 0 0,-1 1-1 0 0,1-1 1 0 0,-1 1-1 0 0,1-1 1 0 0,2 3 0 0 0,-2-4-34 0 0,-1-1 1 0 0,0 1 0 0 0,0 0-1 0 0,0 0 1 0 0,0 0 0 0 0,1-1-1 0 0,-1 1 1 0 0,0-1 0 0 0,1 1-1 0 0,-1-1 1 0 0,0 1 0 0 0,1-1-1 0 0,-1 0 1 0 0,1 0 0 0 0,-1 0 0 0 0,0 0-1 0 0,1 0 1 0 0,-1 0 0 0 0,2 0-1 0 0,0-1 7 0 0,-1 1-1 0 0,1-1 1 0 0,-1 0 0 0 0,0 0-1 0 0,1 0 1 0 0,-1-1-1 0 0,0 1 1 0 0,0-1-1 0 0,0 1 1 0 0,0-1 0 0 0,0 1-1 0 0,0-1 1 0 0,-1 0-1 0 0,3-2 1 0 0,-2 1 22 0 0,1-1 0 0 0,-1 1 0 0 0,0-1 0 0 0,1 0 0 0 0,-2 1 0 0 0,1-1 0 0 0,1-5 0 0 0,0-1 89 0 0,1-1 1 0 0,-1 1 0 0 0,2 1-1 0 0,10-20 1 0 0,-15 28-118 0 0,1 0-1 0 0,-1 0 1 0 0,1 1-1 0 0,-1-1 1 0 0,1 0-1 0 0,0 0 1 0 0,-1 0-1 0 0,1 0 1 0 0,0 1-1 0 0,0-1 1 0 0,0 0-1 0 0,-1 1 1 0 0,1-1-1 0 0,0 0 1 0 0,0 1-1 0 0,0 0 1 0 0,0-1-1 0 0,0 1 1 0 0,0-1-1 0 0,0 1 1 0 0,0 0-1 0 0,0 0 1 0 0,0-1-1 0 0,0 1 1 0 0,0 0-1 0 0,0 0 1 0 0,1 0-1 0 0,-1 0 1 0 0,0 0-1 0 0,0 1 1 0 0,0-1 0 0 0,0 0-1 0 0,0 0 1 0 0,0 1-1 0 0,0-1 1 0 0,0 1-1 0 0,0-1 1 0 0,1 1-1 0 0,1 1 26 0 0,-1 1 1 0 0,1-1-1 0 0,-1 0 0 0 0,0 0 1 0 0,1 1-1 0 0,-1 0 0 0 0,-1-1 1 0 0,1 1-1 0 0,0 0 0 0 0,-1 0 1 0 0,2 3-1 0 0,-1 0-8 0 0,0 0 0 0 0,-1-1 0 0 0,1 1 0 0 0,-2 0 1 0 0,1 0-1 0 0,0-1 0 0 0,-1 1 0 0 0,0 0 0 0 0,-1 0 0 0 0,-1 10 1 0 0,-3 4 66 0 0,-11 33 0 0 0,11-38-76 0 0,1-4-19 0 0,0-1 0 0 0,-1 1 0 0 0,0-1 0 0 0,-1 0 1 0 0,0 0-1 0 0,0-1 0 0 0,-1 0 0 0 0,0 0 0 0 0,-1 0 0 0 0,0-1 0 0 0,0 0 0 0 0,-19 12 0 0 0,22-17-369 0 0,0-1-1 0 0,0 1 1 0 0,-1-1-1 0 0,1-1 0 0 0,-1 1 1 0 0,0-1-1 0 0,1 0 1 0 0,-1 0-1 0 0,0-1 1 0 0,0 0-1 0 0,-5 0 1 0 0,8 0 186 0 0,1 0 1 0 0,0 0 0 0 0,0-1-1 0 0,-1 1 1 0 0,1 0 0 0 0,0-1-1 0 0,0 0 1 0 0,0 1 0 0 0,-1-1 0 0 0,1 0-1 0 0,0 0 1 0 0,0 0 0 0 0,0 0-1 0 0,0-1 1 0 0,1 1 0 0 0,-1 0-1 0 0,0-1 1 0 0,0 1 0 0 0,1-1-1 0 0,-1 0 1 0 0,1 0 0 0 0,0 1 0 0 0,-1-1-1 0 0,1 0 1 0 0,0 0 0 0 0,0 0-1 0 0,0 0 1 0 0,0-1 0 0 0,1 1-1 0 0,-2-4 1 0 0,2-4-1887 0 0</inkml:trace>
-</inkml:ink>
-</file>
-
-<file path=ppt/ink/ink95.xml><?xml version="1.0" encoding="utf-8"?>
-<inkml:ink xmlns:inkml="http://www.w3.org/2003/InkML">
-  <inkml:definitions>
-    <inkml:context xml:id="ctx0">
-      <inkml:inkSource xml:id="inkSrc0">
-        <inkml:traceFormat>
-          <inkml:channel name="X" type="integer" min="-2.14748E9" max="2.14748E9" units="cm"/>
-          <inkml:channel name="Y" type="integer" min="-2.14748E9" max="2.14748E9" units="cm"/>
-          <inkml:channel name="F" type="integer" max="32767" units="dev"/>
-          <inkml:channel name="OA" type="integer" max="360" units="deg"/>
-          <inkml:channel name="OE" type="integer" max="90" units="deg"/>
-        </inkml:traceFormat>
-        <inkml:channelProperties>
-          <inkml:channelProperty channel="X" name="resolution" value="1000" units="1/cm"/>
-          <inkml:channelProperty channel="Y" name="resolution" value="1000" units="1/cm"/>
-          <inkml:channelProperty channel="F" name="resolution" value="0" units="1/dev"/>
-          <inkml:channelProperty channel="OA" name="resolution" value="1000" units="1/deg"/>
-          <inkml:channelProperty channel="OE" name="resolution" value="1000" units="1/deg"/>
-        </inkml:channelProperties>
-      </inkml:inkSource>
-      <inkml:timestamp xml:id="ts0" timeString="2020-11-03T16:22:49.399"/>
-    </inkml:context>
-    <inkml:brush xml:id="br0">
-      <inkml:brushProperty name="width" value="0.05" units="cm"/>
-      <inkml:brushProperty name="height" value="0.05" units="cm"/>
-      <inkml:brushProperty name="color" value="#E71224"/>
-    </inkml:brush>
-  </inkml:definitions>
-  <inkml:trace contextRef="#ctx0" brushRef="#br0">0 12 4608 0 0,'0'0'11285'0'0,"9"0"-9812"0"0,-4 1-943 0 0,0-1-1 0 0,0 0 1 0 0,0 0-1 0 0,1-1 0 0 0,-1 1 1 0 0,0-1-1 0 0,0 0 1 0 0,5-2-1 0 0,-4 1 54 0 0,1 0-1 0 0,-1 1 0 0 0,13-1 1 0 0,-18 2-562 0 0,0 0 0 0 0,0 1 1 0 0,1-1-1 0 0,-1 0 1 0 0,0 1-1 0 0,0-1 1 0 0,0 1-1 0 0,0-1 0 0 0,0 1 1 0 0,0-1-1 0 0,0 1 1 0 0,0 0-1 0 0,0-1 1 0 0,0 1-1 0 0,0 0 0 0 0,0 0 1 0 0,0 0-1 0 0,-1 0 1 0 0,1 0-1 0 0,0 0 1 0 0,-1 0-1 0 0,1 0 0 0 0,-1 0 1 0 0,1 0-1 0 0,-1 0 1 0 0,1 0-1 0 0,-1 0 1 0 0,0 1-1 0 0,1-1 1 0 0,-1 0-1 0 0,0 0 0 0 0,0 0 1 0 0,0 0-1 0 0,0 2 1 0 0,0 3-18 0 0,0-1 1 0 0,0 0-1 0 0,0 0 1 0 0,-1 1-1 0 0,0-1 0 0 0,-2 9 1 0 0,-2-1 15 0 0,-1-1 0 0 0,-10 18 0 0 0,-2 4-123 0 0,15-25 103 0 0,2 0 0 0 0,5-1 0 0 0,-2-7 5 0 0,0 0 1 0 0,-1 0-1 0 0,1 0 0 0 0,0-1 0 0 0,0 1 0 0 0,0 0 1 0 0,0-1-1 0 0,0 1 0 0 0,0-1 0 0 0,0 0 0 0 0,0 0 0 0 0,0 0 1 0 0,0 0-1 0 0,0 0 0 0 0,0 0 0 0 0,3-1 0 0 0,34-10-1065 0 0,-31 8 258 0 0,10-2-288 0 0</inkml:trace>
-</inkml:ink>
-</file>
-
-<file path=ppt/ink/ink96.xml><?xml version="1.0" encoding="utf-8"?>
-<inkml:ink xmlns:inkml="http://www.w3.org/2003/InkML">
-  <inkml:definitions>
-    <inkml:context xml:id="ctx0">
-      <inkml:inkSource xml:id="inkSrc0">
-        <inkml:traceFormat>
-          <inkml:channel name="X" type="integer" min="-2.14748E9" max="2.14748E9" units="cm"/>
-          <inkml:channel name="Y" type="integer" min="-2.14748E9" max="2.14748E9" units="cm"/>
-          <inkml:channel name="F" type="integer" max="32767" units="dev"/>
-          <inkml:channel name="OA" type="integer" max="360" units="deg"/>
-          <inkml:channel name="OE" type="integer" max="90" units="deg"/>
-        </inkml:traceFormat>
-        <inkml:channelProperties>
-          <inkml:channelProperty channel="X" name="resolution" value="1000" units="1/cm"/>
-          <inkml:channelProperty channel="Y" name="resolution" value="1000" units="1/cm"/>
-          <inkml:channelProperty channel="F" name="resolution" value="0" units="1/dev"/>
-          <inkml:channelProperty channel="OA" name="resolution" value="1000" units="1/deg"/>
-          <inkml:channelProperty channel="OE" name="resolution" value="1000" units="1/deg"/>
-        </inkml:channelProperties>
-      </inkml:inkSource>
-      <inkml:timestamp xml:id="ts0" timeString="2020-11-03T16:22:50.219"/>
-    </inkml:context>
-    <inkml:brush xml:id="br0">
-      <inkml:brushProperty name="width" value="0.05" units="cm"/>
-      <inkml:brushProperty name="height" value="0.05" units="cm"/>
-      <inkml:brushProperty name="color" value="#E71224"/>
-    </inkml:brush>
-  </inkml:definitions>
-  <inkml:trace contextRef="#ctx0" brushRef="#br0">198 0 1840 0 0,'0'0'11232'0'0,"-6"5"-9694"0"0,1-1-1175 0 0,-1 0 0 0 0,1 1 0 0 0,0 0 0 0 0,0 0 0 0 0,0 0 0 0 0,1 0 0 0 0,-8 12 0 0 0,-23 47 512 0 0,22-38-577 0 0,-8 15 174 0 0,-26 76 0 0 0,40-95-295 0 0,1 1-1 0 0,1 0 0 0 0,1 0 0 0 0,-2 41 0 0 0,6-53-45 0 0,0 1 0 0 0,0-1-1 0 0,1 0 1 0 0,1 0 0 0 0,0 0 0 0 0,0-1-1 0 0,1 1 1 0 0,1 0 0 0 0,0-1-1 0 0,0 0 1 0 0,1 0 0 0 0,7 11-1 0 0,-9-16-42 0 0,1 0 0 0 0,0-1 0 0 0,1 1 0 0 0,-1-1 0 0 0,1 0 0 0 0,-1 0-1 0 0,1 0 1 0 0,1-1 0 0 0,-1 0 0 0 0,0 0 0 0 0,9 4 0 0 0,-9-6-275 0 0,-1 1 0 0 0,1-1 1 0 0,0 0-1 0 0,-1 0 0 0 0,1 0 0 0 0,0-1 1 0 0,0 1-1 0 0,-1-1 0 0 0,1 0 0 0 0,0-1 1 0 0,-1 1-1 0 0,1-1 0 0 0,0 0 1 0 0,-1 0-1 0 0,8-3 0 0 0,0-4-4881 0 0,-3-1-1486 0 0</inkml:trace>
-</inkml:ink>
-</file>
-
-<file path=ppt/ink/ink97.xml><?xml version="1.0" encoding="utf-8"?>
-<inkml:ink xmlns:inkml="http://www.w3.org/2003/InkML">
-  <inkml:definitions>
-    <inkml:context xml:id="ctx0">
-      <inkml:inkSource xml:id="inkSrc0">
-        <inkml:traceFormat>
-          <inkml:channel name="X" type="integer" min="-2.14748E9" max="2.14748E9" units="cm"/>
-          <inkml:channel name="Y" type="integer" min="-2.14748E9" max="2.14748E9" units="cm"/>
-          <inkml:channel name="F" type="integer" max="32767" units="dev"/>
-          <inkml:channel name="OA" type="integer" max="360" units="deg"/>
-          <inkml:channel name="OE" type="integer" max="90" units="deg"/>
-        </inkml:traceFormat>
-        <inkml:channelProperties>
-          <inkml:channelProperty channel="X" name="resolution" value="1000" units="1/cm"/>
-          <inkml:channelProperty channel="Y" name="resolution" value="1000" units="1/cm"/>
-          <inkml:channelProperty channel="F" name="resolution" value="0" units="1/dev"/>
-          <inkml:channelProperty channel="OA" name="resolution" value="1000" units="1/deg"/>
-          <inkml:channelProperty channel="OE" name="resolution" value="1000" units="1/deg"/>
-        </inkml:channelProperties>
-      </inkml:inkSource>
-      <inkml:timestamp xml:id="ts0" timeString="2020-11-03T16:22:50.736"/>
-    </inkml:context>
-    <inkml:brush xml:id="br0">
-      <inkml:brushProperty name="width" value="0.05" units="cm"/>
-      <inkml:brushProperty name="height" value="0.05" units="cm"/>
-      <inkml:brushProperty name="color" value="#E71224"/>
-    </inkml:brush>
-  </inkml:definitions>
-  <inkml:trace contextRef="#ctx0" brushRef="#br0">1 208 1840 0 0,'0'0'13077'0'0,"4"-7"-11472"0"0,5-2-270 0 0,-4 5-910 0 0,-1 0 1 0 0,0 0-1 0 0,0 0 0 0 0,-1-1 1 0 0,1 1-1 0 0,-1-1 0 0 0,3-6 0 0 0,31-70 906 0 0,-23 55-996 0 0,-13 26-178 0 0,16 15 0 0 0,-13-10-146 0 0,-1 0-1 0 0,0 1 1 0 0,0-1-1 0 0,0 1 1 0 0,-1 0-1 0 0,4 10 0 0 0,5 14-11 0 0,11 31 76 0 0,-22-60 322 0 0,1-2-374 0 0,0 0-1 0 0,0 0 1 0 0,0 0-1 0 0,-1 0 0 0 0,1 0 1 0 0,0 0-1 0 0,-1 0 1 0 0,1 0-1 0 0,-1-1 0 0 0,1 1 1 0 0,-1 0-1 0 0,0 0 1 0 0,0-1-1 0 0,1-1 1 0 0,-1 1 6 0 0,8-38 16 0 0,4-61 0 0 0,-12 94-1127 0 0,1 1 0 0 0,0-1-1 0 0,3-10 1 0 0</inkml:trace>
-</inkml:ink>
-</file>
-
-<file path=ppt/ink/ink98.xml><?xml version="1.0" encoding="utf-8"?>
-<inkml:ink xmlns:inkml="http://www.w3.org/2003/InkML">
-  <inkml:definitions>
-    <inkml:context xml:id="ctx0">
-      <inkml:inkSource xml:id="inkSrc0">
-        <inkml:traceFormat>
-          <inkml:channel name="X" type="integer" min="-2.14748E9" max="2.14748E9" units="cm"/>
-          <inkml:channel name="Y" type="integer" min="-2.14748E9" max="2.14748E9" units="cm"/>
-          <inkml:channel name="F" type="integer" max="32767" units="dev"/>
-          <inkml:channel name="OA" type="integer" max="360" units="deg"/>
-          <inkml:channel name="OE" type="integer" max="90" units="deg"/>
-        </inkml:traceFormat>
-        <inkml:channelProperties>
-          <inkml:channelProperty channel="X" name="resolution" value="1000" units="1/cm"/>
-          <inkml:channelProperty channel="Y" name="resolution" value="1000" units="1/cm"/>
-          <inkml:channelProperty channel="F" name="resolution" value="0" units="1/dev"/>
-          <inkml:channelProperty channel="OA" name="resolution" value="1000" units="1/deg"/>
-          <inkml:channelProperty channel="OE" name="resolution" value="1000" units="1/deg"/>
-        </inkml:channelProperties>
-      </inkml:inkSource>
-      <inkml:timestamp xml:id="ts0" timeString="2020-11-03T16:22:51.120"/>
-    </inkml:context>
-    <inkml:brush xml:id="br0">
-      <inkml:brushProperty name="width" value="0.05" units="cm"/>
-      <inkml:brushProperty name="height" value="0.05" units="cm"/>
-      <inkml:brushProperty name="color" value="#E71224"/>
-    </inkml:brush>
-  </inkml:definitions>
-  <inkml:trace contextRef="#ctx0" brushRef="#br0">1 0 3224 0 0,'0'1'4383'0'0,"3"6"-1988"0"0,8 5 4934 0 0,10 4-4275 0 0,4 3-2052 0 0,-18-13-911 0 0,-1 0-1 0 0,1 1 1 0 0,-1 0-1 0 0,0 1 1 0 0,0-1-1 0 0,-1 1 1 0 0,0 0-1 0 0,-1 1 0 0 0,0-1 1 0 0,0 1-1 0 0,-1 0 1 0 0,3 12-1 0 0,-2-5-6 0 0,-2 1-1 0 0,0-1 1 0 0,-1 1-1 0 0,0 0 1 0 0,-2-1-1 0 0,0 1 1 0 0,-4 22-1 0 0,-6 51-160 0 0,11-89 63 0 0,-3 44-230 0 0,3-41-48 0 0,0-1 0 0 0,0 1 0 0 0,1 0 1 0 0,-1 0-1 0 0,1 0 0 0 0,0-1 0 0 0,0 1 1 0 0,0-1-1 0 0,2 5 0 0 0</inkml:trace>
-</inkml:ink>
-</file>
-
-<file path=ppt/ink/ink99.xml><?xml version="1.0" encoding="utf-8"?>
-<inkml:ink xmlns:inkml="http://www.w3.org/2003/InkML">
-  <inkml:definitions>
-    <inkml:context xml:id="ctx0">
-      <inkml:inkSource xml:id="inkSrc0">
-        <inkml:traceFormat>
-          <inkml:channel name="X" type="integer" min="-2.14748E9" max="2.14748E9" units="cm"/>
-          <inkml:channel name="Y" type="integer" min="-2.14748E9" max="2.14748E9" units="cm"/>
-          <inkml:channel name="F" type="integer" max="32767" units="dev"/>
-          <inkml:channel name="OA" type="integer" max="360" units="deg"/>
-          <inkml:channel name="OE" type="integer" max="90" units="deg"/>
-        </inkml:traceFormat>
-        <inkml:channelProperties>
-          <inkml:channelProperty channel="X" name="resolution" value="1000" units="1/cm"/>
-          <inkml:channelProperty channel="Y" name="resolution" value="1000" units="1/cm"/>
-          <inkml:channelProperty channel="F" name="resolution" value="0" units="1/dev"/>
-          <inkml:channelProperty channel="OA" name="resolution" value="1000" units="1/deg"/>
-          <inkml:channelProperty channel="OE" name="resolution" value="1000" units="1/deg"/>
-        </inkml:channelProperties>
-      </inkml:inkSource>
-      <inkml:timestamp xml:id="ts0" timeString="2020-11-03T16:22:51.485"/>
-    </inkml:context>
-    <inkml:brush xml:id="br0">
-      <inkml:brushProperty name="width" value="0.05" units="cm"/>
-      <inkml:brushProperty name="height" value="0.05" units="cm"/>
-      <inkml:brushProperty name="color" value="#E71224"/>
-    </inkml:brush>
-  </inkml:definitions>
-  <inkml:trace contextRef="#ctx0" brushRef="#br0">1 0 6912 0 0,'2'1'8751'0'0,"8"6"-6791"0"0,47 36 2176 0 0,-46-33-3952 0 0,0 1-1 0 0,0 0 1 0 0,-1 0-1 0 0,-1 1 1 0 0,0 0-1 0 0,0 1 1 0 0,-1-1-1 0 0,-1 2 1 0 0,0-1-1 0 0,-1 1 1 0 0,-1 0-1 0 0,0 1 1 0 0,-1-1-1 0 0,0 1 1 0 0,2 15-1 0 0,-4-6-89 0 0,-1 0 0 0 0,-3 45 0 0 0,-14 45-54 0 0,5-33-467 0 0,5-50-1401 0 0,-8 32 0 0 0,6-49-784 0 0,7-13 2344 0 0,-2 3-1203 0 0</inkml:trace>
 </inkml:ink>
 </file>
 
@@ -8887,6 +9495,813 @@
           </a:p>
         </p:txBody>
       </p:sp>
+      <mc:AlternateContent xmlns:mc="http://schemas.openxmlformats.org/markup-compatibility/2006">
+        <mc:Choice xmlns:p14="http://schemas.microsoft.com/office/powerpoint/2010/main" Requires="p14">
+          <p:contentPart p14:bwMode="auto" r:id="rId2">
+            <p14:nvContentPartPr>
+              <p14:cNvPr id="4" name="Ink 3">
+                <a:extLst>
+                  <a:ext uri="{FF2B5EF4-FFF2-40B4-BE49-F238E27FC236}">
+                    <a16:creationId xmlns:a16="http://schemas.microsoft.com/office/drawing/2014/main" id="{0104AC32-3FA8-4FDA-9257-5928C55269B9}"/>
+                  </a:ext>
+                </a:extLst>
+              </p14:cNvPr>
+              <p14:cNvContentPartPr/>
+              <p14:nvPr/>
+            </p14:nvContentPartPr>
+            <p14:xfrm>
+              <a:off x="875089" y="1710979"/>
+              <a:ext cx="732240" cy="66600"/>
+            </p14:xfrm>
+          </p:contentPart>
+        </mc:Choice>
+        <mc:Fallback>
+          <p:pic>
+            <p:nvPicPr>
+              <p:cNvPr id="4" name="Ink 3">
+                <a:extLst>
+                  <a:ext uri="{FF2B5EF4-FFF2-40B4-BE49-F238E27FC236}">
+                    <a16:creationId xmlns:a16="http://schemas.microsoft.com/office/drawing/2014/main" id="{0104AC32-3FA8-4FDA-9257-5928C55269B9}"/>
+                  </a:ext>
+                </a:extLst>
+              </p:cNvPr>
+              <p:cNvPicPr/>
+              <p:nvPr/>
+            </p:nvPicPr>
+            <p:blipFill>
+              <a:blip r:embed="rId3"/>
+              <a:stretch>
+                <a:fillRect/>
+              </a:stretch>
+            </p:blipFill>
+            <p:spPr>
+              <a:xfrm>
+                <a:off x="866449" y="1701979"/>
+                <a:ext cx="749880" cy="84240"/>
+              </a:xfrm>
+              <a:prstGeom prst="rect">
+                <a:avLst/>
+              </a:prstGeom>
+            </p:spPr>
+          </p:pic>
+        </mc:Fallback>
+      </mc:AlternateContent>
+      <mc:AlternateContent xmlns:mc="http://schemas.openxmlformats.org/markup-compatibility/2006">
+        <mc:Choice xmlns:p14="http://schemas.microsoft.com/office/powerpoint/2010/main" Requires="p14">
+          <p:contentPart p14:bwMode="auto" r:id="rId4">
+            <p14:nvContentPartPr>
+              <p14:cNvPr id="5" name="Ink 4">
+                <a:extLst>
+                  <a:ext uri="{FF2B5EF4-FFF2-40B4-BE49-F238E27FC236}">
+                    <a16:creationId xmlns:a16="http://schemas.microsoft.com/office/drawing/2014/main" id="{BD013081-B361-4124-A541-EDB5C6B64EE0}"/>
+                  </a:ext>
+                </a:extLst>
+              </p14:cNvPr>
+              <p14:cNvContentPartPr/>
+              <p14:nvPr/>
+            </p14:nvContentPartPr>
+            <p14:xfrm>
+              <a:off x="896329" y="2119939"/>
+              <a:ext cx="885240" cy="99720"/>
+            </p14:xfrm>
+          </p:contentPart>
+        </mc:Choice>
+        <mc:Fallback>
+          <p:pic>
+            <p:nvPicPr>
+              <p:cNvPr id="5" name="Ink 4">
+                <a:extLst>
+                  <a:ext uri="{FF2B5EF4-FFF2-40B4-BE49-F238E27FC236}">
+                    <a16:creationId xmlns:a16="http://schemas.microsoft.com/office/drawing/2014/main" id="{BD013081-B361-4124-A541-EDB5C6B64EE0}"/>
+                  </a:ext>
+                </a:extLst>
+              </p:cNvPr>
+              <p:cNvPicPr/>
+              <p:nvPr/>
+            </p:nvPicPr>
+            <p:blipFill>
+              <a:blip r:embed="rId5"/>
+              <a:stretch>
+                <a:fillRect/>
+              </a:stretch>
+            </p:blipFill>
+            <p:spPr>
+              <a:xfrm>
+                <a:off x="887329" y="2110939"/>
+                <a:ext cx="902880" cy="117360"/>
+              </a:xfrm>
+              <a:prstGeom prst="rect">
+                <a:avLst/>
+              </a:prstGeom>
+            </p:spPr>
+          </p:pic>
+        </mc:Fallback>
+      </mc:AlternateContent>
+      <mc:AlternateContent xmlns:mc="http://schemas.openxmlformats.org/markup-compatibility/2006">
+        <mc:Choice xmlns:p14="http://schemas.microsoft.com/office/powerpoint/2010/main" Requires="p14">
+          <p:contentPart p14:bwMode="auto" r:id="rId6">
+            <p14:nvContentPartPr>
+              <p14:cNvPr id="6" name="Ink 5">
+                <a:extLst>
+                  <a:ext uri="{FF2B5EF4-FFF2-40B4-BE49-F238E27FC236}">
+                    <a16:creationId xmlns:a16="http://schemas.microsoft.com/office/drawing/2014/main" id="{5A6FE156-EC3D-41E1-A577-6984FFE08D87}"/>
+                  </a:ext>
+                </a:extLst>
+              </p14:cNvPr>
+              <p14:cNvContentPartPr/>
+              <p14:nvPr/>
+            </p14:nvContentPartPr>
+            <p14:xfrm>
+              <a:off x="854569" y="2564899"/>
+              <a:ext cx="806040" cy="45000"/>
+            </p14:xfrm>
+          </p:contentPart>
+        </mc:Choice>
+        <mc:Fallback>
+          <p:pic>
+            <p:nvPicPr>
+              <p:cNvPr id="6" name="Ink 5">
+                <a:extLst>
+                  <a:ext uri="{FF2B5EF4-FFF2-40B4-BE49-F238E27FC236}">
+                    <a16:creationId xmlns:a16="http://schemas.microsoft.com/office/drawing/2014/main" id="{5A6FE156-EC3D-41E1-A577-6984FFE08D87}"/>
+                  </a:ext>
+                </a:extLst>
+              </p:cNvPr>
+              <p:cNvPicPr/>
+              <p:nvPr/>
+            </p:nvPicPr>
+            <p:blipFill>
+              <a:blip r:embed="rId7"/>
+              <a:stretch>
+                <a:fillRect/>
+              </a:stretch>
+            </p:blipFill>
+            <p:spPr>
+              <a:xfrm>
+                <a:off x="845929" y="2555899"/>
+                <a:ext cx="823680" cy="62640"/>
+              </a:xfrm>
+              <a:prstGeom prst="rect">
+                <a:avLst/>
+              </a:prstGeom>
+            </p:spPr>
+          </p:pic>
+        </mc:Fallback>
+      </mc:AlternateContent>
+      <mc:AlternateContent xmlns:mc="http://schemas.openxmlformats.org/markup-compatibility/2006">
+        <mc:Choice xmlns:p14="http://schemas.microsoft.com/office/powerpoint/2010/main" Requires="p14">
+          <p:contentPart p14:bwMode="auto" r:id="rId8">
+            <p14:nvContentPartPr>
+              <p14:cNvPr id="7" name="Ink 6">
+                <a:extLst>
+                  <a:ext uri="{FF2B5EF4-FFF2-40B4-BE49-F238E27FC236}">
+                    <a16:creationId xmlns:a16="http://schemas.microsoft.com/office/drawing/2014/main" id="{C210DB64-3D9B-4354-98FE-FE4D35E3B98B}"/>
+                  </a:ext>
+                </a:extLst>
+              </p14:cNvPr>
+              <p14:cNvContentPartPr/>
+              <p14:nvPr/>
+            </p14:nvContentPartPr>
+            <p14:xfrm>
+              <a:off x="888049" y="2994019"/>
+              <a:ext cx="357840" cy="28440"/>
+            </p14:xfrm>
+          </p:contentPart>
+        </mc:Choice>
+        <mc:Fallback>
+          <p:pic>
+            <p:nvPicPr>
+              <p:cNvPr id="7" name="Ink 6">
+                <a:extLst>
+                  <a:ext uri="{FF2B5EF4-FFF2-40B4-BE49-F238E27FC236}">
+                    <a16:creationId xmlns:a16="http://schemas.microsoft.com/office/drawing/2014/main" id="{C210DB64-3D9B-4354-98FE-FE4D35E3B98B}"/>
+                  </a:ext>
+                </a:extLst>
+              </p:cNvPr>
+              <p:cNvPicPr/>
+              <p:nvPr/>
+            </p:nvPicPr>
+            <p:blipFill>
+              <a:blip r:embed="rId9"/>
+              <a:stretch>
+                <a:fillRect/>
+              </a:stretch>
+            </p:blipFill>
+            <p:spPr>
+              <a:xfrm>
+                <a:off x="879409" y="2985019"/>
+                <a:ext cx="375480" cy="46080"/>
+              </a:xfrm>
+              <a:prstGeom prst="rect">
+                <a:avLst/>
+              </a:prstGeom>
+            </p:spPr>
+          </p:pic>
+        </mc:Fallback>
+      </mc:AlternateContent>
+      <p:grpSp>
+        <p:nvGrpSpPr>
+          <p:cNvPr id="19" name="Group 18">
+            <a:extLst>
+              <a:ext uri="{FF2B5EF4-FFF2-40B4-BE49-F238E27FC236}">
+                <a16:creationId xmlns:a16="http://schemas.microsoft.com/office/drawing/2014/main" id="{AE5391B3-0DE4-4865-96B9-D6F2DB6CEB6A}"/>
+              </a:ext>
+            </a:extLst>
+          </p:cNvPr>
+          <p:cNvGrpSpPr/>
+          <p:nvPr/>
+        </p:nvGrpSpPr>
+        <p:grpSpPr>
+          <a:xfrm>
+            <a:off x="3522529" y="2702779"/>
+            <a:ext cx="1095120" cy="231840"/>
+            <a:chOff x="3522529" y="2702779"/>
+            <a:chExt cx="1095120" cy="231840"/>
+          </a:xfrm>
+        </p:grpSpPr>
+        <mc:AlternateContent xmlns:mc="http://schemas.openxmlformats.org/markup-compatibility/2006">
+          <mc:Choice xmlns:p14="http://schemas.microsoft.com/office/powerpoint/2010/main" Requires="p14">
+            <p:contentPart p14:bwMode="auto" r:id="rId10">
+              <p14:nvContentPartPr>
+                <p14:cNvPr id="8" name="Ink 7">
+                  <a:extLst>
+                    <a:ext uri="{FF2B5EF4-FFF2-40B4-BE49-F238E27FC236}">
+                      <a16:creationId xmlns:a16="http://schemas.microsoft.com/office/drawing/2014/main" id="{933376B1-9561-4193-8C74-BF619462B0F9}"/>
+                    </a:ext>
+                  </a:extLst>
+                </p14:cNvPr>
+                <p14:cNvContentPartPr/>
+                <p14:nvPr/>
+              </p14:nvContentPartPr>
+              <p14:xfrm>
+                <a:off x="3522529" y="2814739"/>
+                <a:ext cx="261000" cy="119880"/>
+              </p14:xfrm>
+            </p:contentPart>
+          </mc:Choice>
+          <mc:Fallback>
+            <p:pic>
+              <p:nvPicPr>
+                <p:cNvPr id="8" name="Ink 7">
+                  <a:extLst>
+                    <a:ext uri="{FF2B5EF4-FFF2-40B4-BE49-F238E27FC236}">
+                      <a16:creationId xmlns:a16="http://schemas.microsoft.com/office/drawing/2014/main" id="{933376B1-9561-4193-8C74-BF619462B0F9}"/>
+                    </a:ext>
+                  </a:extLst>
+                </p:cNvPr>
+                <p:cNvPicPr/>
+                <p:nvPr/>
+              </p:nvPicPr>
+              <p:blipFill>
+                <a:blip r:embed="rId11"/>
+                <a:stretch>
+                  <a:fillRect/>
+                </a:stretch>
+              </p:blipFill>
+              <p:spPr>
+                <a:xfrm>
+                  <a:off x="3513889" y="2806099"/>
+                  <a:ext cx="278640" cy="137520"/>
+                </a:xfrm>
+                <a:prstGeom prst="rect">
+                  <a:avLst/>
+                </a:prstGeom>
+              </p:spPr>
+            </p:pic>
+          </mc:Fallback>
+        </mc:AlternateContent>
+        <mc:AlternateContent xmlns:mc="http://schemas.openxmlformats.org/markup-compatibility/2006">
+          <mc:Choice xmlns:p14="http://schemas.microsoft.com/office/powerpoint/2010/main" Requires="p14">
+            <p:contentPart p14:bwMode="auto" r:id="rId12">
+              <p14:nvContentPartPr>
+                <p14:cNvPr id="9" name="Ink 8">
+                  <a:extLst>
+                    <a:ext uri="{FF2B5EF4-FFF2-40B4-BE49-F238E27FC236}">
+                      <a16:creationId xmlns:a16="http://schemas.microsoft.com/office/drawing/2014/main" id="{0EB6A74B-335F-4607-A798-037537F7E61B}"/>
+                    </a:ext>
+                  </a:extLst>
+                </p14:cNvPr>
+                <p14:cNvContentPartPr/>
+                <p14:nvPr/>
+              </p14:nvContentPartPr>
+              <p14:xfrm>
+                <a:off x="3927889" y="2788459"/>
+                <a:ext cx="124200" cy="128880"/>
+              </p14:xfrm>
+            </p:contentPart>
+          </mc:Choice>
+          <mc:Fallback>
+            <p:pic>
+              <p:nvPicPr>
+                <p:cNvPr id="9" name="Ink 8">
+                  <a:extLst>
+                    <a:ext uri="{FF2B5EF4-FFF2-40B4-BE49-F238E27FC236}">
+                      <a16:creationId xmlns:a16="http://schemas.microsoft.com/office/drawing/2014/main" id="{0EB6A74B-335F-4607-A798-037537F7E61B}"/>
+                    </a:ext>
+                  </a:extLst>
+                </p:cNvPr>
+                <p:cNvPicPr/>
+                <p:nvPr/>
+              </p:nvPicPr>
+              <p:blipFill>
+                <a:blip r:embed="rId13"/>
+                <a:stretch>
+                  <a:fillRect/>
+                </a:stretch>
+              </p:blipFill>
+              <p:spPr>
+                <a:xfrm>
+                  <a:off x="3918889" y="2779459"/>
+                  <a:ext cx="141840" cy="146520"/>
+                </a:xfrm>
+                <a:prstGeom prst="rect">
+                  <a:avLst/>
+                </a:prstGeom>
+              </p:spPr>
+            </p:pic>
+          </mc:Fallback>
+        </mc:AlternateContent>
+        <mc:AlternateContent xmlns:mc="http://schemas.openxmlformats.org/markup-compatibility/2006">
+          <mc:Choice xmlns:p14="http://schemas.microsoft.com/office/powerpoint/2010/main" Requires="p14">
+            <p:contentPart p14:bwMode="auto" r:id="rId14">
+              <p14:nvContentPartPr>
+                <p14:cNvPr id="10" name="Ink 9">
+                  <a:extLst>
+                    <a:ext uri="{FF2B5EF4-FFF2-40B4-BE49-F238E27FC236}">
+                      <a16:creationId xmlns:a16="http://schemas.microsoft.com/office/drawing/2014/main" id="{293D8914-63E0-4575-BC10-5F4E44CC15A8}"/>
+                    </a:ext>
+                  </a:extLst>
+                </p14:cNvPr>
+                <p14:cNvContentPartPr/>
+                <p14:nvPr/>
+              </p14:nvContentPartPr>
+              <p14:xfrm>
+                <a:off x="4132729" y="2702779"/>
+                <a:ext cx="25560" cy="195840"/>
+              </p14:xfrm>
+            </p:contentPart>
+          </mc:Choice>
+          <mc:Fallback>
+            <p:pic>
+              <p:nvPicPr>
+                <p:cNvPr id="10" name="Ink 9">
+                  <a:extLst>
+                    <a:ext uri="{FF2B5EF4-FFF2-40B4-BE49-F238E27FC236}">
+                      <a16:creationId xmlns:a16="http://schemas.microsoft.com/office/drawing/2014/main" id="{293D8914-63E0-4575-BC10-5F4E44CC15A8}"/>
+                    </a:ext>
+                  </a:extLst>
+                </p:cNvPr>
+                <p:cNvPicPr/>
+                <p:nvPr/>
+              </p:nvPicPr>
+              <p:blipFill>
+                <a:blip r:embed="rId15"/>
+                <a:stretch>
+                  <a:fillRect/>
+                </a:stretch>
+              </p:blipFill>
+              <p:spPr>
+                <a:xfrm>
+                  <a:off x="4124089" y="2694139"/>
+                  <a:ext cx="43200" cy="213480"/>
+                </a:xfrm>
+                <a:prstGeom prst="rect">
+                  <a:avLst/>
+                </a:prstGeom>
+              </p:spPr>
+            </p:pic>
+          </mc:Fallback>
+        </mc:AlternateContent>
+        <mc:AlternateContent xmlns:mc="http://schemas.openxmlformats.org/markup-compatibility/2006">
+          <mc:Choice xmlns:p14="http://schemas.microsoft.com/office/powerpoint/2010/main" Requires="p14">
+            <p:contentPart p14:bwMode="auto" r:id="rId16">
+              <p14:nvContentPartPr>
+                <p14:cNvPr id="11" name="Ink 10">
+                  <a:extLst>
+                    <a:ext uri="{FF2B5EF4-FFF2-40B4-BE49-F238E27FC236}">
+                      <a16:creationId xmlns:a16="http://schemas.microsoft.com/office/drawing/2014/main" id="{055BEDCE-81E0-4980-87D2-56401AD9D2D5}"/>
+                    </a:ext>
+                  </a:extLst>
+                </p14:cNvPr>
+                <p14:cNvContentPartPr/>
+                <p14:nvPr/>
+              </p14:nvContentPartPr>
+              <p14:xfrm>
+                <a:off x="4179169" y="2800699"/>
+                <a:ext cx="73080" cy="79200"/>
+              </p14:xfrm>
+            </p:contentPart>
+          </mc:Choice>
+          <mc:Fallback>
+            <p:pic>
+              <p:nvPicPr>
+                <p:cNvPr id="11" name="Ink 10">
+                  <a:extLst>
+                    <a:ext uri="{FF2B5EF4-FFF2-40B4-BE49-F238E27FC236}">
+                      <a16:creationId xmlns:a16="http://schemas.microsoft.com/office/drawing/2014/main" id="{055BEDCE-81E0-4980-87D2-56401AD9D2D5}"/>
+                    </a:ext>
+                  </a:extLst>
+                </p:cNvPr>
+                <p:cNvPicPr/>
+                <p:nvPr/>
+              </p:nvPicPr>
+              <p:blipFill>
+                <a:blip r:embed="rId17"/>
+                <a:stretch>
+                  <a:fillRect/>
+                </a:stretch>
+              </p:blipFill>
+              <p:spPr>
+                <a:xfrm>
+                  <a:off x="4170169" y="2792059"/>
+                  <a:ext cx="90720" cy="96840"/>
+                </a:xfrm>
+                <a:prstGeom prst="rect">
+                  <a:avLst/>
+                </a:prstGeom>
+              </p:spPr>
+            </p:pic>
+          </mc:Fallback>
+        </mc:AlternateContent>
+        <mc:AlternateContent xmlns:mc="http://schemas.openxmlformats.org/markup-compatibility/2006">
+          <mc:Choice xmlns:p14="http://schemas.microsoft.com/office/powerpoint/2010/main" Requires="p14">
+            <p:contentPart p14:bwMode="auto" r:id="rId18">
+              <p14:nvContentPartPr>
+                <p14:cNvPr id="12" name="Ink 11">
+                  <a:extLst>
+                    <a:ext uri="{FF2B5EF4-FFF2-40B4-BE49-F238E27FC236}">
+                      <a16:creationId xmlns:a16="http://schemas.microsoft.com/office/drawing/2014/main" id="{D4121B42-B631-44C9-B1DC-BE88B83B0718}"/>
+                    </a:ext>
+                  </a:extLst>
+                </p14:cNvPr>
+                <p14:cNvContentPartPr/>
+                <p14:nvPr/>
+              </p14:nvContentPartPr>
+              <p14:xfrm>
+                <a:off x="4302289" y="2787379"/>
+                <a:ext cx="75240" cy="132120"/>
+              </p14:xfrm>
+            </p:contentPart>
+          </mc:Choice>
+          <mc:Fallback>
+            <p:pic>
+              <p:nvPicPr>
+                <p:cNvPr id="12" name="Ink 11">
+                  <a:extLst>
+                    <a:ext uri="{FF2B5EF4-FFF2-40B4-BE49-F238E27FC236}">
+                      <a16:creationId xmlns:a16="http://schemas.microsoft.com/office/drawing/2014/main" id="{D4121B42-B631-44C9-B1DC-BE88B83B0718}"/>
+                    </a:ext>
+                  </a:extLst>
+                </p:cNvPr>
+                <p:cNvPicPr/>
+                <p:nvPr/>
+              </p:nvPicPr>
+              <p:blipFill>
+                <a:blip r:embed="rId19"/>
+                <a:stretch>
+                  <a:fillRect/>
+                </a:stretch>
+              </p:blipFill>
+              <p:spPr>
+                <a:xfrm>
+                  <a:off x="4293289" y="2778739"/>
+                  <a:ext cx="92880" cy="149760"/>
+                </a:xfrm>
+                <a:prstGeom prst="rect">
+                  <a:avLst/>
+                </a:prstGeom>
+              </p:spPr>
+            </p:pic>
+          </mc:Fallback>
+        </mc:AlternateContent>
+        <mc:AlternateContent xmlns:mc="http://schemas.openxmlformats.org/markup-compatibility/2006">
+          <mc:Choice xmlns:p14="http://schemas.microsoft.com/office/powerpoint/2010/main" Requires="p14">
+            <p:contentPart p14:bwMode="auto" r:id="rId20">
+              <p14:nvContentPartPr>
+                <p14:cNvPr id="13" name="Ink 12">
+                  <a:extLst>
+                    <a:ext uri="{FF2B5EF4-FFF2-40B4-BE49-F238E27FC236}">
+                      <a16:creationId xmlns:a16="http://schemas.microsoft.com/office/drawing/2014/main" id="{B3EC7AA5-4662-4F32-A9F5-7BD4359C46EB}"/>
+                    </a:ext>
+                  </a:extLst>
+                </p14:cNvPr>
+                <p14:cNvContentPartPr/>
+                <p14:nvPr/>
+              </p14:nvContentPartPr>
+              <p14:xfrm>
+                <a:off x="4422529" y="2826979"/>
+                <a:ext cx="65880" cy="86760"/>
+              </p14:xfrm>
+            </p:contentPart>
+          </mc:Choice>
+          <mc:Fallback>
+            <p:pic>
+              <p:nvPicPr>
+                <p:cNvPr id="13" name="Ink 12">
+                  <a:extLst>
+                    <a:ext uri="{FF2B5EF4-FFF2-40B4-BE49-F238E27FC236}">
+                      <a16:creationId xmlns:a16="http://schemas.microsoft.com/office/drawing/2014/main" id="{B3EC7AA5-4662-4F32-A9F5-7BD4359C46EB}"/>
+                    </a:ext>
+                  </a:extLst>
+                </p:cNvPr>
+                <p:cNvPicPr/>
+                <p:nvPr/>
+              </p:nvPicPr>
+              <p:blipFill>
+                <a:blip r:embed="rId21"/>
+                <a:stretch>
+                  <a:fillRect/>
+                </a:stretch>
+              </p:blipFill>
+              <p:spPr>
+                <a:xfrm>
+                  <a:off x="4413529" y="2818339"/>
+                  <a:ext cx="83520" cy="104400"/>
+                </a:xfrm>
+                <a:prstGeom prst="rect">
+                  <a:avLst/>
+                </a:prstGeom>
+              </p:spPr>
+            </p:pic>
+          </mc:Fallback>
+        </mc:AlternateContent>
+        <mc:AlternateContent xmlns:mc="http://schemas.openxmlformats.org/markup-compatibility/2006">
+          <mc:Choice xmlns:p14="http://schemas.microsoft.com/office/powerpoint/2010/main" Requires="p14">
+            <p:contentPart p14:bwMode="auto" r:id="rId22">
+              <p14:nvContentPartPr>
+                <p14:cNvPr id="14" name="Ink 13">
+                  <a:extLst>
+                    <a:ext uri="{FF2B5EF4-FFF2-40B4-BE49-F238E27FC236}">
+                      <a16:creationId xmlns:a16="http://schemas.microsoft.com/office/drawing/2014/main" id="{BE6642E5-5491-42E6-B794-35B0AE8CB99A}"/>
+                    </a:ext>
+                  </a:extLst>
+                </p14:cNvPr>
+                <p14:cNvContentPartPr/>
+                <p14:nvPr/>
+              </p14:nvContentPartPr>
+              <p14:xfrm>
+                <a:off x="4520449" y="2726539"/>
+                <a:ext cx="97200" cy="196560"/>
+              </p14:xfrm>
+            </p:contentPart>
+          </mc:Choice>
+          <mc:Fallback>
+            <p:pic>
+              <p:nvPicPr>
+                <p:cNvPr id="14" name="Ink 13">
+                  <a:extLst>
+                    <a:ext uri="{FF2B5EF4-FFF2-40B4-BE49-F238E27FC236}">
+                      <a16:creationId xmlns:a16="http://schemas.microsoft.com/office/drawing/2014/main" id="{BE6642E5-5491-42E6-B794-35B0AE8CB99A}"/>
+                    </a:ext>
+                  </a:extLst>
+                </p:cNvPr>
+                <p:cNvPicPr/>
+                <p:nvPr/>
+              </p:nvPicPr>
+              <p:blipFill>
+                <a:blip r:embed="rId23"/>
+                <a:stretch>
+                  <a:fillRect/>
+                </a:stretch>
+              </p:blipFill>
+              <p:spPr>
+                <a:xfrm>
+                  <a:off x="4511809" y="2717539"/>
+                  <a:ext cx="114840" cy="214200"/>
+                </a:xfrm>
+                <a:prstGeom prst="rect">
+                  <a:avLst/>
+                </a:prstGeom>
+              </p:spPr>
+            </p:pic>
+          </mc:Fallback>
+        </mc:AlternateContent>
+      </p:grpSp>
+      <p:grpSp>
+        <p:nvGrpSpPr>
+          <p:cNvPr id="18" name="Group 17">
+            <a:extLst>
+              <a:ext uri="{FF2B5EF4-FFF2-40B4-BE49-F238E27FC236}">
+                <a16:creationId xmlns:a16="http://schemas.microsoft.com/office/drawing/2014/main" id="{7DA47347-D5CD-4A89-A5B9-BC2F50AC9C15}"/>
+              </a:ext>
+            </a:extLst>
+          </p:cNvPr>
+          <p:cNvGrpSpPr/>
+          <p:nvPr/>
+        </p:nvGrpSpPr>
+        <p:grpSpPr>
+          <a:xfrm>
+            <a:off x="4829689" y="2726539"/>
+            <a:ext cx="219960" cy="189360"/>
+            <a:chOff x="4829689" y="2726539"/>
+            <a:chExt cx="219960" cy="189360"/>
+          </a:xfrm>
+        </p:grpSpPr>
+        <mc:AlternateContent xmlns:mc="http://schemas.openxmlformats.org/markup-compatibility/2006">
+          <mc:Choice xmlns:p14="http://schemas.microsoft.com/office/powerpoint/2010/main" Requires="p14">
+            <p:contentPart p14:bwMode="auto" r:id="rId24">
+              <p14:nvContentPartPr>
+                <p14:cNvPr id="15" name="Ink 14">
+                  <a:extLst>
+                    <a:ext uri="{FF2B5EF4-FFF2-40B4-BE49-F238E27FC236}">
+                      <a16:creationId xmlns:a16="http://schemas.microsoft.com/office/drawing/2014/main" id="{616EFEBD-48B0-4544-8F6A-1F655E5E2AAC}"/>
+                    </a:ext>
+                  </a:extLst>
+                </p14:cNvPr>
+                <p14:cNvContentPartPr/>
+                <p14:nvPr/>
+              </p14:nvContentPartPr>
+              <p14:xfrm>
+                <a:off x="4829689" y="2726539"/>
+                <a:ext cx="84600" cy="176040"/>
+              </p14:xfrm>
+            </p:contentPart>
+          </mc:Choice>
+          <mc:Fallback>
+            <p:pic>
+              <p:nvPicPr>
+                <p:cNvPr id="15" name="Ink 14">
+                  <a:extLst>
+                    <a:ext uri="{FF2B5EF4-FFF2-40B4-BE49-F238E27FC236}">
+                      <a16:creationId xmlns:a16="http://schemas.microsoft.com/office/drawing/2014/main" id="{616EFEBD-48B0-4544-8F6A-1F655E5E2AAC}"/>
+                    </a:ext>
+                  </a:extLst>
+                </p:cNvPr>
+                <p:cNvPicPr/>
+                <p:nvPr/>
+              </p:nvPicPr>
+              <p:blipFill>
+                <a:blip r:embed="rId25"/>
+                <a:stretch>
+                  <a:fillRect/>
+                </a:stretch>
+              </p:blipFill>
+              <p:spPr>
+                <a:xfrm>
+                  <a:off x="4821049" y="2717899"/>
+                  <a:ext cx="102240" cy="193680"/>
+                </a:xfrm>
+                <a:prstGeom prst="rect">
+                  <a:avLst/>
+                </a:prstGeom>
+              </p:spPr>
+            </p:pic>
+          </mc:Fallback>
+        </mc:AlternateContent>
+        <mc:AlternateContent xmlns:mc="http://schemas.openxmlformats.org/markup-compatibility/2006">
+          <mc:Choice xmlns:p14="http://schemas.microsoft.com/office/powerpoint/2010/main" Requires="p14">
+            <p:contentPart p14:bwMode="auto" r:id="rId26">
+              <p14:nvContentPartPr>
+                <p14:cNvPr id="16" name="Ink 15">
+                  <a:extLst>
+                    <a:ext uri="{FF2B5EF4-FFF2-40B4-BE49-F238E27FC236}">
+                      <a16:creationId xmlns:a16="http://schemas.microsoft.com/office/drawing/2014/main" id="{4D5DD4ED-DD07-45D8-B285-2411BA96FF56}"/>
+                    </a:ext>
+                  </a:extLst>
+                </p14:cNvPr>
+                <p14:cNvContentPartPr/>
+                <p14:nvPr/>
+              </p14:nvContentPartPr>
+              <p14:xfrm>
+                <a:off x="4945609" y="2726539"/>
+                <a:ext cx="104040" cy="189360"/>
+              </p14:xfrm>
+            </p:contentPart>
+          </mc:Choice>
+          <mc:Fallback>
+            <p:pic>
+              <p:nvPicPr>
+                <p:cNvPr id="16" name="Ink 15">
+                  <a:extLst>
+                    <a:ext uri="{FF2B5EF4-FFF2-40B4-BE49-F238E27FC236}">
+                      <a16:creationId xmlns:a16="http://schemas.microsoft.com/office/drawing/2014/main" id="{4D5DD4ED-DD07-45D8-B285-2411BA96FF56}"/>
+                    </a:ext>
+                  </a:extLst>
+                </p:cNvPr>
+                <p:cNvPicPr/>
+                <p:nvPr/>
+              </p:nvPicPr>
+              <p:blipFill>
+                <a:blip r:embed="rId27"/>
+                <a:stretch>
+                  <a:fillRect/>
+                </a:stretch>
+              </p:blipFill>
+              <p:spPr>
+                <a:xfrm>
+                  <a:off x="4936609" y="2717539"/>
+                  <a:ext cx="121680" cy="207000"/>
+                </a:xfrm>
+                <a:prstGeom prst="rect">
+                  <a:avLst/>
+                </a:prstGeom>
+              </p:spPr>
+            </p:pic>
+          </mc:Fallback>
+        </mc:AlternateContent>
+        <mc:AlternateContent xmlns:mc="http://schemas.openxmlformats.org/markup-compatibility/2006">
+          <mc:Choice xmlns:p14="http://schemas.microsoft.com/office/powerpoint/2010/main" Requires="p14">
+            <p:contentPart p14:bwMode="auto" r:id="rId28">
+              <p14:nvContentPartPr>
+                <p14:cNvPr id="17" name="Ink 16">
+                  <a:extLst>
+                    <a:ext uri="{FF2B5EF4-FFF2-40B4-BE49-F238E27FC236}">
+                      <a16:creationId xmlns:a16="http://schemas.microsoft.com/office/drawing/2014/main" id="{91B54DC6-EE8C-415D-9474-E82B549ED3BE}"/>
+                    </a:ext>
+                  </a:extLst>
+                </p14:cNvPr>
+                <p14:cNvContentPartPr/>
+                <p14:nvPr/>
+              </p14:nvContentPartPr>
+              <p14:xfrm>
+                <a:off x="4939129" y="2839939"/>
+                <a:ext cx="108360" cy="9360"/>
+              </p14:xfrm>
+            </p:contentPart>
+          </mc:Choice>
+          <mc:Fallback>
+            <p:pic>
+              <p:nvPicPr>
+                <p:cNvPr id="17" name="Ink 16">
+                  <a:extLst>
+                    <a:ext uri="{FF2B5EF4-FFF2-40B4-BE49-F238E27FC236}">
+                      <a16:creationId xmlns:a16="http://schemas.microsoft.com/office/drawing/2014/main" id="{91B54DC6-EE8C-415D-9474-E82B549ED3BE}"/>
+                    </a:ext>
+                  </a:extLst>
+                </p:cNvPr>
+                <p:cNvPicPr/>
+                <p:nvPr/>
+              </p:nvPicPr>
+              <p:blipFill>
+                <a:blip r:embed="rId29"/>
+                <a:stretch>
+                  <a:fillRect/>
+                </a:stretch>
+              </p:blipFill>
+              <p:spPr>
+                <a:xfrm>
+                  <a:off x="4930129" y="2830939"/>
+                  <a:ext cx="126000" cy="27000"/>
+                </a:xfrm>
+                <a:prstGeom prst="rect">
+                  <a:avLst/>
+                </a:prstGeom>
+              </p:spPr>
+            </p:pic>
+          </mc:Fallback>
+        </mc:AlternateContent>
+      </p:grpSp>
+      <mc:AlternateContent xmlns:mc="http://schemas.openxmlformats.org/markup-compatibility/2006">
+        <mc:Choice xmlns:p14="http://schemas.microsoft.com/office/powerpoint/2010/main" Requires="p14">
+          <p:contentPart p14:bwMode="auto" r:id="rId30">
+            <p14:nvContentPartPr>
+              <p14:cNvPr id="20" name="Ink 19">
+                <a:extLst>
+                  <a:ext uri="{FF2B5EF4-FFF2-40B4-BE49-F238E27FC236}">
+                    <a16:creationId xmlns:a16="http://schemas.microsoft.com/office/drawing/2014/main" id="{9090269F-EEC6-4DA8-8165-9B48350C76B4}"/>
+                  </a:ext>
+                </a:extLst>
+              </p14:cNvPr>
+              <p14:cNvContentPartPr/>
+              <p14:nvPr/>
+            </p14:nvContentPartPr>
+            <p14:xfrm>
+              <a:off x="964009" y="3452659"/>
+              <a:ext cx="1119960" cy="72360"/>
+            </p14:xfrm>
+          </p:contentPart>
+        </mc:Choice>
+        <mc:Fallback>
+          <p:pic>
+            <p:nvPicPr>
+              <p:cNvPr id="20" name="Ink 19">
+                <a:extLst>
+                  <a:ext uri="{FF2B5EF4-FFF2-40B4-BE49-F238E27FC236}">
+                    <a16:creationId xmlns:a16="http://schemas.microsoft.com/office/drawing/2014/main" id="{9090269F-EEC6-4DA8-8165-9B48350C76B4}"/>
+                  </a:ext>
+                </a:extLst>
+              </p:cNvPr>
+              <p:cNvPicPr/>
+              <p:nvPr/>
+            </p:nvPicPr>
+            <p:blipFill>
+              <a:blip r:embed="rId31"/>
+              <a:stretch>
+                <a:fillRect/>
+              </a:stretch>
+            </p:blipFill>
+            <p:spPr>
+              <a:xfrm>
+                <a:off x="955369" y="3444019"/>
+                <a:ext cx="1137600" cy="90000"/>
+              </a:xfrm>
+              <a:prstGeom prst="rect">
+                <a:avLst/>
+              </a:prstGeom>
+            </p:spPr>
+          </p:pic>
+        </mc:Fallback>
+      </mc:AlternateContent>
     </p:spTree>
     <p:extLst>
       <p:ext uri="{BB962C8B-B14F-4D97-AF65-F5344CB8AC3E}">
@@ -8987,6 +10402,231 @@
           </a:p>
         </p:txBody>
       </p:sp>
+      <mc:AlternateContent xmlns:mc="http://schemas.openxmlformats.org/markup-compatibility/2006">
+        <mc:Choice xmlns:p14="http://schemas.microsoft.com/office/powerpoint/2010/main" Requires="p14">
+          <p:contentPart p14:bwMode="auto" r:id="rId2">
+            <p14:nvContentPartPr>
+              <p14:cNvPr id="4" name="Ink 3">
+                <a:extLst>
+                  <a:ext uri="{FF2B5EF4-FFF2-40B4-BE49-F238E27FC236}">
+                    <a16:creationId xmlns:a16="http://schemas.microsoft.com/office/drawing/2014/main" id="{6503AA0F-917A-4F79-B918-4A1447820220}"/>
+                  </a:ext>
+                </a:extLst>
+              </p14:cNvPr>
+              <p14:cNvContentPartPr/>
+              <p14:nvPr/>
+            </p14:nvContentPartPr>
+            <p14:xfrm>
+              <a:off x="919369" y="1763899"/>
+              <a:ext cx="1323720" cy="32400"/>
+            </p14:xfrm>
+          </p:contentPart>
+        </mc:Choice>
+        <mc:Fallback>
+          <p:pic>
+            <p:nvPicPr>
+              <p:cNvPr id="4" name="Ink 3">
+                <a:extLst>
+                  <a:ext uri="{FF2B5EF4-FFF2-40B4-BE49-F238E27FC236}">
+                    <a16:creationId xmlns:a16="http://schemas.microsoft.com/office/drawing/2014/main" id="{6503AA0F-917A-4F79-B918-4A1447820220}"/>
+                  </a:ext>
+                </a:extLst>
+              </p:cNvPr>
+              <p:cNvPicPr/>
+              <p:nvPr/>
+            </p:nvPicPr>
+            <p:blipFill>
+              <a:blip r:embed="rId3"/>
+              <a:stretch>
+                <a:fillRect/>
+              </a:stretch>
+            </p:blipFill>
+            <p:spPr>
+              <a:xfrm>
+                <a:off x="910729" y="1754899"/>
+                <a:ext cx="1341360" cy="50040"/>
+              </a:xfrm>
+              <a:prstGeom prst="rect">
+                <a:avLst/>
+              </a:prstGeom>
+            </p:spPr>
+          </p:pic>
+        </mc:Fallback>
+      </mc:AlternateContent>
+      <mc:AlternateContent xmlns:mc="http://schemas.openxmlformats.org/markup-compatibility/2006">
+        <mc:Choice xmlns:p14="http://schemas.microsoft.com/office/powerpoint/2010/main" Requires="p14">
+          <p:contentPart p14:bwMode="auto" r:id="rId4">
+            <p14:nvContentPartPr>
+              <p14:cNvPr id="5" name="Ink 4">
+                <a:extLst>
+                  <a:ext uri="{FF2B5EF4-FFF2-40B4-BE49-F238E27FC236}">
+                    <a16:creationId xmlns:a16="http://schemas.microsoft.com/office/drawing/2014/main" id="{A9BAFFE7-9E48-4D9F-8FFD-52B14F74FB8B}"/>
+                  </a:ext>
+                </a:extLst>
+              </p14:cNvPr>
+              <p14:cNvContentPartPr/>
+              <p14:nvPr/>
+            </p14:nvContentPartPr>
+            <p14:xfrm>
+              <a:off x="2420929" y="2198419"/>
+              <a:ext cx="1202760" cy="57960"/>
+            </p14:xfrm>
+          </p:contentPart>
+        </mc:Choice>
+        <mc:Fallback>
+          <p:pic>
+            <p:nvPicPr>
+              <p:cNvPr id="5" name="Ink 4">
+                <a:extLst>
+                  <a:ext uri="{FF2B5EF4-FFF2-40B4-BE49-F238E27FC236}">
+                    <a16:creationId xmlns:a16="http://schemas.microsoft.com/office/drawing/2014/main" id="{A9BAFFE7-9E48-4D9F-8FFD-52B14F74FB8B}"/>
+                  </a:ext>
+                </a:extLst>
+              </p:cNvPr>
+              <p:cNvPicPr/>
+              <p:nvPr/>
+            </p:nvPicPr>
+            <p:blipFill>
+              <a:blip r:embed="rId5"/>
+              <a:stretch>
+                <a:fillRect/>
+              </a:stretch>
+            </p:blipFill>
+            <p:spPr>
+              <a:xfrm>
+                <a:off x="2411929" y="2189419"/>
+                <a:ext cx="1220400" cy="75600"/>
+              </a:xfrm>
+              <a:prstGeom prst="rect">
+                <a:avLst/>
+              </a:prstGeom>
+            </p:spPr>
+          </p:pic>
+        </mc:Fallback>
+      </mc:AlternateContent>
+      <p:grpSp>
+        <p:nvGrpSpPr>
+          <p:cNvPr id="8" name="Group 7">
+            <a:extLst>
+              <a:ext uri="{FF2B5EF4-FFF2-40B4-BE49-F238E27FC236}">
+                <a16:creationId xmlns:a16="http://schemas.microsoft.com/office/drawing/2014/main" id="{63FDFE93-38D8-4CF3-81A2-0D9A15539278}"/>
+              </a:ext>
+            </a:extLst>
+          </p:cNvPr>
+          <p:cNvGrpSpPr/>
+          <p:nvPr/>
+        </p:nvGrpSpPr>
+        <p:grpSpPr>
+          <a:xfrm>
+            <a:off x="2931049" y="2386339"/>
+            <a:ext cx="132120" cy="224280"/>
+            <a:chOff x="2931049" y="2386339"/>
+            <a:chExt cx="132120" cy="224280"/>
+          </a:xfrm>
+        </p:grpSpPr>
+        <mc:AlternateContent xmlns:mc="http://schemas.openxmlformats.org/markup-compatibility/2006">
+          <mc:Choice xmlns:p14="http://schemas.microsoft.com/office/powerpoint/2010/main" Requires="p14">
+            <p:contentPart p14:bwMode="auto" r:id="rId6">
+              <p14:nvContentPartPr>
+                <p14:cNvPr id="6" name="Ink 5">
+                  <a:extLst>
+                    <a:ext uri="{FF2B5EF4-FFF2-40B4-BE49-F238E27FC236}">
+                      <a16:creationId xmlns:a16="http://schemas.microsoft.com/office/drawing/2014/main" id="{F8DE8C90-7B26-43D3-842F-E7FE7CCA8C39}"/>
+                    </a:ext>
+                  </a:extLst>
+                </p14:cNvPr>
+                <p14:cNvContentPartPr/>
+                <p14:nvPr/>
+              </p14:nvContentPartPr>
+              <p14:xfrm>
+                <a:off x="3006649" y="2402539"/>
+                <a:ext cx="16200" cy="208080"/>
+              </p14:xfrm>
+            </p:contentPart>
+          </mc:Choice>
+          <mc:Fallback>
+            <p:pic>
+              <p:nvPicPr>
+                <p:cNvPr id="6" name="Ink 5">
+                  <a:extLst>
+                    <a:ext uri="{FF2B5EF4-FFF2-40B4-BE49-F238E27FC236}">
+                      <a16:creationId xmlns:a16="http://schemas.microsoft.com/office/drawing/2014/main" id="{F8DE8C90-7B26-43D3-842F-E7FE7CCA8C39}"/>
+                    </a:ext>
+                  </a:extLst>
+                </p:cNvPr>
+                <p:cNvPicPr/>
+                <p:nvPr/>
+              </p:nvPicPr>
+              <p:blipFill>
+                <a:blip r:embed="rId7"/>
+                <a:stretch>
+                  <a:fillRect/>
+                </a:stretch>
+              </p:blipFill>
+              <p:spPr>
+                <a:xfrm>
+                  <a:off x="2998009" y="2393899"/>
+                  <a:ext cx="33840" cy="225720"/>
+                </a:xfrm>
+                <a:prstGeom prst="rect">
+                  <a:avLst/>
+                </a:prstGeom>
+              </p:spPr>
+            </p:pic>
+          </mc:Fallback>
+        </mc:AlternateContent>
+        <mc:AlternateContent xmlns:mc="http://schemas.openxmlformats.org/markup-compatibility/2006">
+          <mc:Choice xmlns:p14="http://schemas.microsoft.com/office/powerpoint/2010/main" Requires="p14">
+            <p:contentPart p14:bwMode="auto" r:id="rId8">
+              <p14:nvContentPartPr>
+                <p14:cNvPr id="7" name="Ink 6">
+                  <a:extLst>
+                    <a:ext uri="{FF2B5EF4-FFF2-40B4-BE49-F238E27FC236}">
+                      <a16:creationId xmlns:a16="http://schemas.microsoft.com/office/drawing/2014/main" id="{6AEC9DB2-BB11-4D0A-8675-B5BB499140F2}"/>
+                    </a:ext>
+                  </a:extLst>
+                </p14:cNvPr>
+                <p14:cNvContentPartPr/>
+                <p14:nvPr/>
+              </p14:nvContentPartPr>
+              <p14:xfrm>
+                <a:off x="2931049" y="2386339"/>
+                <a:ext cx="132120" cy="107640"/>
+              </p14:xfrm>
+            </p:contentPart>
+          </mc:Choice>
+          <mc:Fallback>
+            <p:pic>
+              <p:nvPicPr>
+                <p:cNvPr id="7" name="Ink 6">
+                  <a:extLst>
+                    <a:ext uri="{FF2B5EF4-FFF2-40B4-BE49-F238E27FC236}">
+                      <a16:creationId xmlns:a16="http://schemas.microsoft.com/office/drawing/2014/main" id="{6AEC9DB2-BB11-4D0A-8675-B5BB499140F2}"/>
+                    </a:ext>
+                  </a:extLst>
+                </p:cNvPr>
+                <p:cNvPicPr/>
+                <p:nvPr/>
+              </p:nvPicPr>
+              <p:blipFill>
+                <a:blip r:embed="rId9"/>
+                <a:stretch>
+                  <a:fillRect/>
+                </a:stretch>
+              </p:blipFill>
+              <p:spPr>
+                <a:xfrm>
+                  <a:off x="2922409" y="2377339"/>
+                  <a:ext cx="149760" cy="125280"/>
+                </a:xfrm>
+                <a:prstGeom prst="rect">
+                  <a:avLst/>
+                </a:prstGeom>
+              </p:spPr>
+            </p:pic>
+          </mc:Fallback>
+        </mc:AlternateContent>
+      </p:grpSp>
     </p:spTree>
     <p:extLst>
       <p:ext uri="{BB962C8B-B14F-4D97-AF65-F5344CB8AC3E}">
